--- a/JavaLecture/LectureFile/java 2강 연산자.pptx
+++ b/JavaLecture/LectureFile/java 2강 연산자.pptx
@@ -245,7 +245,7 @@
           <a:p>
             <a:fld id="{D79F2C30-10E1-4C46-91DC-BBDB9629E720}" type="datetimeFigureOut">
               <a:rPr lang="ko-KR" altLang="en-US" smtClean="0"/>
-              <a:t>2023-03-24</a:t>
+              <a:t>2023-03-26</a:t>
             </a:fld>
             <a:endParaRPr lang="ko-KR" altLang="en-US"/>
           </a:p>
@@ -705,7 +705,7 @@
           <a:p>
             <a:fld id="{F8166F1F-CE9B-4651-A6AA-CD717754106B}" type="datetimeFigureOut">
               <a:rPr lang="en-US" smtClean="0"/>
-              <a:t>3/24/2023</a:t>
+              <a:t>3/26/2023</a:t>
             </a:fld>
             <a:endParaRPr lang="en-US"/>
           </a:p>
@@ -908,7 +908,7 @@
           <a:p>
             <a:fld id="{A76116CE-C4A3-4A05-B2D7-7C2E9A889C0F}" type="datetimeFigureOut">
               <a:rPr lang="en-US" smtClean="0"/>
-              <a:t>3/24/2023</a:t>
+              <a:t>3/26/2023</a:t>
             </a:fld>
             <a:endParaRPr lang="en-US"/>
           </a:p>
@@ -1111,7 +1111,7 @@
           <a:p>
             <a:fld id="{A76116CE-C4A3-4A05-B2D7-7C2E9A889C0F}" type="datetimeFigureOut">
               <a:rPr lang="en-US" smtClean="0"/>
-              <a:t>3/24/2023</a:t>
+              <a:t>3/26/2023</a:t>
             </a:fld>
             <a:endParaRPr lang="en-US"/>
           </a:p>
@@ -1316,7 +1316,7 @@
           <a:p>
             <a:fld id="{A76116CE-C4A3-4A05-B2D7-7C2E9A889C0F}" type="datetimeFigureOut">
               <a:rPr lang="en-US" smtClean="0"/>
-              <a:t>3/24/2023</a:t>
+              <a:t>3/26/2023</a:t>
             </a:fld>
             <a:endParaRPr lang="en-US"/>
           </a:p>
@@ -1586,7 +1586,7 @@
           <a:p>
             <a:fld id="{A76116CE-C4A3-4A05-B2D7-7C2E9A889C0F}" type="datetimeFigureOut">
               <a:rPr lang="en-US" smtClean="0"/>
-              <a:t>3/24/2023</a:t>
+              <a:t>3/26/2023</a:t>
             </a:fld>
             <a:endParaRPr lang="en-US"/>
           </a:p>
@@ -1904,7 +1904,7 @@
           <a:p>
             <a:fld id="{A76116CE-C4A3-4A05-B2D7-7C2E9A889C0F}" type="datetimeFigureOut">
               <a:rPr lang="en-US" smtClean="0"/>
-              <a:t>3/24/2023</a:t>
+              <a:t>3/26/2023</a:t>
             </a:fld>
             <a:endParaRPr lang="en-US"/>
           </a:p>
@@ -2362,7 +2362,7 @@
           <a:p>
             <a:fld id="{A76116CE-C4A3-4A05-B2D7-7C2E9A889C0F}" type="datetimeFigureOut">
               <a:rPr lang="en-US" smtClean="0"/>
-              <a:t>3/24/2023</a:t>
+              <a:t>3/26/2023</a:t>
             </a:fld>
             <a:endParaRPr lang="en-US"/>
           </a:p>
@@ -2506,7 +2506,7 @@
           <a:p>
             <a:fld id="{A76116CE-C4A3-4A05-B2D7-7C2E9A889C0F}" type="datetimeFigureOut">
               <a:rPr lang="en-US" smtClean="0"/>
-              <a:t>3/24/2023</a:t>
+              <a:t>3/26/2023</a:t>
             </a:fld>
             <a:endParaRPr lang="en-US"/>
           </a:p>
@@ -2620,7 +2620,7 @@
           <a:p>
             <a:fld id="{A76116CE-C4A3-4A05-B2D7-7C2E9A889C0F}" type="datetimeFigureOut">
               <a:rPr lang="en-US" smtClean="0"/>
-              <a:t>3/24/2023</a:t>
+              <a:t>3/26/2023</a:t>
             </a:fld>
             <a:endParaRPr lang="en-US"/>
           </a:p>
@@ -2923,7 +2923,7 @@
           <a:p>
             <a:fld id="{A76116CE-C4A3-4A05-B2D7-7C2E9A889C0F}" type="datetimeFigureOut">
               <a:rPr lang="en-US" smtClean="0"/>
-              <a:t>3/24/2023</a:t>
+              <a:t>3/26/2023</a:t>
             </a:fld>
             <a:endParaRPr lang="en-US"/>
           </a:p>
@@ -3203,7 +3203,7 @@
           <a:p>
             <a:fld id="{A76116CE-C4A3-4A05-B2D7-7C2E9A889C0F}" type="datetimeFigureOut">
               <a:rPr lang="en-US" smtClean="0"/>
-              <a:t>3/24/2023</a:t>
+              <a:t>3/26/2023</a:t>
             </a:fld>
             <a:endParaRPr lang="en-US"/>
           </a:p>
@@ -3961,7 +3961,7 @@
           <p:cNvPr id="2" name="TextBox 1">
             <a:extLst>
               <a:ext uri="{FF2B5EF4-FFF2-40B4-BE49-F238E27FC236}">
-                <a16:creationId xmlns:a16="http://schemas.microsoft.com/office/drawing/2014/main" xmlns="" id="{E9A453A8-9968-67AB-7B4A-83EEB4662AA6}"/>
+                <a16:creationId xmlns="" xmlns:a16="http://schemas.microsoft.com/office/drawing/2014/main" id="{E9A453A8-9968-67AB-7B4A-83EEB4662AA6}"/>
               </a:ext>
             </a:extLst>
           </p:cNvPr>
@@ -4009,7 +4009,7 @@
           <p:cNvPr id="4" name="TextBox 3">
             <a:extLst>
               <a:ext uri="{FF2B5EF4-FFF2-40B4-BE49-F238E27FC236}">
-                <a16:creationId xmlns:a16="http://schemas.microsoft.com/office/drawing/2014/main" xmlns="" id="{F4B7A35A-8AAC-4622-64BC-CAD1472D4115}"/>
+                <a16:creationId xmlns="" xmlns:a16="http://schemas.microsoft.com/office/drawing/2014/main" id="{F4B7A35A-8AAC-4622-64BC-CAD1472D4115}"/>
               </a:ext>
             </a:extLst>
           </p:cNvPr>
@@ -4081,7 +4081,7 @@
           <p:cNvPr id="7" name="TextBox 6">
             <a:extLst>
               <a:ext uri="{FF2B5EF4-FFF2-40B4-BE49-F238E27FC236}">
-                <a16:creationId xmlns:a16="http://schemas.microsoft.com/office/drawing/2014/main" xmlns="" id="{3ACE900A-D779-4343-6623-8588B376F0A1}"/>
+                <a16:creationId xmlns="" xmlns:a16="http://schemas.microsoft.com/office/drawing/2014/main" id="{3ACE900A-D779-4343-6623-8588B376F0A1}"/>
               </a:ext>
             </a:extLst>
           </p:cNvPr>
@@ -4145,7 +4145,7 @@
           <p:cNvPr id="4" name="TextBox 3">
             <a:extLst>
               <a:ext uri="{FF2B5EF4-FFF2-40B4-BE49-F238E27FC236}">
-                <a16:creationId xmlns="" xmlns:a16="http://schemas.microsoft.com/office/drawing/2014/main" id="{5ADC00B6-990A-40DC-3CEA-505258F5E8DA}"/>
+                <a16:creationId xmlns:a16="http://schemas.microsoft.com/office/drawing/2014/main" xmlns="" id="{5ADC00B6-990A-40DC-3CEA-505258F5E8DA}"/>
               </a:ext>
             </a:extLst>
           </p:cNvPr>
@@ -4234,7 +4234,7 @@
           <p:cNvPr id="6" name="TextBox 5">
             <a:extLst>
               <a:ext uri="{FF2B5EF4-FFF2-40B4-BE49-F238E27FC236}">
-                <a16:creationId xmlns="" xmlns:a16="http://schemas.microsoft.com/office/drawing/2014/main" id="{5ADC00B6-990A-40DC-3CEA-505258F5E8DA}"/>
+                <a16:creationId xmlns:a16="http://schemas.microsoft.com/office/drawing/2014/main" xmlns="" id="{5ADC00B6-990A-40DC-3CEA-505258F5E8DA}"/>
               </a:ext>
             </a:extLst>
           </p:cNvPr>
@@ -4275,7 +4275,7 @@
           <p:cNvPr id="7" name="TextBox 6">
             <a:extLst>
               <a:ext uri="{FF2B5EF4-FFF2-40B4-BE49-F238E27FC236}">
-                <a16:creationId xmlns="" xmlns:a16="http://schemas.microsoft.com/office/drawing/2014/main" id="{5ADC00B6-990A-40DC-3CEA-505258F5E8DA}"/>
+                <a16:creationId xmlns:a16="http://schemas.microsoft.com/office/drawing/2014/main" xmlns="" id="{5ADC00B6-990A-40DC-3CEA-505258F5E8DA}"/>
               </a:ext>
             </a:extLst>
           </p:cNvPr>
@@ -4316,7 +4316,7 @@
           <p:cNvPr id="8" name="TextBox 7">
             <a:extLst>
               <a:ext uri="{FF2B5EF4-FFF2-40B4-BE49-F238E27FC236}">
-                <a16:creationId xmlns="" xmlns:a16="http://schemas.microsoft.com/office/drawing/2014/main" id="{5ADC00B6-990A-40DC-3CEA-505258F5E8DA}"/>
+                <a16:creationId xmlns:a16="http://schemas.microsoft.com/office/drawing/2014/main" xmlns="" id="{5ADC00B6-990A-40DC-3CEA-505258F5E8DA}"/>
               </a:ext>
             </a:extLst>
           </p:cNvPr>
@@ -4357,7 +4357,7 @@
           <p:cNvPr id="9" name="TextBox 8">
             <a:extLst>
               <a:ext uri="{FF2B5EF4-FFF2-40B4-BE49-F238E27FC236}">
-                <a16:creationId xmlns="" xmlns:a16="http://schemas.microsoft.com/office/drawing/2014/main" id="{5ADC00B6-990A-40DC-3CEA-505258F5E8DA}"/>
+                <a16:creationId xmlns:a16="http://schemas.microsoft.com/office/drawing/2014/main" xmlns="" id="{5ADC00B6-990A-40DC-3CEA-505258F5E8DA}"/>
               </a:ext>
             </a:extLst>
           </p:cNvPr>
@@ -4398,7 +4398,7 @@
           <p:cNvPr id="10" name="TextBox 9">
             <a:extLst>
               <a:ext uri="{FF2B5EF4-FFF2-40B4-BE49-F238E27FC236}">
-                <a16:creationId xmlns="" xmlns:a16="http://schemas.microsoft.com/office/drawing/2014/main" id="{5ADC00B6-990A-40DC-3CEA-505258F5E8DA}"/>
+                <a16:creationId xmlns:a16="http://schemas.microsoft.com/office/drawing/2014/main" xmlns="" id="{5ADC00B6-990A-40DC-3CEA-505258F5E8DA}"/>
               </a:ext>
             </a:extLst>
           </p:cNvPr>
@@ -4439,7 +4439,7 @@
           <p:cNvPr id="11" name="TextBox 10">
             <a:extLst>
               <a:ext uri="{FF2B5EF4-FFF2-40B4-BE49-F238E27FC236}">
-                <a16:creationId xmlns="" xmlns:a16="http://schemas.microsoft.com/office/drawing/2014/main" id="{5ADC00B6-990A-40DC-3CEA-505258F5E8DA}"/>
+                <a16:creationId xmlns:a16="http://schemas.microsoft.com/office/drawing/2014/main" xmlns="" id="{5ADC00B6-990A-40DC-3CEA-505258F5E8DA}"/>
               </a:ext>
             </a:extLst>
           </p:cNvPr>
@@ -4546,7 +4546,7 @@
           <p:cNvPr id="12" name="TextBox 11">
             <a:extLst>
               <a:ext uri="{FF2B5EF4-FFF2-40B4-BE49-F238E27FC236}">
-                <a16:creationId xmlns:a16="http://schemas.microsoft.com/office/drawing/2014/main" xmlns="" id="{7229BEA6-121E-9056-D07F-2B3BB1795F76}"/>
+                <a16:creationId xmlns="" xmlns:a16="http://schemas.microsoft.com/office/drawing/2014/main" id="{7229BEA6-121E-9056-D07F-2B3BB1795F76}"/>
               </a:ext>
             </a:extLst>
           </p:cNvPr>
@@ -4914,7 +4914,7 @@
           <p:cNvPr id="6" name="TextBox 5">
             <a:extLst>
               <a:ext uri="{FF2B5EF4-FFF2-40B4-BE49-F238E27FC236}">
-                <a16:creationId xmlns="" xmlns:a16="http://schemas.microsoft.com/office/drawing/2014/main" id="{5ADC00B6-990A-40DC-3CEA-505258F5E8DA}"/>
+                <a16:creationId xmlns:a16="http://schemas.microsoft.com/office/drawing/2014/main" xmlns="" id="{5ADC00B6-990A-40DC-3CEA-505258F5E8DA}"/>
               </a:ext>
             </a:extLst>
           </p:cNvPr>
@@ -5125,7 +5125,7 @@
           <p:cNvPr id="4" name="TextBox 3">
             <a:extLst>
               <a:ext uri="{FF2B5EF4-FFF2-40B4-BE49-F238E27FC236}">
-                <a16:creationId xmlns="" xmlns:a16="http://schemas.microsoft.com/office/drawing/2014/main" id="{5ADC00B6-990A-40DC-3CEA-505258F5E8DA}"/>
+                <a16:creationId xmlns:a16="http://schemas.microsoft.com/office/drawing/2014/main" xmlns="" id="{5ADC00B6-990A-40DC-3CEA-505258F5E8DA}"/>
               </a:ext>
             </a:extLst>
           </p:cNvPr>
@@ -5197,7 +5197,7 @@
           <p:cNvPr id="6" name="TextBox 5">
             <a:extLst>
               <a:ext uri="{FF2B5EF4-FFF2-40B4-BE49-F238E27FC236}">
-                <a16:creationId xmlns="" xmlns:a16="http://schemas.microsoft.com/office/drawing/2014/main" id="{5ADC00B6-990A-40DC-3CEA-505258F5E8DA}"/>
+                <a16:creationId xmlns:a16="http://schemas.microsoft.com/office/drawing/2014/main" xmlns="" id="{5ADC00B6-990A-40DC-3CEA-505258F5E8DA}"/>
               </a:ext>
             </a:extLst>
           </p:cNvPr>
@@ -5269,7 +5269,7 @@
           <p:cNvPr id="9" name="TextBox 8">
             <a:extLst>
               <a:ext uri="{FF2B5EF4-FFF2-40B4-BE49-F238E27FC236}">
-                <a16:creationId xmlns="" xmlns:a16="http://schemas.microsoft.com/office/drawing/2014/main" id="{5ADC00B6-990A-40DC-3CEA-505258F5E8DA}"/>
+                <a16:creationId xmlns:a16="http://schemas.microsoft.com/office/drawing/2014/main" xmlns="" id="{5ADC00B6-990A-40DC-3CEA-505258F5E8DA}"/>
               </a:ext>
             </a:extLst>
           </p:cNvPr>
@@ -5388,7 +5388,7 @@
           <p:cNvPr id="5" name="TextBox 4">
             <a:extLst>
               <a:ext uri="{FF2B5EF4-FFF2-40B4-BE49-F238E27FC236}">
-                <a16:creationId xmlns="" xmlns:a16="http://schemas.microsoft.com/office/drawing/2014/main" id="{5ADC00B6-990A-40DC-3CEA-505258F5E8DA}"/>
+                <a16:creationId xmlns:a16="http://schemas.microsoft.com/office/drawing/2014/main" xmlns="" id="{5ADC00B6-990A-40DC-3CEA-505258F5E8DA}"/>
               </a:ext>
             </a:extLst>
           </p:cNvPr>
@@ -5599,7 +5599,7 @@
           <p:cNvPr id="5" name="TextBox 4">
             <a:extLst>
               <a:ext uri="{FF2B5EF4-FFF2-40B4-BE49-F238E27FC236}">
-                <a16:creationId xmlns="" xmlns:a16="http://schemas.microsoft.com/office/drawing/2014/main" id="{5ADC00B6-990A-40DC-3CEA-505258F5E8DA}"/>
+                <a16:creationId xmlns:a16="http://schemas.microsoft.com/office/drawing/2014/main" xmlns="" id="{5ADC00B6-990A-40DC-3CEA-505258F5E8DA}"/>
               </a:ext>
             </a:extLst>
           </p:cNvPr>
@@ -5786,7 +5786,7 @@
           <p:cNvPr id="4" name="TextBox 3">
             <a:extLst>
               <a:ext uri="{FF2B5EF4-FFF2-40B4-BE49-F238E27FC236}">
-                <a16:creationId xmlns="" xmlns:a16="http://schemas.microsoft.com/office/drawing/2014/main" id="{5ADC00B6-990A-40DC-3CEA-505258F5E8DA}"/>
+                <a16:creationId xmlns:a16="http://schemas.microsoft.com/office/drawing/2014/main" xmlns="" id="{5ADC00B6-990A-40DC-3CEA-505258F5E8DA}"/>
               </a:ext>
             </a:extLst>
           </p:cNvPr>
@@ -5882,7 +5882,7 @@
           <p:cNvPr id="5" name="TextBox 4">
             <a:extLst>
               <a:ext uri="{FF2B5EF4-FFF2-40B4-BE49-F238E27FC236}">
-                <a16:creationId xmlns:a16="http://schemas.microsoft.com/office/drawing/2014/main" xmlns="" id="{C6D113C6-EA5C-788F-0C77-E7CE6EBB865F}"/>
+                <a16:creationId xmlns="" xmlns:a16="http://schemas.microsoft.com/office/drawing/2014/main" id="{C6D113C6-EA5C-788F-0C77-E7CE6EBB865F}"/>
               </a:ext>
             </a:extLst>
           </p:cNvPr>
@@ -6099,7 +6099,7 @@
           <p:cNvPr id="6" name="직선 화살표 연결선 5">
             <a:extLst>
               <a:ext uri="{FF2B5EF4-FFF2-40B4-BE49-F238E27FC236}">
-                <a16:creationId xmlns:a16="http://schemas.microsoft.com/office/drawing/2014/main" xmlns="" id="{299DF5EC-9DF4-5255-06AC-0A7CE4FF58C3}"/>
+                <a16:creationId xmlns="" xmlns:a16="http://schemas.microsoft.com/office/drawing/2014/main" id="{299DF5EC-9DF4-5255-06AC-0A7CE4FF58C3}"/>
               </a:ext>
             </a:extLst>
           </p:cNvPr>
@@ -6140,7 +6140,7 @@
           <p:cNvPr id="7" name="직사각형 6">
             <a:extLst>
               <a:ext uri="{FF2B5EF4-FFF2-40B4-BE49-F238E27FC236}">
-                <a16:creationId xmlns:a16="http://schemas.microsoft.com/office/drawing/2014/main" xmlns="" id="{FFF506F9-840A-0508-4CAF-3AC711D8D5CE}"/>
+                <a16:creationId xmlns="" xmlns:a16="http://schemas.microsoft.com/office/drawing/2014/main" id="{FFF506F9-840A-0508-4CAF-3AC711D8D5CE}"/>
               </a:ext>
             </a:extLst>
           </p:cNvPr>
@@ -6192,7 +6192,7 @@
           <p:cNvPr id="8" name="TextBox 7">
             <a:extLst>
               <a:ext uri="{FF2B5EF4-FFF2-40B4-BE49-F238E27FC236}">
-                <a16:creationId xmlns:a16="http://schemas.microsoft.com/office/drawing/2014/main" xmlns="" id="{C6D113C6-EA5C-788F-0C77-E7CE6EBB865F}"/>
+                <a16:creationId xmlns="" xmlns:a16="http://schemas.microsoft.com/office/drawing/2014/main" id="{C6D113C6-EA5C-788F-0C77-E7CE6EBB865F}"/>
               </a:ext>
             </a:extLst>
           </p:cNvPr>
@@ -6264,7 +6264,7 @@
           <p:cNvPr id="11" name="직선 화살표 연결선 10">
             <a:extLst>
               <a:ext uri="{FF2B5EF4-FFF2-40B4-BE49-F238E27FC236}">
-                <a16:creationId xmlns:a16="http://schemas.microsoft.com/office/drawing/2014/main" xmlns="" id="{299DF5EC-9DF4-5255-06AC-0A7CE4FF58C3}"/>
+                <a16:creationId xmlns="" xmlns:a16="http://schemas.microsoft.com/office/drawing/2014/main" id="{299DF5EC-9DF4-5255-06AC-0A7CE4FF58C3}"/>
               </a:ext>
             </a:extLst>
           </p:cNvPr>
@@ -6305,7 +6305,7 @@
           <p:cNvPr id="12" name="직사각형 11">
             <a:extLst>
               <a:ext uri="{FF2B5EF4-FFF2-40B4-BE49-F238E27FC236}">
-                <a16:creationId xmlns:a16="http://schemas.microsoft.com/office/drawing/2014/main" xmlns="" id="{FFF506F9-840A-0508-4CAF-3AC711D8D5CE}"/>
+                <a16:creationId xmlns="" xmlns:a16="http://schemas.microsoft.com/office/drawing/2014/main" id="{FFF506F9-840A-0508-4CAF-3AC711D8D5CE}"/>
               </a:ext>
             </a:extLst>
           </p:cNvPr>
@@ -6357,7 +6357,7 @@
           <p:cNvPr id="14" name="TextBox 13">
             <a:extLst>
               <a:ext uri="{FF2B5EF4-FFF2-40B4-BE49-F238E27FC236}">
-                <a16:creationId xmlns:a16="http://schemas.microsoft.com/office/drawing/2014/main" xmlns="" id="{C6D113C6-EA5C-788F-0C77-E7CE6EBB865F}"/>
+                <a16:creationId xmlns="" xmlns:a16="http://schemas.microsoft.com/office/drawing/2014/main" id="{C6D113C6-EA5C-788F-0C77-E7CE6EBB865F}"/>
               </a:ext>
             </a:extLst>
           </p:cNvPr>
@@ -6655,7 +6655,7 @@
           <p:cNvPr id="5" name="TextBox 4">
             <a:extLst>
               <a:ext uri="{FF2B5EF4-FFF2-40B4-BE49-F238E27FC236}">
-                <a16:creationId xmlns="" xmlns:a16="http://schemas.microsoft.com/office/drawing/2014/main" id="{5ADC00B6-990A-40DC-3CEA-505258F5E8DA}"/>
+                <a16:creationId xmlns:a16="http://schemas.microsoft.com/office/drawing/2014/main" xmlns="" id="{5ADC00B6-990A-40DC-3CEA-505258F5E8DA}"/>
               </a:ext>
             </a:extLst>
           </p:cNvPr>
@@ -6824,7 +6824,7 @@
           <p:cNvPr id="4" name="TextBox 3">
             <a:extLst>
               <a:ext uri="{FF2B5EF4-FFF2-40B4-BE49-F238E27FC236}">
-                <a16:creationId xmlns="" xmlns:a16="http://schemas.microsoft.com/office/drawing/2014/main" id="{5ADC00B6-990A-40DC-3CEA-505258F5E8DA}"/>
+                <a16:creationId xmlns:a16="http://schemas.microsoft.com/office/drawing/2014/main" xmlns="" id="{5ADC00B6-990A-40DC-3CEA-505258F5E8DA}"/>
               </a:ext>
             </a:extLst>
           </p:cNvPr>
@@ -6957,7 +6957,7 @@
           <p:cNvPr id="4" name="TextBox 3">
             <a:extLst>
               <a:ext uri="{FF2B5EF4-FFF2-40B4-BE49-F238E27FC236}">
-                <a16:creationId xmlns="" xmlns:a16="http://schemas.microsoft.com/office/drawing/2014/main" id="{5ADC00B6-990A-40DC-3CEA-505258F5E8DA}"/>
+                <a16:creationId xmlns:a16="http://schemas.microsoft.com/office/drawing/2014/main" xmlns="" id="{5ADC00B6-990A-40DC-3CEA-505258F5E8DA}"/>
               </a:ext>
             </a:extLst>
           </p:cNvPr>
@@ -7029,7 +7029,7 @@
           <p:cNvPr id="6" name="그룹 1008">
             <a:extLst>
               <a:ext uri="{FF2B5EF4-FFF2-40B4-BE49-F238E27FC236}">
-                <a16:creationId xmlns:a16="http://schemas.microsoft.com/office/drawing/2014/main" xmlns="" id="{678F6342-C505-E8AD-ADA4-022CB2C2088E}"/>
+                <a16:creationId xmlns="" xmlns:a16="http://schemas.microsoft.com/office/drawing/2014/main" id="{678F6342-C505-E8AD-ADA4-022CB2C2088E}"/>
               </a:ext>
             </a:extLst>
           </p:cNvPr>
@@ -7049,7 +7049,7 @@
             <p:cNvPr id="7" name="그룹 1009">
               <a:extLst>
                 <a:ext uri="{FF2B5EF4-FFF2-40B4-BE49-F238E27FC236}">
-                  <a16:creationId xmlns:a16="http://schemas.microsoft.com/office/drawing/2014/main" xmlns="" id="{4E1F1FED-812B-9BBB-925A-84B54A077414}"/>
+                  <a16:creationId xmlns="" xmlns:a16="http://schemas.microsoft.com/office/drawing/2014/main" id="{4E1F1FED-812B-9BBB-925A-84B54A077414}"/>
                 </a:ext>
               </a:extLst>
             </p:cNvPr>
@@ -7069,7 +7069,7 @@
               <p:cNvPr id="12" name="Object 29">
                 <a:extLst>
                   <a:ext uri="{FF2B5EF4-FFF2-40B4-BE49-F238E27FC236}">
-                    <a16:creationId xmlns:a16="http://schemas.microsoft.com/office/drawing/2014/main" xmlns="" id="{7B078609-4286-7B00-51EB-809C8E2DE289}"/>
+                    <a16:creationId xmlns="" xmlns:a16="http://schemas.microsoft.com/office/drawing/2014/main" id="{7B078609-4286-7B00-51EB-809C8E2DE289}"/>
                   </a:ext>
                 </a:extLst>
               </p:cNvPr>
@@ -7100,7 +7100,7 @@
             <p:cNvPr id="8" name="그룹 1010">
               <a:extLst>
                 <a:ext uri="{FF2B5EF4-FFF2-40B4-BE49-F238E27FC236}">
-                  <a16:creationId xmlns:a16="http://schemas.microsoft.com/office/drawing/2014/main" xmlns="" id="{02A649BF-B5B5-FBAF-7DFD-E118A4DF8907}"/>
+                  <a16:creationId xmlns="" xmlns:a16="http://schemas.microsoft.com/office/drawing/2014/main" id="{02A649BF-B5B5-FBAF-7DFD-E118A4DF8907}"/>
                 </a:ext>
               </a:extLst>
             </p:cNvPr>
@@ -7120,7 +7120,7 @@
               <p:cNvPr id="11" name="Object 32">
                 <a:extLst>
                   <a:ext uri="{FF2B5EF4-FFF2-40B4-BE49-F238E27FC236}">
-                    <a16:creationId xmlns:a16="http://schemas.microsoft.com/office/drawing/2014/main" xmlns="" id="{2A0FFF23-B3C9-3EA0-1C1B-A87D4FF098AE}"/>
+                    <a16:creationId xmlns="" xmlns:a16="http://schemas.microsoft.com/office/drawing/2014/main" id="{2A0FFF23-B3C9-3EA0-1C1B-A87D4FF098AE}"/>
                   </a:ext>
                 </a:extLst>
               </p:cNvPr>
@@ -7151,7 +7151,7 @@
             <p:cNvPr id="9" name="그룹 1011">
               <a:extLst>
                 <a:ext uri="{FF2B5EF4-FFF2-40B4-BE49-F238E27FC236}">
-                  <a16:creationId xmlns:a16="http://schemas.microsoft.com/office/drawing/2014/main" xmlns="" id="{881F5410-F7FB-F261-A584-707359BAC593}"/>
+                  <a16:creationId xmlns="" xmlns:a16="http://schemas.microsoft.com/office/drawing/2014/main" id="{881F5410-F7FB-F261-A584-707359BAC593}"/>
                 </a:ext>
               </a:extLst>
             </p:cNvPr>
@@ -7171,7 +7171,7 @@
               <p:cNvPr id="10" name="Object 35">
                 <a:extLst>
                   <a:ext uri="{FF2B5EF4-FFF2-40B4-BE49-F238E27FC236}">
-                    <a16:creationId xmlns:a16="http://schemas.microsoft.com/office/drawing/2014/main" xmlns="" id="{4E99E669-73EB-F9F4-EFE8-DC107035C265}"/>
+                    <a16:creationId xmlns="" xmlns:a16="http://schemas.microsoft.com/office/drawing/2014/main" id="{4E99E669-73EB-F9F4-EFE8-DC107035C265}"/>
                   </a:ext>
                 </a:extLst>
               </p:cNvPr>
@@ -7251,7 +7251,7 @@
           <p:cNvPr id="15" name="그룹 1008">
             <a:extLst>
               <a:ext uri="{FF2B5EF4-FFF2-40B4-BE49-F238E27FC236}">
-                <a16:creationId xmlns:a16="http://schemas.microsoft.com/office/drawing/2014/main" xmlns="" id="{678F6342-C505-E8AD-ADA4-022CB2C2088E}"/>
+                <a16:creationId xmlns="" xmlns:a16="http://schemas.microsoft.com/office/drawing/2014/main" id="{678F6342-C505-E8AD-ADA4-022CB2C2088E}"/>
               </a:ext>
             </a:extLst>
           </p:cNvPr>
@@ -7271,7 +7271,7 @@
             <p:cNvPr id="16" name="그룹 1009">
               <a:extLst>
                 <a:ext uri="{FF2B5EF4-FFF2-40B4-BE49-F238E27FC236}">
-                  <a16:creationId xmlns:a16="http://schemas.microsoft.com/office/drawing/2014/main" xmlns="" id="{4E1F1FED-812B-9BBB-925A-84B54A077414}"/>
+                  <a16:creationId xmlns="" xmlns:a16="http://schemas.microsoft.com/office/drawing/2014/main" id="{4E1F1FED-812B-9BBB-925A-84B54A077414}"/>
                 </a:ext>
               </a:extLst>
             </p:cNvPr>
@@ -7291,7 +7291,7 @@
               <p:cNvPr id="21" name="Object 29">
                 <a:extLst>
                   <a:ext uri="{FF2B5EF4-FFF2-40B4-BE49-F238E27FC236}">
-                    <a16:creationId xmlns:a16="http://schemas.microsoft.com/office/drawing/2014/main" xmlns="" id="{7B078609-4286-7B00-51EB-809C8E2DE289}"/>
+                    <a16:creationId xmlns="" xmlns:a16="http://schemas.microsoft.com/office/drawing/2014/main" id="{7B078609-4286-7B00-51EB-809C8E2DE289}"/>
                   </a:ext>
                 </a:extLst>
               </p:cNvPr>
@@ -7322,7 +7322,7 @@
             <p:cNvPr id="17" name="그룹 1010">
               <a:extLst>
                 <a:ext uri="{FF2B5EF4-FFF2-40B4-BE49-F238E27FC236}">
-                  <a16:creationId xmlns:a16="http://schemas.microsoft.com/office/drawing/2014/main" xmlns="" id="{02A649BF-B5B5-FBAF-7DFD-E118A4DF8907}"/>
+                  <a16:creationId xmlns="" xmlns:a16="http://schemas.microsoft.com/office/drawing/2014/main" id="{02A649BF-B5B5-FBAF-7DFD-E118A4DF8907}"/>
                 </a:ext>
               </a:extLst>
             </p:cNvPr>
@@ -7342,7 +7342,7 @@
               <p:cNvPr id="20" name="Object 32">
                 <a:extLst>
                   <a:ext uri="{FF2B5EF4-FFF2-40B4-BE49-F238E27FC236}">
-                    <a16:creationId xmlns:a16="http://schemas.microsoft.com/office/drawing/2014/main" xmlns="" id="{2A0FFF23-B3C9-3EA0-1C1B-A87D4FF098AE}"/>
+                    <a16:creationId xmlns="" xmlns:a16="http://schemas.microsoft.com/office/drawing/2014/main" id="{2A0FFF23-B3C9-3EA0-1C1B-A87D4FF098AE}"/>
                   </a:ext>
                 </a:extLst>
               </p:cNvPr>
@@ -7373,7 +7373,7 @@
             <p:cNvPr id="18" name="그룹 1011">
               <a:extLst>
                 <a:ext uri="{FF2B5EF4-FFF2-40B4-BE49-F238E27FC236}">
-                  <a16:creationId xmlns:a16="http://schemas.microsoft.com/office/drawing/2014/main" xmlns="" id="{881F5410-F7FB-F261-A584-707359BAC593}"/>
+                  <a16:creationId xmlns="" xmlns:a16="http://schemas.microsoft.com/office/drawing/2014/main" id="{881F5410-F7FB-F261-A584-707359BAC593}"/>
                 </a:ext>
               </a:extLst>
             </p:cNvPr>
@@ -7393,7 +7393,7 @@
               <p:cNvPr id="19" name="Object 35">
                 <a:extLst>
                   <a:ext uri="{FF2B5EF4-FFF2-40B4-BE49-F238E27FC236}">
-                    <a16:creationId xmlns:a16="http://schemas.microsoft.com/office/drawing/2014/main" xmlns="" id="{4E99E669-73EB-F9F4-EFE8-DC107035C265}"/>
+                    <a16:creationId xmlns="" xmlns:a16="http://schemas.microsoft.com/office/drawing/2014/main" id="{4E99E669-73EB-F9F4-EFE8-DC107035C265}"/>
                   </a:ext>
                 </a:extLst>
               </p:cNvPr>
@@ -7473,7 +7473,7 @@
           <p:cNvPr id="25" name="그룹 1008">
             <a:extLst>
               <a:ext uri="{FF2B5EF4-FFF2-40B4-BE49-F238E27FC236}">
-                <a16:creationId xmlns:a16="http://schemas.microsoft.com/office/drawing/2014/main" xmlns="" id="{678F6342-C505-E8AD-ADA4-022CB2C2088E}"/>
+                <a16:creationId xmlns="" xmlns:a16="http://schemas.microsoft.com/office/drawing/2014/main" id="{678F6342-C505-E8AD-ADA4-022CB2C2088E}"/>
               </a:ext>
             </a:extLst>
           </p:cNvPr>
@@ -7493,7 +7493,7 @@
             <p:cNvPr id="26" name="그룹 1009">
               <a:extLst>
                 <a:ext uri="{FF2B5EF4-FFF2-40B4-BE49-F238E27FC236}">
-                  <a16:creationId xmlns:a16="http://schemas.microsoft.com/office/drawing/2014/main" xmlns="" id="{4E1F1FED-812B-9BBB-925A-84B54A077414}"/>
+                  <a16:creationId xmlns="" xmlns:a16="http://schemas.microsoft.com/office/drawing/2014/main" id="{4E1F1FED-812B-9BBB-925A-84B54A077414}"/>
                 </a:ext>
               </a:extLst>
             </p:cNvPr>
@@ -7513,7 +7513,7 @@
               <p:cNvPr id="31" name="Object 29">
                 <a:extLst>
                   <a:ext uri="{FF2B5EF4-FFF2-40B4-BE49-F238E27FC236}">
-                    <a16:creationId xmlns:a16="http://schemas.microsoft.com/office/drawing/2014/main" xmlns="" id="{7B078609-4286-7B00-51EB-809C8E2DE289}"/>
+                    <a16:creationId xmlns="" xmlns:a16="http://schemas.microsoft.com/office/drawing/2014/main" id="{7B078609-4286-7B00-51EB-809C8E2DE289}"/>
                   </a:ext>
                 </a:extLst>
               </p:cNvPr>
@@ -7544,7 +7544,7 @@
             <p:cNvPr id="27" name="그룹 1010">
               <a:extLst>
                 <a:ext uri="{FF2B5EF4-FFF2-40B4-BE49-F238E27FC236}">
-                  <a16:creationId xmlns:a16="http://schemas.microsoft.com/office/drawing/2014/main" xmlns="" id="{02A649BF-B5B5-FBAF-7DFD-E118A4DF8907}"/>
+                  <a16:creationId xmlns="" xmlns:a16="http://schemas.microsoft.com/office/drawing/2014/main" id="{02A649BF-B5B5-FBAF-7DFD-E118A4DF8907}"/>
                 </a:ext>
               </a:extLst>
             </p:cNvPr>
@@ -7564,7 +7564,7 @@
               <p:cNvPr id="30" name="Object 32">
                 <a:extLst>
                   <a:ext uri="{FF2B5EF4-FFF2-40B4-BE49-F238E27FC236}">
-                    <a16:creationId xmlns:a16="http://schemas.microsoft.com/office/drawing/2014/main" xmlns="" id="{2A0FFF23-B3C9-3EA0-1C1B-A87D4FF098AE}"/>
+                    <a16:creationId xmlns="" xmlns:a16="http://schemas.microsoft.com/office/drawing/2014/main" id="{2A0FFF23-B3C9-3EA0-1C1B-A87D4FF098AE}"/>
                   </a:ext>
                 </a:extLst>
               </p:cNvPr>
@@ -7595,7 +7595,7 @@
             <p:cNvPr id="28" name="그룹 1011">
               <a:extLst>
                 <a:ext uri="{FF2B5EF4-FFF2-40B4-BE49-F238E27FC236}">
-                  <a16:creationId xmlns:a16="http://schemas.microsoft.com/office/drawing/2014/main" xmlns="" id="{881F5410-F7FB-F261-A584-707359BAC593}"/>
+                  <a16:creationId xmlns="" xmlns:a16="http://schemas.microsoft.com/office/drawing/2014/main" id="{881F5410-F7FB-F261-A584-707359BAC593}"/>
                 </a:ext>
               </a:extLst>
             </p:cNvPr>
@@ -7615,7 +7615,7 @@
               <p:cNvPr id="29" name="Object 35">
                 <a:extLst>
                   <a:ext uri="{FF2B5EF4-FFF2-40B4-BE49-F238E27FC236}">
-                    <a16:creationId xmlns:a16="http://schemas.microsoft.com/office/drawing/2014/main" xmlns="" id="{4E99E669-73EB-F9F4-EFE8-DC107035C265}"/>
+                    <a16:creationId xmlns="" xmlns:a16="http://schemas.microsoft.com/office/drawing/2014/main" id="{4E99E669-73EB-F9F4-EFE8-DC107035C265}"/>
                   </a:ext>
                 </a:extLst>
               </p:cNvPr>
@@ -7695,7 +7695,7 @@
           <p:cNvPr id="34" name="그룹 1008">
             <a:extLst>
               <a:ext uri="{FF2B5EF4-FFF2-40B4-BE49-F238E27FC236}">
-                <a16:creationId xmlns:a16="http://schemas.microsoft.com/office/drawing/2014/main" xmlns="" id="{678F6342-C505-E8AD-ADA4-022CB2C2088E}"/>
+                <a16:creationId xmlns="" xmlns:a16="http://schemas.microsoft.com/office/drawing/2014/main" id="{678F6342-C505-E8AD-ADA4-022CB2C2088E}"/>
               </a:ext>
             </a:extLst>
           </p:cNvPr>
@@ -7715,7 +7715,7 @@
             <p:cNvPr id="35" name="그룹 1009">
               <a:extLst>
                 <a:ext uri="{FF2B5EF4-FFF2-40B4-BE49-F238E27FC236}">
-                  <a16:creationId xmlns:a16="http://schemas.microsoft.com/office/drawing/2014/main" xmlns="" id="{4E1F1FED-812B-9BBB-925A-84B54A077414}"/>
+                  <a16:creationId xmlns="" xmlns:a16="http://schemas.microsoft.com/office/drawing/2014/main" id="{4E1F1FED-812B-9BBB-925A-84B54A077414}"/>
                 </a:ext>
               </a:extLst>
             </p:cNvPr>
@@ -7735,7 +7735,7 @@
               <p:cNvPr id="40" name="Object 29">
                 <a:extLst>
                   <a:ext uri="{FF2B5EF4-FFF2-40B4-BE49-F238E27FC236}">
-                    <a16:creationId xmlns:a16="http://schemas.microsoft.com/office/drawing/2014/main" xmlns="" id="{7B078609-4286-7B00-51EB-809C8E2DE289}"/>
+                    <a16:creationId xmlns="" xmlns:a16="http://schemas.microsoft.com/office/drawing/2014/main" id="{7B078609-4286-7B00-51EB-809C8E2DE289}"/>
                   </a:ext>
                 </a:extLst>
               </p:cNvPr>
@@ -7766,7 +7766,7 @@
             <p:cNvPr id="36" name="그룹 1010">
               <a:extLst>
                 <a:ext uri="{FF2B5EF4-FFF2-40B4-BE49-F238E27FC236}">
-                  <a16:creationId xmlns:a16="http://schemas.microsoft.com/office/drawing/2014/main" xmlns="" id="{02A649BF-B5B5-FBAF-7DFD-E118A4DF8907}"/>
+                  <a16:creationId xmlns="" xmlns:a16="http://schemas.microsoft.com/office/drawing/2014/main" id="{02A649BF-B5B5-FBAF-7DFD-E118A4DF8907}"/>
                 </a:ext>
               </a:extLst>
             </p:cNvPr>
@@ -7786,7 +7786,7 @@
               <p:cNvPr id="39" name="Object 32">
                 <a:extLst>
                   <a:ext uri="{FF2B5EF4-FFF2-40B4-BE49-F238E27FC236}">
-                    <a16:creationId xmlns:a16="http://schemas.microsoft.com/office/drawing/2014/main" xmlns="" id="{2A0FFF23-B3C9-3EA0-1C1B-A87D4FF098AE}"/>
+                    <a16:creationId xmlns="" xmlns:a16="http://schemas.microsoft.com/office/drawing/2014/main" id="{2A0FFF23-B3C9-3EA0-1C1B-A87D4FF098AE}"/>
                   </a:ext>
                 </a:extLst>
               </p:cNvPr>
@@ -7817,7 +7817,7 @@
             <p:cNvPr id="37" name="그룹 1011">
               <a:extLst>
                 <a:ext uri="{FF2B5EF4-FFF2-40B4-BE49-F238E27FC236}">
-                  <a16:creationId xmlns:a16="http://schemas.microsoft.com/office/drawing/2014/main" xmlns="" id="{881F5410-F7FB-F261-A584-707359BAC593}"/>
+                  <a16:creationId xmlns="" xmlns:a16="http://schemas.microsoft.com/office/drawing/2014/main" id="{881F5410-F7FB-F261-A584-707359BAC593}"/>
                 </a:ext>
               </a:extLst>
             </p:cNvPr>
@@ -7837,7 +7837,7 @@
               <p:cNvPr id="38" name="Object 35">
                 <a:extLst>
                   <a:ext uri="{FF2B5EF4-FFF2-40B4-BE49-F238E27FC236}">
-                    <a16:creationId xmlns:a16="http://schemas.microsoft.com/office/drawing/2014/main" xmlns="" id="{4E99E669-73EB-F9F4-EFE8-DC107035C265}"/>
+                    <a16:creationId xmlns="" xmlns:a16="http://schemas.microsoft.com/office/drawing/2014/main" id="{4E99E669-73EB-F9F4-EFE8-DC107035C265}"/>
                   </a:ext>
                 </a:extLst>
               </p:cNvPr>
@@ -7893,7 +7893,7 @@
           <p:cNvPr id="42" name="TextBox 41">
             <a:extLst>
               <a:ext uri="{FF2B5EF4-FFF2-40B4-BE49-F238E27FC236}">
-                <a16:creationId xmlns:a16="http://schemas.microsoft.com/office/drawing/2014/main" xmlns="" id="{C6D113C6-EA5C-788F-0C77-E7CE6EBB865F}"/>
+                <a16:creationId xmlns="" xmlns:a16="http://schemas.microsoft.com/office/drawing/2014/main" id="{C6D113C6-EA5C-788F-0C77-E7CE6EBB865F}"/>
               </a:ext>
             </a:extLst>
           </p:cNvPr>
@@ -8019,7 +8019,7 @@
           <p:cNvPr id="44" name="그룹 1008">
             <a:extLst>
               <a:ext uri="{FF2B5EF4-FFF2-40B4-BE49-F238E27FC236}">
-                <a16:creationId xmlns:a16="http://schemas.microsoft.com/office/drawing/2014/main" xmlns="" id="{678F6342-C505-E8AD-ADA4-022CB2C2088E}"/>
+                <a16:creationId xmlns="" xmlns:a16="http://schemas.microsoft.com/office/drawing/2014/main" id="{678F6342-C505-E8AD-ADA4-022CB2C2088E}"/>
               </a:ext>
             </a:extLst>
           </p:cNvPr>
@@ -8039,7 +8039,7 @@
             <p:cNvPr id="45" name="그룹 1009">
               <a:extLst>
                 <a:ext uri="{FF2B5EF4-FFF2-40B4-BE49-F238E27FC236}">
-                  <a16:creationId xmlns:a16="http://schemas.microsoft.com/office/drawing/2014/main" xmlns="" id="{4E1F1FED-812B-9BBB-925A-84B54A077414}"/>
+                  <a16:creationId xmlns="" xmlns:a16="http://schemas.microsoft.com/office/drawing/2014/main" id="{4E1F1FED-812B-9BBB-925A-84B54A077414}"/>
                 </a:ext>
               </a:extLst>
             </p:cNvPr>
@@ -8059,7 +8059,7 @@
               <p:cNvPr id="50" name="Object 29">
                 <a:extLst>
                   <a:ext uri="{FF2B5EF4-FFF2-40B4-BE49-F238E27FC236}">
-                    <a16:creationId xmlns:a16="http://schemas.microsoft.com/office/drawing/2014/main" xmlns="" id="{7B078609-4286-7B00-51EB-809C8E2DE289}"/>
+                    <a16:creationId xmlns="" xmlns:a16="http://schemas.microsoft.com/office/drawing/2014/main" id="{7B078609-4286-7B00-51EB-809C8E2DE289}"/>
                   </a:ext>
                 </a:extLst>
               </p:cNvPr>
@@ -8090,7 +8090,7 @@
             <p:cNvPr id="46" name="그룹 1010">
               <a:extLst>
                 <a:ext uri="{FF2B5EF4-FFF2-40B4-BE49-F238E27FC236}">
-                  <a16:creationId xmlns:a16="http://schemas.microsoft.com/office/drawing/2014/main" xmlns="" id="{02A649BF-B5B5-FBAF-7DFD-E118A4DF8907}"/>
+                  <a16:creationId xmlns="" xmlns:a16="http://schemas.microsoft.com/office/drawing/2014/main" id="{02A649BF-B5B5-FBAF-7DFD-E118A4DF8907}"/>
                 </a:ext>
               </a:extLst>
             </p:cNvPr>
@@ -8110,7 +8110,7 @@
               <p:cNvPr id="49" name="Object 32">
                 <a:extLst>
                   <a:ext uri="{FF2B5EF4-FFF2-40B4-BE49-F238E27FC236}">
-                    <a16:creationId xmlns:a16="http://schemas.microsoft.com/office/drawing/2014/main" xmlns="" id="{2A0FFF23-B3C9-3EA0-1C1B-A87D4FF098AE}"/>
+                    <a16:creationId xmlns="" xmlns:a16="http://schemas.microsoft.com/office/drawing/2014/main" id="{2A0FFF23-B3C9-3EA0-1C1B-A87D4FF098AE}"/>
                   </a:ext>
                 </a:extLst>
               </p:cNvPr>
@@ -8141,7 +8141,7 @@
             <p:cNvPr id="47" name="그룹 1011">
               <a:extLst>
                 <a:ext uri="{FF2B5EF4-FFF2-40B4-BE49-F238E27FC236}">
-                  <a16:creationId xmlns:a16="http://schemas.microsoft.com/office/drawing/2014/main" xmlns="" id="{881F5410-F7FB-F261-A584-707359BAC593}"/>
+                  <a16:creationId xmlns="" xmlns:a16="http://schemas.microsoft.com/office/drawing/2014/main" id="{881F5410-F7FB-F261-A584-707359BAC593}"/>
                 </a:ext>
               </a:extLst>
             </p:cNvPr>
@@ -8161,7 +8161,7 @@
               <p:cNvPr id="48" name="Object 35">
                 <a:extLst>
                   <a:ext uri="{FF2B5EF4-FFF2-40B4-BE49-F238E27FC236}">
-                    <a16:creationId xmlns:a16="http://schemas.microsoft.com/office/drawing/2014/main" xmlns="" id="{4E99E669-73EB-F9F4-EFE8-DC107035C265}"/>
+                    <a16:creationId xmlns="" xmlns:a16="http://schemas.microsoft.com/office/drawing/2014/main" id="{4E99E669-73EB-F9F4-EFE8-DC107035C265}"/>
                   </a:ext>
                 </a:extLst>
               </p:cNvPr>
@@ -8795,7 +8795,7 @@
           <p:cNvPr id="11" name="TextBox 10">
             <a:extLst>
               <a:ext uri="{FF2B5EF4-FFF2-40B4-BE49-F238E27FC236}">
-                <a16:creationId xmlns:a16="http://schemas.microsoft.com/office/drawing/2014/main" xmlns="" id="{9F88F580-08BE-88C2-D640-13F0026591CB}"/>
+                <a16:creationId xmlns="" xmlns:a16="http://schemas.microsoft.com/office/drawing/2014/main" id="{9F88F580-08BE-88C2-D640-13F0026591CB}"/>
               </a:ext>
             </a:extLst>
           </p:cNvPr>
@@ -8853,7 +8853,7 @@
           <p:cNvPr id="13" name="TextBox 12">
             <a:extLst>
               <a:ext uri="{FF2B5EF4-FFF2-40B4-BE49-F238E27FC236}">
-                <a16:creationId xmlns:a16="http://schemas.microsoft.com/office/drawing/2014/main" xmlns="" id="{72769C28-9BB6-DE9C-7B6F-264B77B8DD0E}"/>
+                <a16:creationId xmlns="" xmlns:a16="http://schemas.microsoft.com/office/drawing/2014/main" id="{72769C28-9BB6-DE9C-7B6F-264B77B8DD0E}"/>
               </a:ext>
             </a:extLst>
           </p:cNvPr>
@@ -8901,7 +8901,7 @@
           <p:cNvPr id="14" name="TextBox 13">
             <a:extLst>
               <a:ext uri="{FF2B5EF4-FFF2-40B4-BE49-F238E27FC236}">
-                <a16:creationId xmlns:a16="http://schemas.microsoft.com/office/drawing/2014/main" xmlns="" id="{270FBB6A-01CE-5637-78DA-58F0C974145C}"/>
+                <a16:creationId xmlns="" xmlns:a16="http://schemas.microsoft.com/office/drawing/2014/main" id="{270FBB6A-01CE-5637-78DA-58F0C974145C}"/>
               </a:ext>
             </a:extLst>
           </p:cNvPr>
@@ -8949,7 +8949,7 @@
           <p:cNvPr id="2" name="Object 17">
             <a:extLst>
               <a:ext uri="{FF2B5EF4-FFF2-40B4-BE49-F238E27FC236}">
-                <a16:creationId xmlns:a16="http://schemas.microsoft.com/office/drawing/2014/main" xmlns="" id="{140B283D-FE58-FA6F-6F7C-E0F1DBB62A65}"/>
+                <a16:creationId xmlns="" xmlns:a16="http://schemas.microsoft.com/office/drawing/2014/main" id="{140B283D-FE58-FA6F-6F7C-E0F1DBB62A65}"/>
               </a:ext>
             </a:extLst>
           </p:cNvPr>
@@ -8979,7 +8979,7 @@
           <p:cNvPr id="4" name="TextBox 3">
             <a:extLst>
               <a:ext uri="{FF2B5EF4-FFF2-40B4-BE49-F238E27FC236}">
-                <a16:creationId xmlns:a16="http://schemas.microsoft.com/office/drawing/2014/main" xmlns="" id="{2C8D0998-79BC-6FD2-59D9-8052B4A25F65}"/>
+                <a16:creationId xmlns="" xmlns:a16="http://schemas.microsoft.com/office/drawing/2014/main" id="{2C8D0998-79BC-6FD2-59D9-8052B4A25F65}"/>
               </a:ext>
             </a:extLst>
           </p:cNvPr>
@@ -9027,7 +9027,7 @@
           <p:cNvPr id="5" name="Object 18">
             <a:extLst>
               <a:ext uri="{FF2B5EF4-FFF2-40B4-BE49-F238E27FC236}">
-                <a16:creationId xmlns:a16="http://schemas.microsoft.com/office/drawing/2014/main" xmlns="" id="{3F58EA3E-1018-64D3-FAB2-4F6B9618FA56}"/>
+                <a16:creationId xmlns="" xmlns:a16="http://schemas.microsoft.com/office/drawing/2014/main" id="{3F58EA3E-1018-64D3-FAB2-4F6B9618FA56}"/>
               </a:ext>
             </a:extLst>
           </p:cNvPr>
@@ -9057,7 +9057,7 @@
           <p:cNvPr id="8" name="TextBox 7">
             <a:extLst>
               <a:ext uri="{FF2B5EF4-FFF2-40B4-BE49-F238E27FC236}">
-                <a16:creationId xmlns:a16="http://schemas.microsoft.com/office/drawing/2014/main" xmlns="" id="{681D3F16-7DCF-41AD-F5F1-0558C78C0E4D}"/>
+                <a16:creationId xmlns="" xmlns:a16="http://schemas.microsoft.com/office/drawing/2014/main" id="{681D3F16-7DCF-41AD-F5F1-0558C78C0E4D}"/>
               </a:ext>
             </a:extLst>
           </p:cNvPr>
@@ -9137,7 +9137,7 @@
           <p:cNvPr id="5" name="TextBox 4">
             <a:extLst>
               <a:ext uri="{FF2B5EF4-FFF2-40B4-BE49-F238E27FC236}">
-                <a16:creationId xmlns="" xmlns:a16="http://schemas.microsoft.com/office/drawing/2014/main" id="{5ADC00B6-990A-40DC-3CEA-505258F5E8DA}"/>
+                <a16:creationId xmlns:a16="http://schemas.microsoft.com/office/drawing/2014/main" xmlns="" id="{5ADC00B6-990A-40DC-3CEA-505258F5E8DA}"/>
               </a:ext>
             </a:extLst>
           </p:cNvPr>
@@ -9209,7 +9209,7 @@
           <p:cNvPr id="7" name="TextBox 6">
             <a:extLst>
               <a:ext uri="{FF2B5EF4-FFF2-40B4-BE49-F238E27FC236}">
-                <a16:creationId xmlns:a16="http://schemas.microsoft.com/office/drawing/2014/main" xmlns="" id="{4EDAA912-8FA0-0F11-119B-EA9F8B36A489}"/>
+                <a16:creationId xmlns="" xmlns:a16="http://schemas.microsoft.com/office/drawing/2014/main" id="{4EDAA912-8FA0-0F11-119B-EA9F8B36A489}"/>
               </a:ext>
             </a:extLst>
           </p:cNvPr>
@@ -9426,7 +9426,7 @@
           <p:cNvPr id="4" name="TextBox 3">
             <a:extLst>
               <a:ext uri="{FF2B5EF4-FFF2-40B4-BE49-F238E27FC236}">
-                <a16:creationId xmlns="" xmlns:a16="http://schemas.microsoft.com/office/drawing/2014/main" id="{5ADC00B6-990A-40DC-3CEA-505258F5E8DA}"/>
+                <a16:creationId xmlns:a16="http://schemas.microsoft.com/office/drawing/2014/main" xmlns="" id="{5ADC00B6-990A-40DC-3CEA-505258F5E8DA}"/>
               </a:ext>
             </a:extLst>
           </p:cNvPr>
@@ -9498,7 +9498,7 @@
           <p:cNvPr id="6" name="그룹 1008">
             <a:extLst>
               <a:ext uri="{FF2B5EF4-FFF2-40B4-BE49-F238E27FC236}">
-                <a16:creationId xmlns:a16="http://schemas.microsoft.com/office/drawing/2014/main" xmlns="" id="{678F6342-C505-E8AD-ADA4-022CB2C2088E}"/>
+                <a16:creationId xmlns="" xmlns:a16="http://schemas.microsoft.com/office/drawing/2014/main" id="{678F6342-C505-E8AD-ADA4-022CB2C2088E}"/>
               </a:ext>
             </a:extLst>
           </p:cNvPr>
@@ -9518,7 +9518,7 @@
             <p:cNvPr id="7" name="그룹 1009">
               <a:extLst>
                 <a:ext uri="{FF2B5EF4-FFF2-40B4-BE49-F238E27FC236}">
-                  <a16:creationId xmlns:a16="http://schemas.microsoft.com/office/drawing/2014/main" xmlns="" id="{4E1F1FED-812B-9BBB-925A-84B54A077414}"/>
+                  <a16:creationId xmlns="" xmlns:a16="http://schemas.microsoft.com/office/drawing/2014/main" id="{4E1F1FED-812B-9BBB-925A-84B54A077414}"/>
                 </a:ext>
               </a:extLst>
             </p:cNvPr>
@@ -9538,7 +9538,7 @@
               <p:cNvPr id="12" name="Object 29">
                 <a:extLst>
                   <a:ext uri="{FF2B5EF4-FFF2-40B4-BE49-F238E27FC236}">
-                    <a16:creationId xmlns:a16="http://schemas.microsoft.com/office/drawing/2014/main" xmlns="" id="{7B078609-4286-7B00-51EB-809C8E2DE289}"/>
+                    <a16:creationId xmlns="" xmlns:a16="http://schemas.microsoft.com/office/drawing/2014/main" id="{7B078609-4286-7B00-51EB-809C8E2DE289}"/>
                   </a:ext>
                 </a:extLst>
               </p:cNvPr>
@@ -9569,7 +9569,7 @@
             <p:cNvPr id="8" name="그룹 1010">
               <a:extLst>
                 <a:ext uri="{FF2B5EF4-FFF2-40B4-BE49-F238E27FC236}">
-                  <a16:creationId xmlns:a16="http://schemas.microsoft.com/office/drawing/2014/main" xmlns="" id="{02A649BF-B5B5-FBAF-7DFD-E118A4DF8907}"/>
+                  <a16:creationId xmlns="" xmlns:a16="http://schemas.microsoft.com/office/drawing/2014/main" id="{02A649BF-B5B5-FBAF-7DFD-E118A4DF8907}"/>
                 </a:ext>
               </a:extLst>
             </p:cNvPr>
@@ -9589,7 +9589,7 @@
               <p:cNvPr id="11" name="Object 32">
                 <a:extLst>
                   <a:ext uri="{FF2B5EF4-FFF2-40B4-BE49-F238E27FC236}">
-                    <a16:creationId xmlns:a16="http://schemas.microsoft.com/office/drawing/2014/main" xmlns="" id="{2A0FFF23-B3C9-3EA0-1C1B-A87D4FF098AE}"/>
+                    <a16:creationId xmlns="" xmlns:a16="http://schemas.microsoft.com/office/drawing/2014/main" id="{2A0FFF23-B3C9-3EA0-1C1B-A87D4FF098AE}"/>
                   </a:ext>
                 </a:extLst>
               </p:cNvPr>
@@ -9620,7 +9620,7 @@
             <p:cNvPr id="9" name="그룹 1011">
               <a:extLst>
                 <a:ext uri="{FF2B5EF4-FFF2-40B4-BE49-F238E27FC236}">
-                  <a16:creationId xmlns:a16="http://schemas.microsoft.com/office/drawing/2014/main" xmlns="" id="{881F5410-F7FB-F261-A584-707359BAC593}"/>
+                  <a16:creationId xmlns="" xmlns:a16="http://schemas.microsoft.com/office/drawing/2014/main" id="{881F5410-F7FB-F261-A584-707359BAC593}"/>
                 </a:ext>
               </a:extLst>
             </p:cNvPr>
@@ -9640,7 +9640,7 @@
               <p:cNvPr id="10" name="Object 35">
                 <a:extLst>
                   <a:ext uri="{FF2B5EF4-FFF2-40B4-BE49-F238E27FC236}">
-                    <a16:creationId xmlns:a16="http://schemas.microsoft.com/office/drawing/2014/main" xmlns="" id="{4E99E669-73EB-F9F4-EFE8-DC107035C265}"/>
+                    <a16:creationId xmlns="" xmlns:a16="http://schemas.microsoft.com/office/drawing/2014/main" id="{4E99E669-73EB-F9F4-EFE8-DC107035C265}"/>
                   </a:ext>
                 </a:extLst>
               </p:cNvPr>
@@ -9696,7 +9696,7 @@
           <p:cNvPr id="15" name="TextBox 14">
             <a:extLst>
               <a:ext uri="{FF2B5EF4-FFF2-40B4-BE49-F238E27FC236}">
-                <a16:creationId xmlns:a16="http://schemas.microsoft.com/office/drawing/2014/main" xmlns="" id="{C6D113C6-EA5C-788F-0C77-E7CE6EBB865F}"/>
+                <a16:creationId xmlns="" xmlns:a16="http://schemas.microsoft.com/office/drawing/2014/main" id="{C6D113C6-EA5C-788F-0C77-E7CE6EBB865F}"/>
               </a:ext>
             </a:extLst>
           </p:cNvPr>
@@ -9778,7 +9778,7 @@
           <p:cNvPr id="24" name="TextBox 23">
             <a:extLst>
               <a:ext uri="{FF2B5EF4-FFF2-40B4-BE49-F238E27FC236}">
-                <a16:creationId xmlns:a16="http://schemas.microsoft.com/office/drawing/2014/main" xmlns="" id="{C6D113C6-EA5C-788F-0C77-E7CE6EBB865F}"/>
+                <a16:creationId xmlns="" xmlns:a16="http://schemas.microsoft.com/office/drawing/2014/main" id="{C6D113C6-EA5C-788F-0C77-E7CE6EBB865F}"/>
               </a:ext>
             </a:extLst>
           </p:cNvPr>
@@ -9860,7 +9860,7 @@
           <p:cNvPr id="26" name="TextBox 25">
             <a:extLst>
               <a:ext uri="{FF2B5EF4-FFF2-40B4-BE49-F238E27FC236}">
-                <a16:creationId xmlns:a16="http://schemas.microsoft.com/office/drawing/2014/main" xmlns="" id="{C6D113C6-EA5C-788F-0C77-E7CE6EBB865F}"/>
+                <a16:creationId xmlns="" xmlns:a16="http://schemas.microsoft.com/office/drawing/2014/main" id="{C6D113C6-EA5C-788F-0C77-E7CE6EBB865F}"/>
               </a:ext>
             </a:extLst>
           </p:cNvPr>
@@ -10246,7 +10246,7 @@
           <p:cNvPr id="4" name="TextBox 3">
             <a:extLst>
               <a:ext uri="{FF2B5EF4-FFF2-40B4-BE49-F238E27FC236}">
-                <a16:creationId xmlns="" xmlns:a16="http://schemas.microsoft.com/office/drawing/2014/main" id="{5ADC00B6-990A-40DC-3CEA-505258F5E8DA}"/>
+                <a16:creationId xmlns:a16="http://schemas.microsoft.com/office/drawing/2014/main" xmlns="" id="{5ADC00B6-990A-40DC-3CEA-505258F5E8DA}"/>
               </a:ext>
             </a:extLst>
           </p:cNvPr>
@@ -10308,7 +10308,7 @@
           <p:cNvPr id="6" name="TextBox 5">
             <a:extLst>
               <a:ext uri="{FF2B5EF4-FFF2-40B4-BE49-F238E27FC236}">
-                <a16:creationId xmlns="" xmlns:a16="http://schemas.microsoft.com/office/drawing/2014/main" id="{5ADC00B6-990A-40DC-3CEA-505258F5E8DA}"/>
+                <a16:creationId xmlns:a16="http://schemas.microsoft.com/office/drawing/2014/main" xmlns="" id="{5ADC00B6-990A-40DC-3CEA-505258F5E8DA}"/>
               </a:ext>
             </a:extLst>
           </p:cNvPr>
@@ -10403,7 +10403,7 @@
           <p:cNvPr id="4" name="TextBox 3">
             <a:extLst>
               <a:ext uri="{FF2B5EF4-FFF2-40B4-BE49-F238E27FC236}">
-                <a16:creationId xmlns="" xmlns:a16="http://schemas.microsoft.com/office/drawing/2014/main" id="{5ADC00B6-990A-40DC-3CEA-505258F5E8DA}"/>
+                <a16:creationId xmlns:a16="http://schemas.microsoft.com/office/drawing/2014/main" xmlns="" id="{5ADC00B6-990A-40DC-3CEA-505258F5E8DA}"/>
               </a:ext>
             </a:extLst>
           </p:cNvPr>
@@ -10475,7 +10475,7 @@
           <p:cNvPr id="6" name="직사각형 5">
             <a:extLst>
               <a:ext uri="{FF2B5EF4-FFF2-40B4-BE49-F238E27FC236}">
-                <a16:creationId xmlns:a16="http://schemas.microsoft.com/office/drawing/2014/main" xmlns="" id="{FFF506F9-840A-0508-4CAF-3AC711D8D5CE}"/>
+                <a16:creationId xmlns="" xmlns:a16="http://schemas.microsoft.com/office/drawing/2014/main" id="{FFF506F9-840A-0508-4CAF-3AC711D8D5CE}"/>
               </a:ext>
             </a:extLst>
           </p:cNvPr>
@@ -10527,7 +10527,7 @@
           <p:cNvPr id="7" name="그룹 1008">
             <a:extLst>
               <a:ext uri="{FF2B5EF4-FFF2-40B4-BE49-F238E27FC236}">
-                <a16:creationId xmlns:a16="http://schemas.microsoft.com/office/drawing/2014/main" xmlns="" id="{678F6342-C505-E8AD-ADA4-022CB2C2088E}"/>
+                <a16:creationId xmlns="" xmlns:a16="http://schemas.microsoft.com/office/drawing/2014/main" id="{678F6342-C505-E8AD-ADA4-022CB2C2088E}"/>
               </a:ext>
             </a:extLst>
           </p:cNvPr>
@@ -10547,7 +10547,7 @@
             <p:cNvPr id="8" name="그룹 1009">
               <a:extLst>
                 <a:ext uri="{FF2B5EF4-FFF2-40B4-BE49-F238E27FC236}">
-                  <a16:creationId xmlns:a16="http://schemas.microsoft.com/office/drawing/2014/main" xmlns="" id="{4E1F1FED-812B-9BBB-925A-84B54A077414}"/>
+                  <a16:creationId xmlns="" xmlns:a16="http://schemas.microsoft.com/office/drawing/2014/main" id="{4E1F1FED-812B-9BBB-925A-84B54A077414}"/>
                 </a:ext>
               </a:extLst>
             </p:cNvPr>
@@ -10567,7 +10567,7 @@
               <p:cNvPr id="13" name="Object 29">
                 <a:extLst>
                   <a:ext uri="{FF2B5EF4-FFF2-40B4-BE49-F238E27FC236}">
-                    <a16:creationId xmlns:a16="http://schemas.microsoft.com/office/drawing/2014/main" xmlns="" id="{7B078609-4286-7B00-51EB-809C8E2DE289}"/>
+                    <a16:creationId xmlns="" xmlns:a16="http://schemas.microsoft.com/office/drawing/2014/main" id="{7B078609-4286-7B00-51EB-809C8E2DE289}"/>
                   </a:ext>
                 </a:extLst>
               </p:cNvPr>
@@ -10598,7 +10598,7 @@
             <p:cNvPr id="9" name="그룹 1010">
               <a:extLst>
                 <a:ext uri="{FF2B5EF4-FFF2-40B4-BE49-F238E27FC236}">
-                  <a16:creationId xmlns:a16="http://schemas.microsoft.com/office/drawing/2014/main" xmlns="" id="{02A649BF-B5B5-FBAF-7DFD-E118A4DF8907}"/>
+                  <a16:creationId xmlns="" xmlns:a16="http://schemas.microsoft.com/office/drawing/2014/main" id="{02A649BF-B5B5-FBAF-7DFD-E118A4DF8907}"/>
                 </a:ext>
               </a:extLst>
             </p:cNvPr>
@@ -10618,7 +10618,7 @@
               <p:cNvPr id="12" name="Object 32">
                 <a:extLst>
                   <a:ext uri="{FF2B5EF4-FFF2-40B4-BE49-F238E27FC236}">
-                    <a16:creationId xmlns:a16="http://schemas.microsoft.com/office/drawing/2014/main" xmlns="" id="{2A0FFF23-B3C9-3EA0-1C1B-A87D4FF098AE}"/>
+                    <a16:creationId xmlns="" xmlns:a16="http://schemas.microsoft.com/office/drawing/2014/main" id="{2A0FFF23-B3C9-3EA0-1C1B-A87D4FF098AE}"/>
                   </a:ext>
                 </a:extLst>
               </p:cNvPr>
@@ -10649,7 +10649,7 @@
             <p:cNvPr id="10" name="그룹 1011">
               <a:extLst>
                 <a:ext uri="{FF2B5EF4-FFF2-40B4-BE49-F238E27FC236}">
-                  <a16:creationId xmlns:a16="http://schemas.microsoft.com/office/drawing/2014/main" xmlns="" id="{881F5410-F7FB-F261-A584-707359BAC593}"/>
+                  <a16:creationId xmlns="" xmlns:a16="http://schemas.microsoft.com/office/drawing/2014/main" id="{881F5410-F7FB-F261-A584-707359BAC593}"/>
                 </a:ext>
               </a:extLst>
             </p:cNvPr>
@@ -10669,7 +10669,7 @@
               <p:cNvPr id="11" name="Object 35">
                 <a:extLst>
                   <a:ext uri="{FF2B5EF4-FFF2-40B4-BE49-F238E27FC236}">
-                    <a16:creationId xmlns:a16="http://schemas.microsoft.com/office/drawing/2014/main" xmlns="" id="{4E99E669-73EB-F9F4-EFE8-DC107035C265}"/>
+                    <a16:creationId xmlns="" xmlns:a16="http://schemas.microsoft.com/office/drawing/2014/main" id="{4E99E669-73EB-F9F4-EFE8-DC107035C265}"/>
                   </a:ext>
                 </a:extLst>
               </p:cNvPr>
@@ -10857,7 +10857,7 @@
           <p:cNvPr id="4" name="TextBox 3">
             <a:extLst>
               <a:ext uri="{FF2B5EF4-FFF2-40B4-BE49-F238E27FC236}">
-                <a16:creationId xmlns="" xmlns:a16="http://schemas.microsoft.com/office/drawing/2014/main" id="{5ADC00B6-990A-40DC-3CEA-505258F5E8DA}"/>
+                <a16:creationId xmlns:a16="http://schemas.microsoft.com/office/drawing/2014/main" xmlns="" id="{5ADC00B6-990A-40DC-3CEA-505258F5E8DA}"/>
               </a:ext>
             </a:extLst>
           </p:cNvPr>
@@ -10959,7 +10959,7 @@
           <p:cNvPr id="6" name="직사각형 5">
             <a:extLst>
               <a:ext uri="{FF2B5EF4-FFF2-40B4-BE49-F238E27FC236}">
-                <a16:creationId xmlns:a16="http://schemas.microsoft.com/office/drawing/2014/main" xmlns="" id="{FFF506F9-840A-0508-4CAF-3AC711D8D5CE}"/>
+                <a16:creationId xmlns="" xmlns:a16="http://schemas.microsoft.com/office/drawing/2014/main" id="{FFF506F9-840A-0508-4CAF-3AC711D8D5CE}"/>
               </a:ext>
             </a:extLst>
           </p:cNvPr>
@@ -11011,7 +11011,7 @@
           <p:cNvPr id="7" name="직사각형 6">
             <a:extLst>
               <a:ext uri="{FF2B5EF4-FFF2-40B4-BE49-F238E27FC236}">
-                <a16:creationId xmlns:a16="http://schemas.microsoft.com/office/drawing/2014/main" xmlns="" id="{FFF506F9-840A-0508-4CAF-3AC711D8D5CE}"/>
+                <a16:creationId xmlns="" xmlns:a16="http://schemas.microsoft.com/office/drawing/2014/main" id="{FFF506F9-840A-0508-4CAF-3AC711D8D5CE}"/>
               </a:ext>
             </a:extLst>
           </p:cNvPr>
@@ -11063,7 +11063,7 @@
           <p:cNvPr id="8" name="직사각형 7">
             <a:extLst>
               <a:ext uri="{FF2B5EF4-FFF2-40B4-BE49-F238E27FC236}">
-                <a16:creationId xmlns:a16="http://schemas.microsoft.com/office/drawing/2014/main" xmlns="" id="{FFF506F9-840A-0508-4CAF-3AC711D8D5CE}"/>
+                <a16:creationId xmlns="" xmlns:a16="http://schemas.microsoft.com/office/drawing/2014/main" id="{FFF506F9-840A-0508-4CAF-3AC711D8D5CE}"/>
               </a:ext>
             </a:extLst>
           </p:cNvPr>
@@ -11176,7 +11176,7 @@
           <p:cNvPr id="5" name="TextBox 4">
             <a:extLst>
               <a:ext uri="{FF2B5EF4-FFF2-40B4-BE49-F238E27FC236}">
-                <a16:creationId xmlns="" xmlns:a16="http://schemas.microsoft.com/office/drawing/2014/main" id="{5ADC00B6-990A-40DC-3CEA-505258F5E8DA}"/>
+                <a16:creationId xmlns:a16="http://schemas.microsoft.com/office/drawing/2014/main" xmlns="" id="{5ADC00B6-990A-40DC-3CEA-505258F5E8DA}"/>
               </a:ext>
             </a:extLst>
           </p:cNvPr>
@@ -11244,7 +11244,7 @@
           <p:cNvPr id="7" name="TextBox 6">
             <a:extLst>
               <a:ext uri="{FF2B5EF4-FFF2-40B4-BE49-F238E27FC236}">
-                <a16:creationId xmlns:a16="http://schemas.microsoft.com/office/drawing/2014/main" xmlns="" id="{4EDAA912-8FA0-0F11-119B-EA9F8B36A489}"/>
+                <a16:creationId xmlns="" xmlns:a16="http://schemas.microsoft.com/office/drawing/2014/main" id="{4EDAA912-8FA0-0F11-119B-EA9F8B36A489}"/>
               </a:ext>
             </a:extLst>
           </p:cNvPr>
@@ -11393,7 +11393,7 @@
           <p:cNvPr id="4" name="TextBox 3">
             <a:extLst>
               <a:ext uri="{FF2B5EF4-FFF2-40B4-BE49-F238E27FC236}">
-                <a16:creationId xmlns="" xmlns:a16="http://schemas.microsoft.com/office/drawing/2014/main" id="{5ADC00B6-990A-40DC-3CEA-505258F5E8DA}"/>
+                <a16:creationId xmlns:a16="http://schemas.microsoft.com/office/drawing/2014/main" xmlns="" id="{5ADC00B6-990A-40DC-3CEA-505258F5E8DA}"/>
               </a:ext>
             </a:extLst>
           </p:cNvPr>
@@ -11465,7 +11465,7 @@
           <p:cNvPr id="6" name="직사각형 5">
             <a:extLst>
               <a:ext uri="{FF2B5EF4-FFF2-40B4-BE49-F238E27FC236}">
-                <a16:creationId xmlns:a16="http://schemas.microsoft.com/office/drawing/2014/main" xmlns="" id="{FFF506F9-840A-0508-4CAF-3AC711D8D5CE}"/>
+                <a16:creationId xmlns="" xmlns:a16="http://schemas.microsoft.com/office/drawing/2014/main" id="{FFF506F9-840A-0508-4CAF-3AC711D8D5CE}"/>
               </a:ext>
             </a:extLst>
           </p:cNvPr>
@@ -11541,7 +11541,7 @@
           <p:cNvPr id="8" name="TextBox 7">
             <a:extLst>
               <a:ext uri="{FF2B5EF4-FFF2-40B4-BE49-F238E27FC236}">
-                <a16:creationId xmlns:a16="http://schemas.microsoft.com/office/drawing/2014/main" xmlns="" id="{4EDAA912-8FA0-0F11-119B-EA9F8B36A489}"/>
+                <a16:creationId xmlns="" xmlns:a16="http://schemas.microsoft.com/office/drawing/2014/main" id="{4EDAA912-8FA0-0F11-119B-EA9F8B36A489}"/>
               </a:ext>
             </a:extLst>
           </p:cNvPr>
@@ -11728,7 +11728,7 @@
           <p:cNvPr id="4" name="TextBox 3">
             <a:extLst>
               <a:ext uri="{FF2B5EF4-FFF2-40B4-BE49-F238E27FC236}">
-                <a16:creationId xmlns="" xmlns:a16="http://schemas.microsoft.com/office/drawing/2014/main" id="{5ADC00B6-990A-40DC-3CEA-505258F5E8DA}"/>
+                <a16:creationId xmlns:a16="http://schemas.microsoft.com/office/drawing/2014/main" xmlns="" id="{5ADC00B6-990A-40DC-3CEA-505258F5E8DA}"/>
               </a:ext>
             </a:extLst>
           </p:cNvPr>
@@ -11824,7 +11824,7 @@
           <p:cNvPr id="7" name="TextBox 6">
             <a:extLst>
               <a:ext uri="{FF2B5EF4-FFF2-40B4-BE49-F238E27FC236}">
-                <a16:creationId xmlns="" xmlns:a16="http://schemas.microsoft.com/office/drawing/2014/main" id="{5ADC00B6-990A-40DC-3CEA-505258F5E8DA}"/>
+                <a16:creationId xmlns:a16="http://schemas.microsoft.com/office/drawing/2014/main" xmlns="" id="{5ADC00B6-990A-40DC-3CEA-505258F5E8DA}"/>
               </a:ext>
             </a:extLst>
           </p:cNvPr>
@@ -11909,7 +11909,7 @@
           <p:cNvPr id="4" name="TextBox 3">
             <a:extLst>
               <a:ext uri="{FF2B5EF4-FFF2-40B4-BE49-F238E27FC236}">
-                <a16:creationId xmlns="" xmlns:a16="http://schemas.microsoft.com/office/drawing/2014/main" id="{5ADC00B6-990A-40DC-3CEA-505258F5E8DA}"/>
+                <a16:creationId xmlns:a16="http://schemas.microsoft.com/office/drawing/2014/main" xmlns="" id="{5ADC00B6-990A-40DC-3CEA-505258F5E8DA}"/>
               </a:ext>
             </a:extLst>
           </p:cNvPr>
@@ -12001,7 +12001,7 @@
           <p:cNvPr id="6" name="직사각형 5">
             <a:extLst>
               <a:ext uri="{FF2B5EF4-FFF2-40B4-BE49-F238E27FC236}">
-                <a16:creationId xmlns:a16="http://schemas.microsoft.com/office/drawing/2014/main" xmlns="" id="{FFF506F9-840A-0508-4CAF-3AC711D8D5CE}"/>
+                <a16:creationId xmlns="" xmlns:a16="http://schemas.microsoft.com/office/drawing/2014/main" id="{FFF506F9-840A-0508-4CAF-3AC711D8D5CE}"/>
               </a:ext>
             </a:extLst>
           </p:cNvPr>
@@ -12053,7 +12053,7 @@
           <p:cNvPr id="7" name="직사각형 6">
             <a:extLst>
               <a:ext uri="{FF2B5EF4-FFF2-40B4-BE49-F238E27FC236}">
-                <a16:creationId xmlns:a16="http://schemas.microsoft.com/office/drawing/2014/main" xmlns="" id="{FFF506F9-840A-0508-4CAF-3AC711D8D5CE}"/>
+                <a16:creationId xmlns="" xmlns:a16="http://schemas.microsoft.com/office/drawing/2014/main" id="{FFF506F9-840A-0508-4CAF-3AC711D8D5CE}"/>
               </a:ext>
             </a:extLst>
           </p:cNvPr>
@@ -12105,7 +12105,7 @@
           <p:cNvPr id="8" name="직사각형 7">
             <a:extLst>
               <a:ext uri="{FF2B5EF4-FFF2-40B4-BE49-F238E27FC236}">
-                <a16:creationId xmlns:a16="http://schemas.microsoft.com/office/drawing/2014/main" xmlns="" id="{FFF506F9-840A-0508-4CAF-3AC711D8D5CE}"/>
+                <a16:creationId xmlns="" xmlns:a16="http://schemas.microsoft.com/office/drawing/2014/main" id="{FFF506F9-840A-0508-4CAF-3AC711D8D5CE}"/>
               </a:ext>
             </a:extLst>
           </p:cNvPr>
@@ -12157,7 +12157,7 @@
           <p:cNvPr id="9" name="TextBox 8">
             <a:extLst>
               <a:ext uri="{FF2B5EF4-FFF2-40B4-BE49-F238E27FC236}">
-                <a16:creationId xmlns="" xmlns:a16="http://schemas.microsoft.com/office/drawing/2014/main" id="{5ADC00B6-990A-40DC-3CEA-505258F5E8DA}"/>
+                <a16:creationId xmlns:a16="http://schemas.microsoft.com/office/drawing/2014/main" xmlns="" id="{5ADC00B6-990A-40DC-3CEA-505258F5E8DA}"/>
               </a:ext>
             </a:extLst>
           </p:cNvPr>
@@ -12262,7 +12262,7 @@
           <p:cNvPr id="4" name="TextBox 3">
             <a:extLst>
               <a:ext uri="{FF2B5EF4-FFF2-40B4-BE49-F238E27FC236}">
-                <a16:creationId xmlns="" xmlns:a16="http://schemas.microsoft.com/office/drawing/2014/main" id="{5ADC00B6-990A-40DC-3CEA-505258F5E8DA}"/>
+                <a16:creationId xmlns:a16="http://schemas.microsoft.com/office/drawing/2014/main" xmlns="" id="{5ADC00B6-990A-40DC-3CEA-505258F5E8DA}"/>
               </a:ext>
             </a:extLst>
           </p:cNvPr>
@@ -12320,7 +12320,7 @@
           <p:cNvPr id="5" name="TextBox 4">
             <a:extLst>
               <a:ext uri="{FF2B5EF4-FFF2-40B4-BE49-F238E27FC236}">
-                <a16:creationId xmlns="" xmlns:a16="http://schemas.microsoft.com/office/drawing/2014/main" id="{4EDAA912-8FA0-0F11-119B-EA9F8B36A489}"/>
+                <a16:creationId xmlns:a16="http://schemas.microsoft.com/office/drawing/2014/main" xmlns="" id="{4EDAA912-8FA0-0F11-119B-EA9F8B36A489}"/>
               </a:ext>
             </a:extLst>
           </p:cNvPr>
@@ -12597,7 +12597,7 @@
           <p:cNvPr id="9" name="TextBox 8">
             <a:extLst>
               <a:ext uri="{FF2B5EF4-FFF2-40B4-BE49-F238E27FC236}">
-                <a16:creationId xmlns="" xmlns:a16="http://schemas.microsoft.com/office/drawing/2014/main" id="{4EDAA912-8FA0-0F11-119B-EA9F8B36A489}"/>
+                <a16:creationId xmlns:a16="http://schemas.microsoft.com/office/drawing/2014/main" xmlns="" id="{4EDAA912-8FA0-0F11-119B-EA9F8B36A489}"/>
               </a:ext>
             </a:extLst>
           </p:cNvPr>
@@ -13225,7 +13225,7 @@
           <p:cNvPr id="2" name="TextBox 1">
             <a:extLst>
               <a:ext uri="{FF2B5EF4-FFF2-40B4-BE49-F238E27FC236}">
-                <a16:creationId xmlns:a16="http://schemas.microsoft.com/office/drawing/2014/main" xmlns="" id="{8D19D88B-9541-32D7-90F1-0C45C993E21C}"/>
+                <a16:creationId xmlns="" xmlns:a16="http://schemas.microsoft.com/office/drawing/2014/main" id="{8D19D88B-9541-32D7-90F1-0C45C993E21C}"/>
               </a:ext>
             </a:extLst>
           </p:cNvPr>
@@ -13305,7 +13305,7 @@
           <p:cNvPr id="4" name="TextBox 3">
             <a:extLst>
               <a:ext uri="{FF2B5EF4-FFF2-40B4-BE49-F238E27FC236}">
-                <a16:creationId xmlns="" xmlns:a16="http://schemas.microsoft.com/office/drawing/2014/main" id="{4EDAA912-8FA0-0F11-119B-EA9F8B36A489}"/>
+                <a16:creationId xmlns:a16="http://schemas.microsoft.com/office/drawing/2014/main" xmlns="" id="{4EDAA912-8FA0-0F11-119B-EA9F8B36A489}"/>
               </a:ext>
             </a:extLst>
           </p:cNvPr>
@@ -13656,7 +13656,7 @@
           <p:cNvPr id="5" name="TextBox 4">
             <a:extLst>
               <a:ext uri="{FF2B5EF4-FFF2-40B4-BE49-F238E27FC236}">
-                <a16:creationId xmlns:a16="http://schemas.microsoft.com/office/drawing/2014/main" xmlns="" id="{4EDAA912-8FA0-0F11-119B-EA9F8B36A489}"/>
+                <a16:creationId xmlns="" xmlns:a16="http://schemas.microsoft.com/office/drawing/2014/main" id="{4EDAA912-8FA0-0F11-119B-EA9F8B36A489}"/>
               </a:ext>
             </a:extLst>
           </p:cNvPr>
@@ -13972,7 +13972,7 @@
           <p:cNvPr id="5" name="TextBox 4">
             <a:extLst>
               <a:ext uri="{FF2B5EF4-FFF2-40B4-BE49-F238E27FC236}">
-                <a16:creationId xmlns="" xmlns:a16="http://schemas.microsoft.com/office/drawing/2014/main" id="{4EDAA912-8FA0-0F11-119B-EA9F8B36A489}"/>
+                <a16:creationId xmlns:a16="http://schemas.microsoft.com/office/drawing/2014/main" xmlns="" id="{4EDAA912-8FA0-0F11-119B-EA9F8B36A489}"/>
               </a:ext>
             </a:extLst>
           </p:cNvPr>
@@ -14249,7 +14249,7 @@
           <p:cNvPr id="4" name="Object 1">
             <a:extLst>
               <a:ext uri="{FF2B5EF4-FFF2-40B4-BE49-F238E27FC236}">
-                <a16:creationId xmlns:a16="http://schemas.microsoft.com/office/drawing/2014/main" xmlns="" id="{B0329035-BE76-33A8-0F2E-44624FCC1DED}"/>
+                <a16:creationId xmlns="" xmlns:a16="http://schemas.microsoft.com/office/drawing/2014/main" id="{B0329035-BE76-33A8-0F2E-44624FCC1DED}"/>
               </a:ext>
             </a:extLst>
           </p:cNvPr>
@@ -14279,7 +14279,7 @@
           <p:cNvPr id="7" name="그룹 1001">
             <a:extLst>
               <a:ext uri="{FF2B5EF4-FFF2-40B4-BE49-F238E27FC236}">
-                <a16:creationId xmlns:a16="http://schemas.microsoft.com/office/drawing/2014/main" xmlns="" id="{CD24CE9D-AC18-B6CD-F397-7E8E03D6FE26}"/>
+                <a16:creationId xmlns="" xmlns:a16="http://schemas.microsoft.com/office/drawing/2014/main" id="{CD24CE9D-AC18-B6CD-F397-7E8E03D6FE26}"/>
               </a:ext>
             </a:extLst>
           </p:cNvPr>
@@ -14299,7 +14299,7 @@
             <p:cNvPr id="8" name="Object 5">
               <a:extLst>
                 <a:ext uri="{FF2B5EF4-FFF2-40B4-BE49-F238E27FC236}">
-                  <a16:creationId xmlns:a16="http://schemas.microsoft.com/office/drawing/2014/main" xmlns="" id="{0EEF25E8-3BA8-EBAA-6DC2-66D70C3F9F4D}"/>
+                  <a16:creationId xmlns="" xmlns:a16="http://schemas.microsoft.com/office/drawing/2014/main" id="{0EEF25E8-3BA8-EBAA-6DC2-66D70C3F9F4D}"/>
                 </a:ext>
               </a:extLst>
             </p:cNvPr>
@@ -14330,7 +14330,7 @@
           <p:cNvPr id="9" name="그룹 1002">
             <a:extLst>
               <a:ext uri="{FF2B5EF4-FFF2-40B4-BE49-F238E27FC236}">
-                <a16:creationId xmlns:a16="http://schemas.microsoft.com/office/drawing/2014/main" xmlns="" id="{0F281BC9-DE1F-D1FE-E64C-C4640398F00C}"/>
+                <a16:creationId xmlns="" xmlns:a16="http://schemas.microsoft.com/office/drawing/2014/main" id="{0F281BC9-DE1F-D1FE-E64C-C4640398F00C}"/>
               </a:ext>
             </a:extLst>
           </p:cNvPr>
@@ -14350,7 +14350,7 @@
             <p:cNvPr id="10" name="Object 8">
               <a:extLst>
                 <a:ext uri="{FF2B5EF4-FFF2-40B4-BE49-F238E27FC236}">
-                  <a16:creationId xmlns:a16="http://schemas.microsoft.com/office/drawing/2014/main" xmlns="" id="{F669DCEF-04BB-7046-3F7F-5B513213556E}"/>
+                  <a16:creationId xmlns="" xmlns:a16="http://schemas.microsoft.com/office/drawing/2014/main" id="{F669DCEF-04BB-7046-3F7F-5B513213556E}"/>
                 </a:ext>
               </a:extLst>
             </p:cNvPr>
@@ -14381,7 +14381,7 @@
           <p:cNvPr id="11" name="그룹 1003">
             <a:extLst>
               <a:ext uri="{FF2B5EF4-FFF2-40B4-BE49-F238E27FC236}">
-                <a16:creationId xmlns:a16="http://schemas.microsoft.com/office/drawing/2014/main" xmlns="" id="{1F91EEF9-13EA-BB7F-B056-D35E7DB989AC}"/>
+                <a16:creationId xmlns="" xmlns:a16="http://schemas.microsoft.com/office/drawing/2014/main" id="{1F91EEF9-13EA-BB7F-B056-D35E7DB989AC}"/>
               </a:ext>
             </a:extLst>
           </p:cNvPr>
@@ -14401,7 +14401,7 @@
             <p:cNvPr id="12" name="Object 11">
               <a:extLst>
                 <a:ext uri="{FF2B5EF4-FFF2-40B4-BE49-F238E27FC236}">
-                  <a16:creationId xmlns:a16="http://schemas.microsoft.com/office/drawing/2014/main" xmlns="" id="{2CFFB217-AEFB-2C9E-5F86-6EE19510FFC6}"/>
+                  <a16:creationId xmlns="" xmlns:a16="http://schemas.microsoft.com/office/drawing/2014/main" id="{2CFFB217-AEFB-2C9E-5F86-6EE19510FFC6}"/>
                 </a:ext>
               </a:extLst>
             </p:cNvPr>
@@ -14432,7 +14432,7 @@
           <p:cNvPr id="13" name="그룹 1004">
             <a:extLst>
               <a:ext uri="{FF2B5EF4-FFF2-40B4-BE49-F238E27FC236}">
-                <a16:creationId xmlns:a16="http://schemas.microsoft.com/office/drawing/2014/main" xmlns="" id="{123B9C7E-94E8-E7E1-81BE-D59EA0299187}"/>
+                <a16:creationId xmlns="" xmlns:a16="http://schemas.microsoft.com/office/drawing/2014/main" id="{123B9C7E-94E8-E7E1-81BE-D59EA0299187}"/>
               </a:ext>
             </a:extLst>
           </p:cNvPr>
@@ -14452,7 +14452,7 @@
             <p:cNvPr id="14" name="Object 14">
               <a:extLst>
                 <a:ext uri="{FF2B5EF4-FFF2-40B4-BE49-F238E27FC236}">
-                  <a16:creationId xmlns:a16="http://schemas.microsoft.com/office/drawing/2014/main" xmlns="" id="{B6291552-2D89-A79F-7ACD-EA0EF9A4C389}"/>
+                  <a16:creationId xmlns="" xmlns:a16="http://schemas.microsoft.com/office/drawing/2014/main" id="{B6291552-2D89-A79F-7ACD-EA0EF9A4C389}"/>
                 </a:ext>
               </a:extLst>
             </p:cNvPr>
@@ -14483,7 +14483,7 @@
           <p:cNvPr id="15" name="TextBox 14">
             <a:extLst>
               <a:ext uri="{FF2B5EF4-FFF2-40B4-BE49-F238E27FC236}">
-                <a16:creationId xmlns:a16="http://schemas.microsoft.com/office/drawing/2014/main" xmlns="" id="{7D99763A-FC24-23F5-5BA9-D7B042E0F323}"/>
+                <a16:creationId xmlns="" xmlns:a16="http://schemas.microsoft.com/office/drawing/2014/main" id="{7D99763A-FC24-23F5-5BA9-D7B042E0F323}"/>
               </a:ext>
             </a:extLst>
           </p:cNvPr>
@@ -14568,7 +14568,7 @@
           <p:cNvPr id="4" name="TextBox 3">
             <a:extLst>
               <a:ext uri="{FF2B5EF4-FFF2-40B4-BE49-F238E27FC236}">
-                <a16:creationId xmlns="" xmlns:a16="http://schemas.microsoft.com/office/drawing/2014/main" id="{5ADC00B6-990A-40DC-3CEA-505258F5E8DA}"/>
+                <a16:creationId xmlns:a16="http://schemas.microsoft.com/office/drawing/2014/main" xmlns="" id="{5ADC00B6-990A-40DC-3CEA-505258F5E8DA}"/>
               </a:ext>
             </a:extLst>
           </p:cNvPr>
@@ -14699,7 +14699,7 @@
           <p:cNvPr id="5" name="Object 2">
             <a:extLst>
               <a:ext uri="{FF2B5EF4-FFF2-40B4-BE49-F238E27FC236}">
-                <a16:creationId xmlns:a16="http://schemas.microsoft.com/office/drawing/2014/main" xmlns="" id="{EB9768FE-76B0-709F-3C4D-0ECBB41147CD}"/>
+                <a16:creationId xmlns="" xmlns:a16="http://schemas.microsoft.com/office/drawing/2014/main" id="{EB9768FE-76B0-709F-3C4D-0ECBB41147CD}"/>
               </a:ext>
             </a:extLst>
           </p:cNvPr>
@@ -14729,7 +14729,7 @@
           <p:cNvPr id="7" name="그룹 1001">
             <a:extLst>
               <a:ext uri="{FF2B5EF4-FFF2-40B4-BE49-F238E27FC236}">
-                <a16:creationId xmlns:a16="http://schemas.microsoft.com/office/drawing/2014/main" xmlns="" id="{0637F47C-891C-2B90-8647-32B84C264D42}"/>
+                <a16:creationId xmlns="" xmlns:a16="http://schemas.microsoft.com/office/drawing/2014/main" id="{0637F47C-891C-2B90-8647-32B84C264D42}"/>
               </a:ext>
             </a:extLst>
           </p:cNvPr>
@@ -14749,7 +14749,7 @@
             <p:cNvPr id="8" name="Object 5">
               <a:extLst>
                 <a:ext uri="{FF2B5EF4-FFF2-40B4-BE49-F238E27FC236}">
-                  <a16:creationId xmlns:a16="http://schemas.microsoft.com/office/drawing/2014/main" xmlns="" id="{710F969D-8259-9328-33C3-C6DB500C60D4}"/>
+                  <a16:creationId xmlns="" xmlns:a16="http://schemas.microsoft.com/office/drawing/2014/main" id="{710F969D-8259-9328-33C3-C6DB500C60D4}"/>
                 </a:ext>
               </a:extLst>
             </p:cNvPr>
@@ -14780,7 +14780,7 @@
           <p:cNvPr id="9" name="그룹 1002">
             <a:extLst>
               <a:ext uri="{FF2B5EF4-FFF2-40B4-BE49-F238E27FC236}">
-                <a16:creationId xmlns:a16="http://schemas.microsoft.com/office/drawing/2014/main" xmlns="" id="{A87796A8-251B-F38A-5AE9-11F8D847B25D}"/>
+                <a16:creationId xmlns="" xmlns:a16="http://schemas.microsoft.com/office/drawing/2014/main" id="{A87796A8-251B-F38A-5AE9-11F8D847B25D}"/>
               </a:ext>
             </a:extLst>
           </p:cNvPr>
@@ -14800,7 +14800,7 @@
             <p:cNvPr id="10" name="Object 8">
               <a:extLst>
                 <a:ext uri="{FF2B5EF4-FFF2-40B4-BE49-F238E27FC236}">
-                  <a16:creationId xmlns:a16="http://schemas.microsoft.com/office/drawing/2014/main" xmlns="" id="{9E806C19-D323-E705-F3B8-EEABB39F0993}"/>
+                  <a16:creationId xmlns="" xmlns:a16="http://schemas.microsoft.com/office/drawing/2014/main" id="{9E806C19-D323-E705-F3B8-EEABB39F0993}"/>
                 </a:ext>
               </a:extLst>
             </p:cNvPr>
@@ -14831,7 +14831,7 @@
           <p:cNvPr id="11" name="그룹 1003">
             <a:extLst>
               <a:ext uri="{FF2B5EF4-FFF2-40B4-BE49-F238E27FC236}">
-                <a16:creationId xmlns:a16="http://schemas.microsoft.com/office/drawing/2014/main" xmlns="" id="{701795E0-24B6-38E6-7308-FED7AD2B6900}"/>
+                <a16:creationId xmlns="" xmlns:a16="http://schemas.microsoft.com/office/drawing/2014/main" id="{701795E0-24B6-38E6-7308-FED7AD2B6900}"/>
               </a:ext>
             </a:extLst>
           </p:cNvPr>
@@ -14851,7 +14851,7 @@
             <p:cNvPr id="12" name="Object 11">
               <a:extLst>
                 <a:ext uri="{FF2B5EF4-FFF2-40B4-BE49-F238E27FC236}">
-                  <a16:creationId xmlns:a16="http://schemas.microsoft.com/office/drawing/2014/main" xmlns="" id="{D8C68167-7FB5-1F8E-D53C-DEA682F465F5}"/>
+                  <a16:creationId xmlns="" xmlns:a16="http://schemas.microsoft.com/office/drawing/2014/main" id="{D8C68167-7FB5-1F8E-D53C-DEA682F465F5}"/>
                 </a:ext>
               </a:extLst>
             </p:cNvPr>
@@ -14882,7 +14882,7 @@
           <p:cNvPr id="13" name="그룹 1004">
             <a:extLst>
               <a:ext uri="{FF2B5EF4-FFF2-40B4-BE49-F238E27FC236}">
-                <a16:creationId xmlns:a16="http://schemas.microsoft.com/office/drawing/2014/main" xmlns="" id="{03226A72-764D-99F3-A14F-47C351CB448B}"/>
+                <a16:creationId xmlns="" xmlns:a16="http://schemas.microsoft.com/office/drawing/2014/main" id="{03226A72-764D-99F3-A14F-47C351CB448B}"/>
               </a:ext>
             </a:extLst>
           </p:cNvPr>
@@ -14902,7 +14902,7 @@
             <p:cNvPr id="14" name="Object 14">
               <a:extLst>
                 <a:ext uri="{FF2B5EF4-FFF2-40B4-BE49-F238E27FC236}">
-                  <a16:creationId xmlns:a16="http://schemas.microsoft.com/office/drawing/2014/main" xmlns="" id="{77C5B9A8-AEBA-093B-4CD6-4F1ECF519068}"/>
+                  <a16:creationId xmlns="" xmlns:a16="http://schemas.microsoft.com/office/drawing/2014/main" id="{77C5B9A8-AEBA-093B-4CD6-4F1ECF519068}"/>
                 </a:ext>
               </a:extLst>
             </p:cNvPr>
@@ -14933,7 +14933,7 @@
           <p:cNvPr id="15" name="TextBox 14">
             <a:extLst>
               <a:ext uri="{FF2B5EF4-FFF2-40B4-BE49-F238E27FC236}">
-                <a16:creationId xmlns:a16="http://schemas.microsoft.com/office/drawing/2014/main" xmlns="" id="{E44AB10B-96D7-19D1-5C7A-D2761E62F16E}"/>
+                <a16:creationId xmlns="" xmlns:a16="http://schemas.microsoft.com/office/drawing/2014/main" id="{E44AB10B-96D7-19D1-5C7A-D2761E62F16E}"/>
               </a:ext>
             </a:extLst>
           </p:cNvPr>
@@ -15018,7 +15018,7 @@
           <p:cNvPr id="2" name="TextBox 1">
             <a:extLst>
               <a:ext uri="{FF2B5EF4-FFF2-40B4-BE49-F238E27FC236}">
-                <a16:creationId xmlns="" xmlns:a16="http://schemas.microsoft.com/office/drawing/2014/main" id="{5ADC00B6-990A-40DC-3CEA-505258F5E8DA}"/>
+                <a16:creationId xmlns:a16="http://schemas.microsoft.com/office/drawing/2014/main" xmlns="" id="{5ADC00B6-990A-40DC-3CEA-505258F5E8DA}"/>
               </a:ext>
             </a:extLst>
           </p:cNvPr>
@@ -15076,7 +15076,7 @@
           <p:cNvPr id="3" name="TextBox 2">
             <a:extLst>
               <a:ext uri="{FF2B5EF4-FFF2-40B4-BE49-F238E27FC236}">
-                <a16:creationId xmlns:a16="http://schemas.microsoft.com/office/drawing/2014/main" xmlns="" id="{4EDAA912-8FA0-0F11-119B-EA9F8B36A489}"/>
+                <a16:creationId xmlns="" xmlns:a16="http://schemas.microsoft.com/office/drawing/2014/main" id="{4EDAA912-8FA0-0F11-119B-EA9F8B36A489}"/>
               </a:ext>
             </a:extLst>
           </p:cNvPr>
@@ -15236,7 +15236,7 @@
           <p:cNvPr id="7" name="TextBox 6">
             <a:extLst>
               <a:ext uri="{FF2B5EF4-FFF2-40B4-BE49-F238E27FC236}">
-                <a16:creationId xmlns:a16="http://schemas.microsoft.com/office/drawing/2014/main" xmlns="" id="{4EDAA912-8FA0-0F11-119B-EA9F8B36A489}"/>
+                <a16:creationId xmlns="" xmlns:a16="http://schemas.microsoft.com/office/drawing/2014/main" id="{4EDAA912-8FA0-0F11-119B-EA9F8B36A489}"/>
               </a:ext>
             </a:extLst>
           </p:cNvPr>
@@ -15546,7 +15546,7 @@
           <p:cNvPr id="4" name="TextBox 3">
             <a:extLst>
               <a:ext uri="{FF2B5EF4-FFF2-40B4-BE49-F238E27FC236}">
-                <a16:creationId xmlns:a16="http://schemas.microsoft.com/office/drawing/2014/main" xmlns="" id="{4EDAA912-8FA0-0F11-119B-EA9F8B36A489}"/>
+                <a16:creationId xmlns="" xmlns:a16="http://schemas.microsoft.com/office/drawing/2014/main" id="{4EDAA912-8FA0-0F11-119B-EA9F8B36A489}"/>
               </a:ext>
             </a:extLst>
           </p:cNvPr>
@@ -15556,7 +15556,7 @@
         <p:spPr>
           <a:xfrm>
             <a:off x="838200" y="419100"/>
-            <a:ext cx="14173200" cy="1631216"/>
+            <a:ext cx="16383000" cy="1631216"/>
           </a:xfrm>
           <a:prstGeom prst="rect">
             <a:avLst/>
@@ -15638,7 +15638,55 @@
                 <a:latin typeface="G마켓 산스 Medium" panose="02000000000000000000" pitchFamily="50" charset="-127"/>
                 <a:ea typeface="G마켓 산스 Medium" panose="02000000000000000000" pitchFamily="50" charset="-127"/>
               </a:rPr>
-              <a:t>문자로 변경하여 출력하시오</a:t>
+              <a:t>문자로 변경하여 </a:t>
+            </a:r>
+            <a:r>
+              <a:rPr lang="ko-KR" altLang="en-US" sz="3600" smtClean="0">
+                <a:solidFill>
+                  <a:schemeClr val="bg1">
+                    <a:lumMod val="50000"/>
+                  </a:schemeClr>
+                </a:solidFill>
+                <a:latin typeface="G마켓 산스 Medium" panose="02000000000000000000" pitchFamily="50" charset="-127"/>
+                <a:ea typeface="G마켓 산스 Medium" panose="02000000000000000000" pitchFamily="50" charset="-127"/>
+              </a:rPr>
+              <a:t>출력하시오 </a:t>
+            </a:r>
+            <a:r>
+              <a:rPr lang="en-US" altLang="ko-KR" sz="3600" smtClean="0">
+                <a:solidFill>
+                  <a:schemeClr val="bg1">
+                    <a:lumMod val="50000"/>
+                  </a:schemeClr>
+                </a:solidFill>
+                <a:latin typeface="G마켓 산스 Medium" panose="02000000000000000000" pitchFamily="50" charset="-127"/>
+                <a:ea typeface="G마켓 산스 Medium" panose="02000000000000000000" pitchFamily="50" charset="-127"/>
+              </a:rPr>
+              <a:t>(</a:t>
+            </a:r>
+            <a:r>
+              <a:rPr lang="ko-KR" altLang="en-US" sz="3600" smtClean="0">
+                <a:solidFill>
+                  <a:schemeClr val="bg1">
+                    <a:lumMod val="50000"/>
+                  </a:schemeClr>
+                </a:solidFill>
+                <a:latin typeface="G마켓 산스 Medium" panose="02000000000000000000" pitchFamily="50" charset="-127"/>
+                <a:ea typeface="G마켓 산스 Medium" panose="02000000000000000000" pitchFamily="50" charset="-127"/>
+              </a:rPr>
+              <a:t>소문자를 입력하면 그대로 소문자가 나온다</a:t>
+            </a:r>
+            <a:r>
+              <a:rPr lang="en-US" altLang="ko-KR" sz="3600" smtClean="0">
+                <a:solidFill>
+                  <a:schemeClr val="bg1">
+                    <a:lumMod val="50000"/>
+                  </a:schemeClr>
+                </a:solidFill>
+                <a:latin typeface="G마켓 산스 Medium" panose="02000000000000000000" pitchFamily="50" charset="-127"/>
+                <a:ea typeface="G마켓 산스 Medium" panose="02000000000000000000" pitchFamily="50" charset="-127"/>
+              </a:rPr>
+              <a:t>.)</a:t>
             </a:r>
             <a:endParaRPr lang="en-US" altLang="ko-KR" sz="3600" smtClean="0">
               <a:solidFill>
@@ -15700,7 +15748,7 @@
         </p:blipFill>
         <p:spPr>
           <a:xfrm>
-            <a:off x="4724400" y="2182837"/>
+            <a:off x="6601964" y="2182837"/>
             <a:ext cx="11457436" cy="804932"/>
           </a:xfrm>
           <a:prstGeom prst="rect">
@@ -15724,7 +15772,7 @@
         </p:blipFill>
         <p:spPr>
           <a:xfrm>
-            <a:off x="1219200" y="2171700"/>
+            <a:off x="685800" y="2171700"/>
             <a:ext cx="2775159" cy="1562711"/>
           </a:xfrm>
           <a:prstGeom prst="rect">
@@ -15737,7 +15785,7 @@
           <p:cNvPr id="6" name="TextBox 5">
             <a:extLst>
               <a:ext uri="{FF2B5EF4-FFF2-40B4-BE49-F238E27FC236}">
-                <a16:creationId xmlns:a16="http://schemas.microsoft.com/office/drawing/2014/main" xmlns="" id="{4EDAA912-8FA0-0F11-119B-EA9F8B36A489}"/>
+                <a16:creationId xmlns="" xmlns:a16="http://schemas.microsoft.com/office/drawing/2014/main" id="{4EDAA912-8FA0-0F11-119B-EA9F8B36A489}"/>
               </a:ext>
             </a:extLst>
           </p:cNvPr>
@@ -15806,19 +15854,7 @@
                 <a:latin typeface="G마켓 산스 Medium" panose="02000000000000000000" pitchFamily="50" charset="-127"/>
                 <a:ea typeface="G마켓 산스 Medium" panose="02000000000000000000" pitchFamily="50" charset="-127"/>
               </a:rPr>
-              <a:t>도를 섭씨로 변환하여 </a:t>
-            </a:r>
-            <a:r>
-              <a:rPr lang="ko-KR" altLang="en-US" sz="3600" smtClean="0">
-                <a:solidFill>
-                  <a:schemeClr val="bg1">
-                    <a:lumMod val="50000"/>
-                  </a:schemeClr>
-                </a:solidFill>
-                <a:latin typeface="G마켓 산스 Medium" panose="02000000000000000000" pitchFamily="50" charset="-127"/>
-                <a:ea typeface="G마켓 산스 Medium" panose="02000000000000000000" pitchFamily="50" charset="-127"/>
-              </a:rPr>
-              <a:t>출력하시오</a:t>
+              <a:t>도를 섭씨로 변환하여 출력하시오</a:t>
             </a:r>
             <a:r>
               <a:rPr lang="en-US" altLang="ko-KR" sz="3600" smtClean="0">
@@ -16057,8 +16093,32 @@
         </p:blipFill>
         <p:spPr>
           <a:xfrm>
-            <a:off x="7876279" y="2152652"/>
+            <a:off x="9753843" y="2152652"/>
             <a:ext cx="8056991" cy="1009648"/>
+          </a:xfrm>
+          <a:prstGeom prst="rect">
+            <a:avLst/>
+          </a:prstGeom>
+        </p:spPr>
+      </p:pic>
+      <p:pic>
+        <p:nvPicPr>
+          <p:cNvPr id="2" name="그림 1"/>
+          <p:cNvPicPr>
+            <a:picLocks noChangeAspect="1"/>
+          </p:cNvPicPr>
+          <p:nvPr/>
+        </p:nvPicPr>
+        <p:blipFill>
+          <a:blip r:embed="rId8"/>
+          <a:stretch>
+            <a:fillRect/>
+          </a:stretch>
+        </p:blipFill>
+        <p:spPr>
+          <a:xfrm>
+            <a:off x="3465209" y="2171700"/>
+            <a:ext cx="2935591" cy="2133600"/>
           </a:xfrm>
           <a:prstGeom prst="rect">
             <a:avLst/>
@@ -16486,7 +16546,7 @@
           <p:cNvPr id="2" name="TextBox 1">
             <a:extLst>
               <a:ext uri="{FF2B5EF4-FFF2-40B4-BE49-F238E27FC236}">
-                <a16:creationId xmlns:a16="http://schemas.microsoft.com/office/drawing/2014/main" xmlns="" id="{715D88A2-BD52-978B-A00A-540446126E3D}"/>
+                <a16:creationId xmlns="" xmlns:a16="http://schemas.microsoft.com/office/drawing/2014/main" id="{715D88A2-BD52-978B-A00A-540446126E3D}"/>
               </a:ext>
             </a:extLst>
           </p:cNvPr>
@@ -16566,7 +16626,7 @@
           <p:cNvPr id="4" name="TextBox 3">
             <a:extLst>
               <a:ext uri="{FF2B5EF4-FFF2-40B4-BE49-F238E27FC236}">
-                <a16:creationId xmlns:a16="http://schemas.microsoft.com/office/drawing/2014/main" xmlns="" id="{7229BEA6-121E-9056-D07F-2B3BB1795F76}"/>
+                <a16:creationId xmlns="" xmlns:a16="http://schemas.microsoft.com/office/drawing/2014/main" id="{7229BEA6-121E-9056-D07F-2B3BB1795F76}"/>
               </a:ext>
             </a:extLst>
           </p:cNvPr>
@@ -16614,7 +16674,7 @@
           <p:cNvPr id="6" name="직선 화살표 연결선 5">
             <a:extLst>
               <a:ext uri="{FF2B5EF4-FFF2-40B4-BE49-F238E27FC236}">
-                <a16:creationId xmlns="" xmlns:a16="http://schemas.microsoft.com/office/drawing/2014/main" id="{299DF5EC-9DF4-5255-06AC-0A7CE4FF58C3}"/>
+                <a16:creationId xmlns:a16="http://schemas.microsoft.com/office/drawing/2014/main" xmlns="" id="{299DF5EC-9DF4-5255-06AC-0A7CE4FF58C3}"/>
               </a:ext>
             </a:extLst>
           </p:cNvPr>
@@ -16655,7 +16715,7 @@
           <p:cNvPr id="9" name="TextBox 8">
             <a:extLst>
               <a:ext uri="{FF2B5EF4-FFF2-40B4-BE49-F238E27FC236}">
-                <a16:creationId xmlns="" xmlns:a16="http://schemas.microsoft.com/office/drawing/2014/main" id="{5ADC00B6-990A-40DC-3CEA-505258F5E8DA}"/>
+                <a16:creationId xmlns:a16="http://schemas.microsoft.com/office/drawing/2014/main" xmlns="" id="{5ADC00B6-990A-40DC-3CEA-505258F5E8DA}"/>
               </a:ext>
             </a:extLst>
           </p:cNvPr>
@@ -16703,7 +16763,7 @@
           <p:cNvPr id="10" name="TextBox 9">
             <a:extLst>
               <a:ext uri="{FF2B5EF4-FFF2-40B4-BE49-F238E27FC236}">
-                <a16:creationId xmlns="" xmlns:a16="http://schemas.microsoft.com/office/drawing/2014/main" id="{5ADC00B6-990A-40DC-3CEA-505258F5E8DA}"/>
+                <a16:creationId xmlns:a16="http://schemas.microsoft.com/office/drawing/2014/main" xmlns="" id="{5ADC00B6-990A-40DC-3CEA-505258F5E8DA}"/>
               </a:ext>
             </a:extLst>
           </p:cNvPr>
@@ -16751,7 +16811,7 @@
           <p:cNvPr id="12" name="직선 화살표 연결선 11">
             <a:extLst>
               <a:ext uri="{FF2B5EF4-FFF2-40B4-BE49-F238E27FC236}">
-                <a16:creationId xmlns="" xmlns:a16="http://schemas.microsoft.com/office/drawing/2014/main" id="{299DF5EC-9DF4-5255-06AC-0A7CE4FF58C3}"/>
+                <a16:creationId xmlns:a16="http://schemas.microsoft.com/office/drawing/2014/main" xmlns="" id="{299DF5EC-9DF4-5255-06AC-0A7CE4FF58C3}"/>
               </a:ext>
             </a:extLst>
           </p:cNvPr>
@@ -16792,7 +16852,7 @@
           <p:cNvPr id="14" name="직선 화살표 연결선 13">
             <a:extLst>
               <a:ext uri="{FF2B5EF4-FFF2-40B4-BE49-F238E27FC236}">
-                <a16:creationId xmlns="" xmlns:a16="http://schemas.microsoft.com/office/drawing/2014/main" id="{299DF5EC-9DF4-5255-06AC-0A7CE4FF58C3}"/>
+                <a16:creationId xmlns:a16="http://schemas.microsoft.com/office/drawing/2014/main" xmlns="" id="{299DF5EC-9DF4-5255-06AC-0A7CE4FF58C3}"/>
               </a:ext>
             </a:extLst>
           </p:cNvPr>
@@ -16833,7 +16893,7 @@
           <p:cNvPr id="16" name="TextBox 15">
             <a:extLst>
               <a:ext uri="{FF2B5EF4-FFF2-40B4-BE49-F238E27FC236}">
-                <a16:creationId xmlns="" xmlns:a16="http://schemas.microsoft.com/office/drawing/2014/main" id="{5ADC00B6-990A-40DC-3CEA-505258F5E8DA}"/>
+                <a16:creationId xmlns:a16="http://schemas.microsoft.com/office/drawing/2014/main" xmlns="" id="{5ADC00B6-990A-40DC-3CEA-505258F5E8DA}"/>
               </a:ext>
             </a:extLst>
           </p:cNvPr>
@@ -16881,7 +16941,7 @@
           <p:cNvPr id="17" name="직선 화살표 연결선 16">
             <a:extLst>
               <a:ext uri="{FF2B5EF4-FFF2-40B4-BE49-F238E27FC236}">
-                <a16:creationId xmlns="" xmlns:a16="http://schemas.microsoft.com/office/drawing/2014/main" id="{299DF5EC-9DF4-5255-06AC-0A7CE4FF58C3}"/>
+                <a16:creationId xmlns:a16="http://schemas.microsoft.com/office/drawing/2014/main" xmlns="" id="{299DF5EC-9DF4-5255-06AC-0A7CE4FF58C3}"/>
               </a:ext>
             </a:extLst>
           </p:cNvPr>
@@ -16922,7 +16982,7 @@
           <p:cNvPr id="19" name="TextBox 18">
             <a:extLst>
               <a:ext uri="{FF2B5EF4-FFF2-40B4-BE49-F238E27FC236}">
-                <a16:creationId xmlns="" xmlns:a16="http://schemas.microsoft.com/office/drawing/2014/main" id="{5ADC00B6-990A-40DC-3CEA-505258F5E8DA}"/>
+                <a16:creationId xmlns:a16="http://schemas.microsoft.com/office/drawing/2014/main" xmlns="" id="{5ADC00B6-990A-40DC-3CEA-505258F5E8DA}"/>
               </a:ext>
             </a:extLst>
           </p:cNvPr>
@@ -16970,7 +17030,7 @@
           <p:cNvPr id="20" name="직선 화살표 연결선 19">
             <a:extLst>
               <a:ext uri="{FF2B5EF4-FFF2-40B4-BE49-F238E27FC236}">
-                <a16:creationId xmlns="" xmlns:a16="http://schemas.microsoft.com/office/drawing/2014/main" id="{299DF5EC-9DF4-5255-06AC-0A7CE4FF58C3}"/>
+                <a16:creationId xmlns:a16="http://schemas.microsoft.com/office/drawing/2014/main" xmlns="" id="{299DF5EC-9DF4-5255-06AC-0A7CE4FF58C3}"/>
               </a:ext>
             </a:extLst>
           </p:cNvPr>
@@ -17011,7 +17071,7 @@
           <p:cNvPr id="22" name="TextBox 21">
             <a:extLst>
               <a:ext uri="{FF2B5EF4-FFF2-40B4-BE49-F238E27FC236}">
-                <a16:creationId xmlns="" xmlns:a16="http://schemas.microsoft.com/office/drawing/2014/main" id="{5ADC00B6-990A-40DC-3CEA-505258F5E8DA}"/>
+                <a16:creationId xmlns:a16="http://schemas.microsoft.com/office/drawing/2014/main" xmlns="" id="{5ADC00B6-990A-40DC-3CEA-505258F5E8DA}"/>
               </a:ext>
             </a:extLst>
           </p:cNvPr>
@@ -17284,7 +17344,7 @@
           <p:cNvPr id="2" name="TextBox 1">
             <a:extLst>
               <a:ext uri="{FF2B5EF4-FFF2-40B4-BE49-F238E27FC236}">
-                <a16:creationId xmlns:a16="http://schemas.microsoft.com/office/drawing/2014/main" xmlns="" id="{76F36AE5-79B5-0B9F-E510-1C27AAC4B649}"/>
+                <a16:creationId xmlns="" xmlns:a16="http://schemas.microsoft.com/office/drawing/2014/main" id="{76F36AE5-79B5-0B9F-E510-1C27AAC4B649}"/>
               </a:ext>
             </a:extLst>
           </p:cNvPr>
@@ -17447,7 +17507,7 @@
           <p:cNvPr id="27" name="TextBox 26">
             <a:extLst>
               <a:ext uri="{FF2B5EF4-FFF2-40B4-BE49-F238E27FC236}">
-                <a16:creationId xmlns:a16="http://schemas.microsoft.com/office/drawing/2014/main" xmlns="" id="{7229BEA6-121E-9056-D07F-2B3BB1795F76}"/>
+                <a16:creationId xmlns="" xmlns:a16="http://schemas.microsoft.com/office/drawing/2014/main" id="{7229BEA6-121E-9056-D07F-2B3BB1795F76}"/>
               </a:ext>
             </a:extLst>
           </p:cNvPr>
@@ -19298,7 +19358,7 @@
           <p:cNvPr id="4" name="TextBox 3">
             <a:extLst>
               <a:ext uri="{FF2B5EF4-FFF2-40B4-BE49-F238E27FC236}">
-                <a16:creationId xmlns:a16="http://schemas.microsoft.com/office/drawing/2014/main" xmlns="" id="{7229BEA6-121E-9056-D07F-2B3BB1795F76}"/>
+                <a16:creationId xmlns="" xmlns:a16="http://schemas.microsoft.com/office/drawing/2014/main" id="{7229BEA6-121E-9056-D07F-2B3BB1795F76}"/>
               </a:ext>
             </a:extLst>
           </p:cNvPr>
@@ -19346,7 +19406,7 @@
           <p:cNvPr id="5" name="TextBox 4">
             <a:extLst>
               <a:ext uri="{FF2B5EF4-FFF2-40B4-BE49-F238E27FC236}">
-                <a16:creationId xmlns:a16="http://schemas.microsoft.com/office/drawing/2014/main" xmlns="" id="{7229BEA6-121E-9056-D07F-2B3BB1795F76}"/>
+                <a16:creationId xmlns="" xmlns:a16="http://schemas.microsoft.com/office/drawing/2014/main" id="{7229BEA6-121E-9056-D07F-2B3BB1795F76}"/>
               </a:ext>
             </a:extLst>
           </p:cNvPr>
@@ -19404,7 +19464,7 @@
           <p:cNvPr id="6" name="TextBox 5">
             <a:extLst>
               <a:ext uri="{FF2B5EF4-FFF2-40B4-BE49-F238E27FC236}">
-                <a16:creationId xmlns:a16="http://schemas.microsoft.com/office/drawing/2014/main" xmlns="" id="{7229BEA6-121E-9056-D07F-2B3BB1795F76}"/>
+                <a16:creationId xmlns="" xmlns:a16="http://schemas.microsoft.com/office/drawing/2014/main" id="{7229BEA6-121E-9056-D07F-2B3BB1795F76}"/>
               </a:ext>
             </a:extLst>
           </p:cNvPr>
@@ -19452,7 +19512,7 @@
           <p:cNvPr id="7" name="TextBox 6">
             <a:extLst>
               <a:ext uri="{FF2B5EF4-FFF2-40B4-BE49-F238E27FC236}">
-                <a16:creationId xmlns="" xmlns:a16="http://schemas.microsoft.com/office/drawing/2014/main" id="{5ADC00B6-990A-40DC-3CEA-505258F5E8DA}"/>
+                <a16:creationId xmlns:a16="http://schemas.microsoft.com/office/drawing/2014/main" xmlns="" id="{5ADC00B6-990A-40DC-3CEA-505258F5E8DA}"/>
               </a:ext>
             </a:extLst>
           </p:cNvPr>
@@ -19500,7 +19560,7 @@
           <p:cNvPr id="8" name="TextBox 7">
             <a:extLst>
               <a:ext uri="{FF2B5EF4-FFF2-40B4-BE49-F238E27FC236}">
-                <a16:creationId xmlns="" xmlns:a16="http://schemas.microsoft.com/office/drawing/2014/main" id="{5ADC00B6-990A-40DC-3CEA-505258F5E8DA}"/>
+                <a16:creationId xmlns:a16="http://schemas.microsoft.com/office/drawing/2014/main" xmlns="" id="{5ADC00B6-990A-40DC-3CEA-505258F5E8DA}"/>
               </a:ext>
             </a:extLst>
           </p:cNvPr>
@@ -19548,7 +19608,7 @@
           <p:cNvPr id="9" name="직사각형 8">
             <a:extLst>
               <a:ext uri="{FF2B5EF4-FFF2-40B4-BE49-F238E27FC236}">
-                <a16:creationId xmlns="" xmlns:a16="http://schemas.microsoft.com/office/drawing/2014/main" id="{FFF506F9-840A-0508-4CAF-3AC711D8D5CE}"/>
+                <a16:creationId xmlns:a16="http://schemas.microsoft.com/office/drawing/2014/main" xmlns="" id="{FFF506F9-840A-0508-4CAF-3AC711D8D5CE}"/>
               </a:ext>
             </a:extLst>
           </p:cNvPr>
@@ -19600,7 +19660,7 @@
           <p:cNvPr id="10" name="직사각형 9">
             <a:extLst>
               <a:ext uri="{FF2B5EF4-FFF2-40B4-BE49-F238E27FC236}">
-                <a16:creationId xmlns="" xmlns:a16="http://schemas.microsoft.com/office/drawing/2014/main" id="{FFF506F9-840A-0508-4CAF-3AC711D8D5CE}"/>
+                <a16:creationId xmlns:a16="http://schemas.microsoft.com/office/drawing/2014/main" xmlns="" id="{FFF506F9-840A-0508-4CAF-3AC711D8D5CE}"/>
               </a:ext>
             </a:extLst>
           </p:cNvPr>
@@ -19652,7 +19712,7 @@
           <p:cNvPr id="11" name="직사각형 10">
             <a:extLst>
               <a:ext uri="{FF2B5EF4-FFF2-40B4-BE49-F238E27FC236}">
-                <a16:creationId xmlns="" xmlns:a16="http://schemas.microsoft.com/office/drawing/2014/main" id="{FFF506F9-840A-0508-4CAF-3AC711D8D5CE}"/>
+                <a16:creationId xmlns:a16="http://schemas.microsoft.com/office/drawing/2014/main" xmlns="" id="{FFF506F9-840A-0508-4CAF-3AC711D8D5CE}"/>
               </a:ext>
             </a:extLst>
           </p:cNvPr>
@@ -19728,7 +19788,7 @@
           <p:cNvPr id="14" name="직사각형 13">
             <a:extLst>
               <a:ext uri="{FF2B5EF4-FFF2-40B4-BE49-F238E27FC236}">
-                <a16:creationId xmlns="" xmlns:a16="http://schemas.microsoft.com/office/drawing/2014/main" id="{FFF506F9-840A-0508-4CAF-3AC711D8D5CE}"/>
+                <a16:creationId xmlns:a16="http://schemas.microsoft.com/office/drawing/2014/main" xmlns="" id="{FFF506F9-840A-0508-4CAF-3AC711D8D5CE}"/>
               </a:ext>
             </a:extLst>
           </p:cNvPr>
@@ -19780,7 +19840,7 @@
           <p:cNvPr id="15" name="직사각형 14">
             <a:extLst>
               <a:ext uri="{FF2B5EF4-FFF2-40B4-BE49-F238E27FC236}">
-                <a16:creationId xmlns="" xmlns:a16="http://schemas.microsoft.com/office/drawing/2014/main" id="{FFF506F9-840A-0508-4CAF-3AC711D8D5CE}"/>
+                <a16:creationId xmlns:a16="http://schemas.microsoft.com/office/drawing/2014/main" xmlns="" id="{FFF506F9-840A-0508-4CAF-3AC711D8D5CE}"/>
               </a:ext>
             </a:extLst>
           </p:cNvPr>
@@ -19832,7 +19892,7 @@
           <p:cNvPr id="16" name="직사각형 15">
             <a:extLst>
               <a:ext uri="{FF2B5EF4-FFF2-40B4-BE49-F238E27FC236}">
-                <a16:creationId xmlns="" xmlns:a16="http://schemas.microsoft.com/office/drawing/2014/main" id="{FFF506F9-840A-0508-4CAF-3AC711D8D5CE}"/>
+                <a16:creationId xmlns:a16="http://schemas.microsoft.com/office/drawing/2014/main" xmlns="" id="{FFF506F9-840A-0508-4CAF-3AC711D8D5CE}"/>
               </a:ext>
             </a:extLst>
           </p:cNvPr>
@@ -20215,7 +20275,7 @@
           <p:cNvPr id="4" name="TextBox 3">
             <a:extLst>
               <a:ext uri="{FF2B5EF4-FFF2-40B4-BE49-F238E27FC236}">
-                <a16:creationId xmlns:a16="http://schemas.microsoft.com/office/drawing/2014/main" xmlns="" id="{7229BEA6-121E-9056-D07F-2B3BB1795F76}"/>
+                <a16:creationId xmlns="" xmlns:a16="http://schemas.microsoft.com/office/drawing/2014/main" id="{7229BEA6-121E-9056-D07F-2B3BB1795F76}"/>
               </a:ext>
             </a:extLst>
           </p:cNvPr>
@@ -20263,7 +20323,7 @@
           <p:cNvPr id="5" name="TextBox 4">
             <a:extLst>
               <a:ext uri="{FF2B5EF4-FFF2-40B4-BE49-F238E27FC236}">
-                <a16:creationId xmlns="" xmlns:a16="http://schemas.microsoft.com/office/drawing/2014/main" id="{5ADC00B6-990A-40DC-3CEA-505258F5E8DA}"/>
+                <a16:creationId xmlns:a16="http://schemas.microsoft.com/office/drawing/2014/main" xmlns="" id="{5ADC00B6-990A-40DC-3CEA-505258F5E8DA}"/>
               </a:ext>
             </a:extLst>
           </p:cNvPr>
@@ -20382,7 +20442,7 @@
           <p:cNvPr id="4" name="TextBox 3">
             <a:extLst>
               <a:ext uri="{FF2B5EF4-FFF2-40B4-BE49-F238E27FC236}">
-                <a16:creationId xmlns="" xmlns:a16="http://schemas.microsoft.com/office/drawing/2014/main" id="{5ADC00B6-990A-40DC-3CEA-505258F5E8DA}"/>
+                <a16:creationId xmlns:a16="http://schemas.microsoft.com/office/drawing/2014/main" xmlns="" id="{5ADC00B6-990A-40DC-3CEA-505258F5E8DA}"/>
               </a:ext>
             </a:extLst>
           </p:cNvPr>
@@ -20464,7 +20524,7 @@
           <p:cNvPr id="6" name="TextBox 5">
             <a:extLst>
               <a:ext uri="{FF2B5EF4-FFF2-40B4-BE49-F238E27FC236}">
-                <a16:creationId xmlns="" xmlns:a16="http://schemas.microsoft.com/office/drawing/2014/main" id="{5ADC00B6-990A-40DC-3CEA-505258F5E8DA}"/>
+                <a16:creationId xmlns:a16="http://schemas.microsoft.com/office/drawing/2014/main" xmlns="" id="{5ADC00B6-990A-40DC-3CEA-505258F5E8DA}"/>
               </a:ext>
             </a:extLst>
           </p:cNvPr>

--- a/JavaLecture/LectureFile/java 2강 연산자.pptx
+++ b/JavaLecture/LectureFile/java 2강 연산자.pptx
@@ -245,7 +245,7 @@
           <a:p>
             <a:fld id="{D79F2C30-10E1-4C46-91DC-BBDB9629E720}" type="datetimeFigureOut">
               <a:rPr lang="ko-KR" altLang="en-US" smtClean="0"/>
-              <a:t>2023-03-26</a:t>
+              <a:t>2023-07-30</a:t>
             </a:fld>
             <a:endParaRPr lang="ko-KR" altLang="en-US"/>
           </a:p>
@@ -705,7 +705,7 @@
           <a:p>
             <a:fld id="{F8166F1F-CE9B-4651-A6AA-CD717754106B}" type="datetimeFigureOut">
               <a:rPr lang="en-US" smtClean="0"/>
-              <a:t>3/26/2023</a:t>
+              <a:t>7/30/2023</a:t>
             </a:fld>
             <a:endParaRPr lang="en-US"/>
           </a:p>
@@ -908,7 +908,7 @@
           <a:p>
             <a:fld id="{A76116CE-C4A3-4A05-B2D7-7C2E9A889C0F}" type="datetimeFigureOut">
               <a:rPr lang="en-US" smtClean="0"/>
-              <a:t>3/26/2023</a:t>
+              <a:t>7/30/2023</a:t>
             </a:fld>
             <a:endParaRPr lang="en-US"/>
           </a:p>
@@ -1111,7 +1111,7 @@
           <a:p>
             <a:fld id="{A76116CE-C4A3-4A05-B2D7-7C2E9A889C0F}" type="datetimeFigureOut">
               <a:rPr lang="en-US" smtClean="0"/>
-              <a:t>3/26/2023</a:t>
+              <a:t>7/30/2023</a:t>
             </a:fld>
             <a:endParaRPr lang="en-US"/>
           </a:p>
@@ -1316,7 +1316,7 @@
           <a:p>
             <a:fld id="{A76116CE-C4A3-4A05-B2D7-7C2E9A889C0F}" type="datetimeFigureOut">
               <a:rPr lang="en-US" smtClean="0"/>
-              <a:t>3/26/2023</a:t>
+              <a:t>7/30/2023</a:t>
             </a:fld>
             <a:endParaRPr lang="en-US"/>
           </a:p>
@@ -1586,7 +1586,7 @@
           <a:p>
             <a:fld id="{A76116CE-C4A3-4A05-B2D7-7C2E9A889C0F}" type="datetimeFigureOut">
               <a:rPr lang="en-US" smtClean="0"/>
-              <a:t>3/26/2023</a:t>
+              <a:t>7/30/2023</a:t>
             </a:fld>
             <a:endParaRPr lang="en-US"/>
           </a:p>
@@ -1904,7 +1904,7 @@
           <a:p>
             <a:fld id="{A76116CE-C4A3-4A05-B2D7-7C2E9A889C0F}" type="datetimeFigureOut">
               <a:rPr lang="en-US" smtClean="0"/>
-              <a:t>3/26/2023</a:t>
+              <a:t>7/30/2023</a:t>
             </a:fld>
             <a:endParaRPr lang="en-US"/>
           </a:p>
@@ -2362,7 +2362,7 @@
           <a:p>
             <a:fld id="{A76116CE-C4A3-4A05-B2D7-7C2E9A889C0F}" type="datetimeFigureOut">
               <a:rPr lang="en-US" smtClean="0"/>
-              <a:t>3/26/2023</a:t>
+              <a:t>7/30/2023</a:t>
             </a:fld>
             <a:endParaRPr lang="en-US"/>
           </a:p>
@@ -2506,7 +2506,7 @@
           <a:p>
             <a:fld id="{A76116CE-C4A3-4A05-B2D7-7C2E9A889C0F}" type="datetimeFigureOut">
               <a:rPr lang="en-US" smtClean="0"/>
-              <a:t>3/26/2023</a:t>
+              <a:t>7/30/2023</a:t>
             </a:fld>
             <a:endParaRPr lang="en-US"/>
           </a:p>
@@ -2620,7 +2620,7 @@
           <a:p>
             <a:fld id="{A76116CE-C4A3-4A05-B2D7-7C2E9A889C0F}" type="datetimeFigureOut">
               <a:rPr lang="en-US" smtClean="0"/>
-              <a:t>3/26/2023</a:t>
+              <a:t>7/30/2023</a:t>
             </a:fld>
             <a:endParaRPr lang="en-US"/>
           </a:p>
@@ -2923,7 +2923,7 @@
           <a:p>
             <a:fld id="{A76116CE-C4A3-4A05-B2D7-7C2E9A889C0F}" type="datetimeFigureOut">
               <a:rPr lang="en-US" smtClean="0"/>
-              <a:t>3/26/2023</a:t>
+              <a:t>7/30/2023</a:t>
             </a:fld>
             <a:endParaRPr lang="en-US"/>
           </a:p>
@@ -3203,7 +3203,7 @@
           <a:p>
             <a:fld id="{A76116CE-C4A3-4A05-B2D7-7C2E9A889C0F}" type="datetimeFigureOut">
               <a:rPr lang="en-US" smtClean="0"/>
-              <a:t>3/26/2023</a:t>
+              <a:t>7/30/2023</a:t>
             </a:fld>
             <a:endParaRPr lang="en-US"/>
           </a:p>
@@ -3961,7 +3961,7 @@
           <p:cNvPr id="2" name="TextBox 1">
             <a:extLst>
               <a:ext uri="{FF2B5EF4-FFF2-40B4-BE49-F238E27FC236}">
-                <a16:creationId xmlns="" xmlns:a16="http://schemas.microsoft.com/office/drawing/2014/main" id="{E9A453A8-9968-67AB-7B4A-83EEB4662AA6}"/>
+                <a16:creationId xmlns:a16="http://schemas.microsoft.com/office/drawing/2014/main" xmlns="" id="{E9A453A8-9968-67AB-7B4A-83EEB4662AA6}"/>
               </a:ext>
             </a:extLst>
           </p:cNvPr>
@@ -4009,7 +4009,7 @@
           <p:cNvPr id="4" name="TextBox 3">
             <a:extLst>
               <a:ext uri="{FF2B5EF4-FFF2-40B4-BE49-F238E27FC236}">
-                <a16:creationId xmlns="" xmlns:a16="http://schemas.microsoft.com/office/drawing/2014/main" id="{F4B7A35A-8AAC-4622-64BC-CAD1472D4115}"/>
+                <a16:creationId xmlns:a16="http://schemas.microsoft.com/office/drawing/2014/main" xmlns="" id="{F4B7A35A-8AAC-4622-64BC-CAD1472D4115}"/>
               </a:ext>
             </a:extLst>
           </p:cNvPr>
@@ -4081,7 +4081,7 @@
           <p:cNvPr id="7" name="TextBox 6">
             <a:extLst>
               <a:ext uri="{FF2B5EF4-FFF2-40B4-BE49-F238E27FC236}">
-                <a16:creationId xmlns="" xmlns:a16="http://schemas.microsoft.com/office/drawing/2014/main" id="{3ACE900A-D779-4343-6623-8588B376F0A1}"/>
+                <a16:creationId xmlns:a16="http://schemas.microsoft.com/office/drawing/2014/main" xmlns="" id="{3ACE900A-D779-4343-6623-8588B376F0A1}"/>
               </a:ext>
             </a:extLst>
           </p:cNvPr>
@@ -4145,7 +4145,7 @@
           <p:cNvPr id="4" name="TextBox 3">
             <a:extLst>
               <a:ext uri="{FF2B5EF4-FFF2-40B4-BE49-F238E27FC236}">
-                <a16:creationId xmlns:a16="http://schemas.microsoft.com/office/drawing/2014/main" xmlns="" id="{5ADC00B6-990A-40DC-3CEA-505258F5E8DA}"/>
+                <a16:creationId xmlns="" xmlns:a16="http://schemas.microsoft.com/office/drawing/2014/main" id="{5ADC00B6-990A-40DC-3CEA-505258F5E8DA}"/>
               </a:ext>
             </a:extLst>
           </p:cNvPr>
@@ -4234,7 +4234,7 @@
           <p:cNvPr id="6" name="TextBox 5">
             <a:extLst>
               <a:ext uri="{FF2B5EF4-FFF2-40B4-BE49-F238E27FC236}">
-                <a16:creationId xmlns:a16="http://schemas.microsoft.com/office/drawing/2014/main" xmlns="" id="{5ADC00B6-990A-40DC-3CEA-505258F5E8DA}"/>
+                <a16:creationId xmlns="" xmlns:a16="http://schemas.microsoft.com/office/drawing/2014/main" id="{5ADC00B6-990A-40DC-3CEA-505258F5E8DA}"/>
               </a:ext>
             </a:extLst>
           </p:cNvPr>
@@ -4275,7 +4275,7 @@
           <p:cNvPr id="7" name="TextBox 6">
             <a:extLst>
               <a:ext uri="{FF2B5EF4-FFF2-40B4-BE49-F238E27FC236}">
-                <a16:creationId xmlns:a16="http://schemas.microsoft.com/office/drawing/2014/main" xmlns="" id="{5ADC00B6-990A-40DC-3CEA-505258F5E8DA}"/>
+                <a16:creationId xmlns="" xmlns:a16="http://schemas.microsoft.com/office/drawing/2014/main" id="{5ADC00B6-990A-40DC-3CEA-505258F5E8DA}"/>
               </a:ext>
             </a:extLst>
           </p:cNvPr>
@@ -4316,7 +4316,7 @@
           <p:cNvPr id="8" name="TextBox 7">
             <a:extLst>
               <a:ext uri="{FF2B5EF4-FFF2-40B4-BE49-F238E27FC236}">
-                <a16:creationId xmlns:a16="http://schemas.microsoft.com/office/drawing/2014/main" xmlns="" id="{5ADC00B6-990A-40DC-3CEA-505258F5E8DA}"/>
+                <a16:creationId xmlns="" xmlns:a16="http://schemas.microsoft.com/office/drawing/2014/main" id="{5ADC00B6-990A-40DC-3CEA-505258F5E8DA}"/>
               </a:ext>
             </a:extLst>
           </p:cNvPr>
@@ -4357,7 +4357,7 @@
           <p:cNvPr id="9" name="TextBox 8">
             <a:extLst>
               <a:ext uri="{FF2B5EF4-FFF2-40B4-BE49-F238E27FC236}">
-                <a16:creationId xmlns:a16="http://schemas.microsoft.com/office/drawing/2014/main" xmlns="" id="{5ADC00B6-990A-40DC-3CEA-505258F5E8DA}"/>
+                <a16:creationId xmlns="" xmlns:a16="http://schemas.microsoft.com/office/drawing/2014/main" id="{5ADC00B6-990A-40DC-3CEA-505258F5E8DA}"/>
               </a:ext>
             </a:extLst>
           </p:cNvPr>
@@ -4398,7 +4398,7 @@
           <p:cNvPr id="10" name="TextBox 9">
             <a:extLst>
               <a:ext uri="{FF2B5EF4-FFF2-40B4-BE49-F238E27FC236}">
-                <a16:creationId xmlns:a16="http://schemas.microsoft.com/office/drawing/2014/main" xmlns="" id="{5ADC00B6-990A-40DC-3CEA-505258F5E8DA}"/>
+                <a16:creationId xmlns="" xmlns:a16="http://schemas.microsoft.com/office/drawing/2014/main" id="{5ADC00B6-990A-40DC-3CEA-505258F5E8DA}"/>
               </a:ext>
             </a:extLst>
           </p:cNvPr>
@@ -4439,7 +4439,7 @@
           <p:cNvPr id="11" name="TextBox 10">
             <a:extLst>
               <a:ext uri="{FF2B5EF4-FFF2-40B4-BE49-F238E27FC236}">
-                <a16:creationId xmlns:a16="http://schemas.microsoft.com/office/drawing/2014/main" xmlns="" id="{5ADC00B6-990A-40DC-3CEA-505258F5E8DA}"/>
+                <a16:creationId xmlns="" xmlns:a16="http://schemas.microsoft.com/office/drawing/2014/main" id="{5ADC00B6-990A-40DC-3CEA-505258F5E8DA}"/>
               </a:ext>
             </a:extLst>
           </p:cNvPr>
@@ -4546,7 +4546,7 @@
           <p:cNvPr id="12" name="TextBox 11">
             <a:extLst>
               <a:ext uri="{FF2B5EF4-FFF2-40B4-BE49-F238E27FC236}">
-                <a16:creationId xmlns="" xmlns:a16="http://schemas.microsoft.com/office/drawing/2014/main" id="{7229BEA6-121E-9056-D07F-2B3BB1795F76}"/>
+                <a16:creationId xmlns:a16="http://schemas.microsoft.com/office/drawing/2014/main" xmlns="" id="{7229BEA6-121E-9056-D07F-2B3BB1795F76}"/>
               </a:ext>
             </a:extLst>
           </p:cNvPr>
@@ -4914,7 +4914,7 @@
           <p:cNvPr id="6" name="TextBox 5">
             <a:extLst>
               <a:ext uri="{FF2B5EF4-FFF2-40B4-BE49-F238E27FC236}">
-                <a16:creationId xmlns:a16="http://schemas.microsoft.com/office/drawing/2014/main" xmlns="" id="{5ADC00B6-990A-40DC-3CEA-505258F5E8DA}"/>
+                <a16:creationId xmlns="" xmlns:a16="http://schemas.microsoft.com/office/drawing/2014/main" id="{5ADC00B6-990A-40DC-3CEA-505258F5E8DA}"/>
               </a:ext>
             </a:extLst>
           </p:cNvPr>
@@ -5125,7 +5125,7 @@
           <p:cNvPr id="4" name="TextBox 3">
             <a:extLst>
               <a:ext uri="{FF2B5EF4-FFF2-40B4-BE49-F238E27FC236}">
-                <a16:creationId xmlns:a16="http://schemas.microsoft.com/office/drawing/2014/main" xmlns="" id="{5ADC00B6-990A-40DC-3CEA-505258F5E8DA}"/>
+                <a16:creationId xmlns="" xmlns:a16="http://schemas.microsoft.com/office/drawing/2014/main" id="{5ADC00B6-990A-40DC-3CEA-505258F5E8DA}"/>
               </a:ext>
             </a:extLst>
           </p:cNvPr>
@@ -5197,7 +5197,7 @@
           <p:cNvPr id="6" name="TextBox 5">
             <a:extLst>
               <a:ext uri="{FF2B5EF4-FFF2-40B4-BE49-F238E27FC236}">
-                <a16:creationId xmlns:a16="http://schemas.microsoft.com/office/drawing/2014/main" xmlns="" id="{5ADC00B6-990A-40DC-3CEA-505258F5E8DA}"/>
+                <a16:creationId xmlns="" xmlns:a16="http://schemas.microsoft.com/office/drawing/2014/main" id="{5ADC00B6-990A-40DC-3CEA-505258F5E8DA}"/>
               </a:ext>
             </a:extLst>
           </p:cNvPr>
@@ -5269,7 +5269,7 @@
           <p:cNvPr id="9" name="TextBox 8">
             <a:extLst>
               <a:ext uri="{FF2B5EF4-FFF2-40B4-BE49-F238E27FC236}">
-                <a16:creationId xmlns:a16="http://schemas.microsoft.com/office/drawing/2014/main" xmlns="" id="{5ADC00B6-990A-40DC-3CEA-505258F5E8DA}"/>
+                <a16:creationId xmlns="" xmlns:a16="http://schemas.microsoft.com/office/drawing/2014/main" id="{5ADC00B6-990A-40DC-3CEA-505258F5E8DA}"/>
               </a:ext>
             </a:extLst>
           </p:cNvPr>
@@ -5375,8 +5375,8 @@
         </p:blipFill>
         <p:spPr>
           <a:xfrm>
-            <a:off x="4572000" y="2705100"/>
-            <a:ext cx="7696200" cy="3737363"/>
+            <a:off x="4114800" y="1890251"/>
+            <a:ext cx="10315679" cy="5009412"/>
           </a:xfrm>
           <a:prstGeom prst="rect">
             <a:avLst/>
@@ -5388,7 +5388,7 @@
           <p:cNvPr id="5" name="TextBox 4">
             <a:extLst>
               <a:ext uri="{FF2B5EF4-FFF2-40B4-BE49-F238E27FC236}">
-                <a16:creationId xmlns:a16="http://schemas.microsoft.com/office/drawing/2014/main" xmlns="" id="{5ADC00B6-990A-40DC-3CEA-505258F5E8DA}"/>
+                <a16:creationId xmlns="" xmlns:a16="http://schemas.microsoft.com/office/drawing/2014/main" id="{5ADC00B6-990A-40DC-3CEA-505258F5E8DA}"/>
               </a:ext>
             </a:extLst>
           </p:cNvPr>
@@ -5599,7 +5599,7 @@
           <p:cNvPr id="5" name="TextBox 4">
             <a:extLst>
               <a:ext uri="{FF2B5EF4-FFF2-40B4-BE49-F238E27FC236}">
-                <a16:creationId xmlns:a16="http://schemas.microsoft.com/office/drawing/2014/main" xmlns="" id="{5ADC00B6-990A-40DC-3CEA-505258F5E8DA}"/>
+                <a16:creationId xmlns="" xmlns:a16="http://schemas.microsoft.com/office/drawing/2014/main" id="{5ADC00B6-990A-40DC-3CEA-505258F5E8DA}"/>
               </a:ext>
             </a:extLst>
           </p:cNvPr>
@@ -5786,7 +5786,7 @@
           <p:cNvPr id="4" name="TextBox 3">
             <a:extLst>
               <a:ext uri="{FF2B5EF4-FFF2-40B4-BE49-F238E27FC236}">
-                <a16:creationId xmlns:a16="http://schemas.microsoft.com/office/drawing/2014/main" xmlns="" id="{5ADC00B6-990A-40DC-3CEA-505258F5E8DA}"/>
+                <a16:creationId xmlns="" xmlns:a16="http://schemas.microsoft.com/office/drawing/2014/main" id="{5ADC00B6-990A-40DC-3CEA-505258F5E8DA}"/>
               </a:ext>
             </a:extLst>
           </p:cNvPr>
@@ -5882,7 +5882,7 @@
           <p:cNvPr id="5" name="TextBox 4">
             <a:extLst>
               <a:ext uri="{FF2B5EF4-FFF2-40B4-BE49-F238E27FC236}">
-                <a16:creationId xmlns="" xmlns:a16="http://schemas.microsoft.com/office/drawing/2014/main" id="{C6D113C6-EA5C-788F-0C77-E7CE6EBB865F}"/>
+                <a16:creationId xmlns:a16="http://schemas.microsoft.com/office/drawing/2014/main" xmlns="" id="{C6D113C6-EA5C-788F-0C77-E7CE6EBB865F}"/>
               </a:ext>
             </a:extLst>
           </p:cNvPr>
@@ -6099,7 +6099,7 @@
           <p:cNvPr id="6" name="직선 화살표 연결선 5">
             <a:extLst>
               <a:ext uri="{FF2B5EF4-FFF2-40B4-BE49-F238E27FC236}">
-                <a16:creationId xmlns="" xmlns:a16="http://schemas.microsoft.com/office/drawing/2014/main" id="{299DF5EC-9DF4-5255-06AC-0A7CE4FF58C3}"/>
+                <a16:creationId xmlns:a16="http://schemas.microsoft.com/office/drawing/2014/main" xmlns="" id="{299DF5EC-9DF4-5255-06AC-0A7CE4FF58C3}"/>
               </a:ext>
             </a:extLst>
           </p:cNvPr>
@@ -6140,7 +6140,7 @@
           <p:cNvPr id="7" name="직사각형 6">
             <a:extLst>
               <a:ext uri="{FF2B5EF4-FFF2-40B4-BE49-F238E27FC236}">
-                <a16:creationId xmlns="" xmlns:a16="http://schemas.microsoft.com/office/drawing/2014/main" id="{FFF506F9-840A-0508-4CAF-3AC711D8D5CE}"/>
+                <a16:creationId xmlns:a16="http://schemas.microsoft.com/office/drawing/2014/main" xmlns="" id="{FFF506F9-840A-0508-4CAF-3AC711D8D5CE}"/>
               </a:ext>
             </a:extLst>
           </p:cNvPr>
@@ -6192,7 +6192,7 @@
           <p:cNvPr id="8" name="TextBox 7">
             <a:extLst>
               <a:ext uri="{FF2B5EF4-FFF2-40B4-BE49-F238E27FC236}">
-                <a16:creationId xmlns="" xmlns:a16="http://schemas.microsoft.com/office/drawing/2014/main" id="{C6D113C6-EA5C-788F-0C77-E7CE6EBB865F}"/>
+                <a16:creationId xmlns:a16="http://schemas.microsoft.com/office/drawing/2014/main" xmlns="" id="{C6D113C6-EA5C-788F-0C77-E7CE6EBB865F}"/>
               </a:ext>
             </a:extLst>
           </p:cNvPr>
@@ -6264,7 +6264,7 @@
           <p:cNvPr id="11" name="직선 화살표 연결선 10">
             <a:extLst>
               <a:ext uri="{FF2B5EF4-FFF2-40B4-BE49-F238E27FC236}">
-                <a16:creationId xmlns="" xmlns:a16="http://schemas.microsoft.com/office/drawing/2014/main" id="{299DF5EC-9DF4-5255-06AC-0A7CE4FF58C3}"/>
+                <a16:creationId xmlns:a16="http://schemas.microsoft.com/office/drawing/2014/main" xmlns="" id="{299DF5EC-9DF4-5255-06AC-0A7CE4FF58C3}"/>
               </a:ext>
             </a:extLst>
           </p:cNvPr>
@@ -6305,7 +6305,7 @@
           <p:cNvPr id="12" name="직사각형 11">
             <a:extLst>
               <a:ext uri="{FF2B5EF4-FFF2-40B4-BE49-F238E27FC236}">
-                <a16:creationId xmlns="" xmlns:a16="http://schemas.microsoft.com/office/drawing/2014/main" id="{FFF506F9-840A-0508-4CAF-3AC711D8D5CE}"/>
+                <a16:creationId xmlns:a16="http://schemas.microsoft.com/office/drawing/2014/main" xmlns="" id="{FFF506F9-840A-0508-4CAF-3AC711D8D5CE}"/>
               </a:ext>
             </a:extLst>
           </p:cNvPr>
@@ -6357,7 +6357,7 @@
           <p:cNvPr id="14" name="TextBox 13">
             <a:extLst>
               <a:ext uri="{FF2B5EF4-FFF2-40B4-BE49-F238E27FC236}">
-                <a16:creationId xmlns="" xmlns:a16="http://schemas.microsoft.com/office/drawing/2014/main" id="{C6D113C6-EA5C-788F-0C77-E7CE6EBB865F}"/>
+                <a16:creationId xmlns:a16="http://schemas.microsoft.com/office/drawing/2014/main" xmlns="" id="{C6D113C6-EA5C-788F-0C77-E7CE6EBB865F}"/>
               </a:ext>
             </a:extLst>
           </p:cNvPr>
@@ -6461,6 +6461,54 @@
                 <a:ea typeface="G마켓 산스 Medium" panose="02000000000000000000" pitchFamily="50" charset="-127"/>
               </a:rPr>
               <a:t>.</a:t>
+            </a:r>
+            <a:endParaRPr lang="en-US" altLang="ko-KR" sz="3200" dirty="0">
+              <a:solidFill>
+                <a:srgbClr val="FF0000"/>
+              </a:solidFill>
+              <a:latin typeface="G마켓 산스 Medium" panose="02000000000000000000" pitchFamily="50" charset="-127"/>
+              <a:ea typeface="G마켓 산스 Medium" panose="02000000000000000000" pitchFamily="50" charset="-127"/>
+            </a:endParaRPr>
+          </a:p>
+        </p:txBody>
+      </p:sp>
+      <p:sp>
+        <p:nvSpPr>
+          <p:cNvPr id="15" name="TextBox 14">
+            <a:extLst>
+              <a:ext uri="{FF2B5EF4-FFF2-40B4-BE49-F238E27FC236}">
+                <a16:creationId xmlns:a16="http://schemas.microsoft.com/office/drawing/2014/main" xmlns="" id="{C6D113C6-EA5C-788F-0C77-E7CE6EBB865F}"/>
+              </a:ext>
+            </a:extLst>
+          </p:cNvPr>
+          <p:cNvSpPr txBox="1"/>
+          <p:nvPr/>
+        </p:nvSpPr>
+        <p:spPr>
+          <a:xfrm>
+            <a:off x="533400" y="291525"/>
+            <a:ext cx="1295400" cy="584775"/>
+          </a:xfrm>
+          <a:prstGeom prst="rect">
+            <a:avLst/>
+          </a:prstGeom>
+          <a:noFill/>
+        </p:spPr>
+        <p:txBody>
+          <a:bodyPr wrap="square" rtlCol="0">
+            <a:spAutoFit/>
+          </a:bodyPr>
+          <a:lstStyle/>
+          <a:p>
+            <a:r>
+              <a:rPr lang="ko-KR" altLang="en-US" sz="3200" smtClean="0">
+                <a:solidFill>
+                  <a:srgbClr val="FF0000"/>
+                </a:solidFill>
+                <a:latin typeface="G마켓 산스 Medium" panose="02000000000000000000" pitchFamily="50" charset="-127"/>
+                <a:ea typeface="G마켓 산스 Medium" panose="02000000000000000000" pitchFamily="50" charset="-127"/>
+              </a:rPr>
+              <a:t>심화</a:t>
             </a:r>
             <a:endParaRPr lang="en-US" altLang="ko-KR" sz="3200" dirty="0">
               <a:solidFill>
@@ -6503,7 +6551,7 @@
                             </p:stCondLst>
                             <p:childTnLst>
                               <p:par>
-                                <p:cTn id="5" presetID="1" presetClass="entr" presetSubtype="0" fill="hold" grpId="0" nodeType="clickEffect">
+                                <p:cTn id="5" presetID="1" presetClass="entr" presetSubtype="0" fill="hold" nodeType="clickEffect">
                                   <p:stCondLst>
                                     <p:cond delay="0"/>
                                   </p:stCondLst>
@@ -6511,6 +6559,33 @@
                                     <p:set>
                                       <p:cBhvr>
                                         <p:cTn id="6" dur="1" fill="hold">
+                                          <p:stCondLst>
+                                            <p:cond delay="0"/>
+                                          </p:stCondLst>
+                                        </p:cTn>
+                                        <p:tgtEl>
+                                          <p:spTgt spid="6"/>
+                                        </p:tgtEl>
+                                        <p:attrNameLst>
+                                          <p:attrName>style.visibility</p:attrName>
+                                        </p:attrNameLst>
+                                      </p:cBhvr>
+                                      <p:to>
+                                        <p:strVal val="visible"/>
+                                      </p:to>
+                                    </p:set>
+                                  </p:childTnLst>
+                                </p:cTn>
+                              </p:par>
+                              <p:par>
+                                <p:cTn id="7" presetID="1" presetClass="entr" presetSubtype="0" fill="hold" grpId="0" nodeType="withEffect">
+                                  <p:stCondLst>
+                                    <p:cond delay="0"/>
+                                  </p:stCondLst>
+                                  <p:childTnLst>
+                                    <p:set>
+                                      <p:cBhvr>
+                                        <p:cTn id="8" dur="1" fill="hold">
                                           <p:stCondLst>
                                             <p:cond delay="0"/>
                                           </p:stCondLst>
@@ -6536,26 +6611,53 @@
                     </p:cTn>
                   </p:par>
                   <p:par>
-                    <p:cTn id="7" fill="hold">
+                    <p:cTn id="9" fill="hold">
                       <p:stCondLst>
                         <p:cond delay="indefinite"/>
                       </p:stCondLst>
                       <p:childTnLst>
                         <p:par>
-                          <p:cTn id="8" fill="hold">
+                          <p:cTn id="10" fill="hold">
                             <p:stCondLst>
                               <p:cond delay="0"/>
                             </p:stCondLst>
                             <p:childTnLst>
                               <p:par>
-                                <p:cTn id="9" presetID="1" presetClass="entr" presetSubtype="0" fill="hold" grpId="0" nodeType="clickEffect">
+                                <p:cTn id="11" presetID="1" presetClass="entr" presetSubtype="0" fill="hold" nodeType="clickEffect">
                                   <p:stCondLst>
                                     <p:cond delay="0"/>
                                   </p:stCondLst>
                                   <p:childTnLst>
                                     <p:set>
                                       <p:cBhvr>
-                                        <p:cTn id="10" dur="1" fill="hold">
+                                        <p:cTn id="12" dur="1" fill="hold">
+                                          <p:stCondLst>
+                                            <p:cond delay="0"/>
+                                          </p:stCondLst>
+                                        </p:cTn>
+                                        <p:tgtEl>
+                                          <p:spTgt spid="11"/>
+                                        </p:tgtEl>
+                                        <p:attrNameLst>
+                                          <p:attrName>style.visibility</p:attrName>
+                                        </p:attrNameLst>
+                                      </p:cBhvr>
+                                      <p:to>
+                                        <p:strVal val="visible"/>
+                                      </p:to>
+                                    </p:set>
+                                  </p:childTnLst>
+                                </p:cTn>
+                              </p:par>
+                              <p:par>
+                                <p:cTn id="13" presetID="1" presetClass="entr" presetSubtype="0" fill="hold" grpId="0" nodeType="withEffect">
+                                  <p:stCondLst>
+                                    <p:cond delay="0"/>
+                                  </p:stCondLst>
+                                  <p:childTnLst>
+                                    <p:set>
+                                      <p:cBhvr>
+                                        <p:cTn id="14" dur="1" fill="hold">
                                           <p:stCondLst>
                                             <p:cond delay="0"/>
                                           </p:stCondLst>
@@ -6642,7 +6744,7 @@
         </p:blipFill>
         <p:spPr>
           <a:xfrm>
-            <a:off x="2819400" y="6421904"/>
+            <a:off x="2819400" y="6819900"/>
             <a:ext cx="10931912" cy="1295400"/>
           </a:xfrm>
           <a:prstGeom prst="rect">
@@ -6655,7 +6757,7 @@
           <p:cNvPr id="5" name="TextBox 4">
             <a:extLst>
               <a:ext uri="{FF2B5EF4-FFF2-40B4-BE49-F238E27FC236}">
-                <a16:creationId xmlns:a16="http://schemas.microsoft.com/office/drawing/2014/main" xmlns="" id="{5ADC00B6-990A-40DC-3CEA-505258F5E8DA}"/>
+                <a16:creationId xmlns="" xmlns:a16="http://schemas.microsoft.com/office/drawing/2014/main" id="{5ADC00B6-990A-40DC-3CEA-505258F5E8DA}"/>
               </a:ext>
             </a:extLst>
           </p:cNvPr>
@@ -6795,9 +6897,125 @@
   <p:timing>
     <p:tnLst>
       <p:par>
-        <p:cTn id="1" dur="indefinite" restart="never" nodeType="tmRoot"/>
+        <p:cTn id="1" dur="indefinite" restart="never" nodeType="tmRoot">
+          <p:childTnLst>
+            <p:seq concurrent="1" nextAc="seek">
+              <p:cTn id="2" dur="indefinite" nodeType="mainSeq">
+                <p:childTnLst>
+                  <p:par>
+                    <p:cTn id="3" fill="hold">
+                      <p:stCondLst>
+                        <p:cond delay="indefinite"/>
+                      </p:stCondLst>
+                      <p:childTnLst>
+                        <p:par>
+                          <p:cTn id="4" fill="hold">
+                            <p:stCondLst>
+                              <p:cond delay="0"/>
+                            </p:stCondLst>
+                            <p:childTnLst>
+                              <p:par>
+                                <p:cTn id="5" presetID="1" presetClass="entr" presetSubtype="0" fill="hold" grpId="0" nodeType="clickEffect">
+                                  <p:stCondLst>
+                                    <p:cond delay="0"/>
+                                  </p:stCondLst>
+                                  <p:childTnLst>
+                                    <p:set>
+                                      <p:cBhvr>
+                                        <p:cTn id="6" dur="1" fill="hold">
+                                          <p:stCondLst>
+                                            <p:cond delay="0"/>
+                                          </p:stCondLst>
+                                        </p:cTn>
+                                        <p:tgtEl>
+                                          <p:spTgt spid="7"/>
+                                        </p:tgtEl>
+                                        <p:attrNameLst>
+                                          <p:attrName>style.visibility</p:attrName>
+                                        </p:attrNameLst>
+                                      </p:cBhvr>
+                                      <p:to>
+                                        <p:strVal val="visible"/>
+                                      </p:to>
+                                    </p:set>
+                                  </p:childTnLst>
+                                </p:cTn>
+                              </p:par>
+                            </p:childTnLst>
+                          </p:cTn>
+                        </p:par>
+                      </p:childTnLst>
+                    </p:cTn>
+                  </p:par>
+                  <p:par>
+                    <p:cTn id="7" fill="hold">
+                      <p:stCondLst>
+                        <p:cond delay="indefinite"/>
+                      </p:stCondLst>
+                      <p:childTnLst>
+                        <p:par>
+                          <p:cTn id="8" fill="hold">
+                            <p:stCondLst>
+                              <p:cond delay="0"/>
+                            </p:stCondLst>
+                            <p:childTnLst>
+                              <p:par>
+                                <p:cTn id="9" presetID="1" presetClass="entr" presetSubtype="0" fill="hold" nodeType="clickEffect">
+                                  <p:stCondLst>
+                                    <p:cond delay="0"/>
+                                  </p:stCondLst>
+                                  <p:childTnLst>
+                                    <p:set>
+                                      <p:cBhvr>
+                                        <p:cTn id="10" dur="1" fill="hold">
+                                          <p:stCondLst>
+                                            <p:cond delay="0"/>
+                                          </p:stCondLst>
+                                        </p:cTn>
+                                        <p:tgtEl>
+                                          <p:spTgt spid="4"/>
+                                        </p:tgtEl>
+                                        <p:attrNameLst>
+                                          <p:attrName>style.visibility</p:attrName>
+                                        </p:attrNameLst>
+                                      </p:cBhvr>
+                                      <p:to>
+                                        <p:strVal val="visible"/>
+                                      </p:to>
+                                    </p:set>
+                                  </p:childTnLst>
+                                </p:cTn>
+                              </p:par>
+                            </p:childTnLst>
+                          </p:cTn>
+                        </p:par>
+                      </p:childTnLst>
+                    </p:cTn>
+                  </p:par>
+                </p:childTnLst>
+              </p:cTn>
+              <p:prevCondLst>
+                <p:cond evt="onPrev" delay="0">
+                  <p:tgtEl>
+                    <p:sldTgt/>
+                  </p:tgtEl>
+                </p:cond>
+              </p:prevCondLst>
+              <p:nextCondLst>
+                <p:cond evt="onNext" delay="0">
+                  <p:tgtEl>
+                    <p:sldTgt/>
+                  </p:tgtEl>
+                </p:cond>
+              </p:nextCondLst>
+            </p:seq>
+          </p:childTnLst>
+        </p:cTn>
       </p:par>
     </p:tnLst>
+    <p:bldLst>
+      <p:bldP spid="7" grpId="0" animBg="1"/>
+    </p:bldLst>
   </p:timing>
 </p:sld>
 </file>
@@ -6824,7 +7042,7 @@
           <p:cNvPr id="4" name="TextBox 3">
             <a:extLst>
               <a:ext uri="{FF2B5EF4-FFF2-40B4-BE49-F238E27FC236}">
-                <a16:creationId xmlns:a16="http://schemas.microsoft.com/office/drawing/2014/main" xmlns="" id="{5ADC00B6-990A-40DC-3CEA-505258F5E8DA}"/>
+                <a16:creationId xmlns="" xmlns:a16="http://schemas.microsoft.com/office/drawing/2014/main" id="{5ADC00B6-990A-40DC-3CEA-505258F5E8DA}"/>
               </a:ext>
             </a:extLst>
           </p:cNvPr>
@@ -6957,7 +7175,7 @@
           <p:cNvPr id="4" name="TextBox 3">
             <a:extLst>
               <a:ext uri="{FF2B5EF4-FFF2-40B4-BE49-F238E27FC236}">
-                <a16:creationId xmlns:a16="http://schemas.microsoft.com/office/drawing/2014/main" xmlns="" id="{5ADC00B6-990A-40DC-3CEA-505258F5E8DA}"/>
+                <a16:creationId xmlns="" xmlns:a16="http://schemas.microsoft.com/office/drawing/2014/main" id="{5ADC00B6-990A-40DC-3CEA-505258F5E8DA}"/>
               </a:ext>
             </a:extLst>
           </p:cNvPr>
@@ -7029,7 +7247,7 @@
           <p:cNvPr id="6" name="그룹 1008">
             <a:extLst>
               <a:ext uri="{FF2B5EF4-FFF2-40B4-BE49-F238E27FC236}">
-                <a16:creationId xmlns="" xmlns:a16="http://schemas.microsoft.com/office/drawing/2014/main" id="{678F6342-C505-E8AD-ADA4-022CB2C2088E}"/>
+                <a16:creationId xmlns:a16="http://schemas.microsoft.com/office/drawing/2014/main" xmlns="" id="{678F6342-C505-E8AD-ADA4-022CB2C2088E}"/>
               </a:ext>
             </a:extLst>
           </p:cNvPr>
@@ -7049,7 +7267,7 @@
             <p:cNvPr id="7" name="그룹 1009">
               <a:extLst>
                 <a:ext uri="{FF2B5EF4-FFF2-40B4-BE49-F238E27FC236}">
-                  <a16:creationId xmlns="" xmlns:a16="http://schemas.microsoft.com/office/drawing/2014/main" id="{4E1F1FED-812B-9BBB-925A-84B54A077414}"/>
+                  <a16:creationId xmlns:a16="http://schemas.microsoft.com/office/drawing/2014/main" xmlns="" id="{4E1F1FED-812B-9BBB-925A-84B54A077414}"/>
                 </a:ext>
               </a:extLst>
             </p:cNvPr>
@@ -7069,7 +7287,7 @@
               <p:cNvPr id="12" name="Object 29">
                 <a:extLst>
                   <a:ext uri="{FF2B5EF4-FFF2-40B4-BE49-F238E27FC236}">
-                    <a16:creationId xmlns="" xmlns:a16="http://schemas.microsoft.com/office/drawing/2014/main" id="{7B078609-4286-7B00-51EB-809C8E2DE289}"/>
+                    <a16:creationId xmlns:a16="http://schemas.microsoft.com/office/drawing/2014/main" xmlns="" id="{7B078609-4286-7B00-51EB-809C8E2DE289}"/>
                   </a:ext>
                 </a:extLst>
               </p:cNvPr>
@@ -7100,7 +7318,7 @@
             <p:cNvPr id="8" name="그룹 1010">
               <a:extLst>
                 <a:ext uri="{FF2B5EF4-FFF2-40B4-BE49-F238E27FC236}">
-                  <a16:creationId xmlns="" xmlns:a16="http://schemas.microsoft.com/office/drawing/2014/main" id="{02A649BF-B5B5-FBAF-7DFD-E118A4DF8907}"/>
+                  <a16:creationId xmlns:a16="http://schemas.microsoft.com/office/drawing/2014/main" xmlns="" id="{02A649BF-B5B5-FBAF-7DFD-E118A4DF8907}"/>
                 </a:ext>
               </a:extLst>
             </p:cNvPr>
@@ -7120,7 +7338,7 @@
               <p:cNvPr id="11" name="Object 32">
                 <a:extLst>
                   <a:ext uri="{FF2B5EF4-FFF2-40B4-BE49-F238E27FC236}">
-                    <a16:creationId xmlns="" xmlns:a16="http://schemas.microsoft.com/office/drawing/2014/main" id="{2A0FFF23-B3C9-3EA0-1C1B-A87D4FF098AE}"/>
+                    <a16:creationId xmlns:a16="http://schemas.microsoft.com/office/drawing/2014/main" xmlns="" id="{2A0FFF23-B3C9-3EA0-1C1B-A87D4FF098AE}"/>
                   </a:ext>
                 </a:extLst>
               </p:cNvPr>
@@ -7151,7 +7369,7 @@
             <p:cNvPr id="9" name="그룹 1011">
               <a:extLst>
                 <a:ext uri="{FF2B5EF4-FFF2-40B4-BE49-F238E27FC236}">
-                  <a16:creationId xmlns="" xmlns:a16="http://schemas.microsoft.com/office/drawing/2014/main" id="{881F5410-F7FB-F261-A584-707359BAC593}"/>
+                  <a16:creationId xmlns:a16="http://schemas.microsoft.com/office/drawing/2014/main" xmlns="" id="{881F5410-F7FB-F261-A584-707359BAC593}"/>
                 </a:ext>
               </a:extLst>
             </p:cNvPr>
@@ -7171,7 +7389,7 @@
               <p:cNvPr id="10" name="Object 35">
                 <a:extLst>
                   <a:ext uri="{FF2B5EF4-FFF2-40B4-BE49-F238E27FC236}">
-                    <a16:creationId xmlns="" xmlns:a16="http://schemas.microsoft.com/office/drawing/2014/main" id="{4E99E669-73EB-F9F4-EFE8-DC107035C265}"/>
+                    <a16:creationId xmlns:a16="http://schemas.microsoft.com/office/drawing/2014/main" xmlns="" id="{4E99E669-73EB-F9F4-EFE8-DC107035C265}"/>
                   </a:ext>
                 </a:extLst>
               </p:cNvPr>
@@ -7251,7 +7469,7 @@
           <p:cNvPr id="15" name="그룹 1008">
             <a:extLst>
               <a:ext uri="{FF2B5EF4-FFF2-40B4-BE49-F238E27FC236}">
-                <a16:creationId xmlns="" xmlns:a16="http://schemas.microsoft.com/office/drawing/2014/main" id="{678F6342-C505-E8AD-ADA4-022CB2C2088E}"/>
+                <a16:creationId xmlns:a16="http://schemas.microsoft.com/office/drawing/2014/main" xmlns="" id="{678F6342-C505-E8AD-ADA4-022CB2C2088E}"/>
               </a:ext>
             </a:extLst>
           </p:cNvPr>
@@ -7271,7 +7489,7 @@
             <p:cNvPr id="16" name="그룹 1009">
               <a:extLst>
                 <a:ext uri="{FF2B5EF4-FFF2-40B4-BE49-F238E27FC236}">
-                  <a16:creationId xmlns="" xmlns:a16="http://schemas.microsoft.com/office/drawing/2014/main" id="{4E1F1FED-812B-9BBB-925A-84B54A077414}"/>
+                  <a16:creationId xmlns:a16="http://schemas.microsoft.com/office/drawing/2014/main" xmlns="" id="{4E1F1FED-812B-9BBB-925A-84B54A077414}"/>
                 </a:ext>
               </a:extLst>
             </p:cNvPr>
@@ -7291,7 +7509,7 @@
               <p:cNvPr id="21" name="Object 29">
                 <a:extLst>
                   <a:ext uri="{FF2B5EF4-FFF2-40B4-BE49-F238E27FC236}">
-                    <a16:creationId xmlns="" xmlns:a16="http://schemas.microsoft.com/office/drawing/2014/main" id="{7B078609-4286-7B00-51EB-809C8E2DE289}"/>
+                    <a16:creationId xmlns:a16="http://schemas.microsoft.com/office/drawing/2014/main" xmlns="" id="{7B078609-4286-7B00-51EB-809C8E2DE289}"/>
                   </a:ext>
                 </a:extLst>
               </p:cNvPr>
@@ -7322,7 +7540,7 @@
             <p:cNvPr id="17" name="그룹 1010">
               <a:extLst>
                 <a:ext uri="{FF2B5EF4-FFF2-40B4-BE49-F238E27FC236}">
-                  <a16:creationId xmlns="" xmlns:a16="http://schemas.microsoft.com/office/drawing/2014/main" id="{02A649BF-B5B5-FBAF-7DFD-E118A4DF8907}"/>
+                  <a16:creationId xmlns:a16="http://schemas.microsoft.com/office/drawing/2014/main" xmlns="" id="{02A649BF-B5B5-FBAF-7DFD-E118A4DF8907}"/>
                 </a:ext>
               </a:extLst>
             </p:cNvPr>
@@ -7342,7 +7560,7 @@
               <p:cNvPr id="20" name="Object 32">
                 <a:extLst>
                   <a:ext uri="{FF2B5EF4-FFF2-40B4-BE49-F238E27FC236}">
-                    <a16:creationId xmlns="" xmlns:a16="http://schemas.microsoft.com/office/drawing/2014/main" id="{2A0FFF23-B3C9-3EA0-1C1B-A87D4FF098AE}"/>
+                    <a16:creationId xmlns:a16="http://schemas.microsoft.com/office/drawing/2014/main" xmlns="" id="{2A0FFF23-B3C9-3EA0-1C1B-A87D4FF098AE}"/>
                   </a:ext>
                 </a:extLst>
               </p:cNvPr>
@@ -7373,7 +7591,7 @@
             <p:cNvPr id="18" name="그룹 1011">
               <a:extLst>
                 <a:ext uri="{FF2B5EF4-FFF2-40B4-BE49-F238E27FC236}">
-                  <a16:creationId xmlns="" xmlns:a16="http://schemas.microsoft.com/office/drawing/2014/main" id="{881F5410-F7FB-F261-A584-707359BAC593}"/>
+                  <a16:creationId xmlns:a16="http://schemas.microsoft.com/office/drawing/2014/main" xmlns="" id="{881F5410-F7FB-F261-A584-707359BAC593}"/>
                 </a:ext>
               </a:extLst>
             </p:cNvPr>
@@ -7393,7 +7611,7 @@
               <p:cNvPr id="19" name="Object 35">
                 <a:extLst>
                   <a:ext uri="{FF2B5EF4-FFF2-40B4-BE49-F238E27FC236}">
-                    <a16:creationId xmlns="" xmlns:a16="http://schemas.microsoft.com/office/drawing/2014/main" id="{4E99E669-73EB-F9F4-EFE8-DC107035C265}"/>
+                    <a16:creationId xmlns:a16="http://schemas.microsoft.com/office/drawing/2014/main" xmlns="" id="{4E99E669-73EB-F9F4-EFE8-DC107035C265}"/>
                   </a:ext>
                 </a:extLst>
               </p:cNvPr>
@@ -7473,7 +7691,7 @@
           <p:cNvPr id="25" name="그룹 1008">
             <a:extLst>
               <a:ext uri="{FF2B5EF4-FFF2-40B4-BE49-F238E27FC236}">
-                <a16:creationId xmlns="" xmlns:a16="http://schemas.microsoft.com/office/drawing/2014/main" id="{678F6342-C505-E8AD-ADA4-022CB2C2088E}"/>
+                <a16:creationId xmlns:a16="http://schemas.microsoft.com/office/drawing/2014/main" xmlns="" id="{678F6342-C505-E8AD-ADA4-022CB2C2088E}"/>
               </a:ext>
             </a:extLst>
           </p:cNvPr>
@@ -7493,7 +7711,7 @@
             <p:cNvPr id="26" name="그룹 1009">
               <a:extLst>
                 <a:ext uri="{FF2B5EF4-FFF2-40B4-BE49-F238E27FC236}">
-                  <a16:creationId xmlns="" xmlns:a16="http://schemas.microsoft.com/office/drawing/2014/main" id="{4E1F1FED-812B-9BBB-925A-84B54A077414}"/>
+                  <a16:creationId xmlns:a16="http://schemas.microsoft.com/office/drawing/2014/main" xmlns="" id="{4E1F1FED-812B-9BBB-925A-84B54A077414}"/>
                 </a:ext>
               </a:extLst>
             </p:cNvPr>
@@ -7513,7 +7731,7 @@
               <p:cNvPr id="31" name="Object 29">
                 <a:extLst>
                   <a:ext uri="{FF2B5EF4-FFF2-40B4-BE49-F238E27FC236}">
-                    <a16:creationId xmlns="" xmlns:a16="http://schemas.microsoft.com/office/drawing/2014/main" id="{7B078609-4286-7B00-51EB-809C8E2DE289}"/>
+                    <a16:creationId xmlns:a16="http://schemas.microsoft.com/office/drawing/2014/main" xmlns="" id="{7B078609-4286-7B00-51EB-809C8E2DE289}"/>
                   </a:ext>
                 </a:extLst>
               </p:cNvPr>
@@ -7544,7 +7762,7 @@
             <p:cNvPr id="27" name="그룹 1010">
               <a:extLst>
                 <a:ext uri="{FF2B5EF4-FFF2-40B4-BE49-F238E27FC236}">
-                  <a16:creationId xmlns="" xmlns:a16="http://schemas.microsoft.com/office/drawing/2014/main" id="{02A649BF-B5B5-FBAF-7DFD-E118A4DF8907}"/>
+                  <a16:creationId xmlns:a16="http://schemas.microsoft.com/office/drawing/2014/main" xmlns="" id="{02A649BF-B5B5-FBAF-7DFD-E118A4DF8907}"/>
                 </a:ext>
               </a:extLst>
             </p:cNvPr>
@@ -7564,7 +7782,7 @@
               <p:cNvPr id="30" name="Object 32">
                 <a:extLst>
                   <a:ext uri="{FF2B5EF4-FFF2-40B4-BE49-F238E27FC236}">
-                    <a16:creationId xmlns="" xmlns:a16="http://schemas.microsoft.com/office/drawing/2014/main" id="{2A0FFF23-B3C9-3EA0-1C1B-A87D4FF098AE}"/>
+                    <a16:creationId xmlns:a16="http://schemas.microsoft.com/office/drawing/2014/main" xmlns="" id="{2A0FFF23-B3C9-3EA0-1C1B-A87D4FF098AE}"/>
                   </a:ext>
                 </a:extLst>
               </p:cNvPr>
@@ -7595,7 +7813,7 @@
             <p:cNvPr id="28" name="그룹 1011">
               <a:extLst>
                 <a:ext uri="{FF2B5EF4-FFF2-40B4-BE49-F238E27FC236}">
-                  <a16:creationId xmlns="" xmlns:a16="http://schemas.microsoft.com/office/drawing/2014/main" id="{881F5410-F7FB-F261-A584-707359BAC593}"/>
+                  <a16:creationId xmlns:a16="http://schemas.microsoft.com/office/drawing/2014/main" xmlns="" id="{881F5410-F7FB-F261-A584-707359BAC593}"/>
                 </a:ext>
               </a:extLst>
             </p:cNvPr>
@@ -7615,7 +7833,7 @@
               <p:cNvPr id="29" name="Object 35">
                 <a:extLst>
                   <a:ext uri="{FF2B5EF4-FFF2-40B4-BE49-F238E27FC236}">
-                    <a16:creationId xmlns="" xmlns:a16="http://schemas.microsoft.com/office/drawing/2014/main" id="{4E99E669-73EB-F9F4-EFE8-DC107035C265}"/>
+                    <a16:creationId xmlns:a16="http://schemas.microsoft.com/office/drawing/2014/main" xmlns="" id="{4E99E669-73EB-F9F4-EFE8-DC107035C265}"/>
                   </a:ext>
                 </a:extLst>
               </p:cNvPr>
@@ -7695,7 +7913,7 @@
           <p:cNvPr id="34" name="그룹 1008">
             <a:extLst>
               <a:ext uri="{FF2B5EF4-FFF2-40B4-BE49-F238E27FC236}">
-                <a16:creationId xmlns="" xmlns:a16="http://schemas.microsoft.com/office/drawing/2014/main" id="{678F6342-C505-E8AD-ADA4-022CB2C2088E}"/>
+                <a16:creationId xmlns:a16="http://schemas.microsoft.com/office/drawing/2014/main" xmlns="" id="{678F6342-C505-E8AD-ADA4-022CB2C2088E}"/>
               </a:ext>
             </a:extLst>
           </p:cNvPr>
@@ -7715,7 +7933,7 @@
             <p:cNvPr id="35" name="그룹 1009">
               <a:extLst>
                 <a:ext uri="{FF2B5EF4-FFF2-40B4-BE49-F238E27FC236}">
-                  <a16:creationId xmlns="" xmlns:a16="http://schemas.microsoft.com/office/drawing/2014/main" id="{4E1F1FED-812B-9BBB-925A-84B54A077414}"/>
+                  <a16:creationId xmlns:a16="http://schemas.microsoft.com/office/drawing/2014/main" xmlns="" id="{4E1F1FED-812B-9BBB-925A-84B54A077414}"/>
                 </a:ext>
               </a:extLst>
             </p:cNvPr>
@@ -7735,7 +7953,7 @@
               <p:cNvPr id="40" name="Object 29">
                 <a:extLst>
                   <a:ext uri="{FF2B5EF4-FFF2-40B4-BE49-F238E27FC236}">
-                    <a16:creationId xmlns="" xmlns:a16="http://schemas.microsoft.com/office/drawing/2014/main" id="{7B078609-4286-7B00-51EB-809C8E2DE289}"/>
+                    <a16:creationId xmlns:a16="http://schemas.microsoft.com/office/drawing/2014/main" xmlns="" id="{7B078609-4286-7B00-51EB-809C8E2DE289}"/>
                   </a:ext>
                 </a:extLst>
               </p:cNvPr>
@@ -7766,7 +7984,7 @@
             <p:cNvPr id="36" name="그룹 1010">
               <a:extLst>
                 <a:ext uri="{FF2B5EF4-FFF2-40B4-BE49-F238E27FC236}">
-                  <a16:creationId xmlns="" xmlns:a16="http://schemas.microsoft.com/office/drawing/2014/main" id="{02A649BF-B5B5-FBAF-7DFD-E118A4DF8907}"/>
+                  <a16:creationId xmlns:a16="http://schemas.microsoft.com/office/drawing/2014/main" xmlns="" id="{02A649BF-B5B5-FBAF-7DFD-E118A4DF8907}"/>
                 </a:ext>
               </a:extLst>
             </p:cNvPr>
@@ -7786,7 +8004,7 @@
               <p:cNvPr id="39" name="Object 32">
                 <a:extLst>
                   <a:ext uri="{FF2B5EF4-FFF2-40B4-BE49-F238E27FC236}">
-                    <a16:creationId xmlns="" xmlns:a16="http://schemas.microsoft.com/office/drawing/2014/main" id="{2A0FFF23-B3C9-3EA0-1C1B-A87D4FF098AE}"/>
+                    <a16:creationId xmlns:a16="http://schemas.microsoft.com/office/drawing/2014/main" xmlns="" id="{2A0FFF23-B3C9-3EA0-1C1B-A87D4FF098AE}"/>
                   </a:ext>
                 </a:extLst>
               </p:cNvPr>
@@ -7817,7 +8035,7 @@
             <p:cNvPr id="37" name="그룹 1011">
               <a:extLst>
                 <a:ext uri="{FF2B5EF4-FFF2-40B4-BE49-F238E27FC236}">
-                  <a16:creationId xmlns="" xmlns:a16="http://schemas.microsoft.com/office/drawing/2014/main" id="{881F5410-F7FB-F261-A584-707359BAC593}"/>
+                  <a16:creationId xmlns:a16="http://schemas.microsoft.com/office/drawing/2014/main" xmlns="" id="{881F5410-F7FB-F261-A584-707359BAC593}"/>
                 </a:ext>
               </a:extLst>
             </p:cNvPr>
@@ -7837,7 +8055,7 @@
               <p:cNvPr id="38" name="Object 35">
                 <a:extLst>
                   <a:ext uri="{FF2B5EF4-FFF2-40B4-BE49-F238E27FC236}">
-                    <a16:creationId xmlns="" xmlns:a16="http://schemas.microsoft.com/office/drawing/2014/main" id="{4E99E669-73EB-F9F4-EFE8-DC107035C265}"/>
+                    <a16:creationId xmlns:a16="http://schemas.microsoft.com/office/drawing/2014/main" xmlns="" id="{4E99E669-73EB-F9F4-EFE8-DC107035C265}"/>
                   </a:ext>
                 </a:extLst>
               </p:cNvPr>
@@ -7893,7 +8111,7 @@
           <p:cNvPr id="42" name="TextBox 41">
             <a:extLst>
               <a:ext uri="{FF2B5EF4-FFF2-40B4-BE49-F238E27FC236}">
-                <a16:creationId xmlns="" xmlns:a16="http://schemas.microsoft.com/office/drawing/2014/main" id="{C6D113C6-EA5C-788F-0C77-E7CE6EBB865F}"/>
+                <a16:creationId xmlns:a16="http://schemas.microsoft.com/office/drawing/2014/main" xmlns="" id="{C6D113C6-EA5C-788F-0C77-E7CE6EBB865F}"/>
               </a:ext>
             </a:extLst>
           </p:cNvPr>
@@ -8019,7 +8237,7 @@
           <p:cNvPr id="44" name="그룹 1008">
             <a:extLst>
               <a:ext uri="{FF2B5EF4-FFF2-40B4-BE49-F238E27FC236}">
-                <a16:creationId xmlns="" xmlns:a16="http://schemas.microsoft.com/office/drawing/2014/main" id="{678F6342-C505-E8AD-ADA4-022CB2C2088E}"/>
+                <a16:creationId xmlns:a16="http://schemas.microsoft.com/office/drawing/2014/main" xmlns="" id="{678F6342-C505-E8AD-ADA4-022CB2C2088E}"/>
               </a:ext>
             </a:extLst>
           </p:cNvPr>
@@ -8039,7 +8257,7 @@
             <p:cNvPr id="45" name="그룹 1009">
               <a:extLst>
                 <a:ext uri="{FF2B5EF4-FFF2-40B4-BE49-F238E27FC236}">
-                  <a16:creationId xmlns="" xmlns:a16="http://schemas.microsoft.com/office/drawing/2014/main" id="{4E1F1FED-812B-9BBB-925A-84B54A077414}"/>
+                  <a16:creationId xmlns:a16="http://schemas.microsoft.com/office/drawing/2014/main" xmlns="" id="{4E1F1FED-812B-9BBB-925A-84B54A077414}"/>
                 </a:ext>
               </a:extLst>
             </p:cNvPr>
@@ -8059,7 +8277,7 @@
               <p:cNvPr id="50" name="Object 29">
                 <a:extLst>
                   <a:ext uri="{FF2B5EF4-FFF2-40B4-BE49-F238E27FC236}">
-                    <a16:creationId xmlns="" xmlns:a16="http://schemas.microsoft.com/office/drawing/2014/main" id="{7B078609-4286-7B00-51EB-809C8E2DE289}"/>
+                    <a16:creationId xmlns:a16="http://schemas.microsoft.com/office/drawing/2014/main" xmlns="" id="{7B078609-4286-7B00-51EB-809C8E2DE289}"/>
                   </a:ext>
                 </a:extLst>
               </p:cNvPr>
@@ -8090,7 +8308,7 @@
             <p:cNvPr id="46" name="그룹 1010">
               <a:extLst>
                 <a:ext uri="{FF2B5EF4-FFF2-40B4-BE49-F238E27FC236}">
-                  <a16:creationId xmlns="" xmlns:a16="http://schemas.microsoft.com/office/drawing/2014/main" id="{02A649BF-B5B5-FBAF-7DFD-E118A4DF8907}"/>
+                  <a16:creationId xmlns:a16="http://schemas.microsoft.com/office/drawing/2014/main" xmlns="" id="{02A649BF-B5B5-FBAF-7DFD-E118A4DF8907}"/>
                 </a:ext>
               </a:extLst>
             </p:cNvPr>
@@ -8110,7 +8328,7 @@
               <p:cNvPr id="49" name="Object 32">
                 <a:extLst>
                   <a:ext uri="{FF2B5EF4-FFF2-40B4-BE49-F238E27FC236}">
-                    <a16:creationId xmlns="" xmlns:a16="http://schemas.microsoft.com/office/drawing/2014/main" id="{2A0FFF23-B3C9-3EA0-1C1B-A87D4FF098AE}"/>
+                    <a16:creationId xmlns:a16="http://schemas.microsoft.com/office/drawing/2014/main" xmlns="" id="{2A0FFF23-B3C9-3EA0-1C1B-A87D4FF098AE}"/>
                   </a:ext>
                 </a:extLst>
               </p:cNvPr>
@@ -8141,7 +8359,7 @@
             <p:cNvPr id="47" name="그룹 1011">
               <a:extLst>
                 <a:ext uri="{FF2B5EF4-FFF2-40B4-BE49-F238E27FC236}">
-                  <a16:creationId xmlns="" xmlns:a16="http://schemas.microsoft.com/office/drawing/2014/main" id="{881F5410-F7FB-F261-A584-707359BAC593}"/>
+                  <a16:creationId xmlns:a16="http://schemas.microsoft.com/office/drawing/2014/main" xmlns="" id="{881F5410-F7FB-F261-A584-707359BAC593}"/>
                 </a:ext>
               </a:extLst>
             </p:cNvPr>
@@ -8161,7 +8379,7 @@
               <p:cNvPr id="48" name="Object 35">
                 <a:extLst>
                   <a:ext uri="{FF2B5EF4-FFF2-40B4-BE49-F238E27FC236}">
-                    <a16:creationId xmlns="" xmlns:a16="http://schemas.microsoft.com/office/drawing/2014/main" id="{4E99E669-73EB-F9F4-EFE8-DC107035C265}"/>
+                    <a16:creationId xmlns:a16="http://schemas.microsoft.com/office/drawing/2014/main" xmlns="" id="{4E99E669-73EB-F9F4-EFE8-DC107035C265}"/>
                   </a:ext>
                 </a:extLst>
               </p:cNvPr>
@@ -8795,7 +9013,7 @@
           <p:cNvPr id="11" name="TextBox 10">
             <a:extLst>
               <a:ext uri="{FF2B5EF4-FFF2-40B4-BE49-F238E27FC236}">
-                <a16:creationId xmlns="" xmlns:a16="http://schemas.microsoft.com/office/drawing/2014/main" id="{9F88F580-08BE-88C2-D640-13F0026591CB}"/>
+                <a16:creationId xmlns:a16="http://schemas.microsoft.com/office/drawing/2014/main" xmlns="" id="{9F88F580-08BE-88C2-D640-13F0026591CB}"/>
               </a:ext>
             </a:extLst>
           </p:cNvPr>
@@ -8853,7 +9071,7 @@
           <p:cNvPr id="13" name="TextBox 12">
             <a:extLst>
               <a:ext uri="{FF2B5EF4-FFF2-40B4-BE49-F238E27FC236}">
-                <a16:creationId xmlns="" xmlns:a16="http://schemas.microsoft.com/office/drawing/2014/main" id="{72769C28-9BB6-DE9C-7B6F-264B77B8DD0E}"/>
+                <a16:creationId xmlns:a16="http://schemas.microsoft.com/office/drawing/2014/main" xmlns="" id="{72769C28-9BB6-DE9C-7B6F-264B77B8DD0E}"/>
               </a:ext>
             </a:extLst>
           </p:cNvPr>
@@ -8901,7 +9119,7 @@
           <p:cNvPr id="14" name="TextBox 13">
             <a:extLst>
               <a:ext uri="{FF2B5EF4-FFF2-40B4-BE49-F238E27FC236}">
-                <a16:creationId xmlns="" xmlns:a16="http://schemas.microsoft.com/office/drawing/2014/main" id="{270FBB6A-01CE-5637-78DA-58F0C974145C}"/>
+                <a16:creationId xmlns:a16="http://schemas.microsoft.com/office/drawing/2014/main" xmlns="" id="{270FBB6A-01CE-5637-78DA-58F0C974145C}"/>
               </a:ext>
             </a:extLst>
           </p:cNvPr>
@@ -8949,7 +9167,7 @@
           <p:cNvPr id="2" name="Object 17">
             <a:extLst>
               <a:ext uri="{FF2B5EF4-FFF2-40B4-BE49-F238E27FC236}">
-                <a16:creationId xmlns="" xmlns:a16="http://schemas.microsoft.com/office/drawing/2014/main" id="{140B283D-FE58-FA6F-6F7C-E0F1DBB62A65}"/>
+                <a16:creationId xmlns:a16="http://schemas.microsoft.com/office/drawing/2014/main" xmlns="" id="{140B283D-FE58-FA6F-6F7C-E0F1DBB62A65}"/>
               </a:ext>
             </a:extLst>
           </p:cNvPr>
@@ -8979,7 +9197,7 @@
           <p:cNvPr id="4" name="TextBox 3">
             <a:extLst>
               <a:ext uri="{FF2B5EF4-FFF2-40B4-BE49-F238E27FC236}">
-                <a16:creationId xmlns="" xmlns:a16="http://schemas.microsoft.com/office/drawing/2014/main" id="{2C8D0998-79BC-6FD2-59D9-8052B4A25F65}"/>
+                <a16:creationId xmlns:a16="http://schemas.microsoft.com/office/drawing/2014/main" xmlns="" id="{2C8D0998-79BC-6FD2-59D9-8052B4A25F65}"/>
               </a:ext>
             </a:extLst>
           </p:cNvPr>
@@ -9027,7 +9245,7 @@
           <p:cNvPr id="5" name="Object 18">
             <a:extLst>
               <a:ext uri="{FF2B5EF4-FFF2-40B4-BE49-F238E27FC236}">
-                <a16:creationId xmlns="" xmlns:a16="http://schemas.microsoft.com/office/drawing/2014/main" id="{3F58EA3E-1018-64D3-FAB2-4F6B9618FA56}"/>
+                <a16:creationId xmlns:a16="http://schemas.microsoft.com/office/drawing/2014/main" xmlns="" id="{3F58EA3E-1018-64D3-FAB2-4F6B9618FA56}"/>
               </a:ext>
             </a:extLst>
           </p:cNvPr>
@@ -9057,7 +9275,7 @@
           <p:cNvPr id="8" name="TextBox 7">
             <a:extLst>
               <a:ext uri="{FF2B5EF4-FFF2-40B4-BE49-F238E27FC236}">
-                <a16:creationId xmlns="" xmlns:a16="http://schemas.microsoft.com/office/drawing/2014/main" id="{681D3F16-7DCF-41AD-F5F1-0558C78C0E4D}"/>
+                <a16:creationId xmlns:a16="http://schemas.microsoft.com/office/drawing/2014/main" xmlns="" id="{681D3F16-7DCF-41AD-F5F1-0558C78C0E4D}"/>
               </a:ext>
             </a:extLst>
           </p:cNvPr>
@@ -9137,7 +9355,7 @@
           <p:cNvPr id="5" name="TextBox 4">
             <a:extLst>
               <a:ext uri="{FF2B5EF4-FFF2-40B4-BE49-F238E27FC236}">
-                <a16:creationId xmlns:a16="http://schemas.microsoft.com/office/drawing/2014/main" xmlns="" id="{5ADC00B6-990A-40DC-3CEA-505258F5E8DA}"/>
+                <a16:creationId xmlns="" xmlns:a16="http://schemas.microsoft.com/office/drawing/2014/main" id="{5ADC00B6-990A-40DC-3CEA-505258F5E8DA}"/>
               </a:ext>
             </a:extLst>
           </p:cNvPr>
@@ -9209,7 +9427,7 @@
           <p:cNvPr id="7" name="TextBox 6">
             <a:extLst>
               <a:ext uri="{FF2B5EF4-FFF2-40B4-BE49-F238E27FC236}">
-                <a16:creationId xmlns="" xmlns:a16="http://schemas.microsoft.com/office/drawing/2014/main" id="{4EDAA912-8FA0-0F11-119B-EA9F8B36A489}"/>
+                <a16:creationId xmlns:a16="http://schemas.microsoft.com/office/drawing/2014/main" xmlns="" id="{4EDAA912-8FA0-0F11-119B-EA9F8B36A489}"/>
               </a:ext>
             </a:extLst>
           </p:cNvPr>
@@ -9219,7 +9437,7 @@
         <p:spPr>
           <a:xfrm>
             <a:off x="1490003" y="1976735"/>
-            <a:ext cx="13084031" cy="1200329"/>
+            <a:ext cx="13646685" cy="1200329"/>
           </a:xfrm>
           <a:prstGeom prst="rect">
             <a:avLst/>
@@ -9250,7 +9468,17 @@
                 <a:latin typeface="G마켓 산스 Medium" panose="02000000000000000000" pitchFamily="50" charset="-127"/>
                 <a:ea typeface="G마켓 산스 Medium" panose="02000000000000000000" pitchFamily="50" charset="-127"/>
               </a:rPr>
-              <a:t>피연자 모두 </a:t>
+              <a:t>피연산자 </a:t>
+            </a:r>
+            <a:r>
+              <a:rPr lang="ko-KR" altLang="en-US" sz="3600" smtClean="0">
+                <a:solidFill>
+                  <a:srgbClr val="4D4848"/>
+                </a:solidFill>
+                <a:latin typeface="G마켓 산스 Medium" panose="02000000000000000000" pitchFamily="50" charset="-127"/>
+                <a:ea typeface="G마켓 산스 Medium" panose="02000000000000000000" pitchFamily="50" charset="-127"/>
+              </a:rPr>
+              <a:t>모두 </a:t>
             </a:r>
             <a:r>
               <a:rPr lang="en-US" altLang="ko-KR" sz="3600" smtClean="0">
@@ -9322,7 +9550,17 @@
                 <a:latin typeface="G마켓 산스 Medium" panose="02000000000000000000" pitchFamily="50" charset="-127"/>
                 <a:ea typeface="G마켓 산스 Medium" panose="02000000000000000000" pitchFamily="50" charset="-127"/>
               </a:rPr>
-              <a:t>피연자 둘중 하나만 </a:t>
+              <a:t>피연산자 </a:t>
+            </a:r>
+            <a:r>
+              <a:rPr lang="ko-KR" altLang="en-US" sz="3600" smtClean="0">
+                <a:solidFill>
+                  <a:srgbClr val="4D4848"/>
+                </a:solidFill>
+                <a:latin typeface="G마켓 산스 Medium" panose="02000000000000000000" pitchFamily="50" charset="-127"/>
+                <a:ea typeface="G마켓 산스 Medium" panose="02000000000000000000" pitchFamily="50" charset="-127"/>
+              </a:rPr>
+              <a:t>둘중 하나만 </a:t>
             </a:r>
             <a:r>
               <a:rPr lang="en-US" altLang="ko-KR" sz="3600" smtClean="0">
@@ -9426,7 +9664,7 @@
           <p:cNvPr id="4" name="TextBox 3">
             <a:extLst>
               <a:ext uri="{FF2B5EF4-FFF2-40B4-BE49-F238E27FC236}">
-                <a16:creationId xmlns:a16="http://schemas.microsoft.com/office/drawing/2014/main" xmlns="" id="{5ADC00B6-990A-40DC-3CEA-505258F5E8DA}"/>
+                <a16:creationId xmlns="" xmlns:a16="http://schemas.microsoft.com/office/drawing/2014/main" id="{5ADC00B6-990A-40DC-3CEA-505258F5E8DA}"/>
               </a:ext>
             </a:extLst>
           </p:cNvPr>
@@ -9498,7 +9736,7 @@
           <p:cNvPr id="6" name="그룹 1008">
             <a:extLst>
               <a:ext uri="{FF2B5EF4-FFF2-40B4-BE49-F238E27FC236}">
-                <a16:creationId xmlns="" xmlns:a16="http://schemas.microsoft.com/office/drawing/2014/main" id="{678F6342-C505-E8AD-ADA4-022CB2C2088E}"/>
+                <a16:creationId xmlns:a16="http://schemas.microsoft.com/office/drawing/2014/main" xmlns="" id="{678F6342-C505-E8AD-ADA4-022CB2C2088E}"/>
               </a:ext>
             </a:extLst>
           </p:cNvPr>
@@ -9518,7 +9756,7 @@
             <p:cNvPr id="7" name="그룹 1009">
               <a:extLst>
                 <a:ext uri="{FF2B5EF4-FFF2-40B4-BE49-F238E27FC236}">
-                  <a16:creationId xmlns="" xmlns:a16="http://schemas.microsoft.com/office/drawing/2014/main" id="{4E1F1FED-812B-9BBB-925A-84B54A077414}"/>
+                  <a16:creationId xmlns:a16="http://schemas.microsoft.com/office/drawing/2014/main" xmlns="" id="{4E1F1FED-812B-9BBB-925A-84B54A077414}"/>
                 </a:ext>
               </a:extLst>
             </p:cNvPr>
@@ -9538,7 +9776,7 @@
               <p:cNvPr id="12" name="Object 29">
                 <a:extLst>
                   <a:ext uri="{FF2B5EF4-FFF2-40B4-BE49-F238E27FC236}">
-                    <a16:creationId xmlns="" xmlns:a16="http://schemas.microsoft.com/office/drawing/2014/main" id="{7B078609-4286-7B00-51EB-809C8E2DE289}"/>
+                    <a16:creationId xmlns:a16="http://schemas.microsoft.com/office/drawing/2014/main" xmlns="" id="{7B078609-4286-7B00-51EB-809C8E2DE289}"/>
                   </a:ext>
                 </a:extLst>
               </p:cNvPr>
@@ -9569,7 +9807,7 @@
             <p:cNvPr id="8" name="그룹 1010">
               <a:extLst>
                 <a:ext uri="{FF2B5EF4-FFF2-40B4-BE49-F238E27FC236}">
-                  <a16:creationId xmlns="" xmlns:a16="http://schemas.microsoft.com/office/drawing/2014/main" id="{02A649BF-B5B5-FBAF-7DFD-E118A4DF8907}"/>
+                  <a16:creationId xmlns:a16="http://schemas.microsoft.com/office/drawing/2014/main" xmlns="" id="{02A649BF-B5B5-FBAF-7DFD-E118A4DF8907}"/>
                 </a:ext>
               </a:extLst>
             </p:cNvPr>
@@ -9589,7 +9827,7 @@
               <p:cNvPr id="11" name="Object 32">
                 <a:extLst>
                   <a:ext uri="{FF2B5EF4-FFF2-40B4-BE49-F238E27FC236}">
-                    <a16:creationId xmlns="" xmlns:a16="http://schemas.microsoft.com/office/drawing/2014/main" id="{2A0FFF23-B3C9-3EA0-1C1B-A87D4FF098AE}"/>
+                    <a16:creationId xmlns:a16="http://schemas.microsoft.com/office/drawing/2014/main" xmlns="" id="{2A0FFF23-B3C9-3EA0-1C1B-A87D4FF098AE}"/>
                   </a:ext>
                 </a:extLst>
               </p:cNvPr>
@@ -9620,7 +9858,7 @@
             <p:cNvPr id="9" name="그룹 1011">
               <a:extLst>
                 <a:ext uri="{FF2B5EF4-FFF2-40B4-BE49-F238E27FC236}">
-                  <a16:creationId xmlns="" xmlns:a16="http://schemas.microsoft.com/office/drawing/2014/main" id="{881F5410-F7FB-F261-A584-707359BAC593}"/>
+                  <a16:creationId xmlns:a16="http://schemas.microsoft.com/office/drawing/2014/main" xmlns="" id="{881F5410-F7FB-F261-A584-707359BAC593}"/>
                 </a:ext>
               </a:extLst>
             </p:cNvPr>
@@ -9640,7 +9878,7 @@
               <p:cNvPr id="10" name="Object 35">
                 <a:extLst>
                   <a:ext uri="{FF2B5EF4-FFF2-40B4-BE49-F238E27FC236}">
-                    <a16:creationId xmlns="" xmlns:a16="http://schemas.microsoft.com/office/drawing/2014/main" id="{4E99E669-73EB-F9F4-EFE8-DC107035C265}"/>
+                    <a16:creationId xmlns:a16="http://schemas.microsoft.com/office/drawing/2014/main" xmlns="" id="{4E99E669-73EB-F9F4-EFE8-DC107035C265}"/>
                   </a:ext>
                 </a:extLst>
               </p:cNvPr>
@@ -9696,7 +9934,7 @@
           <p:cNvPr id="15" name="TextBox 14">
             <a:extLst>
               <a:ext uri="{FF2B5EF4-FFF2-40B4-BE49-F238E27FC236}">
-                <a16:creationId xmlns="" xmlns:a16="http://schemas.microsoft.com/office/drawing/2014/main" id="{C6D113C6-EA5C-788F-0C77-E7CE6EBB865F}"/>
+                <a16:creationId xmlns:a16="http://schemas.microsoft.com/office/drawing/2014/main" xmlns="" id="{C6D113C6-EA5C-788F-0C77-E7CE6EBB865F}"/>
               </a:ext>
             </a:extLst>
           </p:cNvPr>
@@ -9778,7 +10016,7 @@
           <p:cNvPr id="24" name="TextBox 23">
             <a:extLst>
               <a:ext uri="{FF2B5EF4-FFF2-40B4-BE49-F238E27FC236}">
-                <a16:creationId xmlns="" xmlns:a16="http://schemas.microsoft.com/office/drawing/2014/main" id="{C6D113C6-EA5C-788F-0C77-E7CE6EBB865F}"/>
+                <a16:creationId xmlns:a16="http://schemas.microsoft.com/office/drawing/2014/main" xmlns="" id="{C6D113C6-EA5C-788F-0C77-E7CE6EBB865F}"/>
               </a:ext>
             </a:extLst>
           </p:cNvPr>
@@ -9860,7 +10098,7 @@
           <p:cNvPr id="26" name="TextBox 25">
             <a:extLst>
               <a:ext uri="{FF2B5EF4-FFF2-40B4-BE49-F238E27FC236}">
-                <a16:creationId xmlns="" xmlns:a16="http://schemas.microsoft.com/office/drawing/2014/main" id="{C6D113C6-EA5C-788F-0C77-E7CE6EBB865F}"/>
+                <a16:creationId xmlns:a16="http://schemas.microsoft.com/office/drawing/2014/main" xmlns="" id="{C6D113C6-EA5C-788F-0C77-E7CE6EBB865F}"/>
               </a:ext>
             </a:extLst>
           </p:cNvPr>
@@ -10246,7 +10484,7 @@
           <p:cNvPr id="4" name="TextBox 3">
             <a:extLst>
               <a:ext uri="{FF2B5EF4-FFF2-40B4-BE49-F238E27FC236}">
-                <a16:creationId xmlns:a16="http://schemas.microsoft.com/office/drawing/2014/main" xmlns="" id="{5ADC00B6-990A-40DC-3CEA-505258F5E8DA}"/>
+                <a16:creationId xmlns="" xmlns:a16="http://schemas.microsoft.com/office/drawing/2014/main" id="{5ADC00B6-990A-40DC-3CEA-505258F5E8DA}"/>
               </a:ext>
             </a:extLst>
           </p:cNvPr>
@@ -10308,7 +10546,7 @@
           <p:cNvPr id="6" name="TextBox 5">
             <a:extLst>
               <a:ext uri="{FF2B5EF4-FFF2-40B4-BE49-F238E27FC236}">
-                <a16:creationId xmlns:a16="http://schemas.microsoft.com/office/drawing/2014/main" xmlns="" id="{5ADC00B6-990A-40DC-3CEA-505258F5E8DA}"/>
+                <a16:creationId xmlns="" xmlns:a16="http://schemas.microsoft.com/office/drawing/2014/main" id="{5ADC00B6-990A-40DC-3CEA-505258F5E8DA}"/>
               </a:ext>
             </a:extLst>
           </p:cNvPr>
@@ -10403,7 +10641,7 @@
           <p:cNvPr id="4" name="TextBox 3">
             <a:extLst>
               <a:ext uri="{FF2B5EF4-FFF2-40B4-BE49-F238E27FC236}">
-                <a16:creationId xmlns:a16="http://schemas.microsoft.com/office/drawing/2014/main" xmlns="" id="{5ADC00B6-990A-40DC-3CEA-505258F5E8DA}"/>
+                <a16:creationId xmlns="" xmlns:a16="http://schemas.microsoft.com/office/drawing/2014/main" id="{5ADC00B6-990A-40DC-3CEA-505258F5E8DA}"/>
               </a:ext>
             </a:extLst>
           </p:cNvPr>
@@ -10475,7 +10713,7 @@
           <p:cNvPr id="6" name="직사각형 5">
             <a:extLst>
               <a:ext uri="{FF2B5EF4-FFF2-40B4-BE49-F238E27FC236}">
-                <a16:creationId xmlns="" xmlns:a16="http://schemas.microsoft.com/office/drawing/2014/main" id="{FFF506F9-840A-0508-4CAF-3AC711D8D5CE}"/>
+                <a16:creationId xmlns:a16="http://schemas.microsoft.com/office/drawing/2014/main" xmlns="" id="{FFF506F9-840A-0508-4CAF-3AC711D8D5CE}"/>
               </a:ext>
             </a:extLst>
           </p:cNvPr>
@@ -10527,7 +10765,7 @@
           <p:cNvPr id="7" name="그룹 1008">
             <a:extLst>
               <a:ext uri="{FF2B5EF4-FFF2-40B4-BE49-F238E27FC236}">
-                <a16:creationId xmlns="" xmlns:a16="http://schemas.microsoft.com/office/drawing/2014/main" id="{678F6342-C505-E8AD-ADA4-022CB2C2088E}"/>
+                <a16:creationId xmlns:a16="http://schemas.microsoft.com/office/drawing/2014/main" xmlns="" id="{678F6342-C505-E8AD-ADA4-022CB2C2088E}"/>
               </a:ext>
             </a:extLst>
           </p:cNvPr>
@@ -10547,7 +10785,7 @@
             <p:cNvPr id="8" name="그룹 1009">
               <a:extLst>
                 <a:ext uri="{FF2B5EF4-FFF2-40B4-BE49-F238E27FC236}">
-                  <a16:creationId xmlns="" xmlns:a16="http://schemas.microsoft.com/office/drawing/2014/main" id="{4E1F1FED-812B-9BBB-925A-84B54A077414}"/>
+                  <a16:creationId xmlns:a16="http://schemas.microsoft.com/office/drawing/2014/main" xmlns="" id="{4E1F1FED-812B-9BBB-925A-84B54A077414}"/>
                 </a:ext>
               </a:extLst>
             </p:cNvPr>
@@ -10567,7 +10805,7 @@
               <p:cNvPr id="13" name="Object 29">
                 <a:extLst>
                   <a:ext uri="{FF2B5EF4-FFF2-40B4-BE49-F238E27FC236}">
-                    <a16:creationId xmlns="" xmlns:a16="http://schemas.microsoft.com/office/drawing/2014/main" id="{7B078609-4286-7B00-51EB-809C8E2DE289}"/>
+                    <a16:creationId xmlns:a16="http://schemas.microsoft.com/office/drawing/2014/main" xmlns="" id="{7B078609-4286-7B00-51EB-809C8E2DE289}"/>
                   </a:ext>
                 </a:extLst>
               </p:cNvPr>
@@ -10598,7 +10836,7 @@
             <p:cNvPr id="9" name="그룹 1010">
               <a:extLst>
                 <a:ext uri="{FF2B5EF4-FFF2-40B4-BE49-F238E27FC236}">
-                  <a16:creationId xmlns="" xmlns:a16="http://schemas.microsoft.com/office/drawing/2014/main" id="{02A649BF-B5B5-FBAF-7DFD-E118A4DF8907}"/>
+                  <a16:creationId xmlns:a16="http://schemas.microsoft.com/office/drawing/2014/main" xmlns="" id="{02A649BF-B5B5-FBAF-7DFD-E118A4DF8907}"/>
                 </a:ext>
               </a:extLst>
             </p:cNvPr>
@@ -10618,7 +10856,7 @@
               <p:cNvPr id="12" name="Object 32">
                 <a:extLst>
                   <a:ext uri="{FF2B5EF4-FFF2-40B4-BE49-F238E27FC236}">
-                    <a16:creationId xmlns="" xmlns:a16="http://schemas.microsoft.com/office/drawing/2014/main" id="{2A0FFF23-B3C9-3EA0-1C1B-A87D4FF098AE}"/>
+                    <a16:creationId xmlns:a16="http://schemas.microsoft.com/office/drawing/2014/main" xmlns="" id="{2A0FFF23-B3C9-3EA0-1C1B-A87D4FF098AE}"/>
                   </a:ext>
                 </a:extLst>
               </p:cNvPr>
@@ -10649,7 +10887,7 @@
             <p:cNvPr id="10" name="그룹 1011">
               <a:extLst>
                 <a:ext uri="{FF2B5EF4-FFF2-40B4-BE49-F238E27FC236}">
-                  <a16:creationId xmlns="" xmlns:a16="http://schemas.microsoft.com/office/drawing/2014/main" id="{881F5410-F7FB-F261-A584-707359BAC593}"/>
+                  <a16:creationId xmlns:a16="http://schemas.microsoft.com/office/drawing/2014/main" xmlns="" id="{881F5410-F7FB-F261-A584-707359BAC593}"/>
                 </a:ext>
               </a:extLst>
             </p:cNvPr>
@@ -10669,7 +10907,7 @@
               <p:cNvPr id="11" name="Object 35">
                 <a:extLst>
                   <a:ext uri="{FF2B5EF4-FFF2-40B4-BE49-F238E27FC236}">
-                    <a16:creationId xmlns="" xmlns:a16="http://schemas.microsoft.com/office/drawing/2014/main" id="{4E99E669-73EB-F9F4-EFE8-DC107035C265}"/>
+                    <a16:creationId xmlns:a16="http://schemas.microsoft.com/office/drawing/2014/main" xmlns="" id="{4E99E669-73EB-F9F4-EFE8-DC107035C265}"/>
                   </a:ext>
                 </a:extLst>
               </p:cNvPr>
@@ -10857,7 +11095,7 @@
           <p:cNvPr id="4" name="TextBox 3">
             <a:extLst>
               <a:ext uri="{FF2B5EF4-FFF2-40B4-BE49-F238E27FC236}">
-                <a16:creationId xmlns:a16="http://schemas.microsoft.com/office/drawing/2014/main" xmlns="" id="{5ADC00B6-990A-40DC-3CEA-505258F5E8DA}"/>
+                <a16:creationId xmlns="" xmlns:a16="http://schemas.microsoft.com/office/drawing/2014/main" id="{5ADC00B6-990A-40DC-3CEA-505258F5E8DA}"/>
               </a:ext>
             </a:extLst>
           </p:cNvPr>
@@ -10959,7 +11197,7 @@
           <p:cNvPr id="6" name="직사각형 5">
             <a:extLst>
               <a:ext uri="{FF2B5EF4-FFF2-40B4-BE49-F238E27FC236}">
-                <a16:creationId xmlns="" xmlns:a16="http://schemas.microsoft.com/office/drawing/2014/main" id="{FFF506F9-840A-0508-4CAF-3AC711D8D5CE}"/>
+                <a16:creationId xmlns:a16="http://schemas.microsoft.com/office/drawing/2014/main" xmlns="" id="{FFF506F9-840A-0508-4CAF-3AC711D8D5CE}"/>
               </a:ext>
             </a:extLst>
           </p:cNvPr>
@@ -11011,7 +11249,7 @@
           <p:cNvPr id="7" name="직사각형 6">
             <a:extLst>
               <a:ext uri="{FF2B5EF4-FFF2-40B4-BE49-F238E27FC236}">
-                <a16:creationId xmlns="" xmlns:a16="http://schemas.microsoft.com/office/drawing/2014/main" id="{FFF506F9-840A-0508-4CAF-3AC711D8D5CE}"/>
+                <a16:creationId xmlns:a16="http://schemas.microsoft.com/office/drawing/2014/main" xmlns="" id="{FFF506F9-840A-0508-4CAF-3AC711D8D5CE}"/>
               </a:ext>
             </a:extLst>
           </p:cNvPr>
@@ -11063,7 +11301,7 @@
           <p:cNvPr id="8" name="직사각형 7">
             <a:extLst>
               <a:ext uri="{FF2B5EF4-FFF2-40B4-BE49-F238E27FC236}">
-                <a16:creationId xmlns="" xmlns:a16="http://schemas.microsoft.com/office/drawing/2014/main" id="{FFF506F9-840A-0508-4CAF-3AC711D8D5CE}"/>
+                <a16:creationId xmlns:a16="http://schemas.microsoft.com/office/drawing/2014/main" xmlns="" id="{FFF506F9-840A-0508-4CAF-3AC711D8D5CE}"/>
               </a:ext>
             </a:extLst>
           </p:cNvPr>
@@ -11176,7 +11414,7 @@
           <p:cNvPr id="5" name="TextBox 4">
             <a:extLst>
               <a:ext uri="{FF2B5EF4-FFF2-40B4-BE49-F238E27FC236}">
-                <a16:creationId xmlns:a16="http://schemas.microsoft.com/office/drawing/2014/main" xmlns="" id="{5ADC00B6-990A-40DC-3CEA-505258F5E8DA}"/>
+                <a16:creationId xmlns="" xmlns:a16="http://schemas.microsoft.com/office/drawing/2014/main" id="{5ADC00B6-990A-40DC-3CEA-505258F5E8DA}"/>
               </a:ext>
             </a:extLst>
           </p:cNvPr>
@@ -11244,7 +11482,7 @@
           <p:cNvPr id="7" name="TextBox 6">
             <a:extLst>
               <a:ext uri="{FF2B5EF4-FFF2-40B4-BE49-F238E27FC236}">
-                <a16:creationId xmlns="" xmlns:a16="http://schemas.microsoft.com/office/drawing/2014/main" id="{4EDAA912-8FA0-0F11-119B-EA9F8B36A489}"/>
+                <a16:creationId xmlns:a16="http://schemas.microsoft.com/office/drawing/2014/main" xmlns="" id="{4EDAA912-8FA0-0F11-119B-EA9F8B36A489}"/>
               </a:ext>
             </a:extLst>
           </p:cNvPr>
@@ -11393,7 +11631,7 @@
           <p:cNvPr id="4" name="TextBox 3">
             <a:extLst>
               <a:ext uri="{FF2B5EF4-FFF2-40B4-BE49-F238E27FC236}">
-                <a16:creationId xmlns:a16="http://schemas.microsoft.com/office/drawing/2014/main" xmlns="" id="{5ADC00B6-990A-40DC-3CEA-505258F5E8DA}"/>
+                <a16:creationId xmlns="" xmlns:a16="http://schemas.microsoft.com/office/drawing/2014/main" id="{5ADC00B6-990A-40DC-3CEA-505258F5E8DA}"/>
               </a:ext>
             </a:extLst>
           </p:cNvPr>
@@ -11465,7 +11703,7 @@
           <p:cNvPr id="6" name="직사각형 5">
             <a:extLst>
               <a:ext uri="{FF2B5EF4-FFF2-40B4-BE49-F238E27FC236}">
-                <a16:creationId xmlns="" xmlns:a16="http://schemas.microsoft.com/office/drawing/2014/main" id="{FFF506F9-840A-0508-4CAF-3AC711D8D5CE}"/>
+                <a16:creationId xmlns:a16="http://schemas.microsoft.com/office/drawing/2014/main" xmlns="" id="{FFF506F9-840A-0508-4CAF-3AC711D8D5CE}"/>
               </a:ext>
             </a:extLst>
           </p:cNvPr>
@@ -11541,7 +11779,7 @@
           <p:cNvPr id="8" name="TextBox 7">
             <a:extLst>
               <a:ext uri="{FF2B5EF4-FFF2-40B4-BE49-F238E27FC236}">
-                <a16:creationId xmlns="" xmlns:a16="http://schemas.microsoft.com/office/drawing/2014/main" id="{4EDAA912-8FA0-0F11-119B-EA9F8B36A489}"/>
+                <a16:creationId xmlns:a16="http://schemas.microsoft.com/office/drawing/2014/main" xmlns="" id="{4EDAA912-8FA0-0F11-119B-EA9F8B36A489}"/>
               </a:ext>
             </a:extLst>
           </p:cNvPr>
@@ -11728,7 +11966,7 @@
           <p:cNvPr id="4" name="TextBox 3">
             <a:extLst>
               <a:ext uri="{FF2B5EF4-FFF2-40B4-BE49-F238E27FC236}">
-                <a16:creationId xmlns:a16="http://schemas.microsoft.com/office/drawing/2014/main" xmlns="" id="{5ADC00B6-990A-40DC-3CEA-505258F5E8DA}"/>
+                <a16:creationId xmlns="" xmlns:a16="http://schemas.microsoft.com/office/drawing/2014/main" id="{5ADC00B6-990A-40DC-3CEA-505258F5E8DA}"/>
               </a:ext>
             </a:extLst>
           </p:cNvPr>
@@ -11824,7 +12062,7 @@
           <p:cNvPr id="7" name="TextBox 6">
             <a:extLst>
               <a:ext uri="{FF2B5EF4-FFF2-40B4-BE49-F238E27FC236}">
-                <a16:creationId xmlns:a16="http://schemas.microsoft.com/office/drawing/2014/main" xmlns="" id="{5ADC00B6-990A-40DC-3CEA-505258F5E8DA}"/>
+                <a16:creationId xmlns="" xmlns:a16="http://schemas.microsoft.com/office/drawing/2014/main" id="{5ADC00B6-990A-40DC-3CEA-505258F5E8DA}"/>
               </a:ext>
             </a:extLst>
           </p:cNvPr>
@@ -11909,7 +12147,7 @@
           <p:cNvPr id="4" name="TextBox 3">
             <a:extLst>
               <a:ext uri="{FF2B5EF4-FFF2-40B4-BE49-F238E27FC236}">
-                <a16:creationId xmlns:a16="http://schemas.microsoft.com/office/drawing/2014/main" xmlns="" id="{5ADC00B6-990A-40DC-3CEA-505258F5E8DA}"/>
+                <a16:creationId xmlns="" xmlns:a16="http://schemas.microsoft.com/office/drawing/2014/main" id="{5ADC00B6-990A-40DC-3CEA-505258F5E8DA}"/>
               </a:ext>
             </a:extLst>
           </p:cNvPr>
@@ -12001,7 +12239,7 @@
           <p:cNvPr id="6" name="직사각형 5">
             <a:extLst>
               <a:ext uri="{FF2B5EF4-FFF2-40B4-BE49-F238E27FC236}">
-                <a16:creationId xmlns="" xmlns:a16="http://schemas.microsoft.com/office/drawing/2014/main" id="{FFF506F9-840A-0508-4CAF-3AC711D8D5CE}"/>
+                <a16:creationId xmlns:a16="http://schemas.microsoft.com/office/drawing/2014/main" xmlns="" id="{FFF506F9-840A-0508-4CAF-3AC711D8D5CE}"/>
               </a:ext>
             </a:extLst>
           </p:cNvPr>
@@ -12053,7 +12291,7 @@
           <p:cNvPr id="7" name="직사각형 6">
             <a:extLst>
               <a:ext uri="{FF2B5EF4-FFF2-40B4-BE49-F238E27FC236}">
-                <a16:creationId xmlns="" xmlns:a16="http://schemas.microsoft.com/office/drawing/2014/main" id="{FFF506F9-840A-0508-4CAF-3AC711D8D5CE}"/>
+                <a16:creationId xmlns:a16="http://schemas.microsoft.com/office/drawing/2014/main" xmlns="" id="{FFF506F9-840A-0508-4CAF-3AC711D8D5CE}"/>
               </a:ext>
             </a:extLst>
           </p:cNvPr>
@@ -12105,7 +12343,7 @@
           <p:cNvPr id="8" name="직사각형 7">
             <a:extLst>
               <a:ext uri="{FF2B5EF4-FFF2-40B4-BE49-F238E27FC236}">
-                <a16:creationId xmlns="" xmlns:a16="http://schemas.microsoft.com/office/drawing/2014/main" id="{FFF506F9-840A-0508-4CAF-3AC711D8D5CE}"/>
+                <a16:creationId xmlns:a16="http://schemas.microsoft.com/office/drawing/2014/main" xmlns="" id="{FFF506F9-840A-0508-4CAF-3AC711D8D5CE}"/>
               </a:ext>
             </a:extLst>
           </p:cNvPr>
@@ -12157,7 +12395,7 @@
           <p:cNvPr id="9" name="TextBox 8">
             <a:extLst>
               <a:ext uri="{FF2B5EF4-FFF2-40B4-BE49-F238E27FC236}">
-                <a16:creationId xmlns:a16="http://schemas.microsoft.com/office/drawing/2014/main" xmlns="" id="{5ADC00B6-990A-40DC-3CEA-505258F5E8DA}"/>
+                <a16:creationId xmlns="" xmlns:a16="http://schemas.microsoft.com/office/drawing/2014/main" id="{5ADC00B6-990A-40DC-3CEA-505258F5E8DA}"/>
               </a:ext>
             </a:extLst>
           </p:cNvPr>
@@ -12262,7 +12500,7 @@
           <p:cNvPr id="4" name="TextBox 3">
             <a:extLst>
               <a:ext uri="{FF2B5EF4-FFF2-40B4-BE49-F238E27FC236}">
-                <a16:creationId xmlns:a16="http://schemas.microsoft.com/office/drawing/2014/main" xmlns="" id="{5ADC00B6-990A-40DC-3CEA-505258F5E8DA}"/>
+                <a16:creationId xmlns="" xmlns:a16="http://schemas.microsoft.com/office/drawing/2014/main" id="{5ADC00B6-990A-40DC-3CEA-505258F5E8DA}"/>
               </a:ext>
             </a:extLst>
           </p:cNvPr>
@@ -12320,7 +12558,7 @@
           <p:cNvPr id="5" name="TextBox 4">
             <a:extLst>
               <a:ext uri="{FF2B5EF4-FFF2-40B4-BE49-F238E27FC236}">
-                <a16:creationId xmlns:a16="http://schemas.microsoft.com/office/drawing/2014/main" xmlns="" id="{4EDAA912-8FA0-0F11-119B-EA9F8B36A489}"/>
+                <a16:creationId xmlns="" xmlns:a16="http://schemas.microsoft.com/office/drawing/2014/main" id="{4EDAA912-8FA0-0F11-119B-EA9F8B36A489}"/>
               </a:ext>
             </a:extLst>
           </p:cNvPr>
@@ -12597,7 +12835,7 @@
           <p:cNvPr id="9" name="TextBox 8">
             <a:extLst>
               <a:ext uri="{FF2B5EF4-FFF2-40B4-BE49-F238E27FC236}">
-                <a16:creationId xmlns:a16="http://schemas.microsoft.com/office/drawing/2014/main" xmlns="" id="{4EDAA912-8FA0-0F11-119B-EA9F8B36A489}"/>
+                <a16:creationId xmlns="" xmlns:a16="http://schemas.microsoft.com/office/drawing/2014/main" id="{4EDAA912-8FA0-0F11-119B-EA9F8B36A489}"/>
               </a:ext>
             </a:extLst>
           </p:cNvPr>
@@ -13225,7 +13463,7 @@
           <p:cNvPr id="2" name="TextBox 1">
             <a:extLst>
               <a:ext uri="{FF2B5EF4-FFF2-40B4-BE49-F238E27FC236}">
-                <a16:creationId xmlns="" xmlns:a16="http://schemas.microsoft.com/office/drawing/2014/main" id="{8D19D88B-9541-32D7-90F1-0C45C993E21C}"/>
+                <a16:creationId xmlns:a16="http://schemas.microsoft.com/office/drawing/2014/main" xmlns="" id="{8D19D88B-9541-32D7-90F1-0C45C993E21C}"/>
               </a:ext>
             </a:extLst>
           </p:cNvPr>
@@ -13305,7 +13543,7 @@
           <p:cNvPr id="4" name="TextBox 3">
             <a:extLst>
               <a:ext uri="{FF2B5EF4-FFF2-40B4-BE49-F238E27FC236}">
-                <a16:creationId xmlns:a16="http://schemas.microsoft.com/office/drawing/2014/main" xmlns="" id="{4EDAA912-8FA0-0F11-119B-EA9F8B36A489}"/>
+                <a16:creationId xmlns="" xmlns:a16="http://schemas.microsoft.com/office/drawing/2014/main" id="{4EDAA912-8FA0-0F11-119B-EA9F8B36A489}"/>
               </a:ext>
             </a:extLst>
           </p:cNvPr>
@@ -13315,7 +13553,7 @@
         <p:spPr>
           <a:xfrm>
             <a:off x="1295400" y="499479"/>
-            <a:ext cx="13182600" cy="1200329"/>
+            <a:ext cx="13182600" cy="1754326"/>
           </a:xfrm>
           <a:prstGeom prst="rect">
             <a:avLst/>
@@ -13488,13 +13726,58 @@
               </a:rPr>
               <a:t>.</a:t>
             </a:r>
-            <a:endParaRPr lang="ko-KR" altLang="en-US" sz="3600" dirty="0">
-              <a:solidFill>
-                <a:srgbClr val="4C50BC"/>
-              </a:solidFill>
-              <a:latin typeface="G마켓 산스 Medium" panose="02000000000000000000" pitchFamily="50" charset="-127"/>
-              <a:ea typeface="G마켓 산스 Medium" panose="02000000000000000000" pitchFamily="50" charset="-127"/>
-            </a:endParaRPr>
+          </a:p>
+          <a:p>
+            <a:r>
+              <a:rPr lang="en-US" altLang="ko-KR" sz="3600" smtClean="0">
+                <a:solidFill>
+                  <a:srgbClr val="FF0000"/>
+                </a:solidFill>
+                <a:latin typeface="G마켓 산스 Medium" panose="02000000000000000000" pitchFamily="50" charset="-127"/>
+                <a:ea typeface="G마켓 산스 Medium" panose="02000000000000000000" pitchFamily="50" charset="-127"/>
+              </a:rPr>
+              <a:t>*</a:t>
+            </a:r>
+            <a:r>
+              <a:rPr lang="ko-KR" altLang="en-US" sz="3600" smtClean="0">
+                <a:solidFill>
+                  <a:srgbClr val="FF0000"/>
+                </a:solidFill>
+                <a:latin typeface="G마켓 산스 Medium" panose="02000000000000000000" pitchFamily="50" charset="-127"/>
+                <a:ea typeface="G마켓 산스 Medium" panose="02000000000000000000" pitchFamily="50" charset="-127"/>
+              </a:rPr>
+              <a:t>아스키코드</a:t>
+            </a:r>
+            <a:r>
+              <a:rPr lang="en-US" altLang="ko-KR" sz="3600" smtClean="0">
+                <a:solidFill>
+                  <a:srgbClr val="FF0000"/>
+                </a:solidFill>
+                <a:latin typeface="G마켓 산스 Medium" panose="02000000000000000000" pitchFamily="50" charset="-127"/>
+                <a:ea typeface="G마켓 산스 Medium" panose="02000000000000000000" pitchFamily="50" charset="-127"/>
+              </a:rPr>
+              <a:t>, </a:t>
+            </a:r>
+            <a:r>
+              <a:rPr lang="ko-KR" altLang="en-US" sz="3600" smtClean="0">
+                <a:solidFill>
+                  <a:srgbClr val="FF0000"/>
+                </a:solidFill>
+                <a:latin typeface="G마켓 산스 Medium" panose="02000000000000000000" pitchFamily="50" charset="-127"/>
+                <a:ea typeface="G마켓 산스 Medium" panose="02000000000000000000" pitchFamily="50" charset="-127"/>
+              </a:rPr>
+              <a:t>유니코드 체계를 이용하자</a:t>
+            </a:r>
+            <a:r>
+              <a:rPr lang="en-US" altLang="ko-KR" sz="3600" smtClean="0">
+                <a:solidFill>
+                  <a:srgbClr val="FF0000"/>
+                </a:solidFill>
+                <a:latin typeface="G마켓 산스 Medium" panose="02000000000000000000" pitchFamily="50" charset="-127"/>
+                <a:ea typeface="G마켓 산스 Medium" panose="02000000000000000000" pitchFamily="50" charset="-127"/>
+              </a:rPr>
+              <a:t>.</a:t>
+            </a:r>
           </a:p>
         </p:txBody>
       </p:sp>
@@ -13514,7 +13797,7 @@
         </p:blipFill>
         <p:spPr>
           <a:xfrm>
-            <a:off x="2018042" y="2247900"/>
+            <a:off x="2057400" y="4686300"/>
             <a:ext cx="5868658" cy="2451795"/>
           </a:xfrm>
           <a:prstGeom prst="rect">
@@ -13538,7 +13821,7 @@
         </p:blipFill>
         <p:spPr>
           <a:xfrm>
-            <a:off x="3962400" y="2826426"/>
+            <a:off x="4001758" y="5264826"/>
             <a:ext cx="1636877" cy="644440"/>
           </a:xfrm>
           <a:prstGeom prst="rect">
@@ -13656,7 +13939,7 @@
           <p:cNvPr id="5" name="TextBox 4">
             <a:extLst>
               <a:ext uri="{FF2B5EF4-FFF2-40B4-BE49-F238E27FC236}">
-                <a16:creationId xmlns="" xmlns:a16="http://schemas.microsoft.com/office/drawing/2014/main" id="{4EDAA912-8FA0-0F11-119B-EA9F8B36A489}"/>
+                <a16:creationId xmlns:a16="http://schemas.microsoft.com/office/drawing/2014/main" xmlns="" id="{4EDAA912-8FA0-0F11-119B-EA9F8B36A489}"/>
               </a:ext>
             </a:extLst>
           </p:cNvPr>
@@ -13819,7 +14102,7 @@
         <p:spPr>
           <a:xfrm>
             <a:off x="1447800" y="1866900"/>
-            <a:ext cx="11213318" cy="3429000"/>
+            <a:ext cx="13455982" cy="4114800"/>
           </a:xfrm>
           <a:prstGeom prst="rect">
             <a:avLst/>
@@ -13854,8 +14137,8 @@
         </p:blipFill>
         <p:spPr>
           <a:xfrm>
-            <a:off x="1435882" y="1866900"/>
-            <a:ext cx="11213318" cy="3429000"/>
+            <a:off x="1453661" y="1866900"/>
+            <a:ext cx="13455982" cy="4114800"/>
           </a:xfrm>
           <a:prstGeom prst="rect">
             <a:avLst/>
@@ -13972,7 +14255,7 @@
           <p:cNvPr id="5" name="TextBox 4">
             <a:extLst>
               <a:ext uri="{FF2B5EF4-FFF2-40B4-BE49-F238E27FC236}">
-                <a16:creationId xmlns:a16="http://schemas.microsoft.com/office/drawing/2014/main" xmlns="" id="{4EDAA912-8FA0-0F11-119B-EA9F8B36A489}"/>
+                <a16:creationId xmlns="" xmlns:a16="http://schemas.microsoft.com/office/drawing/2014/main" id="{4EDAA912-8FA0-0F11-119B-EA9F8B36A489}"/>
               </a:ext>
             </a:extLst>
           </p:cNvPr>
@@ -14249,7 +14532,7 @@
           <p:cNvPr id="4" name="Object 1">
             <a:extLst>
               <a:ext uri="{FF2B5EF4-FFF2-40B4-BE49-F238E27FC236}">
-                <a16:creationId xmlns="" xmlns:a16="http://schemas.microsoft.com/office/drawing/2014/main" id="{B0329035-BE76-33A8-0F2E-44624FCC1DED}"/>
+                <a16:creationId xmlns:a16="http://schemas.microsoft.com/office/drawing/2014/main" xmlns="" id="{B0329035-BE76-33A8-0F2E-44624FCC1DED}"/>
               </a:ext>
             </a:extLst>
           </p:cNvPr>
@@ -14279,7 +14562,7 @@
           <p:cNvPr id="7" name="그룹 1001">
             <a:extLst>
               <a:ext uri="{FF2B5EF4-FFF2-40B4-BE49-F238E27FC236}">
-                <a16:creationId xmlns="" xmlns:a16="http://schemas.microsoft.com/office/drawing/2014/main" id="{CD24CE9D-AC18-B6CD-F397-7E8E03D6FE26}"/>
+                <a16:creationId xmlns:a16="http://schemas.microsoft.com/office/drawing/2014/main" xmlns="" id="{CD24CE9D-AC18-B6CD-F397-7E8E03D6FE26}"/>
               </a:ext>
             </a:extLst>
           </p:cNvPr>
@@ -14299,7 +14582,7 @@
             <p:cNvPr id="8" name="Object 5">
               <a:extLst>
                 <a:ext uri="{FF2B5EF4-FFF2-40B4-BE49-F238E27FC236}">
-                  <a16:creationId xmlns="" xmlns:a16="http://schemas.microsoft.com/office/drawing/2014/main" id="{0EEF25E8-3BA8-EBAA-6DC2-66D70C3F9F4D}"/>
+                  <a16:creationId xmlns:a16="http://schemas.microsoft.com/office/drawing/2014/main" xmlns="" id="{0EEF25E8-3BA8-EBAA-6DC2-66D70C3F9F4D}"/>
                 </a:ext>
               </a:extLst>
             </p:cNvPr>
@@ -14330,7 +14613,7 @@
           <p:cNvPr id="9" name="그룹 1002">
             <a:extLst>
               <a:ext uri="{FF2B5EF4-FFF2-40B4-BE49-F238E27FC236}">
-                <a16:creationId xmlns="" xmlns:a16="http://schemas.microsoft.com/office/drawing/2014/main" id="{0F281BC9-DE1F-D1FE-E64C-C4640398F00C}"/>
+                <a16:creationId xmlns:a16="http://schemas.microsoft.com/office/drawing/2014/main" xmlns="" id="{0F281BC9-DE1F-D1FE-E64C-C4640398F00C}"/>
               </a:ext>
             </a:extLst>
           </p:cNvPr>
@@ -14350,7 +14633,7 @@
             <p:cNvPr id="10" name="Object 8">
               <a:extLst>
                 <a:ext uri="{FF2B5EF4-FFF2-40B4-BE49-F238E27FC236}">
-                  <a16:creationId xmlns="" xmlns:a16="http://schemas.microsoft.com/office/drawing/2014/main" id="{F669DCEF-04BB-7046-3F7F-5B513213556E}"/>
+                  <a16:creationId xmlns:a16="http://schemas.microsoft.com/office/drawing/2014/main" xmlns="" id="{F669DCEF-04BB-7046-3F7F-5B513213556E}"/>
                 </a:ext>
               </a:extLst>
             </p:cNvPr>
@@ -14381,7 +14664,7 @@
           <p:cNvPr id="11" name="그룹 1003">
             <a:extLst>
               <a:ext uri="{FF2B5EF4-FFF2-40B4-BE49-F238E27FC236}">
-                <a16:creationId xmlns="" xmlns:a16="http://schemas.microsoft.com/office/drawing/2014/main" id="{1F91EEF9-13EA-BB7F-B056-D35E7DB989AC}"/>
+                <a16:creationId xmlns:a16="http://schemas.microsoft.com/office/drawing/2014/main" xmlns="" id="{1F91EEF9-13EA-BB7F-B056-D35E7DB989AC}"/>
               </a:ext>
             </a:extLst>
           </p:cNvPr>
@@ -14401,7 +14684,7 @@
             <p:cNvPr id="12" name="Object 11">
               <a:extLst>
                 <a:ext uri="{FF2B5EF4-FFF2-40B4-BE49-F238E27FC236}">
-                  <a16:creationId xmlns="" xmlns:a16="http://schemas.microsoft.com/office/drawing/2014/main" id="{2CFFB217-AEFB-2C9E-5F86-6EE19510FFC6}"/>
+                  <a16:creationId xmlns:a16="http://schemas.microsoft.com/office/drawing/2014/main" xmlns="" id="{2CFFB217-AEFB-2C9E-5F86-6EE19510FFC6}"/>
                 </a:ext>
               </a:extLst>
             </p:cNvPr>
@@ -14432,7 +14715,7 @@
           <p:cNvPr id="13" name="그룹 1004">
             <a:extLst>
               <a:ext uri="{FF2B5EF4-FFF2-40B4-BE49-F238E27FC236}">
-                <a16:creationId xmlns="" xmlns:a16="http://schemas.microsoft.com/office/drawing/2014/main" id="{123B9C7E-94E8-E7E1-81BE-D59EA0299187}"/>
+                <a16:creationId xmlns:a16="http://schemas.microsoft.com/office/drawing/2014/main" xmlns="" id="{123B9C7E-94E8-E7E1-81BE-D59EA0299187}"/>
               </a:ext>
             </a:extLst>
           </p:cNvPr>
@@ -14452,7 +14735,7 @@
             <p:cNvPr id="14" name="Object 14">
               <a:extLst>
                 <a:ext uri="{FF2B5EF4-FFF2-40B4-BE49-F238E27FC236}">
-                  <a16:creationId xmlns="" xmlns:a16="http://schemas.microsoft.com/office/drawing/2014/main" id="{B6291552-2D89-A79F-7ACD-EA0EF9A4C389}"/>
+                  <a16:creationId xmlns:a16="http://schemas.microsoft.com/office/drawing/2014/main" xmlns="" id="{B6291552-2D89-A79F-7ACD-EA0EF9A4C389}"/>
                 </a:ext>
               </a:extLst>
             </p:cNvPr>
@@ -14483,7 +14766,7 @@
           <p:cNvPr id="15" name="TextBox 14">
             <a:extLst>
               <a:ext uri="{FF2B5EF4-FFF2-40B4-BE49-F238E27FC236}">
-                <a16:creationId xmlns="" xmlns:a16="http://schemas.microsoft.com/office/drawing/2014/main" id="{7D99763A-FC24-23F5-5BA9-D7B042E0F323}"/>
+                <a16:creationId xmlns:a16="http://schemas.microsoft.com/office/drawing/2014/main" xmlns="" id="{7D99763A-FC24-23F5-5BA9-D7B042E0F323}"/>
               </a:ext>
             </a:extLst>
           </p:cNvPr>
@@ -14568,7 +14851,7 @@
           <p:cNvPr id="4" name="TextBox 3">
             <a:extLst>
               <a:ext uri="{FF2B5EF4-FFF2-40B4-BE49-F238E27FC236}">
-                <a16:creationId xmlns:a16="http://schemas.microsoft.com/office/drawing/2014/main" xmlns="" id="{5ADC00B6-990A-40DC-3CEA-505258F5E8DA}"/>
+                <a16:creationId xmlns="" xmlns:a16="http://schemas.microsoft.com/office/drawing/2014/main" id="{5ADC00B6-990A-40DC-3CEA-505258F5E8DA}"/>
               </a:ext>
             </a:extLst>
           </p:cNvPr>
@@ -14699,7 +14982,7 @@
           <p:cNvPr id="5" name="Object 2">
             <a:extLst>
               <a:ext uri="{FF2B5EF4-FFF2-40B4-BE49-F238E27FC236}">
-                <a16:creationId xmlns="" xmlns:a16="http://schemas.microsoft.com/office/drawing/2014/main" id="{EB9768FE-76B0-709F-3C4D-0ECBB41147CD}"/>
+                <a16:creationId xmlns:a16="http://schemas.microsoft.com/office/drawing/2014/main" xmlns="" id="{EB9768FE-76B0-709F-3C4D-0ECBB41147CD}"/>
               </a:ext>
             </a:extLst>
           </p:cNvPr>
@@ -14729,7 +15012,7 @@
           <p:cNvPr id="7" name="그룹 1001">
             <a:extLst>
               <a:ext uri="{FF2B5EF4-FFF2-40B4-BE49-F238E27FC236}">
-                <a16:creationId xmlns="" xmlns:a16="http://schemas.microsoft.com/office/drawing/2014/main" id="{0637F47C-891C-2B90-8647-32B84C264D42}"/>
+                <a16:creationId xmlns:a16="http://schemas.microsoft.com/office/drawing/2014/main" xmlns="" id="{0637F47C-891C-2B90-8647-32B84C264D42}"/>
               </a:ext>
             </a:extLst>
           </p:cNvPr>
@@ -14749,7 +15032,7 @@
             <p:cNvPr id="8" name="Object 5">
               <a:extLst>
                 <a:ext uri="{FF2B5EF4-FFF2-40B4-BE49-F238E27FC236}">
-                  <a16:creationId xmlns="" xmlns:a16="http://schemas.microsoft.com/office/drawing/2014/main" id="{710F969D-8259-9328-33C3-C6DB500C60D4}"/>
+                  <a16:creationId xmlns:a16="http://schemas.microsoft.com/office/drawing/2014/main" xmlns="" id="{710F969D-8259-9328-33C3-C6DB500C60D4}"/>
                 </a:ext>
               </a:extLst>
             </p:cNvPr>
@@ -14780,7 +15063,7 @@
           <p:cNvPr id="9" name="그룹 1002">
             <a:extLst>
               <a:ext uri="{FF2B5EF4-FFF2-40B4-BE49-F238E27FC236}">
-                <a16:creationId xmlns="" xmlns:a16="http://schemas.microsoft.com/office/drawing/2014/main" id="{A87796A8-251B-F38A-5AE9-11F8D847B25D}"/>
+                <a16:creationId xmlns:a16="http://schemas.microsoft.com/office/drawing/2014/main" xmlns="" id="{A87796A8-251B-F38A-5AE9-11F8D847B25D}"/>
               </a:ext>
             </a:extLst>
           </p:cNvPr>
@@ -14800,7 +15083,7 @@
             <p:cNvPr id="10" name="Object 8">
               <a:extLst>
                 <a:ext uri="{FF2B5EF4-FFF2-40B4-BE49-F238E27FC236}">
-                  <a16:creationId xmlns="" xmlns:a16="http://schemas.microsoft.com/office/drawing/2014/main" id="{9E806C19-D323-E705-F3B8-EEABB39F0993}"/>
+                  <a16:creationId xmlns:a16="http://schemas.microsoft.com/office/drawing/2014/main" xmlns="" id="{9E806C19-D323-E705-F3B8-EEABB39F0993}"/>
                 </a:ext>
               </a:extLst>
             </p:cNvPr>
@@ -14831,7 +15114,7 @@
           <p:cNvPr id="11" name="그룹 1003">
             <a:extLst>
               <a:ext uri="{FF2B5EF4-FFF2-40B4-BE49-F238E27FC236}">
-                <a16:creationId xmlns="" xmlns:a16="http://schemas.microsoft.com/office/drawing/2014/main" id="{701795E0-24B6-38E6-7308-FED7AD2B6900}"/>
+                <a16:creationId xmlns:a16="http://schemas.microsoft.com/office/drawing/2014/main" xmlns="" id="{701795E0-24B6-38E6-7308-FED7AD2B6900}"/>
               </a:ext>
             </a:extLst>
           </p:cNvPr>
@@ -14851,7 +15134,7 @@
             <p:cNvPr id="12" name="Object 11">
               <a:extLst>
                 <a:ext uri="{FF2B5EF4-FFF2-40B4-BE49-F238E27FC236}">
-                  <a16:creationId xmlns="" xmlns:a16="http://schemas.microsoft.com/office/drawing/2014/main" id="{D8C68167-7FB5-1F8E-D53C-DEA682F465F5}"/>
+                  <a16:creationId xmlns:a16="http://schemas.microsoft.com/office/drawing/2014/main" xmlns="" id="{D8C68167-7FB5-1F8E-D53C-DEA682F465F5}"/>
                 </a:ext>
               </a:extLst>
             </p:cNvPr>
@@ -14882,7 +15165,7 @@
           <p:cNvPr id="13" name="그룹 1004">
             <a:extLst>
               <a:ext uri="{FF2B5EF4-FFF2-40B4-BE49-F238E27FC236}">
-                <a16:creationId xmlns="" xmlns:a16="http://schemas.microsoft.com/office/drawing/2014/main" id="{03226A72-764D-99F3-A14F-47C351CB448B}"/>
+                <a16:creationId xmlns:a16="http://schemas.microsoft.com/office/drawing/2014/main" xmlns="" id="{03226A72-764D-99F3-A14F-47C351CB448B}"/>
               </a:ext>
             </a:extLst>
           </p:cNvPr>
@@ -14902,7 +15185,7 @@
             <p:cNvPr id="14" name="Object 14">
               <a:extLst>
                 <a:ext uri="{FF2B5EF4-FFF2-40B4-BE49-F238E27FC236}">
-                  <a16:creationId xmlns="" xmlns:a16="http://schemas.microsoft.com/office/drawing/2014/main" id="{77C5B9A8-AEBA-093B-4CD6-4F1ECF519068}"/>
+                  <a16:creationId xmlns:a16="http://schemas.microsoft.com/office/drawing/2014/main" xmlns="" id="{77C5B9A8-AEBA-093B-4CD6-4F1ECF519068}"/>
                 </a:ext>
               </a:extLst>
             </p:cNvPr>
@@ -14933,7 +15216,7 @@
           <p:cNvPr id="15" name="TextBox 14">
             <a:extLst>
               <a:ext uri="{FF2B5EF4-FFF2-40B4-BE49-F238E27FC236}">
-                <a16:creationId xmlns="" xmlns:a16="http://schemas.microsoft.com/office/drawing/2014/main" id="{E44AB10B-96D7-19D1-5C7A-D2761E62F16E}"/>
+                <a16:creationId xmlns:a16="http://schemas.microsoft.com/office/drawing/2014/main" xmlns="" id="{E44AB10B-96D7-19D1-5C7A-D2761E62F16E}"/>
               </a:ext>
             </a:extLst>
           </p:cNvPr>
@@ -15018,7 +15301,7 @@
           <p:cNvPr id="2" name="TextBox 1">
             <a:extLst>
               <a:ext uri="{FF2B5EF4-FFF2-40B4-BE49-F238E27FC236}">
-                <a16:creationId xmlns:a16="http://schemas.microsoft.com/office/drawing/2014/main" xmlns="" id="{5ADC00B6-990A-40DC-3CEA-505258F5E8DA}"/>
+                <a16:creationId xmlns="" xmlns:a16="http://schemas.microsoft.com/office/drawing/2014/main" id="{5ADC00B6-990A-40DC-3CEA-505258F5E8DA}"/>
               </a:ext>
             </a:extLst>
           </p:cNvPr>
@@ -15076,7 +15359,7 @@
           <p:cNvPr id="3" name="TextBox 2">
             <a:extLst>
               <a:ext uri="{FF2B5EF4-FFF2-40B4-BE49-F238E27FC236}">
-                <a16:creationId xmlns="" xmlns:a16="http://schemas.microsoft.com/office/drawing/2014/main" id="{4EDAA912-8FA0-0F11-119B-EA9F8B36A489}"/>
+                <a16:creationId xmlns:a16="http://schemas.microsoft.com/office/drawing/2014/main" xmlns="" id="{4EDAA912-8FA0-0F11-119B-EA9F8B36A489}"/>
               </a:ext>
             </a:extLst>
           </p:cNvPr>
@@ -15236,7 +15519,7 @@
           <p:cNvPr id="7" name="TextBox 6">
             <a:extLst>
               <a:ext uri="{FF2B5EF4-FFF2-40B4-BE49-F238E27FC236}">
-                <a16:creationId xmlns="" xmlns:a16="http://schemas.microsoft.com/office/drawing/2014/main" id="{4EDAA912-8FA0-0F11-119B-EA9F8B36A489}"/>
+                <a16:creationId xmlns:a16="http://schemas.microsoft.com/office/drawing/2014/main" xmlns="" id="{4EDAA912-8FA0-0F11-119B-EA9F8B36A489}"/>
               </a:ext>
             </a:extLst>
           </p:cNvPr>
@@ -15546,7 +15829,7 @@
           <p:cNvPr id="4" name="TextBox 3">
             <a:extLst>
               <a:ext uri="{FF2B5EF4-FFF2-40B4-BE49-F238E27FC236}">
-                <a16:creationId xmlns="" xmlns:a16="http://schemas.microsoft.com/office/drawing/2014/main" id="{4EDAA912-8FA0-0F11-119B-EA9F8B36A489}"/>
+                <a16:creationId xmlns:a16="http://schemas.microsoft.com/office/drawing/2014/main" xmlns="" id="{4EDAA912-8FA0-0F11-119B-EA9F8B36A489}"/>
               </a:ext>
             </a:extLst>
           </p:cNvPr>
@@ -15638,10 +15921,10 @@
                 <a:latin typeface="G마켓 산스 Medium" panose="02000000000000000000" pitchFamily="50" charset="-127"/>
                 <a:ea typeface="G마켓 산스 Medium" panose="02000000000000000000" pitchFamily="50" charset="-127"/>
               </a:rPr>
-              <a:t>문자로 변경하여 </a:t>
-            </a:r>
-            <a:r>
-              <a:rPr lang="ko-KR" altLang="en-US" sz="3600" smtClean="0">
+              <a:t>문자로 변경하여 출력하시오 </a:t>
+            </a:r>
+            <a:r>
+              <a:rPr lang="en-US" altLang="ko-KR" sz="3600" smtClean="0">
                 <a:solidFill>
                   <a:schemeClr val="bg1">
                     <a:lumMod val="50000"/>
@@ -15650,10 +15933,10 @@
                 <a:latin typeface="G마켓 산스 Medium" panose="02000000000000000000" pitchFamily="50" charset="-127"/>
                 <a:ea typeface="G마켓 산스 Medium" panose="02000000000000000000" pitchFamily="50" charset="-127"/>
               </a:rPr>
-              <a:t>출력하시오 </a:t>
-            </a:r>
-            <a:r>
-              <a:rPr lang="en-US" altLang="ko-KR" sz="3600" smtClean="0">
+              <a:t>(</a:t>
+            </a:r>
+            <a:r>
+              <a:rPr lang="ko-KR" altLang="en-US" sz="3600" smtClean="0">
                 <a:solidFill>
                   <a:schemeClr val="bg1">
                     <a:lumMod val="50000"/>
@@ -15662,10 +15945,10 @@
                 <a:latin typeface="G마켓 산스 Medium" panose="02000000000000000000" pitchFamily="50" charset="-127"/>
                 <a:ea typeface="G마켓 산스 Medium" panose="02000000000000000000" pitchFamily="50" charset="-127"/>
               </a:rPr>
-              <a:t>(</a:t>
-            </a:r>
-            <a:r>
-              <a:rPr lang="ko-KR" altLang="en-US" sz="3600" smtClean="0">
+              <a:t>소문자를 입력하면 그대로 소문자가 나온다</a:t>
+            </a:r>
+            <a:r>
+              <a:rPr lang="en-US" altLang="ko-KR" sz="3600" smtClean="0">
                 <a:solidFill>
                   <a:schemeClr val="bg1">
                     <a:lumMod val="50000"/>
@@ -15674,29 +15957,8 @@
                 <a:latin typeface="G마켓 산스 Medium" panose="02000000000000000000" pitchFamily="50" charset="-127"/>
                 <a:ea typeface="G마켓 산스 Medium" panose="02000000000000000000" pitchFamily="50" charset="-127"/>
               </a:rPr>
-              <a:t>소문자를 입력하면 그대로 소문자가 나온다</a:t>
-            </a:r>
-            <a:r>
-              <a:rPr lang="en-US" altLang="ko-KR" sz="3600" smtClean="0">
-                <a:solidFill>
-                  <a:schemeClr val="bg1">
-                    <a:lumMod val="50000"/>
-                  </a:schemeClr>
-                </a:solidFill>
-                <a:latin typeface="G마켓 산스 Medium" panose="02000000000000000000" pitchFamily="50" charset="-127"/>
-                <a:ea typeface="G마켓 산스 Medium" panose="02000000000000000000" pitchFamily="50" charset="-127"/>
-              </a:rPr>
               <a:t>.)</a:t>
             </a:r>
-            <a:endParaRPr lang="en-US" altLang="ko-KR" sz="3600" smtClean="0">
-              <a:solidFill>
-                <a:schemeClr val="bg1">
-                  <a:lumMod val="50000"/>
-                </a:schemeClr>
-              </a:solidFill>
-              <a:latin typeface="G마켓 산스 Medium" panose="02000000000000000000" pitchFamily="50" charset="-127"/>
-              <a:ea typeface="G마켓 산스 Medium" panose="02000000000000000000" pitchFamily="50" charset="-127"/>
-            </a:endParaRPr>
           </a:p>
           <a:p>
             <a:r>
@@ -15785,7 +16047,7 @@
           <p:cNvPr id="6" name="TextBox 5">
             <a:extLst>
               <a:ext uri="{FF2B5EF4-FFF2-40B4-BE49-F238E27FC236}">
-                <a16:creationId xmlns="" xmlns:a16="http://schemas.microsoft.com/office/drawing/2014/main" id="{4EDAA912-8FA0-0F11-119B-EA9F8B36A489}"/>
+                <a16:creationId xmlns:a16="http://schemas.microsoft.com/office/drawing/2014/main" xmlns="" id="{4EDAA912-8FA0-0F11-119B-EA9F8B36A489}"/>
               </a:ext>
             </a:extLst>
           </p:cNvPr>
@@ -16546,7 +16808,7 @@
           <p:cNvPr id="2" name="TextBox 1">
             <a:extLst>
               <a:ext uri="{FF2B5EF4-FFF2-40B4-BE49-F238E27FC236}">
-                <a16:creationId xmlns="" xmlns:a16="http://schemas.microsoft.com/office/drawing/2014/main" id="{715D88A2-BD52-978B-A00A-540446126E3D}"/>
+                <a16:creationId xmlns:a16="http://schemas.microsoft.com/office/drawing/2014/main" xmlns="" id="{715D88A2-BD52-978B-A00A-540446126E3D}"/>
               </a:ext>
             </a:extLst>
           </p:cNvPr>
@@ -16626,7 +16888,7 @@
           <p:cNvPr id="4" name="TextBox 3">
             <a:extLst>
               <a:ext uri="{FF2B5EF4-FFF2-40B4-BE49-F238E27FC236}">
-                <a16:creationId xmlns="" xmlns:a16="http://schemas.microsoft.com/office/drawing/2014/main" id="{7229BEA6-121E-9056-D07F-2B3BB1795F76}"/>
+                <a16:creationId xmlns:a16="http://schemas.microsoft.com/office/drawing/2014/main" xmlns="" id="{7229BEA6-121E-9056-D07F-2B3BB1795F76}"/>
               </a:ext>
             </a:extLst>
           </p:cNvPr>
@@ -16674,7 +16936,7 @@
           <p:cNvPr id="6" name="직선 화살표 연결선 5">
             <a:extLst>
               <a:ext uri="{FF2B5EF4-FFF2-40B4-BE49-F238E27FC236}">
-                <a16:creationId xmlns:a16="http://schemas.microsoft.com/office/drawing/2014/main" xmlns="" id="{299DF5EC-9DF4-5255-06AC-0A7CE4FF58C3}"/>
+                <a16:creationId xmlns="" xmlns:a16="http://schemas.microsoft.com/office/drawing/2014/main" id="{299DF5EC-9DF4-5255-06AC-0A7CE4FF58C3}"/>
               </a:ext>
             </a:extLst>
           </p:cNvPr>
@@ -16715,7 +16977,7 @@
           <p:cNvPr id="9" name="TextBox 8">
             <a:extLst>
               <a:ext uri="{FF2B5EF4-FFF2-40B4-BE49-F238E27FC236}">
-                <a16:creationId xmlns:a16="http://schemas.microsoft.com/office/drawing/2014/main" xmlns="" id="{5ADC00B6-990A-40DC-3CEA-505258F5E8DA}"/>
+                <a16:creationId xmlns="" xmlns:a16="http://schemas.microsoft.com/office/drawing/2014/main" id="{5ADC00B6-990A-40DC-3CEA-505258F5E8DA}"/>
               </a:ext>
             </a:extLst>
           </p:cNvPr>
@@ -16763,7 +17025,7 @@
           <p:cNvPr id="10" name="TextBox 9">
             <a:extLst>
               <a:ext uri="{FF2B5EF4-FFF2-40B4-BE49-F238E27FC236}">
-                <a16:creationId xmlns:a16="http://schemas.microsoft.com/office/drawing/2014/main" xmlns="" id="{5ADC00B6-990A-40DC-3CEA-505258F5E8DA}"/>
+                <a16:creationId xmlns="" xmlns:a16="http://schemas.microsoft.com/office/drawing/2014/main" id="{5ADC00B6-990A-40DC-3CEA-505258F5E8DA}"/>
               </a:ext>
             </a:extLst>
           </p:cNvPr>
@@ -16811,7 +17073,7 @@
           <p:cNvPr id="12" name="직선 화살표 연결선 11">
             <a:extLst>
               <a:ext uri="{FF2B5EF4-FFF2-40B4-BE49-F238E27FC236}">
-                <a16:creationId xmlns:a16="http://schemas.microsoft.com/office/drawing/2014/main" xmlns="" id="{299DF5EC-9DF4-5255-06AC-0A7CE4FF58C3}"/>
+                <a16:creationId xmlns="" xmlns:a16="http://schemas.microsoft.com/office/drawing/2014/main" id="{299DF5EC-9DF4-5255-06AC-0A7CE4FF58C3}"/>
               </a:ext>
             </a:extLst>
           </p:cNvPr>
@@ -16852,7 +17114,7 @@
           <p:cNvPr id="14" name="직선 화살표 연결선 13">
             <a:extLst>
               <a:ext uri="{FF2B5EF4-FFF2-40B4-BE49-F238E27FC236}">
-                <a16:creationId xmlns:a16="http://schemas.microsoft.com/office/drawing/2014/main" xmlns="" id="{299DF5EC-9DF4-5255-06AC-0A7CE4FF58C3}"/>
+                <a16:creationId xmlns="" xmlns:a16="http://schemas.microsoft.com/office/drawing/2014/main" id="{299DF5EC-9DF4-5255-06AC-0A7CE4FF58C3}"/>
               </a:ext>
             </a:extLst>
           </p:cNvPr>
@@ -16893,7 +17155,7 @@
           <p:cNvPr id="16" name="TextBox 15">
             <a:extLst>
               <a:ext uri="{FF2B5EF4-FFF2-40B4-BE49-F238E27FC236}">
-                <a16:creationId xmlns:a16="http://schemas.microsoft.com/office/drawing/2014/main" xmlns="" id="{5ADC00B6-990A-40DC-3CEA-505258F5E8DA}"/>
+                <a16:creationId xmlns="" xmlns:a16="http://schemas.microsoft.com/office/drawing/2014/main" id="{5ADC00B6-990A-40DC-3CEA-505258F5E8DA}"/>
               </a:ext>
             </a:extLst>
           </p:cNvPr>
@@ -16941,7 +17203,7 @@
           <p:cNvPr id="17" name="직선 화살표 연결선 16">
             <a:extLst>
               <a:ext uri="{FF2B5EF4-FFF2-40B4-BE49-F238E27FC236}">
-                <a16:creationId xmlns:a16="http://schemas.microsoft.com/office/drawing/2014/main" xmlns="" id="{299DF5EC-9DF4-5255-06AC-0A7CE4FF58C3}"/>
+                <a16:creationId xmlns="" xmlns:a16="http://schemas.microsoft.com/office/drawing/2014/main" id="{299DF5EC-9DF4-5255-06AC-0A7CE4FF58C3}"/>
               </a:ext>
             </a:extLst>
           </p:cNvPr>
@@ -16982,7 +17244,7 @@
           <p:cNvPr id="19" name="TextBox 18">
             <a:extLst>
               <a:ext uri="{FF2B5EF4-FFF2-40B4-BE49-F238E27FC236}">
-                <a16:creationId xmlns:a16="http://schemas.microsoft.com/office/drawing/2014/main" xmlns="" id="{5ADC00B6-990A-40DC-3CEA-505258F5E8DA}"/>
+                <a16:creationId xmlns="" xmlns:a16="http://schemas.microsoft.com/office/drawing/2014/main" id="{5ADC00B6-990A-40DC-3CEA-505258F5E8DA}"/>
               </a:ext>
             </a:extLst>
           </p:cNvPr>
@@ -17030,7 +17292,7 @@
           <p:cNvPr id="20" name="직선 화살표 연결선 19">
             <a:extLst>
               <a:ext uri="{FF2B5EF4-FFF2-40B4-BE49-F238E27FC236}">
-                <a16:creationId xmlns:a16="http://schemas.microsoft.com/office/drawing/2014/main" xmlns="" id="{299DF5EC-9DF4-5255-06AC-0A7CE4FF58C3}"/>
+                <a16:creationId xmlns="" xmlns:a16="http://schemas.microsoft.com/office/drawing/2014/main" id="{299DF5EC-9DF4-5255-06AC-0A7CE4FF58C3}"/>
               </a:ext>
             </a:extLst>
           </p:cNvPr>
@@ -17071,7 +17333,7 @@
           <p:cNvPr id="22" name="TextBox 21">
             <a:extLst>
               <a:ext uri="{FF2B5EF4-FFF2-40B4-BE49-F238E27FC236}">
-                <a16:creationId xmlns:a16="http://schemas.microsoft.com/office/drawing/2014/main" xmlns="" id="{5ADC00B6-990A-40DC-3CEA-505258F5E8DA}"/>
+                <a16:creationId xmlns="" xmlns:a16="http://schemas.microsoft.com/office/drawing/2014/main" id="{5ADC00B6-990A-40DC-3CEA-505258F5E8DA}"/>
               </a:ext>
             </a:extLst>
           </p:cNvPr>
@@ -17344,7 +17606,7 @@
           <p:cNvPr id="2" name="TextBox 1">
             <a:extLst>
               <a:ext uri="{FF2B5EF4-FFF2-40B4-BE49-F238E27FC236}">
-                <a16:creationId xmlns="" xmlns:a16="http://schemas.microsoft.com/office/drawing/2014/main" id="{76F36AE5-79B5-0B9F-E510-1C27AAC4B649}"/>
+                <a16:creationId xmlns:a16="http://schemas.microsoft.com/office/drawing/2014/main" xmlns="" id="{76F36AE5-79B5-0B9F-E510-1C27AAC4B649}"/>
               </a:ext>
             </a:extLst>
           </p:cNvPr>
@@ -17507,7 +17769,7 @@
           <p:cNvPr id="27" name="TextBox 26">
             <a:extLst>
               <a:ext uri="{FF2B5EF4-FFF2-40B4-BE49-F238E27FC236}">
-                <a16:creationId xmlns="" xmlns:a16="http://schemas.microsoft.com/office/drawing/2014/main" id="{7229BEA6-121E-9056-D07F-2B3BB1795F76}"/>
+                <a16:creationId xmlns:a16="http://schemas.microsoft.com/office/drawing/2014/main" xmlns="" id="{7229BEA6-121E-9056-D07F-2B3BB1795F76}"/>
               </a:ext>
             </a:extLst>
           </p:cNvPr>
@@ -19358,7 +19620,7 @@
           <p:cNvPr id="4" name="TextBox 3">
             <a:extLst>
               <a:ext uri="{FF2B5EF4-FFF2-40B4-BE49-F238E27FC236}">
-                <a16:creationId xmlns="" xmlns:a16="http://schemas.microsoft.com/office/drawing/2014/main" id="{7229BEA6-121E-9056-D07F-2B3BB1795F76}"/>
+                <a16:creationId xmlns:a16="http://schemas.microsoft.com/office/drawing/2014/main" xmlns="" id="{7229BEA6-121E-9056-D07F-2B3BB1795F76}"/>
               </a:ext>
             </a:extLst>
           </p:cNvPr>
@@ -19406,7 +19668,7 @@
           <p:cNvPr id="5" name="TextBox 4">
             <a:extLst>
               <a:ext uri="{FF2B5EF4-FFF2-40B4-BE49-F238E27FC236}">
-                <a16:creationId xmlns="" xmlns:a16="http://schemas.microsoft.com/office/drawing/2014/main" id="{7229BEA6-121E-9056-D07F-2B3BB1795F76}"/>
+                <a16:creationId xmlns:a16="http://schemas.microsoft.com/office/drawing/2014/main" xmlns="" id="{7229BEA6-121E-9056-D07F-2B3BB1795F76}"/>
               </a:ext>
             </a:extLst>
           </p:cNvPr>
@@ -19464,7 +19726,7 @@
           <p:cNvPr id="6" name="TextBox 5">
             <a:extLst>
               <a:ext uri="{FF2B5EF4-FFF2-40B4-BE49-F238E27FC236}">
-                <a16:creationId xmlns="" xmlns:a16="http://schemas.microsoft.com/office/drawing/2014/main" id="{7229BEA6-121E-9056-D07F-2B3BB1795F76}"/>
+                <a16:creationId xmlns:a16="http://schemas.microsoft.com/office/drawing/2014/main" xmlns="" id="{7229BEA6-121E-9056-D07F-2B3BB1795F76}"/>
               </a:ext>
             </a:extLst>
           </p:cNvPr>
@@ -19512,7 +19774,7 @@
           <p:cNvPr id="7" name="TextBox 6">
             <a:extLst>
               <a:ext uri="{FF2B5EF4-FFF2-40B4-BE49-F238E27FC236}">
-                <a16:creationId xmlns:a16="http://schemas.microsoft.com/office/drawing/2014/main" xmlns="" id="{5ADC00B6-990A-40DC-3CEA-505258F5E8DA}"/>
+                <a16:creationId xmlns="" xmlns:a16="http://schemas.microsoft.com/office/drawing/2014/main" id="{5ADC00B6-990A-40DC-3CEA-505258F5E8DA}"/>
               </a:ext>
             </a:extLst>
           </p:cNvPr>
@@ -19560,7 +19822,7 @@
           <p:cNvPr id="8" name="TextBox 7">
             <a:extLst>
               <a:ext uri="{FF2B5EF4-FFF2-40B4-BE49-F238E27FC236}">
-                <a16:creationId xmlns:a16="http://schemas.microsoft.com/office/drawing/2014/main" xmlns="" id="{5ADC00B6-990A-40DC-3CEA-505258F5E8DA}"/>
+                <a16:creationId xmlns="" xmlns:a16="http://schemas.microsoft.com/office/drawing/2014/main" id="{5ADC00B6-990A-40DC-3CEA-505258F5E8DA}"/>
               </a:ext>
             </a:extLst>
           </p:cNvPr>
@@ -19608,7 +19870,7 @@
           <p:cNvPr id="9" name="직사각형 8">
             <a:extLst>
               <a:ext uri="{FF2B5EF4-FFF2-40B4-BE49-F238E27FC236}">
-                <a16:creationId xmlns:a16="http://schemas.microsoft.com/office/drawing/2014/main" xmlns="" id="{FFF506F9-840A-0508-4CAF-3AC711D8D5CE}"/>
+                <a16:creationId xmlns="" xmlns:a16="http://schemas.microsoft.com/office/drawing/2014/main" id="{FFF506F9-840A-0508-4CAF-3AC711D8D5CE}"/>
               </a:ext>
             </a:extLst>
           </p:cNvPr>
@@ -19660,7 +19922,7 @@
           <p:cNvPr id="10" name="직사각형 9">
             <a:extLst>
               <a:ext uri="{FF2B5EF4-FFF2-40B4-BE49-F238E27FC236}">
-                <a16:creationId xmlns:a16="http://schemas.microsoft.com/office/drawing/2014/main" xmlns="" id="{FFF506F9-840A-0508-4CAF-3AC711D8D5CE}"/>
+                <a16:creationId xmlns="" xmlns:a16="http://schemas.microsoft.com/office/drawing/2014/main" id="{FFF506F9-840A-0508-4CAF-3AC711D8D5CE}"/>
               </a:ext>
             </a:extLst>
           </p:cNvPr>
@@ -19712,7 +19974,7 @@
           <p:cNvPr id="11" name="직사각형 10">
             <a:extLst>
               <a:ext uri="{FF2B5EF4-FFF2-40B4-BE49-F238E27FC236}">
-                <a16:creationId xmlns:a16="http://schemas.microsoft.com/office/drawing/2014/main" xmlns="" id="{FFF506F9-840A-0508-4CAF-3AC711D8D5CE}"/>
+                <a16:creationId xmlns="" xmlns:a16="http://schemas.microsoft.com/office/drawing/2014/main" id="{FFF506F9-840A-0508-4CAF-3AC711D8D5CE}"/>
               </a:ext>
             </a:extLst>
           </p:cNvPr>
@@ -19788,7 +20050,7 @@
           <p:cNvPr id="14" name="직사각형 13">
             <a:extLst>
               <a:ext uri="{FF2B5EF4-FFF2-40B4-BE49-F238E27FC236}">
-                <a16:creationId xmlns:a16="http://schemas.microsoft.com/office/drawing/2014/main" xmlns="" id="{FFF506F9-840A-0508-4CAF-3AC711D8D5CE}"/>
+                <a16:creationId xmlns="" xmlns:a16="http://schemas.microsoft.com/office/drawing/2014/main" id="{FFF506F9-840A-0508-4CAF-3AC711D8D5CE}"/>
               </a:ext>
             </a:extLst>
           </p:cNvPr>
@@ -19840,7 +20102,7 @@
           <p:cNvPr id="15" name="직사각형 14">
             <a:extLst>
               <a:ext uri="{FF2B5EF4-FFF2-40B4-BE49-F238E27FC236}">
-                <a16:creationId xmlns:a16="http://schemas.microsoft.com/office/drawing/2014/main" xmlns="" id="{FFF506F9-840A-0508-4CAF-3AC711D8D5CE}"/>
+                <a16:creationId xmlns="" xmlns:a16="http://schemas.microsoft.com/office/drawing/2014/main" id="{FFF506F9-840A-0508-4CAF-3AC711D8D5CE}"/>
               </a:ext>
             </a:extLst>
           </p:cNvPr>
@@ -19892,7 +20154,7 @@
           <p:cNvPr id="16" name="직사각형 15">
             <a:extLst>
               <a:ext uri="{FF2B5EF4-FFF2-40B4-BE49-F238E27FC236}">
-                <a16:creationId xmlns:a16="http://schemas.microsoft.com/office/drawing/2014/main" xmlns="" id="{FFF506F9-840A-0508-4CAF-3AC711D8D5CE}"/>
+                <a16:creationId xmlns="" xmlns:a16="http://schemas.microsoft.com/office/drawing/2014/main" id="{FFF506F9-840A-0508-4CAF-3AC711D8D5CE}"/>
               </a:ext>
             </a:extLst>
           </p:cNvPr>
@@ -20275,7 +20537,7 @@
           <p:cNvPr id="4" name="TextBox 3">
             <a:extLst>
               <a:ext uri="{FF2B5EF4-FFF2-40B4-BE49-F238E27FC236}">
-                <a16:creationId xmlns="" xmlns:a16="http://schemas.microsoft.com/office/drawing/2014/main" id="{7229BEA6-121E-9056-D07F-2B3BB1795F76}"/>
+                <a16:creationId xmlns:a16="http://schemas.microsoft.com/office/drawing/2014/main" xmlns="" id="{7229BEA6-121E-9056-D07F-2B3BB1795F76}"/>
               </a:ext>
             </a:extLst>
           </p:cNvPr>
@@ -20323,7 +20585,7 @@
           <p:cNvPr id="5" name="TextBox 4">
             <a:extLst>
               <a:ext uri="{FF2B5EF4-FFF2-40B4-BE49-F238E27FC236}">
-                <a16:creationId xmlns:a16="http://schemas.microsoft.com/office/drawing/2014/main" xmlns="" id="{5ADC00B6-990A-40DC-3CEA-505258F5E8DA}"/>
+                <a16:creationId xmlns="" xmlns:a16="http://schemas.microsoft.com/office/drawing/2014/main" id="{5ADC00B6-990A-40DC-3CEA-505258F5E8DA}"/>
               </a:ext>
             </a:extLst>
           </p:cNvPr>
@@ -20442,7 +20704,7 @@
           <p:cNvPr id="4" name="TextBox 3">
             <a:extLst>
               <a:ext uri="{FF2B5EF4-FFF2-40B4-BE49-F238E27FC236}">
-                <a16:creationId xmlns:a16="http://schemas.microsoft.com/office/drawing/2014/main" xmlns="" id="{5ADC00B6-990A-40DC-3CEA-505258F5E8DA}"/>
+                <a16:creationId xmlns="" xmlns:a16="http://schemas.microsoft.com/office/drawing/2014/main" id="{5ADC00B6-990A-40DC-3CEA-505258F5E8DA}"/>
               </a:ext>
             </a:extLst>
           </p:cNvPr>
@@ -20524,7 +20786,7 @@
           <p:cNvPr id="6" name="TextBox 5">
             <a:extLst>
               <a:ext uri="{FF2B5EF4-FFF2-40B4-BE49-F238E27FC236}">
-                <a16:creationId xmlns:a16="http://schemas.microsoft.com/office/drawing/2014/main" xmlns="" id="{5ADC00B6-990A-40DC-3CEA-505258F5E8DA}"/>
+                <a16:creationId xmlns="" xmlns:a16="http://schemas.microsoft.com/office/drawing/2014/main" id="{5ADC00B6-990A-40DC-3CEA-505258F5E8DA}"/>
               </a:ext>
             </a:extLst>
           </p:cNvPr>

--- a/JavaLecture/LectureFile/java 2강 연산자.pptx
+++ b/JavaLecture/LectureFile/java 2강 연산자.pptx
@@ -5,7 +5,7 @@
     <p:sldMasterId id="2147483648" r:id="rId1"/>
   </p:sldMasterIdLst>
   <p:notesMasterIdLst>
-    <p:notesMasterId r:id="rId40"/>
+    <p:notesMasterId r:id="rId41"/>
   </p:notesMasterIdLst>
   <p:sldIdLst>
     <p:sldId id="257" r:id="rId2"/>
@@ -37,15 +37,16 @@
     <p:sldId id="462" r:id="rId28"/>
     <p:sldId id="465" r:id="rId29"/>
     <p:sldId id="466" r:id="rId30"/>
-    <p:sldId id="469" r:id="rId31"/>
-    <p:sldId id="467" r:id="rId32"/>
-    <p:sldId id="468" r:id="rId33"/>
-    <p:sldId id="374" r:id="rId34"/>
-    <p:sldId id="463" r:id="rId35"/>
-    <p:sldId id="385" r:id="rId36"/>
-    <p:sldId id="470" r:id="rId37"/>
-    <p:sldId id="471" r:id="rId38"/>
-    <p:sldId id="275" r:id="rId39"/>
+    <p:sldId id="472" r:id="rId31"/>
+    <p:sldId id="469" r:id="rId32"/>
+    <p:sldId id="467" r:id="rId33"/>
+    <p:sldId id="468" r:id="rId34"/>
+    <p:sldId id="374" r:id="rId35"/>
+    <p:sldId id="463" r:id="rId36"/>
+    <p:sldId id="385" r:id="rId37"/>
+    <p:sldId id="470" r:id="rId38"/>
+    <p:sldId id="471" r:id="rId39"/>
+    <p:sldId id="275" r:id="rId40"/>
   </p:sldIdLst>
   <p:sldSz cx="18288000" cy="10287000"/>
   <p:notesSz cx="10287000" cy="18288000"/>
@@ -245,7 +246,7 @@
           <a:p>
             <a:fld id="{D79F2C30-10E1-4C46-91DC-BBDB9629E720}" type="datetimeFigureOut">
               <a:rPr lang="ko-KR" altLang="en-US" smtClean="0"/>
-              <a:t>2023-07-30</a:t>
+              <a:t>2023-09-24</a:t>
             </a:fld>
             <a:endParaRPr lang="ko-KR" altLang="en-US"/>
           </a:p>
@@ -705,7 +706,7 @@
           <a:p>
             <a:fld id="{F8166F1F-CE9B-4651-A6AA-CD717754106B}" type="datetimeFigureOut">
               <a:rPr lang="en-US" smtClean="0"/>
-              <a:t>7/30/2023</a:t>
+              <a:t>9/24/2023</a:t>
             </a:fld>
             <a:endParaRPr lang="en-US"/>
           </a:p>
@@ -908,7 +909,7 @@
           <a:p>
             <a:fld id="{A76116CE-C4A3-4A05-B2D7-7C2E9A889C0F}" type="datetimeFigureOut">
               <a:rPr lang="en-US" smtClean="0"/>
-              <a:t>7/30/2023</a:t>
+              <a:t>9/24/2023</a:t>
             </a:fld>
             <a:endParaRPr lang="en-US"/>
           </a:p>
@@ -1111,7 +1112,7 @@
           <a:p>
             <a:fld id="{A76116CE-C4A3-4A05-B2D7-7C2E9A889C0F}" type="datetimeFigureOut">
               <a:rPr lang="en-US" smtClean="0"/>
-              <a:t>7/30/2023</a:t>
+              <a:t>9/24/2023</a:t>
             </a:fld>
             <a:endParaRPr lang="en-US"/>
           </a:p>
@@ -1316,7 +1317,7 @@
           <a:p>
             <a:fld id="{A76116CE-C4A3-4A05-B2D7-7C2E9A889C0F}" type="datetimeFigureOut">
               <a:rPr lang="en-US" smtClean="0"/>
-              <a:t>7/30/2023</a:t>
+              <a:t>9/24/2023</a:t>
             </a:fld>
             <a:endParaRPr lang="en-US"/>
           </a:p>
@@ -1586,7 +1587,7 @@
           <a:p>
             <a:fld id="{A76116CE-C4A3-4A05-B2D7-7C2E9A889C0F}" type="datetimeFigureOut">
               <a:rPr lang="en-US" smtClean="0"/>
-              <a:t>7/30/2023</a:t>
+              <a:t>9/24/2023</a:t>
             </a:fld>
             <a:endParaRPr lang="en-US"/>
           </a:p>
@@ -1904,7 +1905,7 @@
           <a:p>
             <a:fld id="{A76116CE-C4A3-4A05-B2D7-7C2E9A889C0F}" type="datetimeFigureOut">
               <a:rPr lang="en-US" smtClean="0"/>
-              <a:t>7/30/2023</a:t>
+              <a:t>9/24/2023</a:t>
             </a:fld>
             <a:endParaRPr lang="en-US"/>
           </a:p>
@@ -2362,7 +2363,7 @@
           <a:p>
             <a:fld id="{A76116CE-C4A3-4A05-B2D7-7C2E9A889C0F}" type="datetimeFigureOut">
               <a:rPr lang="en-US" smtClean="0"/>
-              <a:t>7/30/2023</a:t>
+              <a:t>9/24/2023</a:t>
             </a:fld>
             <a:endParaRPr lang="en-US"/>
           </a:p>
@@ -2506,7 +2507,7 @@
           <a:p>
             <a:fld id="{A76116CE-C4A3-4A05-B2D7-7C2E9A889C0F}" type="datetimeFigureOut">
               <a:rPr lang="en-US" smtClean="0"/>
-              <a:t>7/30/2023</a:t>
+              <a:t>9/24/2023</a:t>
             </a:fld>
             <a:endParaRPr lang="en-US"/>
           </a:p>
@@ -2620,7 +2621,7 @@
           <a:p>
             <a:fld id="{A76116CE-C4A3-4A05-B2D7-7C2E9A889C0F}" type="datetimeFigureOut">
               <a:rPr lang="en-US" smtClean="0"/>
-              <a:t>7/30/2023</a:t>
+              <a:t>9/24/2023</a:t>
             </a:fld>
             <a:endParaRPr lang="en-US"/>
           </a:p>
@@ -2923,7 +2924,7 @@
           <a:p>
             <a:fld id="{A76116CE-C4A3-4A05-B2D7-7C2E9A889C0F}" type="datetimeFigureOut">
               <a:rPr lang="en-US" smtClean="0"/>
-              <a:t>7/30/2023</a:t>
+              <a:t>9/24/2023</a:t>
             </a:fld>
             <a:endParaRPr lang="en-US"/>
           </a:p>
@@ -3203,7 +3204,7 @@
           <a:p>
             <a:fld id="{A76116CE-C4A3-4A05-B2D7-7C2E9A889C0F}" type="datetimeFigureOut">
               <a:rPr lang="en-US" smtClean="0"/>
-              <a:t>7/30/2023</a:t>
+              <a:t>9/24/2023</a:t>
             </a:fld>
             <a:endParaRPr lang="en-US"/>
           </a:p>
@@ -4154,7 +4155,7 @@
         </p:nvSpPr>
         <p:spPr>
           <a:xfrm>
-            <a:off x="1524000" y="2019300"/>
+            <a:off x="1737800" y="3501598"/>
             <a:ext cx="5029200" cy="3785652"/>
           </a:xfrm>
           <a:prstGeom prst="rect">
@@ -4243,7 +4244,7 @@
         </p:nvSpPr>
         <p:spPr>
           <a:xfrm>
-            <a:off x="6411351" y="2019300"/>
+            <a:off x="6639951" y="3467100"/>
             <a:ext cx="5029200" cy="830997"/>
           </a:xfrm>
           <a:prstGeom prst="rect">
@@ -4284,7 +4285,7 @@
         </p:nvSpPr>
         <p:spPr>
           <a:xfrm>
-            <a:off x="6400800" y="2705100"/>
+            <a:off x="6629400" y="4152900"/>
             <a:ext cx="5029200" cy="830997"/>
           </a:xfrm>
           <a:prstGeom prst="rect">
@@ -4325,7 +4326,7 @@
         </p:nvSpPr>
         <p:spPr>
           <a:xfrm>
-            <a:off x="6400800" y="3550503"/>
+            <a:off x="6629400" y="4998303"/>
             <a:ext cx="6629400" cy="830997"/>
           </a:xfrm>
           <a:prstGeom prst="rect">
@@ -4366,7 +4367,7 @@
         </p:nvSpPr>
         <p:spPr>
           <a:xfrm>
-            <a:off x="6400800" y="4312503"/>
+            <a:off x="6629400" y="5760303"/>
             <a:ext cx="6629400" cy="830997"/>
           </a:xfrm>
           <a:prstGeom prst="rect">
@@ -4407,7 +4408,7 @@
         </p:nvSpPr>
         <p:spPr>
           <a:xfrm>
-            <a:off x="6400800" y="5074503"/>
+            <a:off x="6629400" y="6522303"/>
             <a:ext cx="6629400" cy="830997"/>
           </a:xfrm>
           <a:prstGeom prst="rect">
@@ -4448,7 +4449,7 @@
         </p:nvSpPr>
         <p:spPr>
           <a:xfrm>
-            <a:off x="10477500" y="4381500"/>
+            <a:off x="10477500" y="5852548"/>
             <a:ext cx="7810500" cy="1200329"/>
           </a:xfrm>
           <a:prstGeom prst="rect">
@@ -4585,6 +4586,64 @@
               </a:solidFill>
               <a:latin typeface="G마켓 산스 Bold" panose="02000000000000000000" pitchFamily="50" charset="-127"/>
               <a:ea typeface="G마켓 산스 Bold" panose="02000000000000000000" pitchFamily="50" charset="-127"/>
+            </a:endParaRPr>
+          </a:p>
+        </p:txBody>
+      </p:sp>
+      <p:sp>
+        <p:nvSpPr>
+          <p:cNvPr id="13" name="TextBox 12">
+            <a:extLst>
+              <a:ext uri="{FF2B5EF4-FFF2-40B4-BE49-F238E27FC236}">
+                <a16:creationId xmlns="" xmlns:a16="http://schemas.microsoft.com/office/drawing/2014/main" id="{5ADC00B6-990A-40DC-3CEA-505258F5E8DA}"/>
+              </a:ext>
+            </a:extLst>
+          </p:cNvPr>
+          <p:cNvSpPr txBox="1"/>
+          <p:nvPr/>
+        </p:nvSpPr>
+        <p:spPr>
+          <a:xfrm>
+            <a:off x="1949764" y="1276540"/>
+            <a:ext cx="16185836" cy="707886"/>
+          </a:xfrm>
+          <a:prstGeom prst="rect">
+            <a:avLst/>
+          </a:prstGeom>
+          <a:noFill/>
+        </p:spPr>
+        <p:txBody>
+          <a:bodyPr wrap="square" rtlCol="0">
+            <a:spAutoFit/>
+          </a:bodyPr>
+          <a:lstStyle/>
+          <a:p>
+            <a:r>
+              <a:rPr lang="ko-KR" altLang="en-US" sz="4000" smtClean="0">
+                <a:solidFill>
+                  <a:srgbClr val="4C50BC"/>
+                </a:solidFill>
+                <a:latin typeface="G마켓 산스 Medium" panose="02000000000000000000" pitchFamily="50" charset="-127"/>
+                <a:ea typeface="G마켓 산스 Medium" panose="02000000000000000000" pitchFamily="50" charset="-127"/>
+              </a:rPr>
+              <a:t>아래의 타입들끼리 연산을 수행할때 자동타입캐스팅이 어떻게 될까</a:t>
+            </a:r>
+            <a:r>
+              <a:rPr lang="en-US" altLang="ko-KR" sz="4000" smtClean="0">
+                <a:solidFill>
+                  <a:srgbClr val="4C50BC"/>
+                </a:solidFill>
+                <a:latin typeface="G마켓 산스 Medium" panose="02000000000000000000" pitchFamily="50" charset="-127"/>
+                <a:ea typeface="G마켓 산스 Medium" panose="02000000000000000000" pitchFamily="50" charset="-127"/>
+              </a:rPr>
+              <a:t>?</a:t>
+            </a:r>
+            <a:endParaRPr lang="en-US" altLang="ko-KR" sz="4000" dirty="0">
+              <a:solidFill>
+                <a:srgbClr val="4C50BC"/>
+              </a:solidFill>
+              <a:latin typeface="G마켓 산스 Medium" panose="02000000000000000000" pitchFamily="50" charset="-127"/>
+              <a:ea typeface="G마켓 산스 Medium" panose="02000000000000000000" pitchFamily="50" charset="-127"/>
             </a:endParaRPr>
           </a:p>
         </p:txBody>
@@ -6487,7 +6546,7 @@
         <p:spPr>
           <a:xfrm>
             <a:off x="533400" y="291525"/>
-            <a:ext cx="1295400" cy="584775"/>
+            <a:ext cx="5029200" cy="769441"/>
           </a:xfrm>
           <a:prstGeom prst="rect">
             <a:avLst/>
@@ -6501,7 +6560,7 @@
           <a:lstStyle/>
           <a:p>
             <a:r>
-              <a:rPr lang="ko-KR" altLang="en-US" sz="3200" smtClean="0">
+              <a:rPr lang="ko-KR" altLang="en-US" sz="4400" smtClean="0">
                 <a:solidFill>
                   <a:srgbClr val="FF0000"/>
                 </a:solidFill>
@@ -6510,7 +6569,37 @@
               </a:rPr>
               <a:t>심화</a:t>
             </a:r>
-            <a:endParaRPr lang="en-US" altLang="ko-KR" sz="3200" dirty="0">
+            <a:r>
+              <a:rPr lang="en-US" altLang="ko-KR" sz="4400" smtClean="0">
+                <a:solidFill>
+                  <a:srgbClr val="FF0000"/>
+                </a:solidFill>
+                <a:latin typeface="G마켓 산스 Medium" panose="02000000000000000000" pitchFamily="50" charset="-127"/>
+                <a:ea typeface="G마켓 산스 Medium" panose="02000000000000000000" pitchFamily="50" charset="-127"/>
+              </a:rPr>
+              <a:t>(</a:t>
+            </a:r>
+            <a:r>
+              <a:rPr lang="ko-KR" altLang="en-US" sz="4400" smtClean="0">
+                <a:solidFill>
+                  <a:srgbClr val="FF0000"/>
+                </a:solidFill>
+                <a:latin typeface="G마켓 산스 Medium" panose="02000000000000000000" pitchFamily="50" charset="-127"/>
+                <a:ea typeface="G마켓 산스 Medium" panose="02000000000000000000" pitchFamily="50" charset="-127"/>
+              </a:rPr>
+              <a:t>삭제 고려</a:t>
+            </a:r>
+            <a:r>
+              <a:rPr lang="en-US" altLang="ko-KR" sz="4400" smtClean="0">
+                <a:solidFill>
+                  <a:srgbClr val="FF0000"/>
+                </a:solidFill>
+                <a:latin typeface="G마켓 산스 Medium" panose="02000000000000000000" pitchFamily="50" charset="-127"/>
+                <a:ea typeface="G마켓 산스 Medium" panose="02000000000000000000" pitchFamily="50" charset="-127"/>
+              </a:rPr>
+              <a:t>)</a:t>
+            </a:r>
+            <a:endParaRPr lang="en-US" altLang="ko-KR" sz="4400" dirty="0">
               <a:solidFill>
                 <a:srgbClr val="FF0000"/>
               </a:solidFill>
@@ -9468,7 +9557,17 @@
                 <a:latin typeface="G마켓 산스 Medium" panose="02000000000000000000" pitchFamily="50" charset="-127"/>
                 <a:ea typeface="G마켓 산스 Medium" panose="02000000000000000000" pitchFamily="50" charset="-127"/>
               </a:rPr>
-              <a:t>피연산자 </a:t>
+              <a:t>피연산자 모두 </a:t>
+            </a:r>
+            <a:r>
+              <a:rPr lang="en-US" altLang="ko-KR" sz="3600" smtClean="0">
+                <a:solidFill>
+                  <a:srgbClr val="4D4848"/>
+                </a:solidFill>
+                <a:latin typeface="G마켓 산스 Medium" panose="02000000000000000000" pitchFamily="50" charset="-127"/>
+                <a:ea typeface="G마켓 산스 Medium" panose="02000000000000000000" pitchFamily="50" charset="-127"/>
+              </a:rPr>
+              <a:t>true </a:t>
             </a:r>
             <a:r>
               <a:rPr lang="ko-KR" altLang="en-US" sz="3600" smtClean="0">
@@ -9478,7 +9577,7 @@
                 <a:latin typeface="G마켓 산스 Medium" panose="02000000000000000000" pitchFamily="50" charset="-127"/>
                 <a:ea typeface="G마켓 산스 Medium" panose="02000000000000000000" pitchFamily="50" charset="-127"/>
               </a:rPr>
-              <a:t>모두 </a:t>
+              <a:t>이면 </a:t>
             </a:r>
             <a:r>
               <a:rPr lang="en-US" altLang="ko-KR" sz="3600" smtClean="0">
@@ -9488,7 +9587,7 @@
                 <a:latin typeface="G마켓 산스 Medium" panose="02000000000000000000" pitchFamily="50" charset="-127"/>
                 <a:ea typeface="G마켓 산스 Medium" panose="02000000000000000000" pitchFamily="50" charset="-127"/>
               </a:rPr>
-              <a:t>true </a:t>
+              <a:t>true</a:t>
             </a:r>
             <a:r>
               <a:rPr lang="ko-KR" altLang="en-US" sz="3600" smtClean="0">
@@ -9498,7 +9597,7 @@
                 <a:latin typeface="G마켓 산스 Medium" panose="02000000000000000000" pitchFamily="50" charset="-127"/>
                 <a:ea typeface="G마켓 산스 Medium" panose="02000000000000000000" pitchFamily="50" charset="-127"/>
               </a:rPr>
-              <a:t>이면 </a:t>
+              <a:t>를 반환한다</a:t>
             </a:r>
             <a:r>
               <a:rPr lang="en-US" altLang="ko-KR" sz="3600" smtClean="0">
@@ -9508,7 +9607,19 @@
                 <a:latin typeface="G마켓 산스 Medium" panose="02000000000000000000" pitchFamily="50" charset="-127"/>
                 <a:ea typeface="G마켓 산스 Medium" panose="02000000000000000000" pitchFamily="50" charset="-127"/>
               </a:rPr>
-              <a:t>true</a:t>
+              <a:t>.</a:t>
+            </a:r>
+          </a:p>
+          <a:p>
+            <a:r>
+              <a:rPr lang="en-US" altLang="ko-KR" sz="3600" smtClean="0">
+                <a:solidFill>
+                  <a:srgbClr val="4D4848"/>
+                </a:solidFill>
+                <a:latin typeface="G마켓 산스 Medium" panose="02000000000000000000" pitchFamily="50" charset="-127"/>
+                <a:ea typeface="G마켓 산스 Medium" panose="02000000000000000000" pitchFamily="50" charset="-127"/>
+              </a:rPr>
+              <a:t>|| (OR)         -&gt;   </a:t>
             </a:r>
             <a:r>
               <a:rPr lang="ko-KR" altLang="en-US" sz="3600" smtClean="0">
@@ -9518,49 +9629,7 @@
                 <a:latin typeface="G마켓 산스 Medium" panose="02000000000000000000" pitchFamily="50" charset="-127"/>
                 <a:ea typeface="G마켓 산스 Medium" panose="02000000000000000000" pitchFamily="50" charset="-127"/>
               </a:rPr>
-              <a:t>를 반환한다</a:t>
-            </a:r>
-            <a:r>
-              <a:rPr lang="en-US" altLang="ko-KR" sz="3600" smtClean="0">
-                <a:solidFill>
-                  <a:srgbClr val="4D4848"/>
-                </a:solidFill>
-                <a:latin typeface="G마켓 산스 Medium" panose="02000000000000000000" pitchFamily="50" charset="-127"/>
-                <a:ea typeface="G마켓 산스 Medium" panose="02000000000000000000" pitchFamily="50" charset="-127"/>
-              </a:rPr>
-              <a:t>.</a:t>
-            </a:r>
-          </a:p>
-          <a:p>
-            <a:r>
-              <a:rPr lang="en-US" altLang="ko-KR" sz="3600" smtClean="0">
-                <a:solidFill>
-                  <a:srgbClr val="4D4848"/>
-                </a:solidFill>
-                <a:latin typeface="G마켓 산스 Medium" panose="02000000000000000000" pitchFamily="50" charset="-127"/>
-                <a:ea typeface="G마켓 산스 Medium" panose="02000000000000000000" pitchFamily="50" charset="-127"/>
-              </a:rPr>
-              <a:t>|| (OR)         -&gt;   </a:t>
-            </a:r>
-            <a:r>
-              <a:rPr lang="ko-KR" altLang="en-US" sz="3600" smtClean="0">
-                <a:solidFill>
-                  <a:srgbClr val="4D4848"/>
-                </a:solidFill>
-                <a:latin typeface="G마켓 산스 Medium" panose="02000000000000000000" pitchFamily="50" charset="-127"/>
-                <a:ea typeface="G마켓 산스 Medium" panose="02000000000000000000" pitchFamily="50" charset="-127"/>
-              </a:rPr>
-              <a:t>피연산자 </a:t>
-            </a:r>
-            <a:r>
-              <a:rPr lang="ko-KR" altLang="en-US" sz="3600" smtClean="0">
-                <a:solidFill>
-                  <a:srgbClr val="4D4848"/>
-                </a:solidFill>
-                <a:latin typeface="G마켓 산스 Medium" panose="02000000000000000000" pitchFamily="50" charset="-127"/>
-                <a:ea typeface="G마켓 산스 Medium" panose="02000000000000000000" pitchFamily="50" charset="-127"/>
-              </a:rPr>
-              <a:t>둘중 하나만 </a:t>
+              <a:t>피연산자 둘중 하나만 </a:t>
             </a:r>
             <a:r>
               <a:rPr lang="en-US" altLang="ko-KR" sz="3600" smtClean="0">
@@ -12301,7 +12370,7 @@
         <p:spPr>
           <a:xfrm>
             <a:off x="1752600" y="4457700"/>
-            <a:ext cx="10744200" cy="457200"/>
+            <a:ext cx="2438400" cy="457200"/>
           </a:xfrm>
           <a:prstGeom prst="rect">
             <a:avLst/>
@@ -12352,8 +12421,8 @@
         </p:nvSpPr>
         <p:spPr>
           <a:xfrm>
-            <a:off x="1781908" y="5410200"/>
-            <a:ext cx="11362344" cy="647700"/>
+            <a:off x="4038600" y="5372100"/>
+            <a:ext cx="2971800" cy="367215"/>
           </a:xfrm>
           <a:prstGeom prst="rect">
             <a:avLst/>
@@ -12449,6 +12518,579 @@
               <a:t>.</a:t>
             </a:r>
             <a:endParaRPr lang="en-US" altLang="ko-KR" sz="4400" dirty="0">
+              <a:solidFill>
+                <a:srgbClr val="FF0000"/>
+              </a:solidFill>
+              <a:latin typeface="G마켓 산스 Medium" panose="02000000000000000000" pitchFamily="50" charset="-127"/>
+              <a:ea typeface="G마켓 산스 Medium" panose="02000000000000000000" pitchFamily="50" charset="-127"/>
+            </a:endParaRPr>
+          </a:p>
+        </p:txBody>
+      </p:sp>
+      <p:cxnSp>
+        <p:nvCxnSpPr>
+          <p:cNvPr id="10" name="직선 화살표 연결선 9">
+            <a:extLst>
+              <a:ext uri="{FF2B5EF4-FFF2-40B4-BE49-F238E27FC236}">
+                <a16:creationId xmlns="" xmlns:a16="http://schemas.microsoft.com/office/drawing/2014/main" id="{299DF5EC-9DF4-5255-06AC-0A7CE4FF58C3}"/>
+              </a:ext>
+            </a:extLst>
+          </p:cNvPr>
+          <p:cNvCxnSpPr>
+            <a:cxnSpLocks/>
+          </p:cNvCxnSpPr>
+          <p:nvPr/>
+        </p:nvCxnSpPr>
+        <p:spPr>
+          <a:xfrm>
+            <a:off x="5181600" y="2092569"/>
+            <a:ext cx="1219200" cy="0"/>
+          </a:xfrm>
+          <a:prstGeom prst="straightConnector1">
+            <a:avLst/>
+          </a:prstGeom>
+          <a:ln w="38100">
+            <a:tailEnd type="triangle"/>
+          </a:ln>
+        </p:spPr>
+        <p:style>
+          <a:lnRef idx="1">
+            <a:schemeClr val="accent2"/>
+          </a:lnRef>
+          <a:fillRef idx="0">
+            <a:schemeClr val="accent2"/>
+          </a:fillRef>
+          <a:effectRef idx="0">
+            <a:schemeClr val="accent2"/>
+          </a:effectRef>
+          <a:fontRef idx="minor">
+            <a:schemeClr val="tx1"/>
+          </a:fontRef>
+        </p:style>
+      </p:cxnSp>
+      <p:sp>
+        <p:nvSpPr>
+          <p:cNvPr id="11" name="TextBox 10">
+            <a:extLst>
+              <a:ext uri="{FF2B5EF4-FFF2-40B4-BE49-F238E27FC236}">
+                <a16:creationId xmlns="" xmlns:a16="http://schemas.microsoft.com/office/drawing/2014/main" id="{C6D113C6-EA5C-788F-0C77-E7CE6EBB865F}"/>
+              </a:ext>
+            </a:extLst>
+          </p:cNvPr>
+          <p:cNvSpPr txBox="1"/>
+          <p:nvPr/>
+        </p:nvSpPr>
+        <p:spPr>
+          <a:xfrm>
+            <a:off x="6477000" y="1787769"/>
+            <a:ext cx="9601200" cy="1200329"/>
+          </a:xfrm>
+          <a:prstGeom prst="rect">
+            <a:avLst/>
+          </a:prstGeom>
+          <a:noFill/>
+        </p:spPr>
+        <p:txBody>
+          <a:bodyPr wrap="square" rtlCol="0">
+            <a:spAutoFit/>
+          </a:bodyPr>
+          <a:lstStyle/>
+          <a:p>
+            <a:r>
+              <a:rPr lang="ko-KR" altLang="en-US" sz="3600" smtClean="0">
+                <a:solidFill>
+                  <a:srgbClr val="FF0000"/>
+                </a:solidFill>
+                <a:latin typeface="G마켓 산스 Medium" panose="02000000000000000000" pitchFamily="50" charset="-127"/>
+                <a:ea typeface="G마켓 산스 Medium" panose="02000000000000000000" pitchFamily="50" charset="-127"/>
+              </a:rPr>
+              <a:t>다른 패키지의 클래스를 사용하기 위해서는 </a:t>
+            </a:r>
+            <a:r>
+              <a:rPr lang="en-US" altLang="ko-KR" sz="3600" smtClean="0">
+                <a:solidFill>
+                  <a:srgbClr val="FF0000"/>
+                </a:solidFill>
+                <a:latin typeface="G마켓 산스 Medium" panose="02000000000000000000" pitchFamily="50" charset="-127"/>
+                <a:ea typeface="G마켓 산스 Medium" panose="02000000000000000000" pitchFamily="50" charset="-127"/>
+              </a:rPr>
+              <a:t>import</a:t>
+            </a:r>
+            <a:r>
+              <a:rPr lang="ko-KR" altLang="en-US" sz="3600" smtClean="0">
+                <a:solidFill>
+                  <a:srgbClr val="FF0000"/>
+                </a:solidFill>
+                <a:latin typeface="G마켓 산스 Medium" panose="02000000000000000000" pitchFamily="50" charset="-127"/>
+                <a:ea typeface="G마켓 산스 Medium" panose="02000000000000000000" pitchFamily="50" charset="-127"/>
+              </a:rPr>
+              <a:t>를 해야 한다</a:t>
+            </a:r>
+            <a:r>
+              <a:rPr lang="en-US" altLang="ko-KR" sz="3600" smtClean="0">
+                <a:solidFill>
+                  <a:srgbClr val="FF0000"/>
+                </a:solidFill>
+                <a:latin typeface="G마켓 산스 Medium" panose="02000000000000000000" pitchFamily="50" charset="-127"/>
+                <a:ea typeface="G마켓 산스 Medium" panose="02000000000000000000" pitchFamily="50" charset="-127"/>
+              </a:rPr>
+              <a:t>.</a:t>
+            </a:r>
+            <a:endParaRPr lang="en-US" altLang="ko-KR" sz="3600" dirty="0">
+              <a:solidFill>
+                <a:srgbClr val="FF0000"/>
+              </a:solidFill>
+              <a:latin typeface="G마켓 산스 Medium" panose="02000000000000000000" pitchFamily="50" charset="-127"/>
+              <a:ea typeface="G마켓 산스 Medium" panose="02000000000000000000" pitchFamily="50" charset="-127"/>
+            </a:endParaRPr>
+          </a:p>
+        </p:txBody>
+      </p:sp>
+      <p:cxnSp>
+        <p:nvCxnSpPr>
+          <p:cNvPr id="12" name="직선 화살표 연결선 11">
+            <a:extLst>
+              <a:ext uri="{FF2B5EF4-FFF2-40B4-BE49-F238E27FC236}">
+                <a16:creationId xmlns="" xmlns:a16="http://schemas.microsoft.com/office/drawing/2014/main" id="{299DF5EC-9DF4-5255-06AC-0A7CE4FF58C3}"/>
+              </a:ext>
+            </a:extLst>
+          </p:cNvPr>
+          <p:cNvCxnSpPr>
+            <a:cxnSpLocks/>
+            <a:stCxn id="7" idx="0"/>
+            <a:endCxn id="13" idx="1"/>
+          </p:cNvCxnSpPr>
+          <p:nvPr/>
+        </p:nvCxnSpPr>
+        <p:spPr>
+          <a:xfrm flipV="1">
+            <a:off x="2971800" y="3546368"/>
+            <a:ext cx="1239129" cy="911332"/>
+          </a:xfrm>
+          <a:prstGeom prst="straightConnector1">
+            <a:avLst/>
+          </a:prstGeom>
+          <a:ln w="38100">
+            <a:tailEnd type="triangle"/>
+          </a:ln>
+        </p:spPr>
+        <p:style>
+          <a:lnRef idx="1">
+            <a:schemeClr val="accent2"/>
+          </a:lnRef>
+          <a:fillRef idx="0">
+            <a:schemeClr val="accent2"/>
+          </a:fillRef>
+          <a:effectRef idx="0">
+            <a:schemeClr val="accent2"/>
+          </a:effectRef>
+          <a:fontRef idx="minor">
+            <a:schemeClr val="tx1"/>
+          </a:fontRef>
+        </p:style>
+      </p:cxnSp>
+      <p:sp>
+        <p:nvSpPr>
+          <p:cNvPr id="13" name="TextBox 12">
+            <a:extLst>
+              <a:ext uri="{FF2B5EF4-FFF2-40B4-BE49-F238E27FC236}">
+                <a16:creationId xmlns="" xmlns:a16="http://schemas.microsoft.com/office/drawing/2014/main" id="{C6D113C6-EA5C-788F-0C77-E7CE6EBB865F}"/>
+              </a:ext>
+            </a:extLst>
+          </p:cNvPr>
+          <p:cNvSpPr txBox="1"/>
+          <p:nvPr/>
+        </p:nvSpPr>
+        <p:spPr>
+          <a:xfrm>
+            <a:off x="4210929" y="3223202"/>
+            <a:ext cx="9601200" cy="646331"/>
+          </a:xfrm>
+          <a:prstGeom prst="rect">
+            <a:avLst/>
+          </a:prstGeom>
+          <a:noFill/>
+        </p:spPr>
+        <p:txBody>
+          <a:bodyPr wrap="square" rtlCol="0">
+            <a:spAutoFit/>
+          </a:bodyPr>
+          <a:lstStyle/>
+          <a:p>
+            <a:r>
+              <a:rPr lang="en-US" altLang="ko-KR" sz="3600" smtClean="0">
+                <a:solidFill>
+                  <a:srgbClr val="FF0000"/>
+                </a:solidFill>
+                <a:latin typeface="G마켓 산스 Medium" panose="02000000000000000000" pitchFamily="50" charset="-127"/>
+                <a:ea typeface="G마켓 산스 Medium" panose="02000000000000000000" pitchFamily="50" charset="-127"/>
+              </a:rPr>
+              <a:t>Scanner </a:t>
+            </a:r>
+            <a:r>
+              <a:rPr lang="ko-KR" altLang="en-US" sz="3600" smtClean="0">
+                <a:solidFill>
+                  <a:srgbClr val="FF0000"/>
+                </a:solidFill>
+                <a:latin typeface="G마켓 산스 Medium" panose="02000000000000000000" pitchFamily="50" charset="-127"/>
+                <a:ea typeface="G마켓 산스 Medium" panose="02000000000000000000" pitchFamily="50" charset="-127"/>
+              </a:rPr>
+              <a:t>객체를 저장할수 있는 변수 선언</a:t>
+            </a:r>
+            <a:endParaRPr lang="en-US" altLang="ko-KR" sz="3600" dirty="0">
+              <a:solidFill>
+                <a:srgbClr val="FF0000"/>
+              </a:solidFill>
+              <a:latin typeface="G마켓 산스 Medium" panose="02000000000000000000" pitchFamily="50" charset="-127"/>
+              <a:ea typeface="G마켓 산스 Medium" panose="02000000000000000000" pitchFamily="50" charset="-127"/>
+            </a:endParaRPr>
+          </a:p>
+        </p:txBody>
+      </p:sp>
+      <p:sp>
+        <p:nvSpPr>
+          <p:cNvPr id="14" name="직사각형 13">
+            <a:extLst>
+              <a:ext uri="{FF2B5EF4-FFF2-40B4-BE49-F238E27FC236}">
+                <a16:creationId xmlns:a16="http://schemas.microsoft.com/office/drawing/2014/main" xmlns="" id="{FFF506F9-840A-0508-4CAF-3AC711D8D5CE}"/>
+              </a:ext>
+            </a:extLst>
+          </p:cNvPr>
+          <p:cNvSpPr/>
+          <p:nvPr/>
+        </p:nvSpPr>
+        <p:spPr>
+          <a:xfrm>
+            <a:off x="4556004" y="4408883"/>
+            <a:ext cx="3521195" cy="457200"/>
+          </a:xfrm>
+          <a:prstGeom prst="rect">
+            <a:avLst/>
+          </a:prstGeom>
+          <a:noFill/>
+          <a:ln>
+            <a:solidFill>
+              <a:srgbClr val="FF0000"/>
+            </a:solidFill>
+          </a:ln>
+        </p:spPr>
+        <p:style>
+          <a:lnRef idx="2">
+            <a:schemeClr val="accent2">
+              <a:shade val="50000"/>
+            </a:schemeClr>
+          </a:lnRef>
+          <a:fillRef idx="1">
+            <a:schemeClr val="accent2"/>
+          </a:fillRef>
+          <a:effectRef idx="0">
+            <a:schemeClr val="accent2"/>
+          </a:effectRef>
+          <a:fontRef idx="minor">
+            <a:schemeClr val="lt1"/>
+          </a:fontRef>
+        </p:style>
+        <p:txBody>
+          <a:bodyPr rtlCol="0" anchor="ctr"/>
+          <a:lstStyle/>
+          <a:p>
+            <a:pPr algn="ctr"/>
+            <a:endParaRPr lang="ko-KR" altLang="en-US"/>
+          </a:p>
+        </p:txBody>
+      </p:sp>
+      <p:cxnSp>
+        <p:nvCxnSpPr>
+          <p:cNvPr id="15" name="직선 화살표 연결선 14">
+            <a:extLst>
+              <a:ext uri="{FF2B5EF4-FFF2-40B4-BE49-F238E27FC236}">
+                <a16:creationId xmlns="" xmlns:a16="http://schemas.microsoft.com/office/drawing/2014/main" id="{299DF5EC-9DF4-5255-06AC-0A7CE4FF58C3}"/>
+              </a:ext>
+            </a:extLst>
+          </p:cNvPr>
+          <p:cNvCxnSpPr>
+            <a:cxnSpLocks/>
+            <a:endCxn id="16" idx="1"/>
+          </p:cNvCxnSpPr>
+          <p:nvPr/>
+        </p:nvCxnSpPr>
+        <p:spPr>
+          <a:xfrm>
+            <a:off x="6400800" y="5835435"/>
+            <a:ext cx="1143000" cy="1258397"/>
+          </a:xfrm>
+          <a:prstGeom prst="straightConnector1">
+            <a:avLst/>
+          </a:prstGeom>
+          <a:ln w="38100">
+            <a:tailEnd type="triangle"/>
+          </a:ln>
+        </p:spPr>
+        <p:style>
+          <a:lnRef idx="1">
+            <a:schemeClr val="accent2"/>
+          </a:lnRef>
+          <a:fillRef idx="0">
+            <a:schemeClr val="accent2"/>
+          </a:fillRef>
+          <a:effectRef idx="0">
+            <a:schemeClr val="accent2"/>
+          </a:effectRef>
+          <a:fontRef idx="minor">
+            <a:schemeClr val="tx1"/>
+          </a:fontRef>
+        </p:style>
+      </p:cxnSp>
+      <p:sp>
+        <p:nvSpPr>
+          <p:cNvPr id="16" name="TextBox 15">
+            <a:extLst>
+              <a:ext uri="{FF2B5EF4-FFF2-40B4-BE49-F238E27FC236}">
+                <a16:creationId xmlns="" xmlns:a16="http://schemas.microsoft.com/office/drawing/2014/main" id="{C6D113C6-EA5C-788F-0C77-E7CE6EBB865F}"/>
+              </a:ext>
+            </a:extLst>
+          </p:cNvPr>
+          <p:cNvSpPr txBox="1"/>
+          <p:nvPr/>
+        </p:nvSpPr>
+        <p:spPr>
+          <a:xfrm>
+            <a:off x="7543800" y="6493667"/>
+            <a:ext cx="9601200" cy="1200329"/>
+          </a:xfrm>
+          <a:prstGeom prst="rect">
+            <a:avLst/>
+          </a:prstGeom>
+          <a:noFill/>
+        </p:spPr>
+        <p:txBody>
+          <a:bodyPr wrap="square" rtlCol="0">
+            <a:spAutoFit/>
+          </a:bodyPr>
+          <a:lstStyle/>
+          <a:p>
+            <a:r>
+              <a:rPr lang="en-US" altLang="ko-KR" sz="3600" smtClean="0">
+                <a:solidFill>
+                  <a:srgbClr val="FF0000"/>
+                </a:solidFill>
+                <a:latin typeface="G마켓 산스 Medium" panose="02000000000000000000" pitchFamily="50" charset="-127"/>
+                <a:ea typeface="G마켓 산스 Medium" panose="02000000000000000000" pitchFamily="50" charset="-127"/>
+              </a:rPr>
+              <a:t>Scanner </a:t>
+            </a:r>
+            <a:r>
+              <a:rPr lang="ko-KR" altLang="en-US" sz="3600" smtClean="0">
+                <a:solidFill>
+                  <a:srgbClr val="FF0000"/>
+                </a:solidFill>
+                <a:latin typeface="G마켓 산스 Medium" panose="02000000000000000000" pitchFamily="50" charset="-127"/>
+                <a:ea typeface="G마켓 산스 Medium" panose="02000000000000000000" pitchFamily="50" charset="-127"/>
+              </a:rPr>
+              <a:t>객체의 </a:t>
+            </a:r>
+            <a:r>
+              <a:rPr lang="en-US" altLang="ko-KR" sz="3600" smtClean="0">
+                <a:solidFill>
+                  <a:srgbClr val="FF0000"/>
+                </a:solidFill>
+                <a:latin typeface="G마켓 산스 Medium" panose="02000000000000000000" pitchFamily="50" charset="-127"/>
+                <a:ea typeface="G마켓 산스 Medium" panose="02000000000000000000" pitchFamily="50" charset="-127"/>
+              </a:rPr>
+              <a:t>nextLine() </a:t>
+            </a:r>
+            <a:r>
+              <a:rPr lang="ko-KR" altLang="en-US" sz="3600" smtClean="0">
+                <a:solidFill>
+                  <a:srgbClr val="FF0000"/>
+                </a:solidFill>
+                <a:latin typeface="G마켓 산스 Medium" panose="02000000000000000000" pitchFamily="50" charset="-127"/>
+                <a:ea typeface="G마켓 산스 Medium" panose="02000000000000000000" pitchFamily="50" charset="-127"/>
+              </a:rPr>
+              <a:t>메서드를 사용하여 값을 입력 받는다</a:t>
+            </a:r>
+            <a:r>
+              <a:rPr lang="en-US" altLang="ko-KR" sz="3600" smtClean="0">
+                <a:solidFill>
+                  <a:srgbClr val="FF0000"/>
+                </a:solidFill>
+                <a:latin typeface="G마켓 산스 Medium" panose="02000000000000000000" pitchFamily="50" charset="-127"/>
+                <a:ea typeface="G마켓 산스 Medium" panose="02000000000000000000" pitchFamily="50" charset="-127"/>
+              </a:rPr>
+              <a:t>.</a:t>
+            </a:r>
+            <a:endParaRPr lang="en-US" altLang="ko-KR" sz="3600" dirty="0">
+              <a:solidFill>
+                <a:srgbClr val="FF0000"/>
+              </a:solidFill>
+              <a:latin typeface="G마켓 산스 Medium" panose="02000000000000000000" pitchFamily="50" charset="-127"/>
+              <a:ea typeface="G마켓 산스 Medium" panose="02000000000000000000" pitchFamily="50" charset="-127"/>
+            </a:endParaRPr>
+          </a:p>
+        </p:txBody>
+      </p:sp>
+      <p:sp>
+        <p:nvSpPr>
+          <p:cNvPr id="18" name="직사각형 17">
+            <a:extLst>
+              <a:ext uri="{FF2B5EF4-FFF2-40B4-BE49-F238E27FC236}">
+                <a16:creationId xmlns:a16="http://schemas.microsoft.com/office/drawing/2014/main" xmlns="" id="{FFF506F9-840A-0508-4CAF-3AC711D8D5CE}"/>
+              </a:ext>
+            </a:extLst>
+          </p:cNvPr>
+          <p:cNvSpPr/>
+          <p:nvPr/>
+        </p:nvSpPr>
+        <p:spPr>
+          <a:xfrm>
+            <a:off x="2552700" y="5705225"/>
+            <a:ext cx="2971800" cy="367215"/>
+          </a:xfrm>
+          <a:prstGeom prst="rect">
+            <a:avLst/>
+          </a:prstGeom>
+          <a:noFill/>
+          <a:ln>
+            <a:solidFill>
+              <a:srgbClr val="FF0000"/>
+            </a:solidFill>
+          </a:ln>
+        </p:spPr>
+        <p:style>
+          <a:lnRef idx="2">
+            <a:schemeClr val="accent2">
+              <a:shade val="50000"/>
+            </a:schemeClr>
+          </a:lnRef>
+          <a:fillRef idx="1">
+            <a:schemeClr val="accent2"/>
+          </a:fillRef>
+          <a:effectRef idx="0">
+            <a:schemeClr val="accent2"/>
+          </a:effectRef>
+          <a:fontRef idx="minor">
+            <a:schemeClr val="lt1"/>
+          </a:fontRef>
+        </p:style>
+        <p:txBody>
+          <a:bodyPr rtlCol="0" anchor="ctr"/>
+          <a:lstStyle/>
+          <a:p>
+            <a:pPr algn="ctr"/>
+            <a:endParaRPr lang="ko-KR" altLang="en-US"/>
+          </a:p>
+        </p:txBody>
+      </p:sp>
+      <p:cxnSp>
+        <p:nvCxnSpPr>
+          <p:cNvPr id="19" name="직선 화살표 연결선 18">
+            <a:extLst>
+              <a:ext uri="{FF2B5EF4-FFF2-40B4-BE49-F238E27FC236}">
+                <a16:creationId xmlns="" xmlns:a16="http://schemas.microsoft.com/office/drawing/2014/main" id="{299DF5EC-9DF4-5255-06AC-0A7CE4FF58C3}"/>
+              </a:ext>
+            </a:extLst>
+          </p:cNvPr>
+          <p:cNvCxnSpPr>
+            <a:cxnSpLocks/>
+          </p:cNvCxnSpPr>
+          <p:nvPr/>
+        </p:nvCxnSpPr>
+        <p:spPr>
+          <a:xfrm>
+            <a:off x="3673425" y="6024516"/>
+            <a:ext cx="936427" cy="1779869"/>
+          </a:xfrm>
+          <a:prstGeom prst="straightConnector1">
+            <a:avLst/>
+          </a:prstGeom>
+          <a:ln w="38100">
+            <a:tailEnd type="triangle"/>
+          </a:ln>
+        </p:spPr>
+        <p:style>
+          <a:lnRef idx="1">
+            <a:schemeClr val="accent2"/>
+          </a:lnRef>
+          <a:fillRef idx="0">
+            <a:schemeClr val="accent2"/>
+          </a:fillRef>
+          <a:effectRef idx="0">
+            <a:schemeClr val="accent2"/>
+          </a:effectRef>
+          <a:fontRef idx="minor">
+            <a:schemeClr val="tx1"/>
+          </a:fontRef>
+        </p:style>
+      </p:cxnSp>
+      <p:sp>
+        <p:nvSpPr>
+          <p:cNvPr id="20" name="TextBox 19">
+            <a:extLst>
+              <a:ext uri="{FF2B5EF4-FFF2-40B4-BE49-F238E27FC236}">
+                <a16:creationId xmlns="" xmlns:a16="http://schemas.microsoft.com/office/drawing/2014/main" id="{C6D113C6-EA5C-788F-0C77-E7CE6EBB865F}"/>
+              </a:ext>
+            </a:extLst>
+          </p:cNvPr>
+          <p:cNvSpPr txBox="1"/>
+          <p:nvPr/>
+        </p:nvSpPr>
+        <p:spPr>
+          <a:xfrm>
+            <a:off x="3683976" y="7820441"/>
+            <a:ext cx="9601200" cy="646331"/>
+          </a:xfrm>
+          <a:prstGeom prst="rect">
+            <a:avLst/>
+          </a:prstGeom>
+          <a:noFill/>
+        </p:spPr>
+        <p:txBody>
+          <a:bodyPr wrap="square" rtlCol="0">
+            <a:spAutoFit/>
+          </a:bodyPr>
+          <a:lstStyle/>
+          <a:p>
+            <a:r>
+              <a:rPr lang="ko-KR" altLang="en-US" sz="3600" smtClean="0">
+                <a:solidFill>
+                  <a:srgbClr val="FF0000"/>
+                </a:solidFill>
+                <a:latin typeface="G마켓 산스 Medium" panose="02000000000000000000" pitchFamily="50" charset="-127"/>
+                <a:ea typeface="G마켓 산스 Medium" panose="02000000000000000000" pitchFamily="50" charset="-127"/>
+              </a:rPr>
+              <a:t>문자열에서 첫번째 글자 </a:t>
+            </a:r>
+            <a:r>
+              <a:rPr lang="en-US" altLang="ko-KR" sz="3600" smtClean="0">
+                <a:solidFill>
+                  <a:srgbClr val="FF0000"/>
+                </a:solidFill>
+                <a:latin typeface="G마켓 산스 Medium" panose="02000000000000000000" pitchFamily="50" charset="-127"/>
+                <a:ea typeface="G마켓 산스 Medium" panose="02000000000000000000" pitchFamily="50" charset="-127"/>
+              </a:rPr>
+              <a:t>1</a:t>
+            </a:r>
+            <a:r>
+              <a:rPr lang="ko-KR" altLang="en-US" sz="3600" smtClean="0">
+                <a:solidFill>
+                  <a:srgbClr val="FF0000"/>
+                </a:solidFill>
+                <a:latin typeface="G마켓 산스 Medium" panose="02000000000000000000" pitchFamily="50" charset="-127"/>
+                <a:ea typeface="G마켓 산스 Medium" panose="02000000000000000000" pitchFamily="50" charset="-127"/>
+              </a:rPr>
+              <a:t>개만 가져온다</a:t>
+            </a:r>
+            <a:r>
+              <a:rPr lang="en-US" altLang="ko-KR" sz="3600" smtClean="0">
+                <a:solidFill>
+                  <a:srgbClr val="FF0000"/>
+                </a:solidFill>
+                <a:latin typeface="G마켓 산스 Medium" panose="02000000000000000000" pitchFamily="50" charset="-127"/>
+                <a:ea typeface="G마켓 산스 Medium" panose="02000000000000000000" pitchFamily="50" charset="-127"/>
+              </a:rPr>
+              <a:t>.</a:t>
+            </a:r>
+            <a:endParaRPr lang="en-US" altLang="ko-KR" sz="3600" dirty="0">
               <a:solidFill>
                 <a:srgbClr val="FF0000"/>
               </a:solidFill>
@@ -12555,283 +13197,6 @@
       </p:sp>
       <p:sp>
         <p:nvSpPr>
-          <p:cNvPr id="5" name="TextBox 4">
-            <a:extLst>
-              <a:ext uri="{FF2B5EF4-FFF2-40B4-BE49-F238E27FC236}">
-                <a16:creationId xmlns="" xmlns:a16="http://schemas.microsoft.com/office/drawing/2014/main" id="{4EDAA912-8FA0-0F11-119B-EA9F8B36A489}"/>
-              </a:ext>
-            </a:extLst>
-          </p:cNvPr>
-          <p:cNvSpPr txBox="1"/>
-          <p:nvPr/>
-        </p:nvSpPr>
-        <p:spPr>
-          <a:xfrm>
-            <a:off x="1143000" y="5372100"/>
-            <a:ext cx="14664592" cy="1754326"/>
-          </a:xfrm>
-          <a:prstGeom prst="rect">
-            <a:avLst/>
-          </a:prstGeom>
-          <a:noFill/>
-        </p:spPr>
-        <p:txBody>
-          <a:bodyPr wrap="none" rtlCol="0">
-            <a:spAutoFit/>
-          </a:bodyPr>
-          <a:lstStyle/>
-          <a:p>
-            <a:r>
-              <a:rPr lang="en-US" altLang="ko-KR" sz="3600" smtClean="0">
-                <a:solidFill>
-                  <a:srgbClr val="4C50BC"/>
-                </a:solidFill>
-                <a:latin typeface="G마켓 산스 Medium" panose="02000000000000000000" pitchFamily="50" charset="-127"/>
-                <a:ea typeface="G마켓 산스 Medium" panose="02000000000000000000" pitchFamily="50" charset="-127"/>
-              </a:rPr>
-              <a:t>2.int</a:t>
-            </a:r>
-            <a:r>
-              <a:rPr lang="ko-KR" altLang="en-US" sz="3600" smtClean="0">
-                <a:solidFill>
-                  <a:srgbClr val="4C50BC"/>
-                </a:solidFill>
-                <a:latin typeface="G마켓 산스 Medium" panose="02000000000000000000" pitchFamily="50" charset="-127"/>
-                <a:ea typeface="G마켓 산스 Medium" panose="02000000000000000000" pitchFamily="50" charset="-127"/>
-              </a:rPr>
-              <a:t>형 변수 </a:t>
-            </a:r>
-            <a:r>
-              <a:rPr lang="en-US" altLang="ko-KR" sz="3600" smtClean="0">
-                <a:solidFill>
-                  <a:srgbClr val="4C50BC"/>
-                </a:solidFill>
-                <a:latin typeface="G마켓 산스 Medium" panose="02000000000000000000" pitchFamily="50" charset="-127"/>
-                <a:ea typeface="G마켓 산스 Medium" panose="02000000000000000000" pitchFamily="50" charset="-127"/>
-              </a:rPr>
-              <a:t>a,b</a:t>
-            </a:r>
-            <a:r>
-              <a:rPr lang="ko-KR" altLang="en-US" sz="3600" smtClean="0">
-                <a:solidFill>
-                  <a:srgbClr val="4C50BC"/>
-                </a:solidFill>
-                <a:latin typeface="G마켓 산스 Medium" panose="02000000000000000000" pitchFamily="50" charset="-127"/>
-                <a:ea typeface="G마켓 산스 Medium" panose="02000000000000000000" pitchFamily="50" charset="-127"/>
-              </a:rPr>
-              <a:t>를 선언하여 각각 </a:t>
-            </a:r>
-            <a:r>
-              <a:rPr lang="en-US" altLang="ko-KR" sz="3600" smtClean="0">
-                <a:solidFill>
-                  <a:srgbClr val="4C50BC"/>
-                </a:solidFill>
-                <a:latin typeface="G마켓 산스 Medium" panose="02000000000000000000" pitchFamily="50" charset="-127"/>
-                <a:ea typeface="G마켓 산스 Medium" panose="02000000000000000000" pitchFamily="50" charset="-127"/>
-              </a:rPr>
-              <a:t>100</a:t>
-            </a:r>
-            <a:r>
-              <a:rPr lang="ko-KR" altLang="en-US" sz="3600" smtClean="0">
-                <a:solidFill>
-                  <a:srgbClr val="4C50BC"/>
-                </a:solidFill>
-                <a:latin typeface="G마켓 산스 Medium" panose="02000000000000000000" pitchFamily="50" charset="-127"/>
-                <a:ea typeface="G마켓 산스 Medium" panose="02000000000000000000" pitchFamily="50" charset="-127"/>
-              </a:rPr>
-              <a:t>만 </a:t>
-            </a:r>
-            <a:r>
-              <a:rPr lang="en-US" altLang="ko-KR" sz="3600" smtClean="0">
-                <a:solidFill>
-                  <a:srgbClr val="4C50BC"/>
-                </a:solidFill>
-                <a:latin typeface="G마켓 산스 Medium" panose="02000000000000000000" pitchFamily="50" charset="-127"/>
-                <a:ea typeface="G마켓 산스 Medium" panose="02000000000000000000" pitchFamily="50" charset="-127"/>
-              </a:rPr>
-              <a:t>, 200</a:t>
-            </a:r>
-            <a:r>
-              <a:rPr lang="ko-KR" altLang="en-US" sz="3600" smtClean="0">
-                <a:solidFill>
-                  <a:srgbClr val="4C50BC"/>
-                </a:solidFill>
-                <a:latin typeface="G마켓 산스 Medium" panose="02000000000000000000" pitchFamily="50" charset="-127"/>
-                <a:ea typeface="G마켓 산스 Medium" panose="02000000000000000000" pitchFamily="50" charset="-127"/>
-              </a:rPr>
-              <a:t>만으로 값을 초기화 한뒤 </a:t>
-            </a:r>
-            <a:endParaRPr lang="en-US" altLang="ko-KR" sz="3600" smtClean="0">
-              <a:solidFill>
-                <a:srgbClr val="4C50BC"/>
-              </a:solidFill>
-              <a:latin typeface="G마켓 산스 Medium" panose="02000000000000000000" pitchFamily="50" charset="-127"/>
-              <a:ea typeface="G마켓 산스 Medium" panose="02000000000000000000" pitchFamily="50" charset="-127"/>
-            </a:endParaRPr>
-          </a:p>
-          <a:p>
-            <a:r>
-              <a:rPr lang="en-US" altLang="ko-KR" sz="3600" smtClean="0">
-                <a:solidFill>
-                  <a:srgbClr val="4C50BC"/>
-                </a:solidFill>
-                <a:latin typeface="G마켓 산스 Medium" panose="02000000000000000000" pitchFamily="50" charset="-127"/>
-                <a:ea typeface="G마켓 산스 Medium" panose="02000000000000000000" pitchFamily="50" charset="-127"/>
-              </a:rPr>
-              <a:t>a </a:t>
-            </a:r>
-            <a:r>
-              <a:rPr lang="ko-KR" altLang="en-US" sz="3600" smtClean="0">
-                <a:solidFill>
-                  <a:srgbClr val="4C50BC"/>
-                </a:solidFill>
-                <a:latin typeface="G마켓 산스 Medium" panose="02000000000000000000" pitchFamily="50" charset="-127"/>
-                <a:ea typeface="G마켓 산스 Medium" panose="02000000000000000000" pitchFamily="50" charset="-127"/>
-              </a:rPr>
-              <a:t>곱하기 </a:t>
-            </a:r>
-            <a:r>
-              <a:rPr lang="en-US" altLang="ko-KR" sz="3600" smtClean="0">
-                <a:solidFill>
-                  <a:srgbClr val="4C50BC"/>
-                </a:solidFill>
-                <a:latin typeface="G마켓 산스 Medium" panose="02000000000000000000" pitchFamily="50" charset="-127"/>
-                <a:ea typeface="G마켓 산스 Medium" panose="02000000000000000000" pitchFamily="50" charset="-127"/>
-              </a:rPr>
-              <a:t>b </a:t>
-            </a:r>
-            <a:r>
-              <a:rPr lang="ko-KR" altLang="en-US" sz="3600" smtClean="0">
-                <a:solidFill>
-                  <a:srgbClr val="4C50BC"/>
-                </a:solidFill>
-                <a:latin typeface="G마켓 산스 Medium" panose="02000000000000000000" pitchFamily="50" charset="-127"/>
-                <a:ea typeface="G마켓 산스 Medium" panose="02000000000000000000" pitchFamily="50" charset="-127"/>
-              </a:rPr>
-              <a:t>를 하여 </a:t>
-            </a:r>
-            <a:r>
-              <a:rPr lang="en-US" altLang="ko-KR" sz="3600" smtClean="0">
-                <a:solidFill>
-                  <a:srgbClr val="4C50BC"/>
-                </a:solidFill>
-                <a:latin typeface="G마켓 산스 Medium" panose="02000000000000000000" pitchFamily="50" charset="-127"/>
-                <a:ea typeface="G마켓 산스 Medium" panose="02000000000000000000" pitchFamily="50" charset="-127"/>
-              </a:rPr>
-              <a:t>C</a:t>
-            </a:r>
-            <a:r>
-              <a:rPr lang="ko-KR" altLang="en-US" sz="3600" smtClean="0">
-                <a:solidFill>
-                  <a:srgbClr val="4C50BC"/>
-                </a:solidFill>
-                <a:latin typeface="G마켓 산스 Medium" panose="02000000000000000000" pitchFamily="50" charset="-127"/>
-                <a:ea typeface="G마켓 산스 Medium" panose="02000000000000000000" pitchFamily="50" charset="-127"/>
-              </a:rPr>
-              <a:t>변수에 담아 출력 하는 프로그램을 만들자</a:t>
-            </a:r>
-            <a:r>
-              <a:rPr lang="en-US" altLang="ko-KR" sz="3600" smtClean="0">
-                <a:solidFill>
-                  <a:srgbClr val="4C50BC"/>
-                </a:solidFill>
-                <a:latin typeface="G마켓 산스 Medium" panose="02000000000000000000" pitchFamily="50" charset="-127"/>
-                <a:ea typeface="G마켓 산스 Medium" panose="02000000000000000000" pitchFamily="50" charset="-127"/>
-              </a:rPr>
-              <a:t>.</a:t>
-            </a:r>
-          </a:p>
-          <a:p>
-            <a:r>
-              <a:rPr lang="en-US" altLang="ko-KR" sz="3600" smtClean="0">
-                <a:solidFill>
-                  <a:srgbClr val="FF0000"/>
-                </a:solidFill>
-                <a:latin typeface="G마켓 산스 Medium" panose="02000000000000000000" pitchFamily="50" charset="-127"/>
-                <a:ea typeface="G마켓 산스 Medium" panose="02000000000000000000" pitchFamily="50" charset="-127"/>
-              </a:rPr>
-              <a:t>*</a:t>
-            </a:r>
-            <a:r>
-              <a:rPr lang="ko-KR" altLang="en-US" sz="3600" smtClean="0">
-                <a:solidFill>
-                  <a:srgbClr val="FF0000"/>
-                </a:solidFill>
-                <a:latin typeface="G마켓 산스 Medium" panose="02000000000000000000" pitchFamily="50" charset="-127"/>
-                <a:ea typeface="G마켓 산스 Medium" panose="02000000000000000000" pitchFamily="50" charset="-127"/>
-              </a:rPr>
-              <a:t>오버플로우를 조심하자</a:t>
-            </a:r>
-            <a:r>
-              <a:rPr lang="en-US" altLang="ko-KR" sz="3600" smtClean="0">
-                <a:solidFill>
-                  <a:srgbClr val="FF0000"/>
-                </a:solidFill>
-                <a:latin typeface="G마켓 산스 Medium" panose="02000000000000000000" pitchFamily="50" charset="-127"/>
-                <a:ea typeface="G마켓 산스 Medium" panose="02000000000000000000" pitchFamily="50" charset="-127"/>
-              </a:rPr>
-              <a:t>!</a:t>
-            </a:r>
-            <a:endParaRPr lang="ko-KR" altLang="en-US" sz="3600" dirty="0">
-              <a:solidFill>
-                <a:srgbClr val="FF0000"/>
-              </a:solidFill>
-              <a:latin typeface="G마켓 산스 Medium" panose="02000000000000000000" pitchFamily="50" charset="-127"/>
-              <a:ea typeface="G마켓 산스 Medium" panose="02000000000000000000" pitchFamily="50" charset="-127"/>
-            </a:endParaRPr>
-          </a:p>
-        </p:txBody>
-      </p:sp>
-      <p:pic>
-        <p:nvPicPr>
-          <p:cNvPr id="7" name="그림 6"/>
-          <p:cNvPicPr>
-            <a:picLocks noChangeAspect="1"/>
-          </p:cNvPicPr>
-          <p:nvPr/>
-        </p:nvPicPr>
-        <p:blipFill>
-          <a:blip r:embed="rId2"/>
-          <a:stretch>
-            <a:fillRect/>
-          </a:stretch>
-        </p:blipFill>
-        <p:spPr>
-          <a:xfrm>
-            <a:off x="9467590" y="7262491"/>
-            <a:ext cx="4114800" cy="952500"/>
-          </a:xfrm>
-          <a:prstGeom prst="rect">
-            <a:avLst/>
-          </a:prstGeom>
-        </p:spPr>
-      </p:pic>
-      <p:pic>
-        <p:nvPicPr>
-          <p:cNvPr id="8" name="그림 7"/>
-          <p:cNvPicPr>
-            <a:picLocks noChangeAspect="1"/>
-          </p:cNvPicPr>
-          <p:nvPr/>
-        </p:nvPicPr>
-        <p:blipFill>
-          <a:blip r:embed="rId3"/>
-          <a:stretch>
-            <a:fillRect/>
-          </a:stretch>
-        </p:blipFill>
-        <p:spPr>
-          <a:xfrm>
-            <a:off x="1524000" y="7202626"/>
-            <a:ext cx="7562590" cy="2667000"/>
-          </a:xfrm>
-          <a:prstGeom prst="rect">
-            <a:avLst/>
-          </a:prstGeom>
-        </p:spPr>
-      </p:pic>
-      <p:sp>
-        <p:nvSpPr>
           <p:cNvPr id="9" name="TextBox 8">
             <a:extLst>
               <a:ext uri="{FF2B5EF4-FFF2-40B4-BE49-F238E27FC236}">
@@ -13002,22 +13367,22 @@
       </p:sp>
       <p:pic>
         <p:nvPicPr>
-          <p:cNvPr id="10" name="그림 9"/>
+          <p:cNvPr id="2" name="그림 1"/>
           <p:cNvPicPr>
             <a:picLocks noChangeAspect="1"/>
           </p:cNvPicPr>
           <p:nvPr/>
         </p:nvPicPr>
         <p:blipFill>
-          <a:blip r:embed="rId4"/>
+          <a:blip r:embed="rId2"/>
           <a:stretch>
             <a:fillRect/>
           </a:stretch>
         </p:blipFill>
         <p:spPr>
           <a:xfrm>
-            <a:off x="1524000" y="2245024"/>
-            <a:ext cx="6175418" cy="2914471"/>
+            <a:off x="1295399" y="3314699"/>
+            <a:ext cx="9427853" cy="2519887"/>
           </a:xfrm>
           <a:prstGeom prst="rect">
             <a:avLst/>
@@ -13026,22 +13391,22 @@
       </p:pic>
       <p:pic>
         <p:nvPicPr>
-          <p:cNvPr id="11" name="그림 10"/>
+          <p:cNvPr id="3" name="그림 2"/>
           <p:cNvPicPr>
             <a:picLocks noChangeAspect="1"/>
           </p:cNvPicPr>
           <p:nvPr/>
         </p:nvPicPr>
         <p:blipFill>
-          <a:blip r:embed="rId5"/>
+          <a:blip r:embed="rId3"/>
           <a:stretch>
             <a:fillRect/>
           </a:stretch>
         </p:blipFill>
         <p:spPr>
           <a:xfrm>
-            <a:off x="9467590" y="2305514"/>
-            <a:ext cx="3521612" cy="2075236"/>
+            <a:off x="11353800" y="3322319"/>
+            <a:ext cx="3865653" cy="2667001"/>
           </a:xfrm>
           <a:prstGeom prst="rect">
             <a:avLst/>
@@ -13050,18 +13415,18 @@
       </p:pic>
       <p:pic>
         <p:nvPicPr>
-          <p:cNvPr id="14" name="그림 13"/>
+          <p:cNvPr id="13" name="그림 12"/>
           <p:cNvPicPr>
             <a:picLocks noChangeAspect="1"/>
           </p:cNvPicPr>
           <p:nvPr/>
         </p:nvPicPr>
-        <p:blipFill>
-          <a:blip r:embed="rId6">
+        <p:blipFill rotWithShape="1">
+          <a:blip r:embed="rId4">
             <a:extLst>
               <a:ext uri="{BEBA8EAE-BF5A-486C-A8C5-ECC9F3942E4B}">
                 <a14:imgProps xmlns:a14="http://schemas.microsoft.com/office/drawing/2010/main">
-                  <a14:imgLayer r:embed="rId7">
+                  <a14:imgLayer r:embed="rId5">
                     <a14:imgEffect>
                       <a14:artisticBlur/>
                     </a14:imgEffect>
@@ -13070,14 +13435,13 @@
               </a:ext>
             </a:extLst>
           </a:blip>
-          <a:stretch>
-            <a:fillRect/>
-          </a:stretch>
+          <a:srcRect l="54152" t="66120" r="15134" b="12712"/>
+          <a:stretch/>
         </p:blipFill>
         <p:spPr>
           <a:xfrm>
-            <a:off x="1676400" y="2245024"/>
-            <a:ext cx="6175418" cy="2914471"/>
+            <a:off x="6400800" y="5067300"/>
+            <a:ext cx="2895600" cy="533400"/>
           </a:xfrm>
           <a:prstGeom prst="rect">
             <a:avLst/>
@@ -13086,34 +13450,21 @@
       </p:pic>
       <p:pic>
         <p:nvPicPr>
-          <p:cNvPr id="12" name="그림 11"/>
+          <p:cNvPr id="15" name="그림 14"/>
           <p:cNvPicPr>
             <a:picLocks noChangeAspect="1"/>
           </p:cNvPicPr>
           <p:nvPr/>
         </p:nvPicPr>
-        <p:blipFill>
-          <a:blip r:embed="rId8">
-            <a:extLst>
-              <a:ext uri="{BEBA8EAE-BF5A-486C-A8C5-ECC9F3942E4B}">
-                <a14:imgProps xmlns:a14="http://schemas.microsoft.com/office/drawing/2010/main">
-                  <a14:imgLayer r:embed="rId9">
-                    <a14:imgEffect>
-                      <a14:artisticLineDrawing/>
-                    </a14:imgEffect>
-                  </a14:imgLayer>
-                </a14:imgProps>
-              </a:ext>
-            </a:extLst>
-          </a:blip>
-          <a:stretch>
-            <a:fillRect/>
-          </a:stretch>
+        <p:blipFill rotWithShape="1">
+          <a:blip r:embed="rId4"/>
+          <a:srcRect l="54152" t="66120" r="15134" b="12712"/>
+          <a:stretch/>
         </p:blipFill>
         <p:spPr>
           <a:xfrm>
-            <a:off x="1581410" y="7200900"/>
-            <a:ext cx="7562590" cy="2667000"/>
+            <a:off x="1524000" y="3467100"/>
+            <a:ext cx="3124200" cy="533400"/>
           </a:xfrm>
           <a:prstGeom prst="rect">
             <a:avLst/>
@@ -13164,7 +13515,7 @@
                                           </p:stCondLst>
                                         </p:cTn>
                                         <p:tgtEl>
-                                          <p:spTgt spid="14"/>
+                                          <p:spTgt spid="15"/>
                                         </p:tgtEl>
                                         <p:attrNameLst>
                                           <p:attrName>style.visibility</p:attrName>
@@ -13177,39 +13528,21 @@
                                   </p:childTnLst>
                                 </p:cTn>
                               </p:par>
-                            </p:childTnLst>
-                          </p:cTn>
-                        </p:par>
-                      </p:childTnLst>
-                    </p:cTn>
-                  </p:par>
-                  <p:par>
-                    <p:cTn id="7" fill="hold">
-                      <p:stCondLst>
-                        <p:cond delay="indefinite"/>
-                      </p:stCondLst>
-                      <p:childTnLst>
-                        <p:par>
-                          <p:cTn id="8" fill="hold">
-                            <p:stCondLst>
-                              <p:cond delay="0"/>
-                            </p:stCondLst>
-                            <p:childTnLst>
                               <p:par>
-                                <p:cTn id="9" presetID="1" presetClass="exit" presetSubtype="0" fill="hold" nodeType="clickEffect">
+                                <p:cTn id="7" presetID="1" presetClass="exit" presetSubtype="0" fill="hold" nodeType="withEffect">
                                   <p:stCondLst>
                                     <p:cond delay="0"/>
                                   </p:stCondLst>
                                   <p:childTnLst>
                                     <p:set>
                                       <p:cBhvr>
-                                        <p:cTn id="10" dur="1" fill="hold">
+                                        <p:cTn id="8" dur="1" fill="hold">
                                           <p:stCondLst>
                                             <p:cond delay="0"/>
                                           </p:stCondLst>
                                         </p:cTn>
                                         <p:tgtEl>
-                                          <p:spTgt spid="12"/>
+                                          <p:spTgt spid="13"/>
                                         </p:tgtEl>
                                         <p:attrNameLst>
                                           <p:attrName>style.visibility</p:attrName>
@@ -13552,8 +13885,463 @@
         </p:nvSpPr>
         <p:spPr>
           <a:xfrm>
+            <a:off x="1676400" y="800100"/>
+            <a:ext cx="14664592" cy="1754326"/>
+          </a:xfrm>
+          <a:prstGeom prst="rect">
+            <a:avLst/>
+          </a:prstGeom>
+          <a:noFill/>
+        </p:spPr>
+        <p:txBody>
+          <a:bodyPr wrap="none" rtlCol="0">
+            <a:spAutoFit/>
+          </a:bodyPr>
+          <a:lstStyle/>
+          <a:p>
+            <a:r>
+              <a:rPr lang="en-US" altLang="ko-KR" sz="3600" smtClean="0">
+                <a:solidFill>
+                  <a:srgbClr val="4C50BC"/>
+                </a:solidFill>
+                <a:latin typeface="G마켓 산스 Medium" panose="02000000000000000000" pitchFamily="50" charset="-127"/>
+                <a:ea typeface="G마켓 산스 Medium" panose="02000000000000000000" pitchFamily="50" charset="-127"/>
+              </a:rPr>
+              <a:t>2.int</a:t>
+            </a:r>
+            <a:r>
+              <a:rPr lang="ko-KR" altLang="en-US" sz="3600" smtClean="0">
+                <a:solidFill>
+                  <a:srgbClr val="4C50BC"/>
+                </a:solidFill>
+                <a:latin typeface="G마켓 산스 Medium" panose="02000000000000000000" pitchFamily="50" charset="-127"/>
+                <a:ea typeface="G마켓 산스 Medium" panose="02000000000000000000" pitchFamily="50" charset="-127"/>
+              </a:rPr>
+              <a:t>형 변수 </a:t>
+            </a:r>
+            <a:r>
+              <a:rPr lang="en-US" altLang="ko-KR" sz="3600" smtClean="0">
+                <a:solidFill>
+                  <a:srgbClr val="4C50BC"/>
+                </a:solidFill>
+                <a:latin typeface="G마켓 산스 Medium" panose="02000000000000000000" pitchFamily="50" charset="-127"/>
+                <a:ea typeface="G마켓 산스 Medium" panose="02000000000000000000" pitchFamily="50" charset="-127"/>
+              </a:rPr>
+              <a:t>a,b</a:t>
+            </a:r>
+            <a:r>
+              <a:rPr lang="ko-KR" altLang="en-US" sz="3600" smtClean="0">
+                <a:solidFill>
+                  <a:srgbClr val="4C50BC"/>
+                </a:solidFill>
+                <a:latin typeface="G마켓 산스 Medium" panose="02000000000000000000" pitchFamily="50" charset="-127"/>
+                <a:ea typeface="G마켓 산스 Medium" panose="02000000000000000000" pitchFamily="50" charset="-127"/>
+              </a:rPr>
+              <a:t>를 선언하여 각각 </a:t>
+            </a:r>
+            <a:r>
+              <a:rPr lang="en-US" altLang="ko-KR" sz="3600" smtClean="0">
+                <a:solidFill>
+                  <a:srgbClr val="4C50BC"/>
+                </a:solidFill>
+                <a:latin typeface="G마켓 산스 Medium" panose="02000000000000000000" pitchFamily="50" charset="-127"/>
+                <a:ea typeface="G마켓 산스 Medium" panose="02000000000000000000" pitchFamily="50" charset="-127"/>
+              </a:rPr>
+              <a:t>100</a:t>
+            </a:r>
+            <a:r>
+              <a:rPr lang="ko-KR" altLang="en-US" sz="3600" smtClean="0">
+                <a:solidFill>
+                  <a:srgbClr val="4C50BC"/>
+                </a:solidFill>
+                <a:latin typeface="G마켓 산스 Medium" panose="02000000000000000000" pitchFamily="50" charset="-127"/>
+                <a:ea typeface="G마켓 산스 Medium" panose="02000000000000000000" pitchFamily="50" charset="-127"/>
+              </a:rPr>
+              <a:t>만 </a:t>
+            </a:r>
+            <a:r>
+              <a:rPr lang="en-US" altLang="ko-KR" sz="3600" smtClean="0">
+                <a:solidFill>
+                  <a:srgbClr val="4C50BC"/>
+                </a:solidFill>
+                <a:latin typeface="G마켓 산스 Medium" panose="02000000000000000000" pitchFamily="50" charset="-127"/>
+                <a:ea typeface="G마켓 산스 Medium" panose="02000000000000000000" pitchFamily="50" charset="-127"/>
+              </a:rPr>
+              <a:t>, 200</a:t>
+            </a:r>
+            <a:r>
+              <a:rPr lang="ko-KR" altLang="en-US" sz="3600" smtClean="0">
+                <a:solidFill>
+                  <a:srgbClr val="4C50BC"/>
+                </a:solidFill>
+                <a:latin typeface="G마켓 산스 Medium" panose="02000000000000000000" pitchFamily="50" charset="-127"/>
+                <a:ea typeface="G마켓 산스 Medium" panose="02000000000000000000" pitchFamily="50" charset="-127"/>
+              </a:rPr>
+              <a:t>만으로 값을 초기화 한뒤 </a:t>
+            </a:r>
+            <a:endParaRPr lang="en-US" altLang="ko-KR" sz="3600" smtClean="0">
+              <a:solidFill>
+                <a:srgbClr val="4C50BC"/>
+              </a:solidFill>
+              <a:latin typeface="G마켓 산스 Medium" panose="02000000000000000000" pitchFamily="50" charset="-127"/>
+              <a:ea typeface="G마켓 산스 Medium" panose="02000000000000000000" pitchFamily="50" charset="-127"/>
+            </a:endParaRPr>
+          </a:p>
+          <a:p>
+            <a:r>
+              <a:rPr lang="en-US" altLang="ko-KR" sz="3600" smtClean="0">
+                <a:solidFill>
+                  <a:srgbClr val="4C50BC"/>
+                </a:solidFill>
+                <a:latin typeface="G마켓 산스 Medium" panose="02000000000000000000" pitchFamily="50" charset="-127"/>
+                <a:ea typeface="G마켓 산스 Medium" panose="02000000000000000000" pitchFamily="50" charset="-127"/>
+              </a:rPr>
+              <a:t>a </a:t>
+            </a:r>
+            <a:r>
+              <a:rPr lang="ko-KR" altLang="en-US" sz="3600" smtClean="0">
+                <a:solidFill>
+                  <a:srgbClr val="4C50BC"/>
+                </a:solidFill>
+                <a:latin typeface="G마켓 산스 Medium" panose="02000000000000000000" pitchFamily="50" charset="-127"/>
+                <a:ea typeface="G마켓 산스 Medium" panose="02000000000000000000" pitchFamily="50" charset="-127"/>
+              </a:rPr>
+              <a:t>곱하기 </a:t>
+            </a:r>
+            <a:r>
+              <a:rPr lang="en-US" altLang="ko-KR" sz="3600" smtClean="0">
+                <a:solidFill>
+                  <a:srgbClr val="4C50BC"/>
+                </a:solidFill>
+                <a:latin typeface="G마켓 산스 Medium" panose="02000000000000000000" pitchFamily="50" charset="-127"/>
+                <a:ea typeface="G마켓 산스 Medium" panose="02000000000000000000" pitchFamily="50" charset="-127"/>
+              </a:rPr>
+              <a:t>b </a:t>
+            </a:r>
+            <a:r>
+              <a:rPr lang="ko-KR" altLang="en-US" sz="3600" smtClean="0">
+                <a:solidFill>
+                  <a:srgbClr val="4C50BC"/>
+                </a:solidFill>
+                <a:latin typeface="G마켓 산스 Medium" panose="02000000000000000000" pitchFamily="50" charset="-127"/>
+                <a:ea typeface="G마켓 산스 Medium" panose="02000000000000000000" pitchFamily="50" charset="-127"/>
+              </a:rPr>
+              <a:t>를 하여 </a:t>
+            </a:r>
+            <a:r>
+              <a:rPr lang="en-US" altLang="ko-KR" sz="3600" smtClean="0">
+                <a:solidFill>
+                  <a:srgbClr val="4C50BC"/>
+                </a:solidFill>
+                <a:latin typeface="G마켓 산스 Medium" panose="02000000000000000000" pitchFamily="50" charset="-127"/>
+                <a:ea typeface="G마켓 산스 Medium" panose="02000000000000000000" pitchFamily="50" charset="-127"/>
+              </a:rPr>
+              <a:t>C</a:t>
+            </a:r>
+            <a:r>
+              <a:rPr lang="ko-KR" altLang="en-US" sz="3600" smtClean="0">
+                <a:solidFill>
+                  <a:srgbClr val="4C50BC"/>
+                </a:solidFill>
+                <a:latin typeface="G마켓 산스 Medium" panose="02000000000000000000" pitchFamily="50" charset="-127"/>
+                <a:ea typeface="G마켓 산스 Medium" panose="02000000000000000000" pitchFamily="50" charset="-127"/>
+              </a:rPr>
+              <a:t>변수에 담아 출력 하는 프로그램을 만들자</a:t>
+            </a:r>
+            <a:r>
+              <a:rPr lang="en-US" altLang="ko-KR" sz="3600" smtClean="0">
+                <a:solidFill>
+                  <a:srgbClr val="4C50BC"/>
+                </a:solidFill>
+                <a:latin typeface="G마켓 산스 Medium" panose="02000000000000000000" pitchFamily="50" charset="-127"/>
+                <a:ea typeface="G마켓 산스 Medium" panose="02000000000000000000" pitchFamily="50" charset="-127"/>
+              </a:rPr>
+              <a:t>.</a:t>
+            </a:r>
+          </a:p>
+          <a:p>
+            <a:r>
+              <a:rPr lang="en-US" altLang="ko-KR" sz="3600" smtClean="0">
+                <a:solidFill>
+                  <a:srgbClr val="FF0000"/>
+                </a:solidFill>
+                <a:latin typeface="G마켓 산스 Medium" panose="02000000000000000000" pitchFamily="50" charset="-127"/>
+                <a:ea typeface="G마켓 산스 Medium" panose="02000000000000000000" pitchFamily="50" charset="-127"/>
+              </a:rPr>
+              <a:t>*</a:t>
+            </a:r>
+            <a:r>
+              <a:rPr lang="ko-KR" altLang="en-US" sz="3600" smtClean="0">
+                <a:solidFill>
+                  <a:srgbClr val="FF0000"/>
+                </a:solidFill>
+                <a:latin typeface="G마켓 산스 Medium" panose="02000000000000000000" pitchFamily="50" charset="-127"/>
+                <a:ea typeface="G마켓 산스 Medium" panose="02000000000000000000" pitchFamily="50" charset="-127"/>
+              </a:rPr>
+              <a:t>오버플로우를 조심하자</a:t>
+            </a:r>
+            <a:r>
+              <a:rPr lang="en-US" altLang="ko-KR" sz="3600" smtClean="0">
+                <a:solidFill>
+                  <a:srgbClr val="FF0000"/>
+                </a:solidFill>
+                <a:latin typeface="G마켓 산스 Medium" panose="02000000000000000000" pitchFamily="50" charset="-127"/>
+                <a:ea typeface="G마켓 산스 Medium" panose="02000000000000000000" pitchFamily="50" charset="-127"/>
+              </a:rPr>
+              <a:t>!</a:t>
+            </a:r>
+            <a:endParaRPr lang="ko-KR" altLang="en-US" sz="3600" dirty="0">
+              <a:solidFill>
+                <a:srgbClr val="FF0000"/>
+              </a:solidFill>
+              <a:latin typeface="G마켓 산스 Medium" panose="02000000000000000000" pitchFamily="50" charset="-127"/>
+              <a:ea typeface="G마켓 산스 Medium" panose="02000000000000000000" pitchFamily="50" charset="-127"/>
+            </a:endParaRPr>
+          </a:p>
+        </p:txBody>
+      </p:sp>
+      <p:pic>
+        <p:nvPicPr>
+          <p:cNvPr id="8" name="그림 7"/>
+          <p:cNvPicPr>
+            <a:picLocks noChangeAspect="1"/>
+          </p:cNvPicPr>
+          <p:nvPr/>
+        </p:nvPicPr>
+        <p:blipFill>
+          <a:blip r:embed="rId2"/>
+          <a:stretch>
+            <a:fillRect/>
+          </a:stretch>
+        </p:blipFill>
+        <p:spPr>
+          <a:xfrm>
+            <a:off x="1066800" y="3214366"/>
+            <a:ext cx="11411354" cy="5129534"/>
+          </a:xfrm>
+          <a:prstGeom prst="rect">
+            <a:avLst/>
+          </a:prstGeom>
+        </p:spPr>
+      </p:pic>
+      <p:pic>
+        <p:nvPicPr>
+          <p:cNvPr id="9" name="그림 8"/>
+          <p:cNvPicPr>
+            <a:picLocks noChangeAspect="1"/>
+          </p:cNvPicPr>
+          <p:nvPr/>
+        </p:nvPicPr>
+        <p:blipFill>
+          <a:blip r:embed="rId3"/>
+          <a:stretch>
+            <a:fillRect/>
+          </a:stretch>
+        </p:blipFill>
+        <p:spPr>
+          <a:xfrm>
+            <a:off x="12538262" y="3162300"/>
+            <a:ext cx="4987738" cy="2191145"/>
+          </a:xfrm>
+          <a:prstGeom prst="rect">
+            <a:avLst/>
+          </a:prstGeom>
+        </p:spPr>
+      </p:pic>
+      <p:pic>
+        <p:nvPicPr>
+          <p:cNvPr id="11" name="그림 10"/>
+          <p:cNvPicPr>
+            <a:picLocks noChangeAspect="1"/>
+          </p:cNvPicPr>
+          <p:nvPr/>
+        </p:nvPicPr>
+        <p:blipFill rotWithShape="1">
+          <a:blip r:embed="rId4"/>
+          <a:srcRect l="32052" t="35653" r="31221" b="48007"/>
+          <a:stretch/>
+        </p:blipFill>
+        <p:spPr>
+          <a:xfrm>
+            <a:off x="4724400" y="5067300"/>
+            <a:ext cx="4191000" cy="838200"/>
+          </a:xfrm>
+          <a:prstGeom prst="rect">
+            <a:avLst/>
+          </a:prstGeom>
+        </p:spPr>
+      </p:pic>
+      <p:pic>
+        <p:nvPicPr>
+          <p:cNvPr id="13" name="그림 12"/>
+          <p:cNvPicPr>
+            <a:picLocks noChangeAspect="1"/>
+          </p:cNvPicPr>
+          <p:nvPr/>
+        </p:nvPicPr>
+        <p:blipFill rotWithShape="1">
+          <a:blip r:embed="rId4"/>
+          <a:srcRect t="37608" r="81303" b="47537"/>
+          <a:stretch/>
+        </p:blipFill>
+        <p:spPr>
+          <a:xfrm>
+            <a:off x="1066800" y="5143500"/>
+            <a:ext cx="2133600" cy="762000"/>
+          </a:xfrm>
+          <a:prstGeom prst="rect">
+            <a:avLst/>
+          </a:prstGeom>
+        </p:spPr>
+      </p:pic>
+    </p:spTree>
+    <p:extLst>
+      <p:ext uri="{BB962C8B-B14F-4D97-AF65-F5344CB8AC3E}">
+        <p14:creationId xmlns:p14="http://schemas.microsoft.com/office/powerpoint/2010/main" val="2180321494"/>
+      </p:ext>
+    </p:extLst>
+  </p:cSld>
+  <p:clrMapOvr>
+    <a:masterClrMapping/>
+  </p:clrMapOvr>
+  <p:timing>
+    <p:tnLst>
+      <p:par>
+        <p:cTn id="1" dur="indefinite" restart="never" nodeType="tmRoot">
+          <p:childTnLst>
+            <p:seq concurrent="1" nextAc="seek">
+              <p:cTn id="2" dur="indefinite" nodeType="mainSeq">
+                <p:childTnLst>
+                  <p:par>
+                    <p:cTn id="3" fill="hold">
+                      <p:stCondLst>
+                        <p:cond delay="indefinite"/>
+                      </p:stCondLst>
+                      <p:childTnLst>
+                        <p:par>
+                          <p:cTn id="4" fill="hold">
+                            <p:stCondLst>
+                              <p:cond delay="0"/>
+                            </p:stCondLst>
+                            <p:childTnLst>
+                              <p:par>
+                                <p:cTn id="5" presetID="1" presetClass="exit" presetSubtype="0" fill="hold" nodeType="clickEffect">
+                                  <p:stCondLst>
+                                    <p:cond delay="0"/>
+                                  </p:stCondLst>
+                                  <p:childTnLst>
+                                    <p:set>
+                                      <p:cBhvr>
+                                        <p:cTn id="6" dur="1" fill="hold">
+                                          <p:stCondLst>
+                                            <p:cond delay="0"/>
+                                          </p:stCondLst>
+                                        </p:cTn>
+                                        <p:tgtEl>
+                                          <p:spTgt spid="11"/>
+                                        </p:tgtEl>
+                                        <p:attrNameLst>
+                                          <p:attrName>style.visibility</p:attrName>
+                                        </p:attrNameLst>
+                                      </p:cBhvr>
+                                      <p:to>
+                                        <p:strVal val="hidden"/>
+                                      </p:to>
+                                    </p:set>
+                                  </p:childTnLst>
+                                </p:cTn>
+                              </p:par>
+                              <p:par>
+                                <p:cTn id="7" presetID="1" presetClass="exit" presetSubtype="0" fill="hold" nodeType="withEffect">
+                                  <p:stCondLst>
+                                    <p:cond delay="0"/>
+                                  </p:stCondLst>
+                                  <p:childTnLst>
+                                    <p:set>
+                                      <p:cBhvr>
+                                        <p:cTn id="8" dur="1" fill="hold">
+                                          <p:stCondLst>
+                                            <p:cond delay="0"/>
+                                          </p:stCondLst>
+                                        </p:cTn>
+                                        <p:tgtEl>
+                                          <p:spTgt spid="13"/>
+                                        </p:tgtEl>
+                                        <p:attrNameLst>
+                                          <p:attrName>style.visibility</p:attrName>
+                                        </p:attrNameLst>
+                                      </p:cBhvr>
+                                      <p:to>
+                                        <p:strVal val="hidden"/>
+                                      </p:to>
+                                    </p:set>
+                                  </p:childTnLst>
+                                </p:cTn>
+                              </p:par>
+                            </p:childTnLst>
+                          </p:cTn>
+                        </p:par>
+                      </p:childTnLst>
+                    </p:cTn>
+                  </p:par>
+                </p:childTnLst>
+              </p:cTn>
+              <p:prevCondLst>
+                <p:cond evt="onPrev" delay="0">
+                  <p:tgtEl>
+                    <p:sldTgt/>
+                  </p:tgtEl>
+                </p:cond>
+              </p:prevCondLst>
+              <p:nextCondLst>
+                <p:cond evt="onNext" delay="0">
+                  <p:tgtEl>
+                    <p:sldTgt/>
+                  </p:tgtEl>
+                </p:cond>
+              </p:nextCondLst>
+            </p:seq>
+          </p:childTnLst>
+        </p:cTn>
+      </p:par>
+    </p:tnLst>
+  </p:timing>
+</p:sld>
+</file>
+
+<file path=ppt/slides/slide31.xml><?xml version="1.0" encoding="utf-8"?>
+<p:sld xmlns:a="http://schemas.openxmlformats.org/drawingml/2006/main" xmlns:r="http://schemas.openxmlformats.org/officeDocument/2006/relationships" xmlns:p="http://schemas.openxmlformats.org/presentationml/2006/main">
+  <p:cSld>
+    <p:spTree>
+      <p:nvGrpSpPr>
+        <p:cNvPr id="1" name=""/>
+        <p:cNvGrpSpPr/>
+        <p:nvPr/>
+      </p:nvGrpSpPr>
+      <p:grpSpPr>
+        <a:xfrm>
+          <a:off x="0" y="0"/>
+          <a:ext cx="0" cy="0"/>
+          <a:chOff x="0" y="0"/>
+          <a:chExt cx="0" cy="0"/>
+        </a:xfrm>
+      </p:grpSpPr>
+      <p:sp>
+        <p:nvSpPr>
+          <p:cNvPr id="4" name="TextBox 3">
+            <a:extLst>
+              <a:ext uri="{FF2B5EF4-FFF2-40B4-BE49-F238E27FC236}">
+                <a16:creationId xmlns="" xmlns:a16="http://schemas.microsoft.com/office/drawing/2014/main" id="{4EDAA912-8FA0-0F11-119B-EA9F8B36A489}"/>
+              </a:ext>
+            </a:extLst>
+          </p:cNvPr>
+          <p:cNvSpPr txBox="1"/>
+          <p:nvPr/>
+        </p:nvSpPr>
+        <p:spPr>
+          <a:xfrm>
             <a:off x="1295400" y="499479"/>
-            <a:ext cx="13182600" cy="1754326"/>
+            <a:ext cx="13182600" cy="2862322"/>
           </a:xfrm>
           <a:prstGeom prst="rect">
             <a:avLst/>
@@ -13767,6 +14555,138 @@
                 <a:ea typeface="G마켓 산스 Medium" panose="02000000000000000000" pitchFamily="50" charset="-127"/>
               </a:rPr>
               <a:t>유니코드 체계를 이용하자</a:t>
+            </a:r>
+            <a:r>
+              <a:rPr lang="en-US" altLang="ko-KR" sz="3600" smtClean="0">
+                <a:solidFill>
+                  <a:srgbClr val="FF0000"/>
+                </a:solidFill>
+                <a:latin typeface="G마켓 산스 Medium" panose="02000000000000000000" pitchFamily="50" charset="-127"/>
+                <a:ea typeface="G마켓 산스 Medium" panose="02000000000000000000" pitchFamily="50" charset="-127"/>
+              </a:rPr>
+              <a:t>.</a:t>
+            </a:r>
+          </a:p>
+          <a:p>
+            <a:r>
+              <a:rPr lang="en-US" altLang="ko-KR" sz="3600" smtClean="0">
+                <a:solidFill>
+                  <a:srgbClr val="FF0000"/>
+                </a:solidFill>
+                <a:latin typeface="G마켓 산스 Medium" panose="02000000000000000000" pitchFamily="50" charset="-127"/>
+                <a:ea typeface="G마켓 산스 Medium" panose="02000000000000000000" pitchFamily="50" charset="-127"/>
+              </a:rPr>
+              <a:t>* ‘3’</a:t>
+            </a:r>
+            <a:r>
+              <a:rPr lang="ko-KR" altLang="en-US" sz="3600" smtClean="0">
+                <a:solidFill>
+                  <a:srgbClr val="FF0000"/>
+                </a:solidFill>
+                <a:latin typeface="G마켓 산스 Medium" panose="02000000000000000000" pitchFamily="50" charset="-127"/>
+                <a:ea typeface="G마켓 산스 Medium" panose="02000000000000000000" pitchFamily="50" charset="-127"/>
+              </a:rPr>
+              <a:t>을 </a:t>
+            </a:r>
+            <a:r>
+              <a:rPr lang="en-US" altLang="ko-KR" sz="3600" smtClean="0">
+                <a:solidFill>
+                  <a:srgbClr val="FF0000"/>
+                </a:solidFill>
+                <a:latin typeface="G마켓 산스 Medium" panose="02000000000000000000" pitchFamily="50" charset="-127"/>
+                <a:ea typeface="G마켓 산스 Medium" panose="02000000000000000000" pitchFamily="50" charset="-127"/>
+              </a:rPr>
+              <a:t>int </a:t>
+            </a:r>
+            <a:r>
+              <a:rPr lang="ko-KR" altLang="en-US" sz="3600" smtClean="0">
+                <a:solidFill>
+                  <a:srgbClr val="FF0000"/>
+                </a:solidFill>
+                <a:latin typeface="G마켓 산스 Medium" panose="02000000000000000000" pitchFamily="50" charset="-127"/>
+                <a:ea typeface="G마켓 산스 Medium" panose="02000000000000000000" pitchFamily="50" charset="-127"/>
+              </a:rPr>
+              <a:t>타입에 저장하면 아스키코드표의 </a:t>
+            </a:r>
+            <a:r>
+              <a:rPr lang="en-US" altLang="ko-KR" sz="3600" smtClean="0">
+                <a:solidFill>
+                  <a:srgbClr val="FF0000"/>
+                </a:solidFill>
+                <a:latin typeface="G마켓 산스 Medium" panose="02000000000000000000" pitchFamily="50" charset="-127"/>
+                <a:ea typeface="G마켓 산스 Medium" panose="02000000000000000000" pitchFamily="50" charset="-127"/>
+              </a:rPr>
+              <a:t>‘3’</a:t>
+            </a:r>
+            <a:r>
+              <a:rPr lang="ko-KR" altLang="en-US" sz="3600" smtClean="0">
+                <a:solidFill>
+                  <a:srgbClr val="FF0000"/>
+                </a:solidFill>
+                <a:latin typeface="G마켓 산스 Medium" panose="02000000000000000000" pitchFamily="50" charset="-127"/>
+                <a:ea typeface="G마켓 산스 Medium" panose="02000000000000000000" pitchFamily="50" charset="-127"/>
+              </a:rPr>
+              <a:t>에 해당하는 숫자로 저장이 된다</a:t>
+            </a:r>
+            <a:r>
+              <a:rPr lang="en-US" altLang="ko-KR" sz="3600" smtClean="0">
+                <a:solidFill>
+                  <a:srgbClr val="FF0000"/>
+                </a:solidFill>
+                <a:latin typeface="G마켓 산스 Medium" panose="02000000000000000000" pitchFamily="50" charset="-127"/>
+                <a:ea typeface="G마켓 산스 Medium" panose="02000000000000000000" pitchFamily="50" charset="-127"/>
+              </a:rPr>
+              <a:t>.</a:t>
+            </a:r>
+            <a:r>
+              <a:rPr lang="ko-KR" altLang="en-US" sz="3600" smtClean="0">
+                <a:solidFill>
+                  <a:srgbClr val="FF0000"/>
+                </a:solidFill>
+                <a:latin typeface="G마켓 산스 Medium" panose="02000000000000000000" pitchFamily="50" charset="-127"/>
+                <a:ea typeface="G마켓 산스 Medium" panose="02000000000000000000" pitchFamily="50" charset="-127"/>
+              </a:rPr>
+              <a:t>즉</a:t>
+            </a:r>
+            <a:r>
+              <a:rPr lang="en-US" altLang="ko-KR" sz="3600" smtClean="0">
+                <a:solidFill>
+                  <a:srgbClr val="FF0000"/>
+                </a:solidFill>
+                <a:latin typeface="G마켓 산스 Medium" panose="02000000000000000000" pitchFamily="50" charset="-127"/>
+                <a:ea typeface="G마켓 산스 Medium" panose="02000000000000000000" pitchFamily="50" charset="-127"/>
+              </a:rPr>
+              <a:t>  ‘3’</a:t>
+            </a:r>
+            <a:r>
+              <a:rPr lang="ko-KR" altLang="en-US" sz="3600" smtClean="0">
+                <a:solidFill>
+                  <a:srgbClr val="FF0000"/>
+                </a:solidFill>
+                <a:latin typeface="G마켓 산스 Medium" panose="02000000000000000000" pitchFamily="50" charset="-127"/>
+                <a:ea typeface="G마켓 산스 Medium" panose="02000000000000000000" pitchFamily="50" charset="-127"/>
+              </a:rPr>
+              <a:t>은 숫자</a:t>
+            </a:r>
+            <a:r>
+              <a:rPr lang="en-US" altLang="ko-KR" sz="3600" smtClean="0">
+                <a:solidFill>
+                  <a:srgbClr val="FF0000"/>
+                </a:solidFill>
+                <a:latin typeface="G마켓 산스 Medium" panose="02000000000000000000" pitchFamily="50" charset="-127"/>
+                <a:ea typeface="G마켓 산스 Medium" panose="02000000000000000000" pitchFamily="50" charset="-127"/>
+              </a:rPr>
+              <a:t>3</a:t>
+            </a:r>
+            <a:r>
+              <a:rPr lang="ko-KR" altLang="en-US" sz="3600" smtClean="0">
+                <a:solidFill>
+                  <a:srgbClr val="FF0000"/>
+                </a:solidFill>
+                <a:latin typeface="G마켓 산스 Medium" panose="02000000000000000000" pitchFamily="50" charset="-127"/>
+                <a:ea typeface="G마켓 산스 Medium" panose="02000000000000000000" pitchFamily="50" charset="-127"/>
+              </a:rPr>
+              <a:t>과 다르다</a:t>
             </a:r>
             <a:r>
               <a:rPr lang="en-US" altLang="ko-KR" sz="3600" smtClean="0">
@@ -13917,7 +14837,7 @@
 </p:sld>
 </file>
 
-<file path=ppt/slides/slide31.xml><?xml version="1.0" encoding="utf-8"?>
+<file path=ppt/slides/slide32.xml><?xml version="1.0" encoding="utf-8"?>
 <p:sld xmlns:a="http://schemas.openxmlformats.org/drawingml/2006/main" xmlns:r="http://schemas.openxmlformats.org/officeDocument/2006/relationships" xmlns:p="http://schemas.openxmlformats.org/presentationml/2006/main">
   <p:cSld>
     <p:spTree>
@@ -13948,8 +14868,8 @@
         </p:nvSpPr>
         <p:spPr>
           <a:xfrm>
-            <a:off x="1447800" y="571500"/>
-            <a:ext cx="12649200" cy="1200329"/>
+            <a:off x="1447800" y="266700"/>
+            <a:ext cx="15925800" cy="1692771"/>
           </a:xfrm>
           <a:prstGeom prst="rect">
             <a:avLst/>
@@ -14034,6 +14954,53 @@
               </a:rPr>
               <a:t>.</a:t>
             </a:r>
+          </a:p>
+          <a:p>
+            <a:r>
+              <a:rPr lang="en-US" altLang="ko-KR" sz="3200" smtClean="0">
+                <a:solidFill>
+                  <a:schemeClr val="bg1">
+                    <a:lumMod val="50000"/>
+                  </a:schemeClr>
+                </a:solidFill>
+                <a:latin typeface="G마켓 산스 Medium" panose="02000000000000000000" pitchFamily="50" charset="-127"/>
+                <a:ea typeface="G마켓 산스 Medium" panose="02000000000000000000" pitchFamily="50" charset="-127"/>
+              </a:rPr>
+              <a:t>- </a:t>
+            </a:r>
+            <a:r>
+              <a:rPr lang="ko-KR" altLang="en-US" sz="3200" smtClean="0">
+                <a:solidFill>
+                  <a:schemeClr val="bg1">
+                    <a:lumMod val="50000"/>
+                  </a:schemeClr>
+                </a:solidFill>
+                <a:latin typeface="G마켓 산스 Medium" panose="02000000000000000000" pitchFamily="50" charset="-127"/>
+                <a:ea typeface="G마켓 산스 Medium" panose="02000000000000000000" pitchFamily="50" charset="-127"/>
+              </a:rPr>
+              <a:t>문자는 컴퓨터에서 내부적으로 아스키코드표를 이용해 숫자로 관리된다</a:t>
+            </a:r>
+            <a:r>
+              <a:rPr lang="en-US" altLang="ko-KR" sz="3200" smtClean="0">
+                <a:solidFill>
+                  <a:schemeClr val="bg1">
+                    <a:lumMod val="50000"/>
+                  </a:schemeClr>
+                </a:solidFill>
+                <a:latin typeface="G마켓 산스 Medium" panose="02000000000000000000" pitchFamily="50" charset="-127"/>
+                <a:ea typeface="G마켓 산스 Medium" panose="02000000000000000000" pitchFamily="50" charset="-127"/>
+              </a:rPr>
+              <a:t>.</a:t>
+            </a:r>
+            <a:endParaRPr lang="en-US" altLang="ko-KR" sz="3200" smtClean="0">
+              <a:solidFill>
+                <a:schemeClr val="bg1">
+                  <a:lumMod val="50000"/>
+                </a:schemeClr>
+              </a:solidFill>
+              <a:latin typeface="G마켓 산스 Medium" panose="02000000000000000000" pitchFamily="50" charset="-127"/>
+              <a:ea typeface="G마켓 산스 Medium" panose="02000000000000000000" pitchFamily="50" charset="-127"/>
+            </a:endParaRPr>
           </a:p>
         </p:txBody>
       </p:sp>
@@ -14053,7 +15020,7 @@
         </p:blipFill>
         <p:spPr>
           <a:xfrm>
-            <a:off x="1447799" y="6210300"/>
+            <a:off x="1450145" y="7890486"/>
             <a:ext cx="4403533" cy="2129814"/>
           </a:xfrm>
           <a:prstGeom prst="rect">
@@ -14077,7 +15044,7 @@
         </p:blipFill>
         <p:spPr>
           <a:xfrm>
-            <a:off x="6057900" y="6210300"/>
+            <a:off x="6060246" y="7890486"/>
             <a:ext cx="3429000" cy="2129814"/>
           </a:xfrm>
           <a:prstGeom prst="rect">
@@ -14101,8 +15068,8 @@
         </p:blipFill>
         <p:spPr>
           <a:xfrm>
-            <a:off x="1447800" y="1866900"/>
-            <a:ext cx="13455982" cy="4114800"/>
+            <a:off x="1447800" y="2552700"/>
+            <a:ext cx="16446200" cy="5029200"/>
           </a:xfrm>
           <a:prstGeom prst="rect">
             <a:avLst/>
@@ -14111,34 +15078,21 @@
       </p:pic>
       <p:pic>
         <p:nvPicPr>
-          <p:cNvPr id="10" name="그림 9"/>
+          <p:cNvPr id="11" name="그림 10"/>
           <p:cNvPicPr>
             <a:picLocks noChangeAspect="1"/>
           </p:cNvPicPr>
           <p:nvPr/>
         </p:nvPicPr>
-        <p:blipFill>
-          <a:blip r:embed="rId5">
-            <a:extLst>
-              <a:ext uri="{BEBA8EAE-BF5A-486C-A8C5-ECC9F3942E4B}">
-                <a14:imgProps xmlns:a14="http://schemas.microsoft.com/office/drawing/2010/main">
-                  <a14:imgLayer r:embed="rId6">
-                    <a14:imgEffect>
-                      <a14:artisticBlur/>
-                    </a14:imgEffect>
-                  </a14:imgLayer>
-                </a14:imgProps>
-              </a:ext>
-            </a:extLst>
-          </a:blip>
-          <a:stretch>
-            <a:fillRect/>
-          </a:stretch>
+        <p:blipFill rotWithShape="1">
+          <a:blip r:embed="rId5"/>
+          <a:srcRect l="25947" t="84848" r="50424" b="6061"/>
+          <a:stretch/>
         </p:blipFill>
         <p:spPr>
           <a:xfrm>
-            <a:off x="1453661" y="1866900"/>
-            <a:ext cx="13455982" cy="4114800"/>
+            <a:off x="5715000" y="6819900"/>
+            <a:ext cx="3886200" cy="457200"/>
           </a:xfrm>
           <a:prstGeom prst="rect">
             <a:avLst/>
@@ -14189,7 +15143,7 @@
                                           </p:stCondLst>
                                         </p:cTn>
                                         <p:tgtEl>
-                                          <p:spTgt spid="10"/>
+                                          <p:spTgt spid="11"/>
                                         </p:tgtEl>
                                         <p:attrNameLst>
                                           <p:attrName>style.visibility</p:attrName>
@@ -14233,7 +15187,7 @@
 </p:sld>
 </file>
 
-<file path=ppt/slides/slide32.xml><?xml version="1.0" encoding="utf-8"?>
+<file path=ppt/slides/slide33.xml><?xml version="1.0" encoding="utf-8"?>
 <p:sld xmlns:a="http://schemas.openxmlformats.org/drawingml/2006/main" xmlns:r="http://schemas.openxmlformats.org/officeDocument/2006/relationships" xmlns:p="http://schemas.openxmlformats.org/presentationml/2006/main">
   <p:cSld>
     <p:spTree>
@@ -14264,8 +15218,8 @@
         </p:nvSpPr>
         <p:spPr>
           <a:xfrm>
-            <a:off x="1528689" y="419100"/>
-            <a:ext cx="12021240" cy="1754326"/>
+            <a:off x="1528688" y="419100"/>
+            <a:ext cx="14930511" cy="2800767"/>
           </a:xfrm>
           <a:prstGeom prst="rect">
             <a:avLst/>
@@ -14273,7 +15227,7 @@
           <a:noFill/>
         </p:spPr>
         <p:txBody>
-          <a:bodyPr wrap="none" rtlCol="0">
+          <a:bodyPr wrap="square" rtlCol="0">
             <a:spAutoFit/>
           </a:bodyPr>
           <a:lstStyle/>
@@ -14354,11 +15308,77 @@
                 <a:latin typeface="G마켓 산스 Medium" panose="02000000000000000000" pitchFamily="50" charset="-127"/>
                 <a:ea typeface="G마켓 산스 Medium" panose="02000000000000000000" pitchFamily="50" charset="-127"/>
               </a:rPr>
-              <a:t>계산하는 프로그램을 만드시오</a:t>
-            </a:r>
-            <a:endParaRPr lang="ko-KR" altLang="en-US" sz="2800" dirty="0">
+              <a:t>계산하는 프로그램을 </a:t>
+            </a:r>
+            <a:r>
+              <a:rPr lang="ko-KR" altLang="en-US" sz="3600" smtClean="0">
+                <a:solidFill>
+                  <a:srgbClr val="4C50BC"/>
+                </a:solidFill>
+                <a:latin typeface="G마켓 산스 Medium" panose="02000000000000000000" pitchFamily="50" charset="-127"/>
+                <a:ea typeface="G마켓 산스 Medium" panose="02000000000000000000" pitchFamily="50" charset="-127"/>
+              </a:rPr>
+              <a:t>만드시오</a:t>
+            </a:r>
+            <a:endParaRPr lang="en-US" altLang="ko-KR" sz="3600" smtClean="0">
               <a:solidFill>
                 <a:srgbClr val="4C50BC"/>
+              </a:solidFill>
+              <a:latin typeface="G마켓 산스 Medium" panose="02000000000000000000" pitchFamily="50" charset="-127"/>
+              <a:ea typeface="G마켓 산스 Medium" panose="02000000000000000000" pitchFamily="50" charset="-127"/>
+            </a:endParaRPr>
+          </a:p>
+          <a:p>
+            <a:endParaRPr lang="en-US" altLang="ko-KR" sz="3600" smtClean="0">
+              <a:solidFill>
+                <a:srgbClr val="4C50BC"/>
+              </a:solidFill>
+              <a:latin typeface="G마켓 산스 Medium" panose="02000000000000000000" pitchFamily="50" charset="-127"/>
+              <a:ea typeface="G마켓 산스 Medium" panose="02000000000000000000" pitchFamily="50" charset="-127"/>
+            </a:endParaRPr>
+          </a:p>
+          <a:p>
+            <a:r>
+              <a:rPr lang="en-US" altLang="ko-KR" sz="3200" smtClean="0">
+                <a:solidFill>
+                  <a:schemeClr val="bg1">
+                    <a:lumMod val="50000"/>
+                  </a:schemeClr>
+                </a:solidFill>
+                <a:latin typeface="G마켓 산스 Medium" panose="02000000000000000000" pitchFamily="50" charset="-127"/>
+                <a:ea typeface="G마켓 산스 Medium" panose="02000000000000000000" pitchFamily="50" charset="-127"/>
+              </a:rPr>
+              <a:t>- people , carPassengers</a:t>
+            </a:r>
+            <a:r>
+              <a:rPr lang="ko-KR" altLang="en-US" sz="3200" smtClean="0">
+                <a:solidFill>
+                  <a:schemeClr val="bg1">
+                    <a:lumMod val="50000"/>
+                  </a:schemeClr>
+                </a:solidFill>
+                <a:latin typeface="G마켓 산스 Medium" panose="02000000000000000000" pitchFamily="50" charset="-127"/>
+                <a:ea typeface="G마켓 산스 Medium" panose="02000000000000000000" pitchFamily="50" charset="-127"/>
+              </a:rPr>
+              <a:t>의 수가 바뀌어도 작동이 되어야 한다</a:t>
+            </a:r>
+            <a:r>
+              <a:rPr lang="en-US" altLang="ko-KR" sz="3200" smtClean="0">
+                <a:solidFill>
+                  <a:schemeClr val="bg1">
+                    <a:lumMod val="50000"/>
+                  </a:schemeClr>
+                </a:solidFill>
+                <a:latin typeface="G마켓 산스 Medium" panose="02000000000000000000" pitchFamily="50" charset="-127"/>
+                <a:ea typeface="G마켓 산스 Medium" panose="02000000000000000000" pitchFamily="50" charset="-127"/>
+              </a:rPr>
+              <a:t>.</a:t>
+            </a:r>
+            <a:endParaRPr lang="ko-KR" altLang="en-US" sz="2400" dirty="0">
+              <a:solidFill>
+                <a:schemeClr val="bg1">
+                  <a:lumMod val="50000"/>
+                </a:schemeClr>
               </a:solidFill>
               <a:latin typeface="G마켓 산스 Medium" panose="02000000000000000000" pitchFamily="50" charset="-127"/>
               <a:ea typeface="G마켓 산스 Medium" panose="02000000000000000000" pitchFamily="50" charset="-127"/>
@@ -14382,7 +15402,7 @@
         </p:blipFill>
         <p:spPr>
           <a:xfrm>
-            <a:off x="1528689" y="2476500"/>
+            <a:off x="1528689" y="4152900"/>
             <a:ext cx="14235546" cy="2514600"/>
           </a:xfrm>
           <a:prstGeom prst="rect">
@@ -14406,7 +15426,7 @@
         </p:blipFill>
         <p:spPr>
           <a:xfrm>
-            <a:off x="6705600" y="4152900"/>
+            <a:off x="6705600" y="5829300"/>
             <a:ext cx="8382000" cy="664234"/>
           </a:xfrm>
           <a:prstGeom prst="rect">
@@ -14502,7 +15522,7 @@
 </p:sld>
 </file>
 
-<file path=ppt/slides/slide33.xml><?xml version="1.0" encoding="utf-8"?>
+<file path=ppt/slides/slide34.xml><?xml version="1.0" encoding="utf-8"?>
 <p:sld xmlns:a="http://schemas.openxmlformats.org/drawingml/2006/main" xmlns:r="http://schemas.openxmlformats.org/officeDocument/2006/relationships" xmlns:p="http://schemas.openxmlformats.org/presentationml/2006/main">
   <p:cSld>
     <p:bg>
@@ -14829,7 +15849,7 @@
 </p:sld>
 </file>
 
-<file path=ppt/slides/slide34.xml><?xml version="1.0" encoding="utf-8"?>
+<file path=ppt/slides/slide35.xml><?xml version="1.0" encoding="utf-8"?>
 <p:sld xmlns:a="http://schemas.openxmlformats.org/drawingml/2006/main" xmlns:r="http://schemas.openxmlformats.org/officeDocument/2006/relationships" xmlns:p="http://schemas.openxmlformats.org/presentationml/2006/main">
   <p:cSld>
     <p:spTree>
@@ -14860,8 +15880,8 @@
         </p:nvSpPr>
         <p:spPr>
           <a:xfrm>
-            <a:off x="4343400" y="2857500"/>
-            <a:ext cx="10287000" cy="4708981"/>
+            <a:off x="2895600" y="1409700"/>
+            <a:ext cx="13487400" cy="7478970"/>
           </a:xfrm>
           <a:prstGeom prst="rect">
             <a:avLst/>
@@ -14875,6 +15895,16 @@
           <a:lstStyle/>
           <a:p>
             <a:r>
+              <a:rPr lang="ko-KR" altLang="en-US" sz="6000" smtClean="0">
+                <a:solidFill>
+                  <a:srgbClr val="4C50BC"/>
+                </a:solidFill>
+                <a:latin typeface="G마켓 산스 Medium" panose="02000000000000000000" pitchFamily="50" charset="-127"/>
+                <a:ea typeface="G마켓 산스 Medium" panose="02000000000000000000" pitchFamily="50" charset="-127"/>
+              </a:rPr>
+              <a:t>사칙연산</a:t>
+            </a:r>
+            <a:r>
               <a:rPr lang="en-US" altLang="ko-KR" sz="6000" smtClean="0">
                 <a:solidFill>
                   <a:srgbClr val="4C50BC"/>
@@ -14882,10 +15912,29 @@
                 <a:latin typeface="G마켓 산스 Medium" panose="02000000000000000000" pitchFamily="50" charset="-127"/>
                 <a:ea typeface="G마켓 산스 Medium" panose="02000000000000000000" pitchFamily="50" charset="-127"/>
               </a:rPr>
-              <a:t>X+3*y</a:t>
-            </a:r>
-          </a:p>
-          <a:p>
+              <a:t>: X+3*y</a:t>
+            </a:r>
+          </a:p>
+          <a:p>
+            <a:endParaRPr lang="en-US" altLang="ko-KR" sz="6000" smtClean="0">
+              <a:solidFill>
+                <a:srgbClr val="4C50BC"/>
+              </a:solidFill>
+              <a:latin typeface="G마켓 산스 Medium" panose="02000000000000000000" pitchFamily="50" charset="-127"/>
+              <a:ea typeface="G마켓 산스 Medium" panose="02000000000000000000" pitchFamily="50" charset="-127"/>
+            </a:endParaRPr>
+          </a:p>
+          <a:p>
+            <a:r>
+              <a:rPr lang="ko-KR" altLang="en-US" sz="6000" smtClean="0">
+                <a:solidFill>
+                  <a:srgbClr val="4C50BC"/>
+                </a:solidFill>
+                <a:latin typeface="G마켓 산스 Medium" panose="02000000000000000000" pitchFamily="50" charset="-127"/>
+                <a:ea typeface="G마켓 산스 Medium" panose="02000000000000000000" pitchFamily="50" charset="-127"/>
+              </a:rPr>
+              <a:t>비교연산자</a:t>
+            </a:r>
             <a:r>
               <a:rPr lang="en-US" altLang="ko-KR" sz="6000" smtClean="0">
                 <a:solidFill>
@@ -14894,10 +15943,8 @@
                 <a:latin typeface="G마켓 산스 Medium" panose="02000000000000000000" pitchFamily="50" charset="-127"/>
                 <a:ea typeface="G마켓 산스 Medium" panose="02000000000000000000" pitchFamily="50" charset="-127"/>
               </a:rPr>
-              <a:t>X+3 &gt; y-2</a:t>
-            </a:r>
-          </a:p>
-          <a:p>
+              <a:t>: X+3 </a:t>
+            </a:r>
             <a:r>
               <a:rPr lang="en-US" altLang="ko-KR" sz="6000" smtClean="0">
                 <a:solidFill>
@@ -14906,10 +15953,8 @@
                 <a:latin typeface="G마켓 산스 Medium" panose="02000000000000000000" pitchFamily="50" charset="-127"/>
                 <a:ea typeface="G마켓 산스 Medium" panose="02000000000000000000" pitchFamily="50" charset="-127"/>
               </a:rPr>
-              <a:t>X&gt;3 &amp;&amp; x&lt;5</a:t>
-            </a:r>
-          </a:p>
-          <a:p>
+              <a:t>&gt; </a:t>
+            </a:r>
             <a:r>
               <a:rPr lang="en-US" altLang="ko-KR" sz="6000" smtClean="0">
                 <a:solidFill>
@@ -14918,7 +15963,119 @@
                 <a:latin typeface="G마켓 산스 Medium" panose="02000000000000000000" pitchFamily="50" charset="-127"/>
                 <a:ea typeface="G마켓 산스 Medium" panose="02000000000000000000" pitchFamily="50" charset="-127"/>
               </a:rPr>
-              <a:t>true || true &amp;&amp; false</a:t>
+              <a:t>y-2</a:t>
+            </a:r>
+          </a:p>
+          <a:p>
+            <a:endParaRPr lang="en-US" altLang="ko-KR" sz="6000" smtClean="0">
+              <a:solidFill>
+                <a:srgbClr val="4C50BC"/>
+              </a:solidFill>
+              <a:latin typeface="G마켓 산스 Medium" panose="02000000000000000000" pitchFamily="50" charset="-127"/>
+              <a:ea typeface="G마켓 산스 Medium" panose="02000000000000000000" pitchFamily="50" charset="-127"/>
+            </a:endParaRPr>
+          </a:p>
+          <a:p>
+            <a:r>
+              <a:rPr lang="ko-KR" altLang="en-US" sz="6000" smtClean="0">
+                <a:solidFill>
+                  <a:srgbClr val="4C50BC"/>
+                </a:solidFill>
+                <a:latin typeface="G마켓 산스 Medium" panose="02000000000000000000" pitchFamily="50" charset="-127"/>
+                <a:ea typeface="G마켓 산스 Medium" panose="02000000000000000000" pitchFamily="50" charset="-127"/>
+              </a:rPr>
+              <a:t>논리연산자</a:t>
+            </a:r>
+            <a:r>
+              <a:rPr lang="en-US" altLang="ko-KR" sz="6000" smtClean="0">
+                <a:solidFill>
+                  <a:srgbClr val="4C50BC"/>
+                </a:solidFill>
+                <a:latin typeface="G마켓 산스 Medium" panose="02000000000000000000" pitchFamily="50" charset="-127"/>
+                <a:ea typeface="G마켓 산스 Medium" panose="02000000000000000000" pitchFamily="50" charset="-127"/>
+              </a:rPr>
+              <a:t>: </a:t>
+            </a:r>
+            <a:r>
+              <a:rPr lang="en-US" altLang="ko-KR" sz="6000" smtClean="0">
+                <a:solidFill>
+                  <a:srgbClr val="4C50BC"/>
+                </a:solidFill>
+                <a:latin typeface="G마켓 산스 Medium" panose="02000000000000000000" pitchFamily="50" charset="-127"/>
+                <a:ea typeface="G마켓 산스 Medium" panose="02000000000000000000" pitchFamily="50" charset="-127"/>
+              </a:rPr>
+              <a:t>X&gt;3 </a:t>
+            </a:r>
+            <a:r>
+              <a:rPr lang="en-US" altLang="ko-KR" sz="6000" smtClean="0">
+                <a:solidFill>
+                  <a:srgbClr val="4C50BC"/>
+                </a:solidFill>
+                <a:latin typeface="G마켓 산스 Medium" panose="02000000000000000000" pitchFamily="50" charset="-127"/>
+                <a:ea typeface="G마켓 산스 Medium" panose="02000000000000000000" pitchFamily="50" charset="-127"/>
+              </a:rPr>
+              <a:t>&amp;&amp; </a:t>
+            </a:r>
+            <a:r>
+              <a:rPr lang="en-US" altLang="ko-KR" sz="6000" smtClean="0">
+                <a:solidFill>
+                  <a:srgbClr val="4C50BC"/>
+                </a:solidFill>
+                <a:latin typeface="G마켓 산스 Medium" panose="02000000000000000000" pitchFamily="50" charset="-127"/>
+                <a:ea typeface="G마켓 산스 Medium" panose="02000000000000000000" pitchFamily="50" charset="-127"/>
+              </a:rPr>
+              <a:t>x&lt;5</a:t>
+            </a:r>
+          </a:p>
+          <a:p>
+            <a:endParaRPr lang="en-US" altLang="ko-KR" sz="6000" smtClean="0">
+              <a:solidFill>
+                <a:srgbClr val="4C50BC"/>
+              </a:solidFill>
+              <a:latin typeface="G마켓 산스 Medium" panose="02000000000000000000" pitchFamily="50" charset="-127"/>
+              <a:ea typeface="G마켓 산스 Medium" panose="02000000000000000000" pitchFamily="50" charset="-127"/>
+            </a:endParaRPr>
+          </a:p>
+          <a:p>
+            <a:r>
+              <a:rPr lang="ko-KR" altLang="en-US" sz="6000" smtClean="0">
+                <a:solidFill>
+                  <a:srgbClr val="4C50BC"/>
+                </a:solidFill>
+                <a:latin typeface="G마켓 산스 Medium" panose="02000000000000000000" pitchFamily="50" charset="-127"/>
+                <a:ea typeface="G마켓 산스 Medium" panose="02000000000000000000" pitchFamily="50" charset="-127"/>
+              </a:rPr>
+              <a:t>논리연산자</a:t>
+            </a:r>
+            <a:r>
+              <a:rPr lang="en-US" altLang="ko-KR" sz="6000" smtClean="0">
+                <a:solidFill>
+                  <a:srgbClr val="4C50BC"/>
+                </a:solidFill>
+                <a:latin typeface="G마켓 산스 Medium" panose="02000000000000000000" pitchFamily="50" charset="-127"/>
+                <a:ea typeface="G마켓 산스 Medium" panose="02000000000000000000" pitchFamily="50" charset="-127"/>
+              </a:rPr>
+              <a:t>:</a:t>
+            </a:r>
+            <a:r>
+              <a:rPr lang="en-US" altLang="ko-KR" sz="6000" smtClean="0">
+                <a:solidFill>
+                  <a:srgbClr val="4C50BC"/>
+                </a:solidFill>
+                <a:latin typeface="G마켓 산스 Medium" panose="02000000000000000000" pitchFamily="50" charset="-127"/>
+                <a:ea typeface="G마켓 산스 Medium" panose="02000000000000000000" pitchFamily="50" charset="-127"/>
+              </a:rPr>
+              <a:t>true </a:t>
+            </a:r>
+            <a:r>
+              <a:rPr lang="en-US" altLang="ko-KR" sz="6000" smtClean="0">
+                <a:solidFill>
+                  <a:srgbClr val="4C50BC"/>
+                </a:solidFill>
+                <a:latin typeface="G마켓 산스 Medium" panose="02000000000000000000" pitchFamily="50" charset="-127"/>
+                <a:ea typeface="G마켓 산스 Medium" panose="02000000000000000000" pitchFamily="50" charset="-127"/>
+              </a:rPr>
+              <a:t>|| true &amp;&amp; false</a:t>
             </a:r>
           </a:p>
           <a:p>
@@ -14952,7 +16109,7 @@
 </p:sld>
 </file>
 
-<file path=ppt/slides/slide35.xml><?xml version="1.0" encoding="utf-8"?>
+<file path=ppt/slides/slide36.xml><?xml version="1.0" encoding="utf-8"?>
 <p:sld xmlns:a="http://schemas.openxmlformats.org/drawingml/2006/main" xmlns:r="http://schemas.openxmlformats.org/officeDocument/2006/relationships" xmlns:p="http://schemas.openxmlformats.org/presentationml/2006/main">
   <p:cSld>
     <p:bg>
@@ -15279,7 +16436,7 @@
 </p:sld>
 </file>
 
-<file path=ppt/slides/slide36.xml><?xml version="1.0" encoding="utf-8"?>
+<file path=ppt/slides/slide37.xml><?xml version="1.0" encoding="utf-8"?>
 <p:sld xmlns:a="http://schemas.openxmlformats.org/drawingml/2006/main" xmlns:r="http://schemas.openxmlformats.org/officeDocument/2006/relationships" xmlns:p="http://schemas.openxmlformats.org/presentationml/2006/main">
   <p:cSld>
     <p:spTree>
@@ -15369,7 +16526,7 @@
         <p:spPr>
           <a:xfrm>
             <a:off x="1143000" y="1104900"/>
-            <a:ext cx="17145000" cy="646331"/>
+            <a:ext cx="17145000" cy="1200329"/>
           </a:xfrm>
           <a:prstGeom prst="rect">
             <a:avLst/>
@@ -15382,24 +16539,23 @@
           </a:bodyPr>
           <a:lstStyle/>
           <a:p>
+            <a:pPr marL="742950" indent="-742950">
+              <a:buAutoNum type="arabicPeriod"/>
+            </a:pPr>
             <a:r>
               <a:rPr lang="en-US" altLang="ko-KR" sz="3600" smtClean="0">
                 <a:solidFill>
-                  <a:schemeClr val="bg1">
-                    <a:lumMod val="50000"/>
-                  </a:schemeClr>
-                </a:solidFill>
-                <a:latin typeface="G마켓 산스 Medium" panose="02000000000000000000" pitchFamily="50" charset="-127"/>
-                <a:ea typeface="G마켓 산스 Medium" panose="02000000000000000000" pitchFamily="50" charset="-127"/>
-              </a:rPr>
-              <a:t>1. Int</a:t>
+                  <a:srgbClr val="4C50BB"/>
+                </a:solidFill>
+                <a:latin typeface="G마켓 산스 Medium" panose="02000000000000000000" pitchFamily="50" charset="-127"/>
+                <a:ea typeface="G마켓 산스 Medium" panose="02000000000000000000" pitchFamily="50" charset="-127"/>
+              </a:rPr>
+              <a:t>Int</a:t>
             </a:r>
             <a:r>
               <a:rPr lang="ko-KR" altLang="en-US" sz="3600" smtClean="0">
                 <a:solidFill>
-                  <a:schemeClr val="bg1">
-                    <a:lumMod val="50000"/>
-                  </a:schemeClr>
+                  <a:srgbClr val="4C50BB"/>
                 </a:solidFill>
                 <a:latin typeface="G마켓 산스 Medium" panose="02000000000000000000" pitchFamily="50" charset="-127"/>
                 <a:ea typeface="G마켓 산스 Medium" panose="02000000000000000000" pitchFamily="50" charset="-127"/>
@@ -15409,9 +16565,7 @@
             <a:r>
               <a:rPr lang="en-US" altLang="ko-KR" sz="3600" smtClean="0">
                 <a:solidFill>
-                  <a:schemeClr val="bg1">
-                    <a:lumMod val="50000"/>
-                  </a:schemeClr>
+                  <a:srgbClr val="4C50BB"/>
                 </a:solidFill>
                 <a:latin typeface="G마켓 산스 Medium" panose="02000000000000000000" pitchFamily="50" charset="-127"/>
                 <a:ea typeface="G마켓 산스 Medium" panose="02000000000000000000" pitchFamily="50" charset="-127"/>
@@ -15421,9 +16575,7 @@
             <a:r>
               <a:rPr lang="ko-KR" altLang="en-US" sz="3600" smtClean="0">
                 <a:solidFill>
-                  <a:schemeClr val="bg1">
-                    <a:lumMod val="50000"/>
-                  </a:schemeClr>
+                  <a:srgbClr val="4C50BB"/>
                 </a:solidFill>
                 <a:latin typeface="G마켓 산스 Medium" panose="02000000000000000000" pitchFamily="50" charset="-127"/>
                 <a:ea typeface="G마켓 산스 Medium" panose="02000000000000000000" pitchFamily="50" charset="-127"/>
@@ -15433,9 +16585,7 @@
             <a:r>
               <a:rPr lang="en-US" altLang="ko-KR" sz="3600" smtClean="0">
                 <a:solidFill>
-                  <a:schemeClr val="bg1">
-                    <a:lumMod val="50000"/>
-                  </a:schemeClr>
+                  <a:srgbClr val="4C50BB"/>
                 </a:solidFill>
                 <a:latin typeface="G마켓 산스 Medium" panose="02000000000000000000" pitchFamily="50" charset="-127"/>
                 <a:ea typeface="G마켓 산스 Medium" panose="02000000000000000000" pitchFamily="50" charset="-127"/>
@@ -15445,20 +16595,135 @@
             <a:r>
               <a:rPr lang="ko-KR" altLang="en-US" sz="3600" smtClean="0">
                 <a:solidFill>
-                  <a:schemeClr val="bg1">
-                    <a:lumMod val="50000"/>
-                  </a:schemeClr>
-                </a:solidFill>
-                <a:latin typeface="G마켓 산스 Medium" panose="02000000000000000000" pitchFamily="50" charset="-127"/>
-                <a:ea typeface="G마켓 산스 Medium" panose="02000000000000000000" pitchFamily="50" charset="-127"/>
-              </a:rPr>
-              <a:t>이상의 숫자를 저장후 백의자리 이하는 버리고 출력하시오</a:t>
+                  <a:srgbClr val="4C50BB"/>
+                </a:solidFill>
+                <a:latin typeface="G마켓 산스 Medium" panose="02000000000000000000" pitchFamily="50" charset="-127"/>
+                <a:ea typeface="G마켓 산스 Medium" panose="02000000000000000000" pitchFamily="50" charset="-127"/>
+              </a:rPr>
+              <a:t>이상의 </a:t>
+            </a:r>
+            <a:r>
+              <a:rPr lang="ko-KR" altLang="en-US" sz="3600" smtClean="0">
+                <a:solidFill>
+                  <a:srgbClr val="4C50BB"/>
+                </a:solidFill>
+                <a:latin typeface="G마켓 산스 Medium" panose="02000000000000000000" pitchFamily="50" charset="-127"/>
+                <a:ea typeface="G마켓 산스 Medium" panose="02000000000000000000" pitchFamily="50" charset="-127"/>
+              </a:rPr>
+              <a:t>숫자를 저장후 백의자리 이하는 버리고 </a:t>
+            </a:r>
+            <a:r>
+              <a:rPr lang="ko-KR" altLang="en-US" sz="3600" smtClean="0">
+                <a:solidFill>
+                  <a:srgbClr val="4C50BB"/>
+                </a:solidFill>
+                <a:latin typeface="G마켓 산스 Medium" panose="02000000000000000000" pitchFamily="50" charset="-127"/>
+                <a:ea typeface="G마켓 산스 Medium" panose="02000000000000000000" pitchFamily="50" charset="-127"/>
+              </a:rPr>
+              <a:t>출력하시오</a:t>
             </a:r>
             <a:endParaRPr lang="en-US" altLang="ko-KR" sz="3600" smtClean="0">
               <a:solidFill>
-                <a:schemeClr val="bg1">
-                  <a:lumMod val="50000"/>
-                </a:schemeClr>
+                <a:srgbClr val="4C50BB"/>
+              </a:solidFill>
+              <a:latin typeface="G마켓 산스 Medium" panose="02000000000000000000" pitchFamily="50" charset="-127"/>
+              <a:ea typeface="G마켓 산스 Medium" panose="02000000000000000000" pitchFamily="50" charset="-127"/>
+            </a:endParaRPr>
+          </a:p>
+          <a:p>
+            <a:r>
+              <a:rPr lang="en-US" altLang="ko-KR" sz="3600">
+                <a:solidFill>
+                  <a:srgbClr val="FF0000"/>
+                </a:solidFill>
+                <a:latin typeface="G마켓 산스 Medium" panose="02000000000000000000" pitchFamily="50" charset="-127"/>
+                <a:ea typeface="G마켓 산스 Medium" panose="02000000000000000000" pitchFamily="50" charset="-127"/>
+              </a:rPr>
+              <a:t>*</a:t>
+            </a:r>
+            <a:r>
+              <a:rPr lang="ko-KR" altLang="en-US" sz="3600" smtClean="0">
+                <a:solidFill>
+                  <a:srgbClr val="FF0000"/>
+                </a:solidFill>
+                <a:latin typeface="G마켓 산스 Medium" panose="02000000000000000000" pitchFamily="50" charset="-127"/>
+                <a:ea typeface="G마켓 산스 Medium" panose="02000000000000000000" pitchFamily="50" charset="-127"/>
+              </a:rPr>
+              <a:t>숫자를 </a:t>
+            </a:r>
+            <a:r>
+              <a:rPr lang="en-US" altLang="ko-KR" sz="3600" smtClean="0">
+                <a:solidFill>
+                  <a:srgbClr val="FF0000"/>
+                </a:solidFill>
+                <a:latin typeface="G마켓 산스 Medium" panose="02000000000000000000" pitchFamily="50" charset="-127"/>
+                <a:ea typeface="G마켓 산스 Medium" panose="02000000000000000000" pitchFamily="50" charset="-127"/>
+              </a:rPr>
+              <a:t>100</a:t>
+            </a:r>
+            <a:r>
+              <a:rPr lang="ko-KR" altLang="en-US" sz="3600" smtClean="0">
+                <a:solidFill>
+                  <a:srgbClr val="FF0000"/>
+                </a:solidFill>
+                <a:latin typeface="G마켓 산스 Medium" panose="02000000000000000000" pitchFamily="50" charset="-127"/>
+                <a:ea typeface="G마켓 산스 Medium" panose="02000000000000000000" pitchFamily="50" charset="-127"/>
+              </a:rPr>
+              <a:t>으로 나누면 </a:t>
+            </a:r>
+            <a:r>
+              <a:rPr lang="en-US" altLang="ko-KR" sz="3600" smtClean="0">
+                <a:solidFill>
+                  <a:srgbClr val="FF0000"/>
+                </a:solidFill>
+                <a:latin typeface="G마켓 산스 Medium" panose="02000000000000000000" pitchFamily="50" charset="-127"/>
+                <a:ea typeface="G마켓 산스 Medium" panose="02000000000000000000" pitchFamily="50" charset="-127"/>
+              </a:rPr>
+              <a:t>1</a:t>
+            </a:r>
+            <a:r>
+              <a:rPr lang="ko-KR" altLang="en-US" sz="3600" smtClean="0">
+                <a:solidFill>
+                  <a:srgbClr val="FF0000"/>
+                </a:solidFill>
+                <a:latin typeface="G마켓 산스 Medium" panose="02000000000000000000" pitchFamily="50" charset="-127"/>
+                <a:ea typeface="G마켓 산스 Medium" panose="02000000000000000000" pitchFamily="50" charset="-127"/>
+              </a:rPr>
+              <a:t>의자리와 </a:t>
+            </a:r>
+            <a:r>
+              <a:rPr lang="en-US" altLang="ko-KR" sz="3600" smtClean="0">
+                <a:solidFill>
+                  <a:srgbClr val="FF0000"/>
+                </a:solidFill>
+                <a:latin typeface="G마켓 산스 Medium" panose="02000000000000000000" pitchFamily="50" charset="-127"/>
+                <a:ea typeface="G마켓 산스 Medium" panose="02000000000000000000" pitchFamily="50" charset="-127"/>
+              </a:rPr>
+              <a:t>10</a:t>
+            </a:r>
+            <a:r>
+              <a:rPr lang="ko-KR" altLang="en-US" sz="3600" smtClean="0">
+                <a:solidFill>
+                  <a:srgbClr val="FF0000"/>
+                </a:solidFill>
+                <a:latin typeface="G마켓 산스 Medium" panose="02000000000000000000" pitchFamily="50" charset="-127"/>
+                <a:ea typeface="G마켓 산스 Medium" panose="02000000000000000000" pitchFamily="50" charset="-127"/>
+              </a:rPr>
+              <a:t>의 자리가 없어진다</a:t>
+            </a:r>
+            <a:r>
+              <a:rPr lang="en-US" altLang="ko-KR" sz="3600" smtClean="0">
+                <a:solidFill>
+                  <a:srgbClr val="FF0000"/>
+                </a:solidFill>
+                <a:latin typeface="G마켓 산스 Medium" panose="02000000000000000000" pitchFamily="50" charset="-127"/>
+                <a:ea typeface="G마켓 산스 Medium" panose="02000000000000000000" pitchFamily="50" charset="-127"/>
+              </a:rPr>
+              <a:t>.</a:t>
+            </a:r>
+            <a:endParaRPr lang="en-US" altLang="ko-KR" sz="3600" smtClean="0">
+              <a:solidFill>
+                <a:srgbClr val="FF0000"/>
               </a:solidFill>
               <a:latin typeface="G마켓 산스 Medium" panose="02000000000000000000" pitchFamily="50" charset="-127"/>
               <a:ea typeface="G마켓 산스 Medium" panose="02000000000000000000" pitchFamily="50" charset="-127"/>
@@ -15482,7 +16747,7 @@
         </p:blipFill>
         <p:spPr>
           <a:xfrm>
-            <a:off x="1197342" y="2476500"/>
+            <a:off x="1197342" y="2484175"/>
             <a:ext cx="7870458" cy="2583125"/>
           </a:xfrm>
           <a:prstGeom prst="rect">
@@ -15506,7 +16771,7 @@
         </p:blipFill>
         <p:spPr>
           <a:xfrm>
-            <a:off x="6400800" y="2724498"/>
+            <a:off x="6400800" y="2732173"/>
             <a:ext cx="2057400" cy="609600"/>
           </a:xfrm>
           <a:prstGeom prst="rect">
@@ -15528,8 +16793,8 @@
         </p:nvSpPr>
         <p:spPr>
           <a:xfrm>
-            <a:off x="1143000" y="5599223"/>
-            <a:ext cx="14935200" cy="646331"/>
+            <a:off x="1143000" y="5600700"/>
+            <a:ext cx="14935200" cy="1631216"/>
           </a:xfrm>
           <a:prstGeom prst="rect">
             <a:avLst/>
@@ -15545,6 +16810,89 @@
             <a:r>
               <a:rPr lang="en-US" altLang="ko-KR" sz="3600" smtClean="0">
                 <a:solidFill>
+                  <a:srgbClr val="4C50BB"/>
+                </a:solidFill>
+                <a:latin typeface="G마켓 산스 Medium" panose="02000000000000000000" pitchFamily="50" charset="-127"/>
+                <a:ea typeface="G마켓 산스 Medium" panose="02000000000000000000" pitchFamily="50" charset="-127"/>
+              </a:rPr>
+              <a:t>2. Int</a:t>
+            </a:r>
+            <a:r>
+              <a:rPr lang="ko-KR" altLang="en-US" sz="3600" smtClean="0">
+                <a:solidFill>
+                  <a:srgbClr val="4C50BB"/>
+                </a:solidFill>
+                <a:latin typeface="G마켓 산스 Medium" panose="02000000000000000000" pitchFamily="50" charset="-127"/>
+                <a:ea typeface="G마켓 산스 Medium" panose="02000000000000000000" pitchFamily="50" charset="-127"/>
+              </a:rPr>
+              <a:t>형 변수 </a:t>
+            </a:r>
+            <a:r>
+              <a:rPr lang="en-US" altLang="ko-KR" sz="3600" smtClean="0">
+                <a:solidFill>
+                  <a:srgbClr val="4C50BB"/>
+                </a:solidFill>
+                <a:latin typeface="G마켓 산스 Medium" panose="02000000000000000000" pitchFamily="50" charset="-127"/>
+                <a:ea typeface="G마켓 산스 Medium" panose="02000000000000000000" pitchFamily="50" charset="-127"/>
+              </a:rPr>
+              <a:t>num</a:t>
+            </a:r>
+            <a:r>
+              <a:rPr lang="ko-KR" altLang="en-US" sz="3600" smtClean="0">
+                <a:solidFill>
+                  <a:srgbClr val="4C50BB"/>
+                </a:solidFill>
+                <a:latin typeface="G마켓 산스 Medium" panose="02000000000000000000" pitchFamily="50" charset="-127"/>
+                <a:ea typeface="G마켓 산스 Medium" panose="02000000000000000000" pitchFamily="50" charset="-127"/>
+              </a:rPr>
+              <a:t>의 숫자가 홀수</a:t>
+            </a:r>
+            <a:r>
+              <a:rPr lang="en-US" altLang="ko-KR" sz="3600" smtClean="0">
+                <a:solidFill>
+                  <a:srgbClr val="4C50BB"/>
+                </a:solidFill>
+                <a:latin typeface="G마켓 산스 Medium" panose="02000000000000000000" pitchFamily="50" charset="-127"/>
+                <a:ea typeface="G마켓 산스 Medium" panose="02000000000000000000" pitchFamily="50" charset="-127"/>
+              </a:rPr>
+              <a:t>, </a:t>
+            </a:r>
+            <a:r>
+              <a:rPr lang="ko-KR" altLang="en-US" sz="3600" smtClean="0">
+                <a:solidFill>
+                  <a:srgbClr val="4C50BB"/>
+                </a:solidFill>
+                <a:latin typeface="G마켓 산스 Medium" panose="02000000000000000000" pitchFamily="50" charset="-127"/>
+                <a:ea typeface="G마켓 산스 Medium" panose="02000000000000000000" pitchFamily="50" charset="-127"/>
+              </a:rPr>
+              <a:t>짝수인지 출력 </a:t>
+            </a:r>
+            <a:r>
+              <a:rPr lang="ko-KR" altLang="en-US" sz="3600" smtClean="0">
+                <a:solidFill>
+                  <a:srgbClr val="4C50BB"/>
+                </a:solidFill>
+                <a:latin typeface="G마켓 산스 Medium" panose="02000000000000000000" pitchFamily="50" charset="-127"/>
+                <a:ea typeface="G마켓 산스 Medium" panose="02000000000000000000" pitchFamily="50" charset="-127"/>
+              </a:rPr>
+              <a:t>하시오</a:t>
+            </a:r>
+            <a:endParaRPr lang="en-US" altLang="ko-KR" sz="3600" smtClean="0">
+              <a:solidFill>
+                <a:srgbClr val="4C50BB"/>
+              </a:solidFill>
+              <a:latin typeface="G마켓 산스 Medium" panose="02000000000000000000" pitchFamily="50" charset="-127"/>
+              <a:ea typeface="G마켓 산스 Medium" panose="02000000000000000000" pitchFamily="50" charset="-127"/>
+            </a:endParaRPr>
+          </a:p>
+          <a:p>
+            <a:pPr marL="571500" indent="-571500">
+              <a:buFontTx/>
+              <a:buChar char="-"/>
+            </a:pPr>
+            <a:r>
+              <a:rPr lang="ko-KR" altLang="en-US" sz="3200" smtClean="0">
+                <a:solidFill>
                   <a:schemeClr val="bg1">
                     <a:lumMod val="50000"/>
                   </a:schemeClr>
@@ -15552,10 +16900,10 @@
                 <a:latin typeface="G마켓 산스 Medium" panose="02000000000000000000" pitchFamily="50" charset="-127"/>
                 <a:ea typeface="G마켓 산스 Medium" panose="02000000000000000000" pitchFamily="50" charset="-127"/>
               </a:rPr>
-              <a:t>2. Int</a:t>
-            </a:r>
-            <a:r>
-              <a:rPr lang="ko-KR" altLang="en-US" sz="3600" smtClean="0">
+              <a:t>짝수 </a:t>
+            </a:r>
+            <a:r>
+              <a:rPr lang="en-US" altLang="ko-KR" sz="3200" smtClean="0">
                 <a:solidFill>
                   <a:schemeClr val="bg1">
                     <a:lumMod val="50000"/>
@@ -15564,10 +16912,16 @@
                 <a:latin typeface="G마켓 산스 Medium" panose="02000000000000000000" pitchFamily="50" charset="-127"/>
                 <a:ea typeface="G마켓 산스 Medium" panose="02000000000000000000" pitchFamily="50" charset="-127"/>
               </a:rPr>
-              <a:t>형 변수 </a:t>
-            </a:r>
-            <a:r>
-              <a:rPr lang="en-US" altLang="ko-KR" sz="3600" smtClean="0">
+              <a:t>: 0, 2, 4, 6, 8 …</a:t>
+            </a:r>
+          </a:p>
+          <a:p>
+            <a:pPr marL="571500" indent="-571500">
+              <a:buFontTx/>
+              <a:buChar char="-"/>
+            </a:pPr>
+            <a:r>
+              <a:rPr lang="ko-KR" altLang="en-US" sz="3200" smtClean="0">
                 <a:solidFill>
                   <a:schemeClr val="bg1">
                     <a:lumMod val="50000"/>
@@ -15576,10 +16930,10 @@
                 <a:latin typeface="G마켓 산스 Medium" panose="02000000000000000000" pitchFamily="50" charset="-127"/>
                 <a:ea typeface="G마켓 산스 Medium" panose="02000000000000000000" pitchFamily="50" charset="-127"/>
               </a:rPr>
-              <a:t>num</a:t>
-            </a:r>
-            <a:r>
-              <a:rPr lang="ko-KR" altLang="en-US" sz="3600" smtClean="0">
+              <a:t>홀수 </a:t>
+            </a:r>
+            <a:r>
+              <a:rPr lang="en-US" altLang="ko-KR" sz="3200" smtClean="0">
                 <a:solidFill>
                   <a:schemeClr val="bg1">
                     <a:lumMod val="50000"/>
@@ -15588,33 +16942,9 @@
                 <a:latin typeface="G마켓 산스 Medium" panose="02000000000000000000" pitchFamily="50" charset="-127"/>
                 <a:ea typeface="G마켓 산스 Medium" panose="02000000000000000000" pitchFamily="50" charset="-127"/>
               </a:rPr>
-              <a:t>의 숫자가 홀수</a:t>
-            </a:r>
-            <a:r>
-              <a:rPr lang="en-US" altLang="ko-KR" sz="3600" smtClean="0">
-                <a:solidFill>
-                  <a:schemeClr val="bg1">
-                    <a:lumMod val="50000"/>
-                  </a:schemeClr>
-                </a:solidFill>
-                <a:latin typeface="G마켓 산스 Medium" panose="02000000000000000000" pitchFamily="50" charset="-127"/>
-                <a:ea typeface="G마켓 산스 Medium" panose="02000000000000000000" pitchFamily="50" charset="-127"/>
-              </a:rPr>
-              <a:t>, </a:t>
-            </a:r>
-            <a:r>
-              <a:rPr lang="ko-KR" altLang="en-US" sz="3600" smtClean="0">
-                <a:solidFill>
-                  <a:schemeClr val="bg1">
-                    <a:lumMod val="50000"/>
-                  </a:schemeClr>
-                </a:solidFill>
-                <a:latin typeface="G마켓 산스 Medium" panose="02000000000000000000" pitchFamily="50" charset="-127"/>
-                <a:ea typeface="G마켓 산스 Medium" panose="02000000000000000000" pitchFamily="50" charset="-127"/>
-              </a:rPr>
-              <a:t>짝수인지 출력 하시오</a:t>
-            </a:r>
-            <a:endParaRPr lang="en-US" altLang="ko-KR" sz="3600" smtClean="0">
+              <a:t>: 1, 3, 5, 7, 9 …</a:t>
+            </a:r>
+            <a:endParaRPr lang="en-US" altLang="ko-KR" sz="3200" smtClean="0">
               <a:solidFill>
                 <a:schemeClr val="bg1">
                   <a:lumMod val="50000"/>
@@ -15642,8 +16972,8 @@
         </p:blipFill>
         <p:spPr>
           <a:xfrm>
-            <a:off x="1220788" y="6418593"/>
-            <a:ext cx="5784064" cy="1526993"/>
+            <a:off x="1180512" y="7231916"/>
+            <a:ext cx="9696151" cy="2559784"/>
           </a:xfrm>
           <a:prstGeom prst="rect">
             <a:avLst/>
@@ -15666,8 +16996,8 @@
         </p:blipFill>
         <p:spPr>
           <a:xfrm>
-            <a:off x="4140955" y="6453176"/>
-            <a:ext cx="2611850" cy="609600"/>
+            <a:off x="6019800" y="7353300"/>
+            <a:ext cx="4382035" cy="1022757"/>
           </a:xfrm>
           <a:prstGeom prst="rect">
             <a:avLst/>
@@ -15807,7 +17137,7 @@
 </p:sld>
 </file>
 
-<file path=ppt/slides/slide37.xml><?xml version="1.0" encoding="utf-8"?>
+<file path=ppt/slides/slide38.xml><?xml version="1.0" encoding="utf-8"?>
 <p:sld xmlns:a="http://schemas.openxmlformats.org/drawingml/2006/main" xmlns:r="http://schemas.openxmlformats.org/officeDocument/2006/relationships" xmlns:p="http://schemas.openxmlformats.org/presentationml/2006/main">
   <p:cSld>
     <p:spTree>
@@ -15839,7 +17169,7 @@
         <p:spPr>
           <a:xfrm>
             <a:off x="838200" y="419100"/>
-            <a:ext cx="16383000" cy="1631216"/>
+            <a:ext cx="16383000" cy="1200329"/>
           </a:xfrm>
           <a:prstGeom prst="rect">
             <a:avLst/>
@@ -15855,6 +17185,45 @@
             <a:r>
               <a:rPr lang="en-US" altLang="ko-KR" sz="3600">
                 <a:solidFill>
+                  <a:srgbClr val="4C50BB"/>
+                </a:solidFill>
+                <a:latin typeface="G마켓 산스 Medium" panose="02000000000000000000" pitchFamily="50" charset="-127"/>
+                <a:ea typeface="G마켓 산스 Medium" panose="02000000000000000000" pitchFamily="50" charset="-127"/>
+              </a:rPr>
+              <a:t>3</a:t>
+            </a:r>
+            <a:r>
+              <a:rPr lang="en-US" altLang="ko-KR" sz="3600" smtClean="0">
+                <a:solidFill>
+                  <a:srgbClr val="4C50BB"/>
+                </a:solidFill>
+                <a:latin typeface="G마켓 산스 Medium" panose="02000000000000000000" pitchFamily="50" charset="-127"/>
+                <a:ea typeface="G마켓 산스 Medium" panose="02000000000000000000" pitchFamily="50" charset="-127"/>
+              </a:rPr>
+              <a:t>. </a:t>
+            </a:r>
+            <a:r>
+              <a:rPr lang="ko-KR" altLang="en-US" sz="3600" smtClean="0">
+                <a:solidFill>
+                  <a:srgbClr val="4C50BB"/>
+                </a:solidFill>
+                <a:latin typeface="G마켓 산스 Medium" panose="02000000000000000000" pitchFamily="50" charset="-127"/>
+                <a:ea typeface="G마켓 산스 Medium" panose="02000000000000000000" pitchFamily="50" charset="-127"/>
+              </a:rPr>
+              <a:t>키보드로 부터 영문자를 입력 받아 대문자를 </a:t>
+            </a:r>
+            <a:endParaRPr lang="en-US" altLang="ko-KR" sz="3600" smtClean="0">
+              <a:solidFill>
+                <a:srgbClr val="4C50BB"/>
+              </a:solidFill>
+              <a:latin typeface="G마켓 산스 Medium" panose="02000000000000000000" pitchFamily="50" charset="-127"/>
+              <a:ea typeface="G마켓 산스 Medium" panose="02000000000000000000" pitchFamily="50" charset="-127"/>
+            </a:endParaRPr>
+          </a:p>
+          <a:p>
+            <a:r>
+              <a:rPr lang="ko-KR" altLang="en-US" sz="3600">
+                <a:solidFill>
                   <a:schemeClr val="bg1">
                     <a:lumMod val="50000"/>
                   </a:schemeClr>
@@ -15862,10 +17231,10 @@
                 <a:latin typeface="G마켓 산스 Medium" panose="02000000000000000000" pitchFamily="50" charset="-127"/>
                 <a:ea typeface="G마켓 산스 Medium" panose="02000000000000000000" pitchFamily="50" charset="-127"/>
               </a:rPr>
-              <a:t>3</a:t>
-            </a:r>
-            <a:r>
-              <a:rPr lang="en-US" altLang="ko-KR" sz="3600" smtClean="0">
+              <a:t>소</a:t>
+            </a:r>
+            <a:r>
+              <a:rPr lang="ko-KR" altLang="en-US" sz="3600" smtClean="0">
                 <a:solidFill>
                   <a:schemeClr val="bg1">
                     <a:lumMod val="50000"/>
@@ -15874,10 +17243,10 @@
                 <a:latin typeface="G마켓 산스 Medium" panose="02000000000000000000" pitchFamily="50" charset="-127"/>
                 <a:ea typeface="G마켓 산스 Medium" panose="02000000000000000000" pitchFamily="50" charset="-127"/>
               </a:rPr>
-              <a:t>. </a:t>
-            </a:r>
-            <a:r>
-              <a:rPr lang="ko-KR" altLang="en-US" sz="3600" smtClean="0">
+              <a:t>문자로 변경하여 출력하시오 </a:t>
+            </a:r>
+            <a:r>
+              <a:rPr lang="en-US" altLang="ko-KR" sz="3600" smtClean="0">
                 <a:solidFill>
                   <a:schemeClr val="bg1">
                     <a:lumMod val="50000"/>
@@ -15886,7 +17255,31 @@
                 <a:latin typeface="G마켓 산스 Medium" panose="02000000000000000000" pitchFamily="50" charset="-127"/>
                 <a:ea typeface="G마켓 산스 Medium" panose="02000000000000000000" pitchFamily="50" charset="-127"/>
               </a:rPr>
-              <a:t>키보드로 부터 영문자를 입력 받아 대문자를 </a:t>
+              <a:t>(</a:t>
+            </a:r>
+            <a:r>
+              <a:rPr lang="ko-KR" altLang="en-US" sz="3600" smtClean="0">
+                <a:solidFill>
+                  <a:schemeClr val="bg1">
+                    <a:lumMod val="50000"/>
+                  </a:schemeClr>
+                </a:solidFill>
+                <a:latin typeface="G마켓 산스 Medium" panose="02000000000000000000" pitchFamily="50" charset="-127"/>
+                <a:ea typeface="G마켓 산스 Medium" panose="02000000000000000000" pitchFamily="50" charset="-127"/>
+              </a:rPr>
+              <a:t>소문자를 입력하면 그대로 소문자가 나온다</a:t>
+            </a:r>
+            <a:r>
+              <a:rPr lang="en-US" altLang="ko-KR" sz="3600" smtClean="0">
+                <a:solidFill>
+                  <a:schemeClr val="bg1">
+                    <a:lumMod val="50000"/>
+                  </a:schemeClr>
+                </a:solidFill>
+                <a:latin typeface="G마켓 산스 Medium" panose="02000000000000000000" pitchFamily="50" charset="-127"/>
+                <a:ea typeface="G마켓 산스 Medium" panose="02000000000000000000" pitchFamily="50" charset="-127"/>
+              </a:rPr>
+              <a:t>.)</a:t>
             </a:r>
             <a:endParaRPr lang="en-US" altLang="ko-KR" sz="3600" smtClean="0">
               <a:solidFill>
@@ -15897,100 +17290,6 @@
               <a:latin typeface="G마켓 산스 Medium" panose="02000000000000000000" pitchFamily="50" charset="-127"/>
               <a:ea typeface="G마켓 산스 Medium" panose="02000000000000000000" pitchFamily="50" charset="-127"/>
             </a:endParaRPr>
-          </a:p>
-          <a:p>
-            <a:r>
-              <a:rPr lang="ko-KR" altLang="en-US" sz="3600">
-                <a:solidFill>
-                  <a:schemeClr val="bg1">
-                    <a:lumMod val="50000"/>
-                  </a:schemeClr>
-                </a:solidFill>
-                <a:latin typeface="G마켓 산스 Medium" panose="02000000000000000000" pitchFamily="50" charset="-127"/>
-                <a:ea typeface="G마켓 산스 Medium" panose="02000000000000000000" pitchFamily="50" charset="-127"/>
-              </a:rPr>
-              <a:t>소</a:t>
-            </a:r>
-            <a:r>
-              <a:rPr lang="ko-KR" altLang="en-US" sz="3600" smtClean="0">
-                <a:solidFill>
-                  <a:schemeClr val="bg1">
-                    <a:lumMod val="50000"/>
-                  </a:schemeClr>
-                </a:solidFill>
-                <a:latin typeface="G마켓 산스 Medium" panose="02000000000000000000" pitchFamily="50" charset="-127"/>
-                <a:ea typeface="G마켓 산스 Medium" panose="02000000000000000000" pitchFamily="50" charset="-127"/>
-              </a:rPr>
-              <a:t>문자로 변경하여 출력하시오 </a:t>
-            </a:r>
-            <a:r>
-              <a:rPr lang="en-US" altLang="ko-KR" sz="3600" smtClean="0">
-                <a:solidFill>
-                  <a:schemeClr val="bg1">
-                    <a:lumMod val="50000"/>
-                  </a:schemeClr>
-                </a:solidFill>
-                <a:latin typeface="G마켓 산스 Medium" panose="02000000000000000000" pitchFamily="50" charset="-127"/>
-                <a:ea typeface="G마켓 산스 Medium" panose="02000000000000000000" pitchFamily="50" charset="-127"/>
-              </a:rPr>
-              <a:t>(</a:t>
-            </a:r>
-            <a:r>
-              <a:rPr lang="ko-KR" altLang="en-US" sz="3600" smtClean="0">
-                <a:solidFill>
-                  <a:schemeClr val="bg1">
-                    <a:lumMod val="50000"/>
-                  </a:schemeClr>
-                </a:solidFill>
-                <a:latin typeface="G마켓 산스 Medium" panose="02000000000000000000" pitchFamily="50" charset="-127"/>
-                <a:ea typeface="G마켓 산스 Medium" panose="02000000000000000000" pitchFamily="50" charset="-127"/>
-              </a:rPr>
-              <a:t>소문자를 입력하면 그대로 소문자가 나온다</a:t>
-            </a:r>
-            <a:r>
-              <a:rPr lang="en-US" altLang="ko-KR" sz="3600" smtClean="0">
-                <a:solidFill>
-                  <a:schemeClr val="bg1">
-                    <a:lumMod val="50000"/>
-                  </a:schemeClr>
-                </a:solidFill>
-                <a:latin typeface="G마켓 산스 Medium" panose="02000000000000000000" pitchFamily="50" charset="-127"/>
-                <a:ea typeface="G마켓 산스 Medium" panose="02000000000000000000" pitchFamily="50" charset="-127"/>
-              </a:rPr>
-              <a:t>.)</a:t>
-            </a:r>
-          </a:p>
-          <a:p>
-            <a:r>
-              <a:rPr lang="en-US" altLang="ko-KR" sz="2800" smtClean="0">
-                <a:solidFill>
-                  <a:srgbClr val="FF0000"/>
-                </a:solidFill>
-                <a:latin typeface="G마켓 산스 Medium" panose="02000000000000000000" pitchFamily="50" charset="-127"/>
-                <a:ea typeface="G마켓 산스 Medium" panose="02000000000000000000" pitchFamily="50" charset="-127"/>
-              </a:rPr>
-              <a:t>(</a:t>
-            </a:r>
-            <a:r>
-              <a:rPr lang="ko-KR" altLang="en-US" sz="2800" smtClean="0">
-                <a:solidFill>
-                  <a:srgbClr val="FF0000"/>
-                </a:solidFill>
-                <a:latin typeface="G마켓 산스 Medium" panose="02000000000000000000" pitchFamily="50" charset="-127"/>
-                <a:ea typeface="G마켓 산스 Medium" panose="02000000000000000000" pitchFamily="50" charset="-127"/>
-              </a:rPr>
-              <a:t>유니코드표를 참조하지 않아도 되는방법도 생각해볼것</a:t>
-            </a:r>
-            <a:r>
-              <a:rPr lang="en-US" altLang="ko-KR" sz="2800" smtClean="0">
-                <a:solidFill>
-                  <a:srgbClr val="FF0000"/>
-                </a:solidFill>
-                <a:latin typeface="G마켓 산스 Medium" panose="02000000000000000000" pitchFamily="50" charset="-127"/>
-                <a:ea typeface="G마켓 산스 Medium" panose="02000000000000000000" pitchFamily="50" charset="-127"/>
-              </a:rPr>
-              <a:t>)</a:t>
-            </a:r>
           </a:p>
         </p:txBody>
       </p:sp>
@@ -16073,9 +17372,7 @@
             <a:r>
               <a:rPr lang="en-US" altLang="ko-KR" sz="3600" smtClean="0">
                 <a:solidFill>
-                  <a:schemeClr val="bg1">
-                    <a:lumMod val="50000"/>
-                  </a:schemeClr>
+                  <a:srgbClr val="4C50BB"/>
                 </a:solidFill>
                 <a:latin typeface="G마켓 산스 Medium" panose="02000000000000000000" pitchFamily="50" charset="-127"/>
                 <a:ea typeface="G마켓 산스 Medium" panose="02000000000000000000" pitchFamily="50" charset="-127"/>
@@ -16085,9 +17382,7 @@
             <a:r>
               <a:rPr lang="ko-KR" altLang="en-US" sz="3600" smtClean="0">
                 <a:solidFill>
-                  <a:schemeClr val="bg1">
-                    <a:lumMod val="50000"/>
-                  </a:schemeClr>
+                  <a:srgbClr val="4C50BB"/>
                 </a:solidFill>
                 <a:latin typeface="G마켓 산스 Medium" panose="02000000000000000000" pitchFamily="50" charset="-127"/>
                 <a:ea typeface="G마켓 산스 Medium" panose="02000000000000000000" pitchFamily="50" charset="-127"/>
@@ -16097,9 +17392,7 @@
             <a:r>
               <a:rPr lang="en-US" altLang="ko-KR" sz="3600" smtClean="0">
                 <a:solidFill>
-                  <a:schemeClr val="bg1">
-                    <a:lumMod val="50000"/>
-                  </a:schemeClr>
+                  <a:srgbClr val="4C50BB"/>
                 </a:solidFill>
                 <a:latin typeface="G마켓 산스 Medium" panose="02000000000000000000" pitchFamily="50" charset="-127"/>
                 <a:ea typeface="G마켓 산스 Medium" panose="02000000000000000000" pitchFamily="50" charset="-127"/>
@@ -16109,9 +17402,7 @@
             <a:r>
               <a:rPr lang="ko-KR" altLang="en-US" sz="3600" smtClean="0">
                 <a:solidFill>
-                  <a:schemeClr val="bg1">
-                    <a:lumMod val="50000"/>
-                  </a:schemeClr>
+                  <a:srgbClr val="4C50BB"/>
                 </a:solidFill>
                 <a:latin typeface="G마켓 산스 Medium" panose="02000000000000000000" pitchFamily="50" charset="-127"/>
                 <a:ea typeface="G마켓 산스 Medium" panose="02000000000000000000" pitchFamily="50" charset="-127"/>
@@ -16121,9 +17412,7 @@
             <a:r>
               <a:rPr lang="en-US" altLang="ko-KR" sz="3600" smtClean="0">
                 <a:solidFill>
-                  <a:schemeClr val="bg1">
-                    <a:lumMod val="50000"/>
-                  </a:schemeClr>
+                  <a:srgbClr val="4C50BB"/>
                 </a:solidFill>
                 <a:latin typeface="G마켓 산스 Medium" panose="02000000000000000000" pitchFamily="50" charset="-127"/>
                 <a:ea typeface="G마켓 산스 Medium" panose="02000000000000000000" pitchFamily="50" charset="-127"/>
@@ -16133,9 +17422,7 @@
             <a:r>
               <a:rPr lang="ko-KR" altLang="en-US" sz="3600" smtClean="0">
                 <a:solidFill>
-                  <a:schemeClr val="bg1">
-                    <a:lumMod val="50000"/>
-                  </a:schemeClr>
+                  <a:srgbClr val="4C50BB"/>
                 </a:solidFill>
                 <a:latin typeface="G마켓 산스 Medium" panose="02000000000000000000" pitchFamily="50" charset="-127"/>
                 <a:ea typeface="G마켓 산스 Medium" panose="02000000000000000000" pitchFamily="50" charset="-127"/>
@@ -16145,9 +17432,7 @@
             <a:r>
               <a:rPr lang="en-US" altLang="ko-KR" sz="3600" smtClean="0">
                 <a:solidFill>
-                  <a:schemeClr val="bg1">
-                    <a:lumMod val="50000"/>
-                  </a:schemeClr>
+                  <a:srgbClr val="4C50BB"/>
                 </a:solidFill>
                 <a:latin typeface="G마켓 산스 Medium" panose="02000000000000000000" pitchFamily="50" charset="-127"/>
                 <a:ea typeface="G마켓 산스 Medium" panose="02000000000000000000" pitchFamily="50" charset="-127"/>
@@ -16520,7 +17805,7 @@
 </p:sld>
 </file>
 
-<file path=ppt/slides/slide38.xml><?xml version="1.0" encoding="utf-8"?>
+<file path=ppt/slides/slide39.xml><?xml version="1.0" encoding="utf-8"?>
 <p:sld xmlns:a="http://schemas.openxmlformats.org/drawingml/2006/main" xmlns:r="http://schemas.openxmlformats.org/officeDocument/2006/relationships" xmlns:p="http://schemas.openxmlformats.org/presentationml/2006/main">
   <p:cSld name="Slide 20">
     <p:bg>
@@ -17821,7 +19106,7 @@
           <p:nvPr>
             <p:extLst>
               <p:ext uri="{D42A27DB-BD31-4B8C-83A1-F6EECF244321}">
-                <p14:modId xmlns:p14="http://schemas.microsoft.com/office/powerpoint/2010/main" val="1329311117"/>
+                <p14:modId xmlns:p14="http://schemas.microsoft.com/office/powerpoint/2010/main" val="1946579390"/>
               </p:ext>
             </p:extLst>
           </p:nvPr>
@@ -19251,7 +20536,7 @@
                             </a:schemeClr>
                           </a:solidFill>
                         </a:rPr>
-                        <a:t>?:</a:t>
+                        <a:t> ?  :</a:t>
                       </a:r>
                       <a:endParaRPr lang="ko-KR" altLang="en-US" sz="2000">
                         <a:solidFill>

--- a/JavaLecture/LectureFile/java 2강 연산자.pptx
+++ b/JavaLecture/LectureFile/java 2강 연산자.pptx
@@ -49,7 +49,7 @@
     <p:sldId id="275" r:id="rId40"/>
   </p:sldIdLst>
   <p:sldSz cx="18288000" cy="10287000"/>
-  <p:notesSz cx="10287000" cy="18288000"/>
+  <p:notesSz cx="7104063" cy="10234613"/>
   <p:defaultTextStyle>
     <a:defPPr>
       <a:defRPr lang="en-US"/>
@@ -198,18 +198,18 @@
         </p:nvSpPr>
         <p:spPr>
           <a:xfrm>
-            <a:off x="0" y="0"/>
-            <a:ext cx="4457700" cy="917575"/>
+            <a:off x="0" y="1"/>
+            <a:ext cx="3078427" cy="513507"/>
           </a:xfrm>
           <a:prstGeom prst="rect">
             <a:avLst/>
           </a:prstGeom>
         </p:spPr>
         <p:txBody>
-          <a:bodyPr vert="horz" lIns="91440" tIns="45720" rIns="91440" bIns="45720" rtlCol="0"/>
+          <a:bodyPr vert="horz" lIns="55477" tIns="27738" rIns="55477" bIns="27738" rtlCol="0"/>
           <a:lstStyle>
             <a:lvl1pPr algn="l">
-              <a:defRPr sz="1200"/>
+              <a:defRPr sz="700"/>
             </a:lvl1pPr>
           </a:lstStyle>
           <a:p>
@@ -229,18 +229,18 @@
         </p:nvSpPr>
         <p:spPr>
           <a:xfrm>
-            <a:off x="5827713" y="0"/>
-            <a:ext cx="4457700" cy="917575"/>
+            <a:off x="4024540" y="1"/>
+            <a:ext cx="3078427" cy="513507"/>
           </a:xfrm>
           <a:prstGeom prst="rect">
             <a:avLst/>
           </a:prstGeom>
         </p:spPr>
         <p:txBody>
-          <a:bodyPr vert="horz" lIns="91440" tIns="45720" rIns="91440" bIns="45720" rtlCol="0"/>
+          <a:bodyPr vert="horz" lIns="55477" tIns="27738" rIns="55477" bIns="27738" rtlCol="0"/>
           <a:lstStyle>
             <a:lvl1pPr algn="r">
-              <a:defRPr sz="1200"/>
+              <a:defRPr sz="700"/>
             </a:lvl1pPr>
           </a:lstStyle>
           <a:p>
@@ -264,8 +264,8 @@
         </p:nvSpPr>
         <p:spPr>
           <a:xfrm>
-            <a:off x="-342900" y="2286000"/>
-            <a:ext cx="10972800" cy="6172200"/>
+            <a:off x="481013" y="1279525"/>
+            <a:ext cx="6142037" cy="3454400"/>
           </a:xfrm>
           <a:prstGeom prst="rect">
             <a:avLst/>
@@ -278,7 +278,7 @@
           </a:ln>
         </p:spPr>
         <p:txBody>
-          <a:bodyPr vert="horz" lIns="91440" tIns="45720" rIns="91440" bIns="45720" rtlCol="0" anchor="ctr"/>
+          <a:bodyPr vert="horz" lIns="55477" tIns="27738" rIns="55477" bIns="27738" rtlCol="0" anchor="ctr"/>
           <a:lstStyle/>
           <a:p>
             <a:endParaRPr lang="ko-KR" altLang="en-US"/>
@@ -297,15 +297,15 @@
         </p:nvSpPr>
         <p:spPr>
           <a:xfrm>
-            <a:off x="1028700" y="8801100"/>
-            <a:ext cx="8229600" cy="7200900"/>
+            <a:off x="710407" y="4925407"/>
+            <a:ext cx="5683250" cy="4029879"/>
           </a:xfrm>
           <a:prstGeom prst="rect">
             <a:avLst/>
           </a:prstGeom>
         </p:spPr>
         <p:txBody>
-          <a:bodyPr vert="horz" lIns="91440" tIns="45720" rIns="91440" bIns="45720" rtlCol="0"/>
+          <a:bodyPr vert="horz" lIns="55477" tIns="27738" rIns="55477" bIns="27738" rtlCol="0"/>
           <a:lstStyle/>
           <a:p>
             <a:pPr lvl="0"/>
@@ -356,18 +356,18 @@
         </p:nvSpPr>
         <p:spPr>
           <a:xfrm>
-            <a:off x="0" y="17372013"/>
-            <a:ext cx="4457700" cy="915987"/>
+            <a:off x="0" y="9721994"/>
+            <a:ext cx="3078427" cy="512619"/>
           </a:xfrm>
           <a:prstGeom prst="rect">
             <a:avLst/>
           </a:prstGeom>
         </p:spPr>
         <p:txBody>
-          <a:bodyPr vert="horz" lIns="91440" tIns="45720" rIns="91440" bIns="45720" rtlCol="0" anchor="b"/>
+          <a:bodyPr vert="horz" lIns="55477" tIns="27738" rIns="55477" bIns="27738" rtlCol="0" anchor="b"/>
           <a:lstStyle>
             <a:lvl1pPr algn="l">
-              <a:defRPr sz="1200"/>
+              <a:defRPr sz="700"/>
             </a:lvl1pPr>
           </a:lstStyle>
           <a:p>
@@ -387,18 +387,18 @@
         </p:nvSpPr>
         <p:spPr>
           <a:xfrm>
-            <a:off x="5827713" y="17372013"/>
-            <a:ext cx="4457700" cy="915987"/>
+            <a:off x="4024540" y="9721994"/>
+            <a:ext cx="3078427" cy="512619"/>
           </a:xfrm>
           <a:prstGeom prst="rect">
             <a:avLst/>
           </a:prstGeom>
         </p:spPr>
         <p:txBody>
-          <a:bodyPr vert="horz" lIns="91440" tIns="45720" rIns="91440" bIns="45720" rtlCol="0" anchor="b"/>
+          <a:bodyPr vert="horz" lIns="55477" tIns="27738" rIns="55477" bIns="27738" rtlCol="0" anchor="b"/>
           <a:lstStyle>
             <a:lvl1pPr algn="r">
-              <a:defRPr sz="1200"/>
+              <a:defRPr sz="700"/>
             </a:lvl1pPr>
           </a:lstStyle>
           <a:p>
@@ -3962,7 +3962,7 @@
           <p:cNvPr id="2" name="TextBox 1">
             <a:extLst>
               <a:ext uri="{FF2B5EF4-FFF2-40B4-BE49-F238E27FC236}">
-                <a16:creationId xmlns:a16="http://schemas.microsoft.com/office/drawing/2014/main" xmlns="" id="{E9A453A8-9968-67AB-7B4A-83EEB4662AA6}"/>
+                <a16:creationId xmlns:a16="http://schemas.microsoft.com/office/drawing/2014/main" id="{E9A453A8-9968-67AB-7B4A-83EEB4662AA6}"/>
               </a:ext>
             </a:extLst>
           </p:cNvPr>
@@ -4010,7 +4010,7 @@
           <p:cNvPr id="4" name="TextBox 3">
             <a:extLst>
               <a:ext uri="{FF2B5EF4-FFF2-40B4-BE49-F238E27FC236}">
-                <a16:creationId xmlns:a16="http://schemas.microsoft.com/office/drawing/2014/main" xmlns="" id="{F4B7A35A-8AAC-4622-64BC-CAD1472D4115}"/>
+                <a16:creationId xmlns:a16="http://schemas.microsoft.com/office/drawing/2014/main" id="{F4B7A35A-8AAC-4622-64BC-CAD1472D4115}"/>
               </a:ext>
             </a:extLst>
           </p:cNvPr>
@@ -4082,7 +4082,7 @@
           <p:cNvPr id="7" name="TextBox 6">
             <a:extLst>
               <a:ext uri="{FF2B5EF4-FFF2-40B4-BE49-F238E27FC236}">
-                <a16:creationId xmlns:a16="http://schemas.microsoft.com/office/drawing/2014/main" xmlns="" id="{3ACE900A-D779-4343-6623-8588B376F0A1}"/>
+                <a16:creationId xmlns:a16="http://schemas.microsoft.com/office/drawing/2014/main" id="{3ACE900A-D779-4343-6623-8588B376F0A1}"/>
               </a:ext>
             </a:extLst>
           </p:cNvPr>
@@ -4121,6 +4121,13 @@
   <p:clrMapOvr>
     <a:masterClrMapping/>
   </p:clrMapOvr>
+  <p:timing>
+    <p:tnLst>
+      <p:par>
+        <p:cTn id="1" dur="indefinite" restart="never" nodeType="tmRoot"/>
+      </p:par>
+    </p:tnLst>
+  </p:timing>
 </p:sld>
 </file>
 
@@ -4146,7 +4153,7 @@
           <p:cNvPr id="4" name="TextBox 3">
             <a:extLst>
               <a:ext uri="{FF2B5EF4-FFF2-40B4-BE49-F238E27FC236}">
-                <a16:creationId xmlns="" xmlns:a16="http://schemas.microsoft.com/office/drawing/2014/main" id="{5ADC00B6-990A-40DC-3CEA-505258F5E8DA}"/>
+                <a16:creationId xmlns:a16="http://schemas.microsoft.com/office/drawing/2014/main" id="{5ADC00B6-990A-40DC-3CEA-505258F5E8DA}"/>
               </a:ext>
             </a:extLst>
           </p:cNvPr>
@@ -4155,8 +4162,8 @@
         </p:nvSpPr>
         <p:spPr>
           <a:xfrm>
-            <a:off x="1737800" y="3501598"/>
-            <a:ext cx="5029200" cy="3785652"/>
+            <a:off x="1447800" y="3501598"/>
+            <a:ext cx="6644200" cy="3785652"/>
           </a:xfrm>
           <a:prstGeom prst="rect">
             <a:avLst/>
@@ -4235,7 +4242,7 @@
           <p:cNvPr id="6" name="TextBox 5">
             <a:extLst>
               <a:ext uri="{FF2B5EF4-FFF2-40B4-BE49-F238E27FC236}">
-                <a16:creationId xmlns="" xmlns:a16="http://schemas.microsoft.com/office/drawing/2014/main" id="{5ADC00B6-990A-40DC-3CEA-505258F5E8DA}"/>
+                <a16:creationId xmlns:a16="http://schemas.microsoft.com/office/drawing/2014/main" id="{5ADC00B6-990A-40DC-3CEA-505258F5E8DA}"/>
               </a:ext>
             </a:extLst>
           </p:cNvPr>
@@ -4244,8 +4251,8 @@
         </p:nvSpPr>
         <p:spPr>
           <a:xfrm>
-            <a:off x="6639951" y="3467100"/>
-            <a:ext cx="5029200" cy="830997"/>
+            <a:off x="6639950" y="3467100"/>
+            <a:ext cx="7761849" cy="830997"/>
           </a:xfrm>
           <a:prstGeom prst="rect">
             <a:avLst/>
@@ -4276,7 +4283,7 @@
           <p:cNvPr id="7" name="TextBox 6">
             <a:extLst>
               <a:ext uri="{FF2B5EF4-FFF2-40B4-BE49-F238E27FC236}">
-                <a16:creationId xmlns="" xmlns:a16="http://schemas.microsoft.com/office/drawing/2014/main" id="{5ADC00B6-990A-40DC-3CEA-505258F5E8DA}"/>
+                <a16:creationId xmlns:a16="http://schemas.microsoft.com/office/drawing/2014/main" id="{5ADC00B6-990A-40DC-3CEA-505258F5E8DA}"/>
               </a:ext>
             </a:extLst>
           </p:cNvPr>
@@ -4286,7 +4293,7 @@
         <p:spPr>
           <a:xfrm>
             <a:off x="6629400" y="4152900"/>
-            <a:ext cx="5029200" cy="830997"/>
+            <a:ext cx="8534400" cy="830997"/>
           </a:xfrm>
           <a:prstGeom prst="rect">
             <a:avLst/>
@@ -4317,7 +4324,7 @@
           <p:cNvPr id="8" name="TextBox 7">
             <a:extLst>
               <a:ext uri="{FF2B5EF4-FFF2-40B4-BE49-F238E27FC236}">
-                <a16:creationId xmlns="" xmlns:a16="http://schemas.microsoft.com/office/drawing/2014/main" id="{5ADC00B6-990A-40DC-3CEA-505258F5E8DA}"/>
+                <a16:creationId xmlns:a16="http://schemas.microsoft.com/office/drawing/2014/main" id="{5ADC00B6-990A-40DC-3CEA-505258F5E8DA}"/>
               </a:ext>
             </a:extLst>
           </p:cNvPr>
@@ -4327,7 +4334,7 @@
         <p:spPr>
           <a:xfrm>
             <a:off x="6629400" y="4998303"/>
-            <a:ext cx="6629400" cy="830997"/>
+            <a:ext cx="9677400" cy="830997"/>
           </a:xfrm>
           <a:prstGeom prst="rect">
             <a:avLst/>
@@ -4358,7 +4365,7 @@
           <p:cNvPr id="9" name="TextBox 8">
             <a:extLst>
               <a:ext uri="{FF2B5EF4-FFF2-40B4-BE49-F238E27FC236}">
-                <a16:creationId xmlns="" xmlns:a16="http://schemas.microsoft.com/office/drawing/2014/main" id="{5ADC00B6-990A-40DC-3CEA-505258F5E8DA}"/>
+                <a16:creationId xmlns:a16="http://schemas.microsoft.com/office/drawing/2014/main" id="{5ADC00B6-990A-40DC-3CEA-505258F5E8DA}"/>
               </a:ext>
             </a:extLst>
           </p:cNvPr>
@@ -4399,7 +4406,7 @@
           <p:cNvPr id="10" name="TextBox 9">
             <a:extLst>
               <a:ext uri="{FF2B5EF4-FFF2-40B4-BE49-F238E27FC236}">
-                <a16:creationId xmlns="" xmlns:a16="http://schemas.microsoft.com/office/drawing/2014/main" id="{5ADC00B6-990A-40DC-3CEA-505258F5E8DA}"/>
+                <a16:creationId xmlns:a16="http://schemas.microsoft.com/office/drawing/2014/main" id="{5ADC00B6-990A-40DC-3CEA-505258F5E8DA}"/>
               </a:ext>
             </a:extLst>
           </p:cNvPr>
@@ -4440,7 +4447,7 @@
           <p:cNvPr id="11" name="TextBox 10">
             <a:extLst>
               <a:ext uri="{FF2B5EF4-FFF2-40B4-BE49-F238E27FC236}">
-                <a16:creationId xmlns="" xmlns:a16="http://schemas.microsoft.com/office/drawing/2014/main" id="{5ADC00B6-990A-40DC-3CEA-505258F5E8DA}"/>
+                <a16:creationId xmlns:a16="http://schemas.microsoft.com/office/drawing/2014/main" id="{5ADC00B6-990A-40DC-3CEA-505258F5E8DA}"/>
               </a:ext>
             </a:extLst>
           </p:cNvPr>
@@ -4449,8 +4456,8 @@
         </p:nvSpPr>
         <p:spPr>
           <a:xfrm>
-            <a:off x="10477500" y="5852548"/>
-            <a:ext cx="7810500" cy="1200329"/>
+            <a:off x="11277600" y="5922138"/>
+            <a:ext cx="9410700" cy="1200329"/>
           </a:xfrm>
           <a:prstGeom prst="rect">
             <a:avLst/>
@@ -4501,7 +4508,7 @@
                 <a:latin typeface="G마켓 산스 Medium" panose="02000000000000000000" pitchFamily="50" charset="-127"/>
                 <a:ea typeface="G마켓 산스 Medium" panose="02000000000000000000" pitchFamily="50" charset="-127"/>
               </a:rPr>
-              <a:t>로 변환되어 </a:t>
+              <a:t>로 </a:t>
             </a:r>
             <a:endParaRPr lang="en-US" altLang="ko-KR" sz="3600" smtClean="0">
               <a:solidFill>
@@ -4520,7 +4527,17 @@
                 <a:latin typeface="G마켓 산스 Medium" panose="02000000000000000000" pitchFamily="50" charset="-127"/>
                 <a:ea typeface="G마켓 산스 Medium" panose="02000000000000000000" pitchFamily="50" charset="-127"/>
               </a:rPr>
-              <a:t>이항연산자를 수행한다</a:t>
+              <a:t>변환되어 이항연산자를 </a:t>
+            </a:r>
+            <a:r>
+              <a:rPr lang="ko-KR" altLang="en-US" sz="3600" smtClean="0">
+                <a:solidFill>
+                  <a:srgbClr val="FF0000"/>
+                </a:solidFill>
+                <a:latin typeface="G마켓 산스 Medium" panose="02000000000000000000" pitchFamily="50" charset="-127"/>
+                <a:ea typeface="G마켓 산스 Medium" panose="02000000000000000000" pitchFamily="50" charset="-127"/>
+              </a:rPr>
+              <a:t>수행한다</a:t>
             </a:r>
             <a:r>
               <a:rPr lang="en-US" altLang="ko-KR" sz="3600" smtClean="0">
@@ -4547,7 +4564,7 @@
           <p:cNvPr id="12" name="TextBox 11">
             <a:extLst>
               <a:ext uri="{FF2B5EF4-FFF2-40B4-BE49-F238E27FC236}">
-                <a16:creationId xmlns:a16="http://schemas.microsoft.com/office/drawing/2014/main" xmlns="" id="{7229BEA6-121E-9056-D07F-2B3BB1795F76}"/>
+                <a16:creationId xmlns:a16="http://schemas.microsoft.com/office/drawing/2014/main" id="{7229BEA6-121E-9056-D07F-2B3BB1795F76}"/>
               </a:ext>
             </a:extLst>
           </p:cNvPr>
@@ -4595,7 +4612,7 @@
           <p:cNvPr id="13" name="TextBox 12">
             <a:extLst>
               <a:ext uri="{FF2B5EF4-FFF2-40B4-BE49-F238E27FC236}">
-                <a16:creationId xmlns="" xmlns:a16="http://schemas.microsoft.com/office/drawing/2014/main" id="{5ADC00B6-990A-40DC-3CEA-505258F5E8DA}"/>
+                <a16:creationId xmlns:a16="http://schemas.microsoft.com/office/drawing/2014/main" id="{5ADC00B6-990A-40DC-3CEA-505258F5E8DA}"/>
               </a:ext>
             </a:extLst>
           </p:cNvPr>
@@ -4605,7 +4622,7 @@
         <p:spPr>
           <a:xfrm>
             <a:off x="1949764" y="1276540"/>
-            <a:ext cx="16185836" cy="707886"/>
+            <a:ext cx="17252636" cy="707886"/>
           </a:xfrm>
           <a:prstGeom prst="rect">
             <a:avLst/>
@@ -4973,7 +4990,7 @@
           <p:cNvPr id="6" name="TextBox 5">
             <a:extLst>
               <a:ext uri="{FF2B5EF4-FFF2-40B4-BE49-F238E27FC236}">
-                <a16:creationId xmlns="" xmlns:a16="http://schemas.microsoft.com/office/drawing/2014/main" id="{5ADC00B6-990A-40DC-3CEA-505258F5E8DA}"/>
+                <a16:creationId xmlns:a16="http://schemas.microsoft.com/office/drawing/2014/main" id="{5ADC00B6-990A-40DC-3CEA-505258F5E8DA}"/>
               </a:ext>
             </a:extLst>
           </p:cNvPr>
@@ -5184,7 +5201,7 @@
           <p:cNvPr id="4" name="TextBox 3">
             <a:extLst>
               <a:ext uri="{FF2B5EF4-FFF2-40B4-BE49-F238E27FC236}">
-                <a16:creationId xmlns="" xmlns:a16="http://schemas.microsoft.com/office/drawing/2014/main" id="{5ADC00B6-990A-40DC-3CEA-505258F5E8DA}"/>
+                <a16:creationId xmlns:a16="http://schemas.microsoft.com/office/drawing/2014/main" id="{5ADC00B6-990A-40DC-3CEA-505258F5E8DA}"/>
               </a:ext>
             </a:extLst>
           </p:cNvPr>
@@ -5256,7 +5273,7 @@
           <p:cNvPr id="6" name="TextBox 5">
             <a:extLst>
               <a:ext uri="{FF2B5EF4-FFF2-40B4-BE49-F238E27FC236}">
-                <a16:creationId xmlns="" xmlns:a16="http://schemas.microsoft.com/office/drawing/2014/main" id="{5ADC00B6-990A-40DC-3CEA-505258F5E8DA}"/>
+                <a16:creationId xmlns:a16="http://schemas.microsoft.com/office/drawing/2014/main" id="{5ADC00B6-990A-40DC-3CEA-505258F5E8DA}"/>
               </a:ext>
             </a:extLst>
           </p:cNvPr>
@@ -5328,7 +5345,7 @@
           <p:cNvPr id="9" name="TextBox 8">
             <a:extLst>
               <a:ext uri="{FF2B5EF4-FFF2-40B4-BE49-F238E27FC236}">
-                <a16:creationId xmlns="" xmlns:a16="http://schemas.microsoft.com/office/drawing/2014/main" id="{5ADC00B6-990A-40DC-3CEA-505258F5E8DA}"/>
+                <a16:creationId xmlns:a16="http://schemas.microsoft.com/office/drawing/2014/main" id="{5ADC00B6-990A-40DC-3CEA-505258F5E8DA}"/>
               </a:ext>
             </a:extLst>
           </p:cNvPr>
@@ -5447,7 +5464,7 @@
           <p:cNvPr id="5" name="TextBox 4">
             <a:extLst>
               <a:ext uri="{FF2B5EF4-FFF2-40B4-BE49-F238E27FC236}">
-                <a16:creationId xmlns="" xmlns:a16="http://schemas.microsoft.com/office/drawing/2014/main" id="{5ADC00B6-990A-40DC-3CEA-505258F5E8DA}"/>
+                <a16:creationId xmlns:a16="http://schemas.microsoft.com/office/drawing/2014/main" id="{5ADC00B6-990A-40DC-3CEA-505258F5E8DA}"/>
               </a:ext>
             </a:extLst>
           </p:cNvPr>
@@ -5658,7 +5675,7 @@
           <p:cNvPr id="5" name="TextBox 4">
             <a:extLst>
               <a:ext uri="{FF2B5EF4-FFF2-40B4-BE49-F238E27FC236}">
-                <a16:creationId xmlns="" xmlns:a16="http://schemas.microsoft.com/office/drawing/2014/main" id="{5ADC00B6-990A-40DC-3CEA-505258F5E8DA}"/>
+                <a16:creationId xmlns:a16="http://schemas.microsoft.com/office/drawing/2014/main" id="{5ADC00B6-990A-40DC-3CEA-505258F5E8DA}"/>
               </a:ext>
             </a:extLst>
           </p:cNvPr>
@@ -5845,7 +5862,7 @@
           <p:cNvPr id="4" name="TextBox 3">
             <a:extLst>
               <a:ext uri="{FF2B5EF4-FFF2-40B4-BE49-F238E27FC236}">
-                <a16:creationId xmlns="" xmlns:a16="http://schemas.microsoft.com/office/drawing/2014/main" id="{5ADC00B6-990A-40DC-3CEA-505258F5E8DA}"/>
+                <a16:creationId xmlns:a16="http://schemas.microsoft.com/office/drawing/2014/main" id="{5ADC00B6-990A-40DC-3CEA-505258F5E8DA}"/>
               </a:ext>
             </a:extLst>
           </p:cNvPr>
@@ -5855,7 +5872,7 @@
         <p:spPr>
           <a:xfrm>
             <a:off x="1447800" y="571500"/>
-            <a:ext cx="4419600" cy="1015663"/>
+            <a:ext cx="8458200" cy="1015663"/>
           </a:xfrm>
           <a:prstGeom prst="rect">
             <a:avLst/>
@@ -5941,7 +5958,7 @@
           <p:cNvPr id="5" name="TextBox 4">
             <a:extLst>
               <a:ext uri="{FF2B5EF4-FFF2-40B4-BE49-F238E27FC236}">
-                <a16:creationId xmlns:a16="http://schemas.microsoft.com/office/drawing/2014/main" xmlns="" id="{C6D113C6-EA5C-788F-0C77-E7CE6EBB865F}"/>
+                <a16:creationId xmlns:a16="http://schemas.microsoft.com/office/drawing/2014/main" id="{C6D113C6-EA5C-788F-0C77-E7CE6EBB865F}"/>
               </a:ext>
             </a:extLst>
           </p:cNvPr>
@@ -6158,7 +6175,7 @@
           <p:cNvPr id="6" name="직선 화살표 연결선 5">
             <a:extLst>
               <a:ext uri="{FF2B5EF4-FFF2-40B4-BE49-F238E27FC236}">
-                <a16:creationId xmlns:a16="http://schemas.microsoft.com/office/drawing/2014/main" xmlns="" id="{299DF5EC-9DF4-5255-06AC-0A7CE4FF58C3}"/>
+                <a16:creationId xmlns:a16="http://schemas.microsoft.com/office/drawing/2014/main" id="{299DF5EC-9DF4-5255-06AC-0A7CE4FF58C3}"/>
               </a:ext>
             </a:extLst>
           </p:cNvPr>
@@ -6199,7 +6216,7 @@
           <p:cNvPr id="7" name="직사각형 6">
             <a:extLst>
               <a:ext uri="{FF2B5EF4-FFF2-40B4-BE49-F238E27FC236}">
-                <a16:creationId xmlns:a16="http://schemas.microsoft.com/office/drawing/2014/main" xmlns="" id="{FFF506F9-840A-0508-4CAF-3AC711D8D5CE}"/>
+                <a16:creationId xmlns:a16="http://schemas.microsoft.com/office/drawing/2014/main" id="{FFF506F9-840A-0508-4CAF-3AC711D8D5CE}"/>
               </a:ext>
             </a:extLst>
           </p:cNvPr>
@@ -6251,7 +6268,7 @@
           <p:cNvPr id="8" name="TextBox 7">
             <a:extLst>
               <a:ext uri="{FF2B5EF4-FFF2-40B4-BE49-F238E27FC236}">
-                <a16:creationId xmlns:a16="http://schemas.microsoft.com/office/drawing/2014/main" xmlns="" id="{C6D113C6-EA5C-788F-0C77-E7CE6EBB865F}"/>
+                <a16:creationId xmlns:a16="http://schemas.microsoft.com/office/drawing/2014/main" id="{C6D113C6-EA5C-788F-0C77-E7CE6EBB865F}"/>
               </a:ext>
             </a:extLst>
           </p:cNvPr>
@@ -6323,7 +6340,7 @@
           <p:cNvPr id="11" name="직선 화살표 연결선 10">
             <a:extLst>
               <a:ext uri="{FF2B5EF4-FFF2-40B4-BE49-F238E27FC236}">
-                <a16:creationId xmlns:a16="http://schemas.microsoft.com/office/drawing/2014/main" xmlns="" id="{299DF5EC-9DF4-5255-06AC-0A7CE4FF58C3}"/>
+                <a16:creationId xmlns:a16="http://schemas.microsoft.com/office/drawing/2014/main" id="{299DF5EC-9DF4-5255-06AC-0A7CE4FF58C3}"/>
               </a:ext>
             </a:extLst>
           </p:cNvPr>
@@ -6364,7 +6381,7 @@
           <p:cNvPr id="12" name="직사각형 11">
             <a:extLst>
               <a:ext uri="{FF2B5EF4-FFF2-40B4-BE49-F238E27FC236}">
-                <a16:creationId xmlns:a16="http://schemas.microsoft.com/office/drawing/2014/main" xmlns="" id="{FFF506F9-840A-0508-4CAF-3AC711D8D5CE}"/>
+                <a16:creationId xmlns:a16="http://schemas.microsoft.com/office/drawing/2014/main" id="{FFF506F9-840A-0508-4CAF-3AC711D8D5CE}"/>
               </a:ext>
             </a:extLst>
           </p:cNvPr>
@@ -6416,7 +6433,7 @@
           <p:cNvPr id="14" name="TextBox 13">
             <a:extLst>
               <a:ext uri="{FF2B5EF4-FFF2-40B4-BE49-F238E27FC236}">
-                <a16:creationId xmlns:a16="http://schemas.microsoft.com/office/drawing/2014/main" xmlns="" id="{C6D113C6-EA5C-788F-0C77-E7CE6EBB865F}"/>
+                <a16:creationId xmlns:a16="http://schemas.microsoft.com/office/drawing/2014/main" id="{C6D113C6-EA5C-788F-0C77-E7CE6EBB865F}"/>
               </a:ext>
             </a:extLst>
           </p:cNvPr>
@@ -6536,7 +6553,7 @@
           <p:cNvPr id="15" name="TextBox 14">
             <a:extLst>
               <a:ext uri="{FF2B5EF4-FFF2-40B4-BE49-F238E27FC236}">
-                <a16:creationId xmlns:a16="http://schemas.microsoft.com/office/drawing/2014/main" xmlns="" id="{C6D113C6-EA5C-788F-0C77-E7CE6EBB865F}"/>
+                <a16:creationId xmlns:a16="http://schemas.microsoft.com/office/drawing/2014/main" id="{C6D113C6-EA5C-788F-0C77-E7CE6EBB865F}"/>
               </a:ext>
             </a:extLst>
           </p:cNvPr>
@@ -6568,36 +6585,6 @@
                 <a:ea typeface="G마켓 산스 Medium" panose="02000000000000000000" pitchFamily="50" charset="-127"/>
               </a:rPr>
               <a:t>심화</a:t>
-            </a:r>
-            <a:r>
-              <a:rPr lang="en-US" altLang="ko-KR" sz="4400" smtClean="0">
-                <a:solidFill>
-                  <a:srgbClr val="FF0000"/>
-                </a:solidFill>
-                <a:latin typeface="G마켓 산스 Medium" panose="02000000000000000000" pitchFamily="50" charset="-127"/>
-                <a:ea typeface="G마켓 산스 Medium" panose="02000000000000000000" pitchFamily="50" charset="-127"/>
-              </a:rPr>
-              <a:t>(</a:t>
-            </a:r>
-            <a:r>
-              <a:rPr lang="ko-KR" altLang="en-US" sz="4400" smtClean="0">
-                <a:solidFill>
-                  <a:srgbClr val="FF0000"/>
-                </a:solidFill>
-                <a:latin typeface="G마켓 산스 Medium" panose="02000000000000000000" pitchFamily="50" charset="-127"/>
-                <a:ea typeface="G마켓 산스 Medium" panose="02000000000000000000" pitchFamily="50" charset="-127"/>
-              </a:rPr>
-              <a:t>삭제 고려</a:t>
-            </a:r>
-            <a:r>
-              <a:rPr lang="en-US" altLang="ko-KR" sz="4400" smtClean="0">
-                <a:solidFill>
-                  <a:srgbClr val="FF0000"/>
-                </a:solidFill>
-                <a:latin typeface="G마켓 산스 Medium" panose="02000000000000000000" pitchFamily="50" charset="-127"/>
-                <a:ea typeface="G마켓 산스 Medium" panose="02000000000000000000" pitchFamily="50" charset="-127"/>
-              </a:rPr>
-              <a:t>)</a:t>
             </a:r>
             <a:endParaRPr lang="en-US" altLang="ko-KR" sz="4400" dirty="0">
               <a:solidFill>
@@ -6846,7 +6833,7 @@
           <p:cNvPr id="5" name="TextBox 4">
             <a:extLst>
               <a:ext uri="{FF2B5EF4-FFF2-40B4-BE49-F238E27FC236}">
-                <a16:creationId xmlns="" xmlns:a16="http://schemas.microsoft.com/office/drawing/2014/main" id="{5ADC00B6-990A-40DC-3CEA-505258F5E8DA}"/>
+                <a16:creationId xmlns:a16="http://schemas.microsoft.com/office/drawing/2014/main" id="{5ADC00B6-990A-40DC-3CEA-505258F5E8DA}"/>
               </a:ext>
             </a:extLst>
           </p:cNvPr>
@@ -7131,7 +7118,7 @@
           <p:cNvPr id="4" name="TextBox 3">
             <a:extLst>
               <a:ext uri="{FF2B5EF4-FFF2-40B4-BE49-F238E27FC236}">
-                <a16:creationId xmlns="" xmlns:a16="http://schemas.microsoft.com/office/drawing/2014/main" id="{5ADC00B6-990A-40DC-3CEA-505258F5E8DA}"/>
+                <a16:creationId xmlns:a16="http://schemas.microsoft.com/office/drawing/2014/main" id="{5ADC00B6-990A-40DC-3CEA-505258F5E8DA}"/>
               </a:ext>
             </a:extLst>
           </p:cNvPr>
@@ -7141,7 +7128,7 @@
         <p:spPr>
           <a:xfrm>
             <a:off x="1219200" y="723900"/>
-            <a:ext cx="4191000" cy="1015663"/>
+            <a:ext cx="9525000" cy="1015663"/>
           </a:xfrm>
           <a:prstGeom prst="rect">
             <a:avLst/>
@@ -7264,7 +7251,7 @@
           <p:cNvPr id="4" name="TextBox 3">
             <a:extLst>
               <a:ext uri="{FF2B5EF4-FFF2-40B4-BE49-F238E27FC236}">
-                <a16:creationId xmlns="" xmlns:a16="http://schemas.microsoft.com/office/drawing/2014/main" id="{5ADC00B6-990A-40DC-3CEA-505258F5E8DA}"/>
+                <a16:creationId xmlns:a16="http://schemas.microsoft.com/office/drawing/2014/main" id="{5ADC00B6-990A-40DC-3CEA-505258F5E8DA}"/>
               </a:ext>
             </a:extLst>
           </p:cNvPr>
@@ -7336,7 +7323,7 @@
           <p:cNvPr id="6" name="그룹 1008">
             <a:extLst>
               <a:ext uri="{FF2B5EF4-FFF2-40B4-BE49-F238E27FC236}">
-                <a16:creationId xmlns:a16="http://schemas.microsoft.com/office/drawing/2014/main" xmlns="" id="{678F6342-C505-E8AD-ADA4-022CB2C2088E}"/>
+                <a16:creationId xmlns:a16="http://schemas.microsoft.com/office/drawing/2014/main" id="{678F6342-C505-E8AD-ADA4-022CB2C2088E}"/>
               </a:ext>
             </a:extLst>
           </p:cNvPr>
@@ -7356,7 +7343,7 @@
             <p:cNvPr id="7" name="그룹 1009">
               <a:extLst>
                 <a:ext uri="{FF2B5EF4-FFF2-40B4-BE49-F238E27FC236}">
-                  <a16:creationId xmlns:a16="http://schemas.microsoft.com/office/drawing/2014/main" xmlns="" id="{4E1F1FED-812B-9BBB-925A-84B54A077414}"/>
+                  <a16:creationId xmlns:a16="http://schemas.microsoft.com/office/drawing/2014/main" id="{4E1F1FED-812B-9BBB-925A-84B54A077414}"/>
                 </a:ext>
               </a:extLst>
             </p:cNvPr>
@@ -7376,7 +7363,7 @@
               <p:cNvPr id="12" name="Object 29">
                 <a:extLst>
                   <a:ext uri="{FF2B5EF4-FFF2-40B4-BE49-F238E27FC236}">
-                    <a16:creationId xmlns:a16="http://schemas.microsoft.com/office/drawing/2014/main" xmlns="" id="{7B078609-4286-7B00-51EB-809C8E2DE289}"/>
+                    <a16:creationId xmlns:a16="http://schemas.microsoft.com/office/drawing/2014/main" id="{7B078609-4286-7B00-51EB-809C8E2DE289}"/>
                   </a:ext>
                 </a:extLst>
               </p:cNvPr>
@@ -7407,7 +7394,7 @@
             <p:cNvPr id="8" name="그룹 1010">
               <a:extLst>
                 <a:ext uri="{FF2B5EF4-FFF2-40B4-BE49-F238E27FC236}">
-                  <a16:creationId xmlns:a16="http://schemas.microsoft.com/office/drawing/2014/main" xmlns="" id="{02A649BF-B5B5-FBAF-7DFD-E118A4DF8907}"/>
+                  <a16:creationId xmlns:a16="http://schemas.microsoft.com/office/drawing/2014/main" id="{02A649BF-B5B5-FBAF-7DFD-E118A4DF8907}"/>
                 </a:ext>
               </a:extLst>
             </p:cNvPr>
@@ -7427,7 +7414,7 @@
               <p:cNvPr id="11" name="Object 32">
                 <a:extLst>
                   <a:ext uri="{FF2B5EF4-FFF2-40B4-BE49-F238E27FC236}">
-                    <a16:creationId xmlns:a16="http://schemas.microsoft.com/office/drawing/2014/main" xmlns="" id="{2A0FFF23-B3C9-3EA0-1C1B-A87D4FF098AE}"/>
+                    <a16:creationId xmlns:a16="http://schemas.microsoft.com/office/drawing/2014/main" id="{2A0FFF23-B3C9-3EA0-1C1B-A87D4FF098AE}"/>
                   </a:ext>
                 </a:extLst>
               </p:cNvPr>
@@ -7458,7 +7445,7 @@
             <p:cNvPr id="9" name="그룹 1011">
               <a:extLst>
                 <a:ext uri="{FF2B5EF4-FFF2-40B4-BE49-F238E27FC236}">
-                  <a16:creationId xmlns:a16="http://schemas.microsoft.com/office/drawing/2014/main" xmlns="" id="{881F5410-F7FB-F261-A584-707359BAC593}"/>
+                  <a16:creationId xmlns:a16="http://schemas.microsoft.com/office/drawing/2014/main" id="{881F5410-F7FB-F261-A584-707359BAC593}"/>
                 </a:ext>
               </a:extLst>
             </p:cNvPr>
@@ -7478,7 +7465,7 @@
               <p:cNvPr id="10" name="Object 35">
                 <a:extLst>
                   <a:ext uri="{FF2B5EF4-FFF2-40B4-BE49-F238E27FC236}">
-                    <a16:creationId xmlns:a16="http://schemas.microsoft.com/office/drawing/2014/main" xmlns="" id="{4E99E669-73EB-F9F4-EFE8-DC107035C265}"/>
+                    <a16:creationId xmlns:a16="http://schemas.microsoft.com/office/drawing/2014/main" id="{4E99E669-73EB-F9F4-EFE8-DC107035C265}"/>
                   </a:ext>
                 </a:extLst>
               </p:cNvPr>
@@ -7558,7 +7545,7 @@
           <p:cNvPr id="15" name="그룹 1008">
             <a:extLst>
               <a:ext uri="{FF2B5EF4-FFF2-40B4-BE49-F238E27FC236}">
-                <a16:creationId xmlns:a16="http://schemas.microsoft.com/office/drawing/2014/main" xmlns="" id="{678F6342-C505-E8AD-ADA4-022CB2C2088E}"/>
+                <a16:creationId xmlns:a16="http://schemas.microsoft.com/office/drawing/2014/main" id="{678F6342-C505-E8AD-ADA4-022CB2C2088E}"/>
               </a:ext>
             </a:extLst>
           </p:cNvPr>
@@ -7578,7 +7565,7 @@
             <p:cNvPr id="16" name="그룹 1009">
               <a:extLst>
                 <a:ext uri="{FF2B5EF4-FFF2-40B4-BE49-F238E27FC236}">
-                  <a16:creationId xmlns:a16="http://schemas.microsoft.com/office/drawing/2014/main" xmlns="" id="{4E1F1FED-812B-9BBB-925A-84B54A077414}"/>
+                  <a16:creationId xmlns:a16="http://schemas.microsoft.com/office/drawing/2014/main" id="{4E1F1FED-812B-9BBB-925A-84B54A077414}"/>
                 </a:ext>
               </a:extLst>
             </p:cNvPr>
@@ -7598,7 +7585,7 @@
               <p:cNvPr id="21" name="Object 29">
                 <a:extLst>
                   <a:ext uri="{FF2B5EF4-FFF2-40B4-BE49-F238E27FC236}">
-                    <a16:creationId xmlns:a16="http://schemas.microsoft.com/office/drawing/2014/main" xmlns="" id="{7B078609-4286-7B00-51EB-809C8E2DE289}"/>
+                    <a16:creationId xmlns:a16="http://schemas.microsoft.com/office/drawing/2014/main" id="{7B078609-4286-7B00-51EB-809C8E2DE289}"/>
                   </a:ext>
                 </a:extLst>
               </p:cNvPr>
@@ -7629,7 +7616,7 @@
             <p:cNvPr id="17" name="그룹 1010">
               <a:extLst>
                 <a:ext uri="{FF2B5EF4-FFF2-40B4-BE49-F238E27FC236}">
-                  <a16:creationId xmlns:a16="http://schemas.microsoft.com/office/drawing/2014/main" xmlns="" id="{02A649BF-B5B5-FBAF-7DFD-E118A4DF8907}"/>
+                  <a16:creationId xmlns:a16="http://schemas.microsoft.com/office/drawing/2014/main" id="{02A649BF-B5B5-FBAF-7DFD-E118A4DF8907}"/>
                 </a:ext>
               </a:extLst>
             </p:cNvPr>
@@ -7649,7 +7636,7 @@
               <p:cNvPr id="20" name="Object 32">
                 <a:extLst>
                   <a:ext uri="{FF2B5EF4-FFF2-40B4-BE49-F238E27FC236}">
-                    <a16:creationId xmlns:a16="http://schemas.microsoft.com/office/drawing/2014/main" xmlns="" id="{2A0FFF23-B3C9-3EA0-1C1B-A87D4FF098AE}"/>
+                    <a16:creationId xmlns:a16="http://schemas.microsoft.com/office/drawing/2014/main" id="{2A0FFF23-B3C9-3EA0-1C1B-A87D4FF098AE}"/>
                   </a:ext>
                 </a:extLst>
               </p:cNvPr>
@@ -7680,7 +7667,7 @@
             <p:cNvPr id="18" name="그룹 1011">
               <a:extLst>
                 <a:ext uri="{FF2B5EF4-FFF2-40B4-BE49-F238E27FC236}">
-                  <a16:creationId xmlns:a16="http://schemas.microsoft.com/office/drawing/2014/main" xmlns="" id="{881F5410-F7FB-F261-A584-707359BAC593}"/>
+                  <a16:creationId xmlns:a16="http://schemas.microsoft.com/office/drawing/2014/main" id="{881F5410-F7FB-F261-A584-707359BAC593}"/>
                 </a:ext>
               </a:extLst>
             </p:cNvPr>
@@ -7700,7 +7687,7 @@
               <p:cNvPr id="19" name="Object 35">
                 <a:extLst>
                   <a:ext uri="{FF2B5EF4-FFF2-40B4-BE49-F238E27FC236}">
-                    <a16:creationId xmlns:a16="http://schemas.microsoft.com/office/drawing/2014/main" xmlns="" id="{4E99E669-73EB-F9F4-EFE8-DC107035C265}"/>
+                    <a16:creationId xmlns:a16="http://schemas.microsoft.com/office/drawing/2014/main" id="{4E99E669-73EB-F9F4-EFE8-DC107035C265}"/>
                   </a:ext>
                 </a:extLst>
               </p:cNvPr>
@@ -7780,7 +7767,7 @@
           <p:cNvPr id="25" name="그룹 1008">
             <a:extLst>
               <a:ext uri="{FF2B5EF4-FFF2-40B4-BE49-F238E27FC236}">
-                <a16:creationId xmlns:a16="http://schemas.microsoft.com/office/drawing/2014/main" xmlns="" id="{678F6342-C505-E8AD-ADA4-022CB2C2088E}"/>
+                <a16:creationId xmlns:a16="http://schemas.microsoft.com/office/drawing/2014/main" id="{678F6342-C505-E8AD-ADA4-022CB2C2088E}"/>
               </a:ext>
             </a:extLst>
           </p:cNvPr>
@@ -7800,7 +7787,7 @@
             <p:cNvPr id="26" name="그룹 1009">
               <a:extLst>
                 <a:ext uri="{FF2B5EF4-FFF2-40B4-BE49-F238E27FC236}">
-                  <a16:creationId xmlns:a16="http://schemas.microsoft.com/office/drawing/2014/main" xmlns="" id="{4E1F1FED-812B-9BBB-925A-84B54A077414}"/>
+                  <a16:creationId xmlns:a16="http://schemas.microsoft.com/office/drawing/2014/main" id="{4E1F1FED-812B-9BBB-925A-84B54A077414}"/>
                 </a:ext>
               </a:extLst>
             </p:cNvPr>
@@ -7820,7 +7807,7 @@
               <p:cNvPr id="31" name="Object 29">
                 <a:extLst>
                   <a:ext uri="{FF2B5EF4-FFF2-40B4-BE49-F238E27FC236}">
-                    <a16:creationId xmlns:a16="http://schemas.microsoft.com/office/drawing/2014/main" xmlns="" id="{7B078609-4286-7B00-51EB-809C8E2DE289}"/>
+                    <a16:creationId xmlns:a16="http://schemas.microsoft.com/office/drawing/2014/main" id="{7B078609-4286-7B00-51EB-809C8E2DE289}"/>
                   </a:ext>
                 </a:extLst>
               </p:cNvPr>
@@ -7851,7 +7838,7 @@
             <p:cNvPr id="27" name="그룹 1010">
               <a:extLst>
                 <a:ext uri="{FF2B5EF4-FFF2-40B4-BE49-F238E27FC236}">
-                  <a16:creationId xmlns:a16="http://schemas.microsoft.com/office/drawing/2014/main" xmlns="" id="{02A649BF-B5B5-FBAF-7DFD-E118A4DF8907}"/>
+                  <a16:creationId xmlns:a16="http://schemas.microsoft.com/office/drawing/2014/main" id="{02A649BF-B5B5-FBAF-7DFD-E118A4DF8907}"/>
                 </a:ext>
               </a:extLst>
             </p:cNvPr>
@@ -7871,7 +7858,7 @@
               <p:cNvPr id="30" name="Object 32">
                 <a:extLst>
                   <a:ext uri="{FF2B5EF4-FFF2-40B4-BE49-F238E27FC236}">
-                    <a16:creationId xmlns:a16="http://schemas.microsoft.com/office/drawing/2014/main" xmlns="" id="{2A0FFF23-B3C9-3EA0-1C1B-A87D4FF098AE}"/>
+                    <a16:creationId xmlns:a16="http://schemas.microsoft.com/office/drawing/2014/main" id="{2A0FFF23-B3C9-3EA0-1C1B-A87D4FF098AE}"/>
                   </a:ext>
                 </a:extLst>
               </p:cNvPr>
@@ -7902,7 +7889,7 @@
             <p:cNvPr id="28" name="그룹 1011">
               <a:extLst>
                 <a:ext uri="{FF2B5EF4-FFF2-40B4-BE49-F238E27FC236}">
-                  <a16:creationId xmlns:a16="http://schemas.microsoft.com/office/drawing/2014/main" xmlns="" id="{881F5410-F7FB-F261-A584-707359BAC593}"/>
+                  <a16:creationId xmlns:a16="http://schemas.microsoft.com/office/drawing/2014/main" id="{881F5410-F7FB-F261-A584-707359BAC593}"/>
                 </a:ext>
               </a:extLst>
             </p:cNvPr>
@@ -7922,7 +7909,7 @@
               <p:cNvPr id="29" name="Object 35">
                 <a:extLst>
                   <a:ext uri="{FF2B5EF4-FFF2-40B4-BE49-F238E27FC236}">
-                    <a16:creationId xmlns:a16="http://schemas.microsoft.com/office/drawing/2014/main" xmlns="" id="{4E99E669-73EB-F9F4-EFE8-DC107035C265}"/>
+                    <a16:creationId xmlns:a16="http://schemas.microsoft.com/office/drawing/2014/main" id="{4E99E669-73EB-F9F4-EFE8-DC107035C265}"/>
                   </a:ext>
                 </a:extLst>
               </p:cNvPr>
@@ -8002,7 +7989,7 @@
           <p:cNvPr id="34" name="그룹 1008">
             <a:extLst>
               <a:ext uri="{FF2B5EF4-FFF2-40B4-BE49-F238E27FC236}">
-                <a16:creationId xmlns:a16="http://schemas.microsoft.com/office/drawing/2014/main" xmlns="" id="{678F6342-C505-E8AD-ADA4-022CB2C2088E}"/>
+                <a16:creationId xmlns:a16="http://schemas.microsoft.com/office/drawing/2014/main" id="{678F6342-C505-E8AD-ADA4-022CB2C2088E}"/>
               </a:ext>
             </a:extLst>
           </p:cNvPr>
@@ -8022,7 +8009,7 @@
             <p:cNvPr id="35" name="그룹 1009">
               <a:extLst>
                 <a:ext uri="{FF2B5EF4-FFF2-40B4-BE49-F238E27FC236}">
-                  <a16:creationId xmlns:a16="http://schemas.microsoft.com/office/drawing/2014/main" xmlns="" id="{4E1F1FED-812B-9BBB-925A-84B54A077414}"/>
+                  <a16:creationId xmlns:a16="http://schemas.microsoft.com/office/drawing/2014/main" id="{4E1F1FED-812B-9BBB-925A-84B54A077414}"/>
                 </a:ext>
               </a:extLst>
             </p:cNvPr>
@@ -8042,7 +8029,7 @@
               <p:cNvPr id="40" name="Object 29">
                 <a:extLst>
                   <a:ext uri="{FF2B5EF4-FFF2-40B4-BE49-F238E27FC236}">
-                    <a16:creationId xmlns:a16="http://schemas.microsoft.com/office/drawing/2014/main" xmlns="" id="{7B078609-4286-7B00-51EB-809C8E2DE289}"/>
+                    <a16:creationId xmlns:a16="http://schemas.microsoft.com/office/drawing/2014/main" id="{7B078609-4286-7B00-51EB-809C8E2DE289}"/>
                   </a:ext>
                 </a:extLst>
               </p:cNvPr>
@@ -8073,7 +8060,7 @@
             <p:cNvPr id="36" name="그룹 1010">
               <a:extLst>
                 <a:ext uri="{FF2B5EF4-FFF2-40B4-BE49-F238E27FC236}">
-                  <a16:creationId xmlns:a16="http://schemas.microsoft.com/office/drawing/2014/main" xmlns="" id="{02A649BF-B5B5-FBAF-7DFD-E118A4DF8907}"/>
+                  <a16:creationId xmlns:a16="http://schemas.microsoft.com/office/drawing/2014/main" id="{02A649BF-B5B5-FBAF-7DFD-E118A4DF8907}"/>
                 </a:ext>
               </a:extLst>
             </p:cNvPr>
@@ -8093,7 +8080,7 @@
               <p:cNvPr id="39" name="Object 32">
                 <a:extLst>
                   <a:ext uri="{FF2B5EF4-FFF2-40B4-BE49-F238E27FC236}">
-                    <a16:creationId xmlns:a16="http://schemas.microsoft.com/office/drawing/2014/main" xmlns="" id="{2A0FFF23-B3C9-3EA0-1C1B-A87D4FF098AE}"/>
+                    <a16:creationId xmlns:a16="http://schemas.microsoft.com/office/drawing/2014/main" id="{2A0FFF23-B3C9-3EA0-1C1B-A87D4FF098AE}"/>
                   </a:ext>
                 </a:extLst>
               </p:cNvPr>
@@ -8124,7 +8111,7 @@
             <p:cNvPr id="37" name="그룹 1011">
               <a:extLst>
                 <a:ext uri="{FF2B5EF4-FFF2-40B4-BE49-F238E27FC236}">
-                  <a16:creationId xmlns:a16="http://schemas.microsoft.com/office/drawing/2014/main" xmlns="" id="{881F5410-F7FB-F261-A584-707359BAC593}"/>
+                  <a16:creationId xmlns:a16="http://schemas.microsoft.com/office/drawing/2014/main" id="{881F5410-F7FB-F261-A584-707359BAC593}"/>
                 </a:ext>
               </a:extLst>
             </p:cNvPr>
@@ -8144,7 +8131,7 @@
               <p:cNvPr id="38" name="Object 35">
                 <a:extLst>
                   <a:ext uri="{FF2B5EF4-FFF2-40B4-BE49-F238E27FC236}">
-                    <a16:creationId xmlns:a16="http://schemas.microsoft.com/office/drawing/2014/main" xmlns="" id="{4E99E669-73EB-F9F4-EFE8-DC107035C265}"/>
+                    <a16:creationId xmlns:a16="http://schemas.microsoft.com/office/drawing/2014/main" id="{4E99E669-73EB-F9F4-EFE8-DC107035C265}"/>
                   </a:ext>
                 </a:extLst>
               </p:cNvPr>
@@ -8200,7 +8187,7 @@
           <p:cNvPr id="42" name="TextBox 41">
             <a:extLst>
               <a:ext uri="{FF2B5EF4-FFF2-40B4-BE49-F238E27FC236}">
-                <a16:creationId xmlns:a16="http://schemas.microsoft.com/office/drawing/2014/main" xmlns="" id="{C6D113C6-EA5C-788F-0C77-E7CE6EBB865F}"/>
+                <a16:creationId xmlns:a16="http://schemas.microsoft.com/office/drawing/2014/main" id="{C6D113C6-EA5C-788F-0C77-E7CE6EBB865F}"/>
               </a:ext>
             </a:extLst>
           </p:cNvPr>
@@ -8326,7 +8313,7 @@
           <p:cNvPr id="44" name="그룹 1008">
             <a:extLst>
               <a:ext uri="{FF2B5EF4-FFF2-40B4-BE49-F238E27FC236}">
-                <a16:creationId xmlns:a16="http://schemas.microsoft.com/office/drawing/2014/main" xmlns="" id="{678F6342-C505-E8AD-ADA4-022CB2C2088E}"/>
+                <a16:creationId xmlns:a16="http://schemas.microsoft.com/office/drawing/2014/main" id="{678F6342-C505-E8AD-ADA4-022CB2C2088E}"/>
               </a:ext>
             </a:extLst>
           </p:cNvPr>
@@ -8346,7 +8333,7 @@
             <p:cNvPr id="45" name="그룹 1009">
               <a:extLst>
                 <a:ext uri="{FF2B5EF4-FFF2-40B4-BE49-F238E27FC236}">
-                  <a16:creationId xmlns:a16="http://schemas.microsoft.com/office/drawing/2014/main" xmlns="" id="{4E1F1FED-812B-9BBB-925A-84B54A077414}"/>
+                  <a16:creationId xmlns:a16="http://schemas.microsoft.com/office/drawing/2014/main" id="{4E1F1FED-812B-9BBB-925A-84B54A077414}"/>
                 </a:ext>
               </a:extLst>
             </p:cNvPr>
@@ -8366,7 +8353,7 @@
               <p:cNvPr id="50" name="Object 29">
                 <a:extLst>
                   <a:ext uri="{FF2B5EF4-FFF2-40B4-BE49-F238E27FC236}">
-                    <a16:creationId xmlns:a16="http://schemas.microsoft.com/office/drawing/2014/main" xmlns="" id="{7B078609-4286-7B00-51EB-809C8E2DE289}"/>
+                    <a16:creationId xmlns:a16="http://schemas.microsoft.com/office/drawing/2014/main" id="{7B078609-4286-7B00-51EB-809C8E2DE289}"/>
                   </a:ext>
                 </a:extLst>
               </p:cNvPr>
@@ -8397,7 +8384,7 @@
             <p:cNvPr id="46" name="그룹 1010">
               <a:extLst>
                 <a:ext uri="{FF2B5EF4-FFF2-40B4-BE49-F238E27FC236}">
-                  <a16:creationId xmlns:a16="http://schemas.microsoft.com/office/drawing/2014/main" xmlns="" id="{02A649BF-B5B5-FBAF-7DFD-E118A4DF8907}"/>
+                  <a16:creationId xmlns:a16="http://schemas.microsoft.com/office/drawing/2014/main" id="{02A649BF-B5B5-FBAF-7DFD-E118A4DF8907}"/>
                 </a:ext>
               </a:extLst>
             </p:cNvPr>
@@ -8417,7 +8404,7 @@
               <p:cNvPr id="49" name="Object 32">
                 <a:extLst>
                   <a:ext uri="{FF2B5EF4-FFF2-40B4-BE49-F238E27FC236}">
-                    <a16:creationId xmlns:a16="http://schemas.microsoft.com/office/drawing/2014/main" xmlns="" id="{2A0FFF23-B3C9-3EA0-1C1B-A87D4FF098AE}"/>
+                    <a16:creationId xmlns:a16="http://schemas.microsoft.com/office/drawing/2014/main" id="{2A0FFF23-B3C9-3EA0-1C1B-A87D4FF098AE}"/>
                   </a:ext>
                 </a:extLst>
               </p:cNvPr>
@@ -8448,7 +8435,7 @@
             <p:cNvPr id="47" name="그룹 1011">
               <a:extLst>
                 <a:ext uri="{FF2B5EF4-FFF2-40B4-BE49-F238E27FC236}">
-                  <a16:creationId xmlns:a16="http://schemas.microsoft.com/office/drawing/2014/main" xmlns="" id="{881F5410-F7FB-F261-A584-707359BAC593}"/>
+                  <a16:creationId xmlns:a16="http://schemas.microsoft.com/office/drawing/2014/main" id="{881F5410-F7FB-F261-A584-707359BAC593}"/>
                 </a:ext>
               </a:extLst>
             </p:cNvPr>
@@ -8468,7 +8455,7 @@
               <p:cNvPr id="48" name="Object 35">
                 <a:extLst>
                   <a:ext uri="{FF2B5EF4-FFF2-40B4-BE49-F238E27FC236}">
-                    <a16:creationId xmlns:a16="http://schemas.microsoft.com/office/drawing/2014/main" xmlns="" id="{4E99E669-73EB-F9F4-EFE8-DC107035C265}"/>
+                    <a16:creationId xmlns:a16="http://schemas.microsoft.com/office/drawing/2014/main" id="{4E99E669-73EB-F9F4-EFE8-DC107035C265}"/>
                   </a:ext>
                 </a:extLst>
               </p:cNvPr>
@@ -9102,7 +9089,7 @@
           <p:cNvPr id="11" name="TextBox 10">
             <a:extLst>
               <a:ext uri="{FF2B5EF4-FFF2-40B4-BE49-F238E27FC236}">
-                <a16:creationId xmlns:a16="http://schemas.microsoft.com/office/drawing/2014/main" xmlns="" id="{9F88F580-08BE-88C2-D640-13F0026591CB}"/>
+                <a16:creationId xmlns:a16="http://schemas.microsoft.com/office/drawing/2014/main" id="{9F88F580-08BE-88C2-D640-13F0026591CB}"/>
               </a:ext>
             </a:extLst>
           </p:cNvPr>
@@ -9160,7 +9147,7 @@
           <p:cNvPr id="13" name="TextBox 12">
             <a:extLst>
               <a:ext uri="{FF2B5EF4-FFF2-40B4-BE49-F238E27FC236}">
-                <a16:creationId xmlns:a16="http://schemas.microsoft.com/office/drawing/2014/main" xmlns="" id="{72769C28-9BB6-DE9C-7B6F-264B77B8DD0E}"/>
+                <a16:creationId xmlns:a16="http://schemas.microsoft.com/office/drawing/2014/main" id="{72769C28-9BB6-DE9C-7B6F-264B77B8DD0E}"/>
               </a:ext>
             </a:extLst>
           </p:cNvPr>
@@ -9208,7 +9195,7 @@
           <p:cNvPr id="14" name="TextBox 13">
             <a:extLst>
               <a:ext uri="{FF2B5EF4-FFF2-40B4-BE49-F238E27FC236}">
-                <a16:creationId xmlns:a16="http://schemas.microsoft.com/office/drawing/2014/main" xmlns="" id="{270FBB6A-01CE-5637-78DA-58F0C974145C}"/>
+                <a16:creationId xmlns:a16="http://schemas.microsoft.com/office/drawing/2014/main" id="{270FBB6A-01CE-5637-78DA-58F0C974145C}"/>
               </a:ext>
             </a:extLst>
           </p:cNvPr>
@@ -9256,7 +9243,7 @@
           <p:cNvPr id="2" name="Object 17">
             <a:extLst>
               <a:ext uri="{FF2B5EF4-FFF2-40B4-BE49-F238E27FC236}">
-                <a16:creationId xmlns:a16="http://schemas.microsoft.com/office/drawing/2014/main" xmlns="" id="{140B283D-FE58-FA6F-6F7C-E0F1DBB62A65}"/>
+                <a16:creationId xmlns:a16="http://schemas.microsoft.com/office/drawing/2014/main" id="{140B283D-FE58-FA6F-6F7C-E0F1DBB62A65}"/>
               </a:ext>
             </a:extLst>
           </p:cNvPr>
@@ -9286,7 +9273,7 @@
           <p:cNvPr id="4" name="TextBox 3">
             <a:extLst>
               <a:ext uri="{FF2B5EF4-FFF2-40B4-BE49-F238E27FC236}">
-                <a16:creationId xmlns:a16="http://schemas.microsoft.com/office/drawing/2014/main" xmlns="" id="{2C8D0998-79BC-6FD2-59D9-8052B4A25F65}"/>
+                <a16:creationId xmlns:a16="http://schemas.microsoft.com/office/drawing/2014/main" id="{2C8D0998-79BC-6FD2-59D9-8052B4A25F65}"/>
               </a:ext>
             </a:extLst>
           </p:cNvPr>
@@ -9334,7 +9321,7 @@
           <p:cNvPr id="5" name="Object 18">
             <a:extLst>
               <a:ext uri="{FF2B5EF4-FFF2-40B4-BE49-F238E27FC236}">
-                <a16:creationId xmlns:a16="http://schemas.microsoft.com/office/drawing/2014/main" xmlns="" id="{3F58EA3E-1018-64D3-FAB2-4F6B9618FA56}"/>
+                <a16:creationId xmlns:a16="http://schemas.microsoft.com/office/drawing/2014/main" id="{3F58EA3E-1018-64D3-FAB2-4F6B9618FA56}"/>
               </a:ext>
             </a:extLst>
           </p:cNvPr>
@@ -9364,7 +9351,7 @@
           <p:cNvPr id="8" name="TextBox 7">
             <a:extLst>
               <a:ext uri="{FF2B5EF4-FFF2-40B4-BE49-F238E27FC236}">
-                <a16:creationId xmlns:a16="http://schemas.microsoft.com/office/drawing/2014/main" xmlns="" id="{681D3F16-7DCF-41AD-F5F1-0558C78C0E4D}"/>
+                <a16:creationId xmlns:a16="http://schemas.microsoft.com/office/drawing/2014/main" id="{681D3F16-7DCF-41AD-F5F1-0558C78C0E4D}"/>
               </a:ext>
             </a:extLst>
           </p:cNvPr>
@@ -9444,7 +9431,7 @@
           <p:cNvPr id="5" name="TextBox 4">
             <a:extLst>
               <a:ext uri="{FF2B5EF4-FFF2-40B4-BE49-F238E27FC236}">
-                <a16:creationId xmlns="" xmlns:a16="http://schemas.microsoft.com/office/drawing/2014/main" id="{5ADC00B6-990A-40DC-3CEA-505258F5E8DA}"/>
+                <a16:creationId xmlns:a16="http://schemas.microsoft.com/office/drawing/2014/main" id="{5ADC00B6-990A-40DC-3CEA-505258F5E8DA}"/>
               </a:ext>
             </a:extLst>
           </p:cNvPr>
@@ -9454,7 +9441,7 @@
         <p:spPr>
           <a:xfrm>
             <a:off x="1219200" y="723900"/>
-            <a:ext cx="4191000" cy="1015663"/>
+            <a:ext cx="10210800" cy="1015663"/>
           </a:xfrm>
           <a:prstGeom prst="rect">
             <a:avLst/>
@@ -9516,7 +9503,7 @@
           <p:cNvPr id="7" name="TextBox 6">
             <a:extLst>
               <a:ext uri="{FF2B5EF4-FFF2-40B4-BE49-F238E27FC236}">
-                <a16:creationId xmlns:a16="http://schemas.microsoft.com/office/drawing/2014/main" xmlns="" id="{4EDAA912-8FA0-0F11-119B-EA9F8B36A489}"/>
+                <a16:creationId xmlns:a16="http://schemas.microsoft.com/office/drawing/2014/main" id="{4EDAA912-8FA0-0F11-119B-EA9F8B36A489}"/>
               </a:ext>
             </a:extLst>
           </p:cNvPr>
@@ -9526,7 +9513,7 @@
         <p:spPr>
           <a:xfrm>
             <a:off x="1490003" y="1976735"/>
-            <a:ext cx="13646685" cy="1200329"/>
+            <a:ext cx="17102797" cy="1200329"/>
           </a:xfrm>
           <a:prstGeom prst="rect">
             <a:avLst/>
@@ -9534,7 +9521,7 @@
           <a:noFill/>
         </p:spPr>
         <p:txBody>
-          <a:bodyPr wrap="none" rtlCol="0">
+          <a:bodyPr wrap="square" rtlCol="0">
             <a:spAutoFit/>
           </a:bodyPr>
           <a:lstStyle/>
@@ -9547,7 +9534,27 @@
                 <a:latin typeface="G마켓 산스 Medium" panose="02000000000000000000" pitchFamily="50" charset="-127"/>
                 <a:ea typeface="G마켓 산스 Medium" panose="02000000000000000000" pitchFamily="50" charset="-127"/>
               </a:rPr>
-              <a:t>&amp;&amp;(AND)   -&gt;  </a:t>
+              <a:t>&amp;&amp; (</a:t>
+            </a:r>
+            <a:r>
+              <a:rPr lang="en-US" altLang="ko-KR" sz="3600" smtClean="0">
+                <a:solidFill>
+                  <a:srgbClr val="4D4848"/>
+                </a:solidFill>
+                <a:latin typeface="G마켓 산스 Medium" panose="02000000000000000000" pitchFamily="50" charset="-127"/>
+                <a:ea typeface="G마켓 산스 Medium" panose="02000000000000000000" pitchFamily="50" charset="-127"/>
+              </a:rPr>
+              <a:t>AND)  </a:t>
+            </a:r>
+            <a:r>
+              <a:rPr lang="en-US" altLang="ko-KR" sz="3600" smtClean="0">
+                <a:solidFill>
+                  <a:srgbClr val="4D4848"/>
+                </a:solidFill>
+                <a:latin typeface="G마켓 산스 Medium" panose="02000000000000000000" pitchFamily="50" charset="-127"/>
+                <a:ea typeface="G마켓 산스 Medium" panose="02000000000000000000" pitchFamily="50" charset="-127"/>
+              </a:rPr>
+              <a:t>-&gt;  </a:t>
             </a:r>
             <a:r>
               <a:rPr lang="ko-KR" altLang="en-US" sz="3600" smtClean="0">
@@ -9619,7 +9626,17 @@
                 <a:latin typeface="G마켓 산스 Medium" panose="02000000000000000000" pitchFamily="50" charset="-127"/>
                 <a:ea typeface="G마켓 산스 Medium" panose="02000000000000000000" pitchFamily="50" charset="-127"/>
               </a:rPr>
-              <a:t>|| (OR)         -&gt;   </a:t>
+              <a:t>|| (OR</a:t>
+            </a:r>
+            <a:r>
+              <a:rPr lang="en-US" altLang="ko-KR" sz="3600" smtClean="0">
+                <a:solidFill>
+                  <a:srgbClr val="4D4848"/>
+                </a:solidFill>
+                <a:latin typeface="G마켓 산스 Medium" panose="02000000000000000000" pitchFamily="50" charset="-127"/>
+                <a:ea typeface="G마켓 산스 Medium" panose="02000000000000000000" pitchFamily="50" charset="-127"/>
+              </a:rPr>
+              <a:t>)   -&gt;  </a:t>
             </a:r>
             <a:r>
               <a:rPr lang="ko-KR" altLang="en-US" sz="3600" smtClean="0">
@@ -9629,7 +9646,17 @@
                 <a:latin typeface="G마켓 산스 Medium" panose="02000000000000000000" pitchFamily="50" charset="-127"/>
                 <a:ea typeface="G마켓 산스 Medium" panose="02000000000000000000" pitchFamily="50" charset="-127"/>
               </a:rPr>
-              <a:t>피연산자 둘중 하나만 </a:t>
+              <a:t>피연산자 </a:t>
+            </a:r>
+            <a:r>
+              <a:rPr lang="ko-KR" altLang="en-US" sz="3600" smtClean="0">
+                <a:solidFill>
+                  <a:srgbClr val="4D4848"/>
+                </a:solidFill>
+                <a:latin typeface="G마켓 산스 Medium" panose="02000000000000000000" pitchFamily="50" charset="-127"/>
+                <a:ea typeface="G마켓 산스 Medium" panose="02000000000000000000" pitchFamily="50" charset="-127"/>
+              </a:rPr>
+              <a:t>둘중 하나만 </a:t>
             </a:r>
             <a:r>
               <a:rPr lang="en-US" altLang="ko-KR" sz="3600" smtClean="0">
@@ -9733,7 +9760,7 @@
           <p:cNvPr id="4" name="TextBox 3">
             <a:extLst>
               <a:ext uri="{FF2B5EF4-FFF2-40B4-BE49-F238E27FC236}">
-                <a16:creationId xmlns="" xmlns:a16="http://schemas.microsoft.com/office/drawing/2014/main" id="{5ADC00B6-990A-40DC-3CEA-505258F5E8DA}"/>
+                <a16:creationId xmlns:a16="http://schemas.microsoft.com/office/drawing/2014/main" id="{5ADC00B6-990A-40DC-3CEA-505258F5E8DA}"/>
               </a:ext>
             </a:extLst>
           </p:cNvPr>
@@ -9805,7 +9832,7 @@
           <p:cNvPr id="6" name="그룹 1008">
             <a:extLst>
               <a:ext uri="{FF2B5EF4-FFF2-40B4-BE49-F238E27FC236}">
-                <a16:creationId xmlns:a16="http://schemas.microsoft.com/office/drawing/2014/main" xmlns="" id="{678F6342-C505-E8AD-ADA4-022CB2C2088E}"/>
+                <a16:creationId xmlns:a16="http://schemas.microsoft.com/office/drawing/2014/main" id="{678F6342-C505-E8AD-ADA4-022CB2C2088E}"/>
               </a:ext>
             </a:extLst>
           </p:cNvPr>
@@ -9825,7 +9852,7 @@
             <p:cNvPr id="7" name="그룹 1009">
               <a:extLst>
                 <a:ext uri="{FF2B5EF4-FFF2-40B4-BE49-F238E27FC236}">
-                  <a16:creationId xmlns:a16="http://schemas.microsoft.com/office/drawing/2014/main" xmlns="" id="{4E1F1FED-812B-9BBB-925A-84B54A077414}"/>
+                  <a16:creationId xmlns:a16="http://schemas.microsoft.com/office/drawing/2014/main" id="{4E1F1FED-812B-9BBB-925A-84B54A077414}"/>
                 </a:ext>
               </a:extLst>
             </p:cNvPr>
@@ -9845,7 +9872,7 @@
               <p:cNvPr id="12" name="Object 29">
                 <a:extLst>
                   <a:ext uri="{FF2B5EF4-FFF2-40B4-BE49-F238E27FC236}">
-                    <a16:creationId xmlns:a16="http://schemas.microsoft.com/office/drawing/2014/main" xmlns="" id="{7B078609-4286-7B00-51EB-809C8E2DE289}"/>
+                    <a16:creationId xmlns:a16="http://schemas.microsoft.com/office/drawing/2014/main" id="{7B078609-4286-7B00-51EB-809C8E2DE289}"/>
                   </a:ext>
                 </a:extLst>
               </p:cNvPr>
@@ -9876,7 +9903,7 @@
             <p:cNvPr id="8" name="그룹 1010">
               <a:extLst>
                 <a:ext uri="{FF2B5EF4-FFF2-40B4-BE49-F238E27FC236}">
-                  <a16:creationId xmlns:a16="http://schemas.microsoft.com/office/drawing/2014/main" xmlns="" id="{02A649BF-B5B5-FBAF-7DFD-E118A4DF8907}"/>
+                  <a16:creationId xmlns:a16="http://schemas.microsoft.com/office/drawing/2014/main" id="{02A649BF-B5B5-FBAF-7DFD-E118A4DF8907}"/>
                 </a:ext>
               </a:extLst>
             </p:cNvPr>
@@ -9896,7 +9923,7 @@
               <p:cNvPr id="11" name="Object 32">
                 <a:extLst>
                   <a:ext uri="{FF2B5EF4-FFF2-40B4-BE49-F238E27FC236}">
-                    <a16:creationId xmlns:a16="http://schemas.microsoft.com/office/drawing/2014/main" xmlns="" id="{2A0FFF23-B3C9-3EA0-1C1B-A87D4FF098AE}"/>
+                    <a16:creationId xmlns:a16="http://schemas.microsoft.com/office/drawing/2014/main" id="{2A0FFF23-B3C9-3EA0-1C1B-A87D4FF098AE}"/>
                   </a:ext>
                 </a:extLst>
               </p:cNvPr>
@@ -9927,7 +9954,7 @@
             <p:cNvPr id="9" name="그룹 1011">
               <a:extLst>
                 <a:ext uri="{FF2B5EF4-FFF2-40B4-BE49-F238E27FC236}">
-                  <a16:creationId xmlns:a16="http://schemas.microsoft.com/office/drawing/2014/main" xmlns="" id="{881F5410-F7FB-F261-A584-707359BAC593}"/>
+                  <a16:creationId xmlns:a16="http://schemas.microsoft.com/office/drawing/2014/main" id="{881F5410-F7FB-F261-A584-707359BAC593}"/>
                 </a:ext>
               </a:extLst>
             </p:cNvPr>
@@ -9947,7 +9974,7 @@
               <p:cNvPr id="10" name="Object 35">
                 <a:extLst>
                   <a:ext uri="{FF2B5EF4-FFF2-40B4-BE49-F238E27FC236}">
-                    <a16:creationId xmlns:a16="http://schemas.microsoft.com/office/drawing/2014/main" xmlns="" id="{4E99E669-73EB-F9F4-EFE8-DC107035C265}"/>
+                    <a16:creationId xmlns:a16="http://schemas.microsoft.com/office/drawing/2014/main" id="{4E99E669-73EB-F9F4-EFE8-DC107035C265}"/>
                   </a:ext>
                 </a:extLst>
               </p:cNvPr>
@@ -10003,7 +10030,7 @@
           <p:cNvPr id="15" name="TextBox 14">
             <a:extLst>
               <a:ext uri="{FF2B5EF4-FFF2-40B4-BE49-F238E27FC236}">
-                <a16:creationId xmlns:a16="http://schemas.microsoft.com/office/drawing/2014/main" xmlns="" id="{C6D113C6-EA5C-788F-0C77-E7CE6EBB865F}"/>
+                <a16:creationId xmlns:a16="http://schemas.microsoft.com/office/drawing/2014/main" id="{C6D113C6-EA5C-788F-0C77-E7CE6EBB865F}"/>
               </a:ext>
             </a:extLst>
           </p:cNvPr>
@@ -10013,7 +10040,7 @@
         <p:spPr>
           <a:xfrm>
             <a:off x="13411200" y="3566316"/>
-            <a:ext cx="3810000" cy="523220"/>
+            <a:ext cx="4724400" cy="523220"/>
           </a:xfrm>
           <a:prstGeom prst="rect">
             <a:avLst/>
@@ -10085,7 +10112,7 @@
           <p:cNvPr id="24" name="TextBox 23">
             <a:extLst>
               <a:ext uri="{FF2B5EF4-FFF2-40B4-BE49-F238E27FC236}">
-                <a16:creationId xmlns:a16="http://schemas.microsoft.com/office/drawing/2014/main" xmlns="" id="{C6D113C6-EA5C-788F-0C77-E7CE6EBB865F}"/>
+                <a16:creationId xmlns:a16="http://schemas.microsoft.com/office/drawing/2014/main" id="{C6D113C6-EA5C-788F-0C77-E7CE6EBB865F}"/>
               </a:ext>
             </a:extLst>
           </p:cNvPr>
@@ -10167,7 +10194,7 @@
           <p:cNvPr id="26" name="TextBox 25">
             <a:extLst>
               <a:ext uri="{FF2B5EF4-FFF2-40B4-BE49-F238E27FC236}">
-                <a16:creationId xmlns:a16="http://schemas.microsoft.com/office/drawing/2014/main" xmlns="" id="{C6D113C6-EA5C-788F-0C77-E7CE6EBB865F}"/>
+                <a16:creationId xmlns:a16="http://schemas.microsoft.com/office/drawing/2014/main" id="{C6D113C6-EA5C-788F-0C77-E7CE6EBB865F}"/>
               </a:ext>
             </a:extLst>
           </p:cNvPr>
@@ -10553,7 +10580,7 @@
           <p:cNvPr id="4" name="TextBox 3">
             <a:extLst>
               <a:ext uri="{FF2B5EF4-FFF2-40B4-BE49-F238E27FC236}">
-                <a16:creationId xmlns="" xmlns:a16="http://schemas.microsoft.com/office/drawing/2014/main" id="{5ADC00B6-990A-40DC-3CEA-505258F5E8DA}"/>
+                <a16:creationId xmlns:a16="http://schemas.microsoft.com/office/drawing/2014/main" id="{5ADC00B6-990A-40DC-3CEA-505258F5E8DA}"/>
               </a:ext>
             </a:extLst>
           </p:cNvPr>
@@ -10615,7 +10642,7 @@
           <p:cNvPr id="6" name="TextBox 5">
             <a:extLst>
               <a:ext uri="{FF2B5EF4-FFF2-40B4-BE49-F238E27FC236}">
-                <a16:creationId xmlns="" xmlns:a16="http://schemas.microsoft.com/office/drawing/2014/main" id="{5ADC00B6-990A-40DC-3CEA-505258F5E8DA}"/>
+                <a16:creationId xmlns:a16="http://schemas.microsoft.com/office/drawing/2014/main" id="{5ADC00B6-990A-40DC-3CEA-505258F5E8DA}"/>
               </a:ext>
             </a:extLst>
           </p:cNvPr>
@@ -10710,7 +10737,7 @@
           <p:cNvPr id="4" name="TextBox 3">
             <a:extLst>
               <a:ext uri="{FF2B5EF4-FFF2-40B4-BE49-F238E27FC236}">
-                <a16:creationId xmlns="" xmlns:a16="http://schemas.microsoft.com/office/drawing/2014/main" id="{5ADC00B6-990A-40DC-3CEA-505258F5E8DA}"/>
+                <a16:creationId xmlns:a16="http://schemas.microsoft.com/office/drawing/2014/main" id="{5ADC00B6-990A-40DC-3CEA-505258F5E8DA}"/>
               </a:ext>
             </a:extLst>
           </p:cNvPr>
@@ -10782,7 +10809,7 @@
           <p:cNvPr id="6" name="직사각형 5">
             <a:extLst>
               <a:ext uri="{FF2B5EF4-FFF2-40B4-BE49-F238E27FC236}">
-                <a16:creationId xmlns:a16="http://schemas.microsoft.com/office/drawing/2014/main" xmlns="" id="{FFF506F9-840A-0508-4CAF-3AC711D8D5CE}"/>
+                <a16:creationId xmlns:a16="http://schemas.microsoft.com/office/drawing/2014/main" id="{FFF506F9-840A-0508-4CAF-3AC711D8D5CE}"/>
               </a:ext>
             </a:extLst>
           </p:cNvPr>
@@ -10834,7 +10861,7 @@
           <p:cNvPr id="7" name="그룹 1008">
             <a:extLst>
               <a:ext uri="{FF2B5EF4-FFF2-40B4-BE49-F238E27FC236}">
-                <a16:creationId xmlns:a16="http://schemas.microsoft.com/office/drawing/2014/main" xmlns="" id="{678F6342-C505-E8AD-ADA4-022CB2C2088E}"/>
+                <a16:creationId xmlns:a16="http://schemas.microsoft.com/office/drawing/2014/main" id="{678F6342-C505-E8AD-ADA4-022CB2C2088E}"/>
               </a:ext>
             </a:extLst>
           </p:cNvPr>
@@ -10854,7 +10881,7 @@
             <p:cNvPr id="8" name="그룹 1009">
               <a:extLst>
                 <a:ext uri="{FF2B5EF4-FFF2-40B4-BE49-F238E27FC236}">
-                  <a16:creationId xmlns:a16="http://schemas.microsoft.com/office/drawing/2014/main" xmlns="" id="{4E1F1FED-812B-9BBB-925A-84B54A077414}"/>
+                  <a16:creationId xmlns:a16="http://schemas.microsoft.com/office/drawing/2014/main" id="{4E1F1FED-812B-9BBB-925A-84B54A077414}"/>
                 </a:ext>
               </a:extLst>
             </p:cNvPr>
@@ -10874,7 +10901,7 @@
               <p:cNvPr id="13" name="Object 29">
                 <a:extLst>
                   <a:ext uri="{FF2B5EF4-FFF2-40B4-BE49-F238E27FC236}">
-                    <a16:creationId xmlns:a16="http://schemas.microsoft.com/office/drawing/2014/main" xmlns="" id="{7B078609-4286-7B00-51EB-809C8E2DE289}"/>
+                    <a16:creationId xmlns:a16="http://schemas.microsoft.com/office/drawing/2014/main" id="{7B078609-4286-7B00-51EB-809C8E2DE289}"/>
                   </a:ext>
                 </a:extLst>
               </p:cNvPr>
@@ -10905,7 +10932,7 @@
             <p:cNvPr id="9" name="그룹 1010">
               <a:extLst>
                 <a:ext uri="{FF2B5EF4-FFF2-40B4-BE49-F238E27FC236}">
-                  <a16:creationId xmlns:a16="http://schemas.microsoft.com/office/drawing/2014/main" xmlns="" id="{02A649BF-B5B5-FBAF-7DFD-E118A4DF8907}"/>
+                  <a16:creationId xmlns:a16="http://schemas.microsoft.com/office/drawing/2014/main" id="{02A649BF-B5B5-FBAF-7DFD-E118A4DF8907}"/>
                 </a:ext>
               </a:extLst>
             </p:cNvPr>
@@ -10925,7 +10952,7 @@
               <p:cNvPr id="12" name="Object 32">
                 <a:extLst>
                   <a:ext uri="{FF2B5EF4-FFF2-40B4-BE49-F238E27FC236}">
-                    <a16:creationId xmlns:a16="http://schemas.microsoft.com/office/drawing/2014/main" xmlns="" id="{2A0FFF23-B3C9-3EA0-1C1B-A87D4FF098AE}"/>
+                    <a16:creationId xmlns:a16="http://schemas.microsoft.com/office/drawing/2014/main" id="{2A0FFF23-B3C9-3EA0-1C1B-A87D4FF098AE}"/>
                   </a:ext>
                 </a:extLst>
               </p:cNvPr>
@@ -10956,7 +10983,7 @@
             <p:cNvPr id="10" name="그룹 1011">
               <a:extLst>
                 <a:ext uri="{FF2B5EF4-FFF2-40B4-BE49-F238E27FC236}">
-                  <a16:creationId xmlns:a16="http://schemas.microsoft.com/office/drawing/2014/main" xmlns="" id="{881F5410-F7FB-F261-A584-707359BAC593}"/>
+                  <a16:creationId xmlns:a16="http://schemas.microsoft.com/office/drawing/2014/main" id="{881F5410-F7FB-F261-A584-707359BAC593}"/>
                 </a:ext>
               </a:extLst>
             </p:cNvPr>
@@ -10976,7 +11003,7 @@
               <p:cNvPr id="11" name="Object 35">
                 <a:extLst>
                   <a:ext uri="{FF2B5EF4-FFF2-40B4-BE49-F238E27FC236}">
-                    <a16:creationId xmlns:a16="http://schemas.microsoft.com/office/drawing/2014/main" xmlns="" id="{4E99E669-73EB-F9F4-EFE8-DC107035C265}"/>
+                    <a16:creationId xmlns:a16="http://schemas.microsoft.com/office/drawing/2014/main" id="{4E99E669-73EB-F9F4-EFE8-DC107035C265}"/>
                   </a:ext>
                 </a:extLst>
               </p:cNvPr>
@@ -11164,7 +11191,7 @@
           <p:cNvPr id="4" name="TextBox 3">
             <a:extLst>
               <a:ext uri="{FF2B5EF4-FFF2-40B4-BE49-F238E27FC236}">
-                <a16:creationId xmlns="" xmlns:a16="http://schemas.microsoft.com/office/drawing/2014/main" id="{5ADC00B6-990A-40DC-3CEA-505258F5E8DA}"/>
+                <a16:creationId xmlns:a16="http://schemas.microsoft.com/office/drawing/2014/main" id="{5ADC00B6-990A-40DC-3CEA-505258F5E8DA}"/>
               </a:ext>
             </a:extLst>
           </p:cNvPr>
@@ -11266,7 +11293,7 @@
           <p:cNvPr id="6" name="직사각형 5">
             <a:extLst>
               <a:ext uri="{FF2B5EF4-FFF2-40B4-BE49-F238E27FC236}">
-                <a16:creationId xmlns:a16="http://schemas.microsoft.com/office/drawing/2014/main" xmlns="" id="{FFF506F9-840A-0508-4CAF-3AC711D8D5CE}"/>
+                <a16:creationId xmlns:a16="http://schemas.microsoft.com/office/drawing/2014/main" id="{FFF506F9-840A-0508-4CAF-3AC711D8D5CE}"/>
               </a:ext>
             </a:extLst>
           </p:cNvPr>
@@ -11318,7 +11345,7 @@
           <p:cNvPr id="7" name="직사각형 6">
             <a:extLst>
               <a:ext uri="{FF2B5EF4-FFF2-40B4-BE49-F238E27FC236}">
-                <a16:creationId xmlns:a16="http://schemas.microsoft.com/office/drawing/2014/main" xmlns="" id="{FFF506F9-840A-0508-4CAF-3AC711D8D5CE}"/>
+                <a16:creationId xmlns:a16="http://schemas.microsoft.com/office/drawing/2014/main" id="{FFF506F9-840A-0508-4CAF-3AC711D8D5CE}"/>
               </a:ext>
             </a:extLst>
           </p:cNvPr>
@@ -11370,7 +11397,7 @@
           <p:cNvPr id="8" name="직사각형 7">
             <a:extLst>
               <a:ext uri="{FF2B5EF4-FFF2-40B4-BE49-F238E27FC236}">
-                <a16:creationId xmlns:a16="http://schemas.microsoft.com/office/drawing/2014/main" xmlns="" id="{FFF506F9-840A-0508-4CAF-3AC711D8D5CE}"/>
+                <a16:creationId xmlns:a16="http://schemas.microsoft.com/office/drawing/2014/main" id="{FFF506F9-840A-0508-4CAF-3AC711D8D5CE}"/>
               </a:ext>
             </a:extLst>
           </p:cNvPr>
@@ -11483,7 +11510,7 @@
           <p:cNvPr id="5" name="TextBox 4">
             <a:extLst>
               <a:ext uri="{FF2B5EF4-FFF2-40B4-BE49-F238E27FC236}">
-                <a16:creationId xmlns="" xmlns:a16="http://schemas.microsoft.com/office/drawing/2014/main" id="{5ADC00B6-990A-40DC-3CEA-505258F5E8DA}"/>
+                <a16:creationId xmlns:a16="http://schemas.microsoft.com/office/drawing/2014/main" id="{5ADC00B6-990A-40DC-3CEA-505258F5E8DA}"/>
               </a:ext>
             </a:extLst>
           </p:cNvPr>
@@ -11551,7 +11578,7 @@
           <p:cNvPr id="7" name="TextBox 6">
             <a:extLst>
               <a:ext uri="{FF2B5EF4-FFF2-40B4-BE49-F238E27FC236}">
-                <a16:creationId xmlns:a16="http://schemas.microsoft.com/office/drawing/2014/main" xmlns="" id="{4EDAA912-8FA0-0F11-119B-EA9F8B36A489}"/>
+                <a16:creationId xmlns:a16="http://schemas.microsoft.com/office/drawing/2014/main" id="{4EDAA912-8FA0-0F11-119B-EA9F8B36A489}"/>
               </a:ext>
             </a:extLst>
           </p:cNvPr>
@@ -11700,7 +11727,7 @@
           <p:cNvPr id="4" name="TextBox 3">
             <a:extLst>
               <a:ext uri="{FF2B5EF4-FFF2-40B4-BE49-F238E27FC236}">
-                <a16:creationId xmlns="" xmlns:a16="http://schemas.microsoft.com/office/drawing/2014/main" id="{5ADC00B6-990A-40DC-3CEA-505258F5E8DA}"/>
+                <a16:creationId xmlns:a16="http://schemas.microsoft.com/office/drawing/2014/main" id="{5ADC00B6-990A-40DC-3CEA-505258F5E8DA}"/>
               </a:ext>
             </a:extLst>
           </p:cNvPr>
@@ -11772,7 +11799,7 @@
           <p:cNvPr id="6" name="직사각형 5">
             <a:extLst>
               <a:ext uri="{FF2B5EF4-FFF2-40B4-BE49-F238E27FC236}">
-                <a16:creationId xmlns:a16="http://schemas.microsoft.com/office/drawing/2014/main" xmlns="" id="{FFF506F9-840A-0508-4CAF-3AC711D8D5CE}"/>
+                <a16:creationId xmlns:a16="http://schemas.microsoft.com/office/drawing/2014/main" id="{FFF506F9-840A-0508-4CAF-3AC711D8D5CE}"/>
               </a:ext>
             </a:extLst>
           </p:cNvPr>
@@ -11848,7 +11875,7 @@
           <p:cNvPr id="8" name="TextBox 7">
             <a:extLst>
               <a:ext uri="{FF2B5EF4-FFF2-40B4-BE49-F238E27FC236}">
-                <a16:creationId xmlns:a16="http://schemas.microsoft.com/office/drawing/2014/main" xmlns="" id="{4EDAA912-8FA0-0F11-119B-EA9F8B36A489}"/>
+                <a16:creationId xmlns:a16="http://schemas.microsoft.com/office/drawing/2014/main" id="{4EDAA912-8FA0-0F11-119B-EA9F8B36A489}"/>
               </a:ext>
             </a:extLst>
           </p:cNvPr>
@@ -12035,7 +12062,7 @@
           <p:cNvPr id="4" name="TextBox 3">
             <a:extLst>
               <a:ext uri="{FF2B5EF4-FFF2-40B4-BE49-F238E27FC236}">
-                <a16:creationId xmlns="" xmlns:a16="http://schemas.microsoft.com/office/drawing/2014/main" id="{5ADC00B6-990A-40DC-3CEA-505258F5E8DA}"/>
+                <a16:creationId xmlns:a16="http://schemas.microsoft.com/office/drawing/2014/main" id="{5ADC00B6-990A-40DC-3CEA-505258F5E8DA}"/>
               </a:ext>
             </a:extLst>
           </p:cNvPr>
@@ -12131,7 +12158,7 @@
           <p:cNvPr id="7" name="TextBox 6">
             <a:extLst>
               <a:ext uri="{FF2B5EF4-FFF2-40B4-BE49-F238E27FC236}">
-                <a16:creationId xmlns="" xmlns:a16="http://schemas.microsoft.com/office/drawing/2014/main" id="{5ADC00B6-990A-40DC-3CEA-505258F5E8DA}"/>
+                <a16:creationId xmlns:a16="http://schemas.microsoft.com/office/drawing/2014/main" id="{5ADC00B6-990A-40DC-3CEA-505258F5E8DA}"/>
               </a:ext>
             </a:extLst>
           </p:cNvPr>
@@ -12216,7 +12243,7 @@
           <p:cNvPr id="4" name="TextBox 3">
             <a:extLst>
               <a:ext uri="{FF2B5EF4-FFF2-40B4-BE49-F238E27FC236}">
-                <a16:creationId xmlns="" xmlns:a16="http://schemas.microsoft.com/office/drawing/2014/main" id="{5ADC00B6-990A-40DC-3CEA-505258F5E8DA}"/>
+                <a16:creationId xmlns:a16="http://schemas.microsoft.com/office/drawing/2014/main" id="{5ADC00B6-990A-40DC-3CEA-505258F5E8DA}"/>
               </a:ext>
             </a:extLst>
           </p:cNvPr>
@@ -12226,7 +12253,7 @@
         <p:spPr>
           <a:xfrm>
             <a:off x="990600" y="266700"/>
-            <a:ext cx="17068800" cy="923330"/>
+            <a:ext cx="18288000" cy="923330"/>
           </a:xfrm>
           <a:prstGeom prst="rect">
             <a:avLst/>
@@ -12308,7 +12335,7 @@
           <p:cNvPr id="6" name="직사각형 5">
             <a:extLst>
               <a:ext uri="{FF2B5EF4-FFF2-40B4-BE49-F238E27FC236}">
-                <a16:creationId xmlns:a16="http://schemas.microsoft.com/office/drawing/2014/main" xmlns="" id="{FFF506F9-840A-0508-4CAF-3AC711D8D5CE}"/>
+                <a16:creationId xmlns:a16="http://schemas.microsoft.com/office/drawing/2014/main" id="{FFF506F9-840A-0508-4CAF-3AC711D8D5CE}"/>
               </a:ext>
             </a:extLst>
           </p:cNvPr>
@@ -12360,7 +12387,7 @@
           <p:cNvPr id="7" name="직사각형 6">
             <a:extLst>
               <a:ext uri="{FF2B5EF4-FFF2-40B4-BE49-F238E27FC236}">
-                <a16:creationId xmlns:a16="http://schemas.microsoft.com/office/drawing/2014/main" xmlns="" id="{FFF506F9-840A-0508-4CAF-3AC711D8D5CE}"/>
+                <a16:creationId xmlns:a16="http://schemas.microsoft.com/office/drawing/2014/main" id="{FFF506F9-840A-0508-4CAF-3AC711D8D5CE}"/>
               </a:ext>
             </a:extLst>
           </p:cNvPr>
@@ -12412,7 +12439,7 @@
           <p:cNvPr id="8" name="직사각형 7">
             <a:extLst>
               <a:ext uri="{FF2B5EF4-FFF2-40B4-BE49-F238E27FC236}">
-                <a16:creationId xmlns:a16="http://schemas.microsoft.com/office/drawing/2014/main" xmlns="" id="{FFF506F9-840A-0508-4CAF-3AC711D8D5CE}"/>
+                <a16:creationId xmlns:a16="http://schemas.microsoft.com/office/drawing/2014/main" id="{FFF506F9-840A-0508-4CAF-3AC711D8D5CE}"/>
               </a:ext>
             </a:extLst>
           </p:cNvPr>
@@ -12464,7 +12491,7 @@
           <p:cNvPr id="9" name="TextBox 8">
             <a:extLst>
               <a:ext uri="{FF2B5EF4-FFF2-40B4-BE49-F238E27FC236}">
-                <a16:creationId xmlns="" xmlns:a16="http://schemas.microsoft.com/office/drawing/2014/main" id="{5ADC00B6-990A-40DC-3CEA-505258F5E8DA}"/>
+                <a16:creationId xmlns:a16="http://schemas.microsoft.com/office/drawing/2014/main" id="{5ADC00B6-990A-40DC-3CEA-505258F5E8DA}"/>
               </a:ext>
             </a:extLst>
           </p:cNvPr>
@@ -12532,7 +12559,7 @@
           <p:cNvPr id="10" name="직선 화살표 연결선 9">
             <a:extLst>
               <a:ext uri="{FF2B5EF4-FFF2-40B4-BE49-F238E27FC236}">
-                <a16:creationId xmlns="" xmlns:a16="http://schemas.microsoft.com/office/drawing/2014/main" id="{299DF5EC-9DF4-5255-06AC-0A7CE4FF58C3}"/>
+                <a16:creationId xmlns:a16="http://schemas.microsoft.com/office/drawing/2014/main" id="{299DF5EC-9DF4-5255-06AC-0A7CE4FF58C3}"/>
               </a:ext>
             </a:extLst>
           </p:cNvPr>
@@ -12573,7 +12600,7 @@
           <p:cNvPr id="11" name="TextBox 10">
             <a:extLst>
               <a:ext uri="{FF2B5EF4-FFF2-40B4-BE49-F238E27FC236}">
-                <a16:creationId xmlns="" xmlns:a16="http://schemas.microsoft.com/office/drawing/2014/main" id="{C6D113C6-EA5C-788F-0C77-E7CE6EBB865F}"/>
+                <a16:creationId xmlns:a16="http://schemas.microsoft.com/office/drawing/2014/main" id="{C6D113C6-EA5C-788F-0C77-E7CE6EBB865F}"/>
               </a:ext>
             </a:extLst>
           </p:cNvPr>
@@ -12651,7 +12678,7 @@
           <p:cNvPr id="12" name="직선 화살표 연결선 11">
             <a:extLst>
               <a:ext uri="{FF2B5EF4-FFF2-40B4-BE49-F238E27FC236}">
-                <a16:creationId xmlns="" xmlns:a16="http://schemas.microsoft.com/office/drawing/2014/main" id="{299DF5EC-9DF4-5255-06AC-0A7CE4FF58C3}"/>
+                <a16:creationId xmlns:a16="http://schemas.microsoft.com/office/drawing/2014/main" id="{299DF5EC-9DF4-5255-06AC-0A7CE4FF58C3}"/>
               </a:ext>
             </a:extLst>
           </p:cNvPr>
@@ -12694,7 +12721,7 @@
           <p:cNvPr id="13" name="TextBox 12">
             <a:extLst>
               <a:ext uri="{FF2B5EF4-FFF2-40B4-BE49-F238E27FC236}">
-                <a16:creationId xmlns="" xmlns:a16="http://schemas.microsoft.com/office/drawing/2014/main" id="{C6D113C6-EA5C-788F-0C77-E7CE6EBB865F}"/>
+                <a16:creationId xmlns:a16="http://schemas.microsoft.com/office/drawing/2014/main" id="{C6D113C6-EA5C-788F-0C77-E7CE6EBB865F}"/>
               </a:ext>
             </a:extLst>
           </p:cNvPr>
@@ -12752,7 +12779,7 @@
           <p:cNvPr id="14" name="직사각형 13">
             <a:extLst>
               <a:ext uri="{FF2B5EF4-FFF2-40B4-BE49-F238E27FC236}">
-                <a16:creationId xmlns:a16="http://schemas.microsoft.com/office/drawing/2014/main" xmlns="" id="{FFF506F9-840A-0508-4CAF-3AC711D8D5CE}"/>
+                <a16:creationId xmlns:a16="http://schemas.microsoft.com/office/drawing/2014/main" id="{FFF506F9-840A-0508-4CAF-3AC711D8D5CE}"/>
               </a:ext>
             </a:extLst>
           </p:cNvPr>
@@ -12804,7 +12831,7 @@
           <p:cNvPr id="15" name="직선 화살표 연결선 14">
             <a:extLst>
               <a:ext uri="{FF2B5EF4-FFF2-40B4-BE49-F238E27FC236}">
-                <a16:creationId xmlns="" xmlns:a16="http://schemas.microsoft.com/office/drawing/2014/main" id="{299DF5EC-9DF4-5255-06AC-0A7CE4FF58C3}"/>
+                <a16:creationId xmlns:a16="http://schemas.microsoft.com/office/drawing/2014/main" id="{299DF5EC-9DF4-5255-06AC-0A7CE4FF58C3}"/>
               </a:ext>
             </a:extLst>
           </p:cNvPr>
@@ -12846,7 +12873,7 @@
           <p:cNvPr id="16" name="TextBox 15">
             <a:extLst>
               <a:ext uri="{FF2B5EF4-FFF2-40B4-BE49-F238E27FC236}">
-                <a16:creationId xmlns="" xmlns:a16="http://schemas.microsoft.com/office/drawing/2014/main" id="{C6D113C6-EA5C-788F-0C77-E7CE6EBB865F}"/>
+                <a16:creationId xmlns:a16="http://schemas.microsoft.com/office/drawing/2014/main" id="{C6D113C6-EA5C-788F-0C77-E7CE6EBB865F}"/>
               </a:ext>
             </a:extLst>
           </p:cNvPr>
@@ -12934,7 +12961,7 @@
           <p:cNvPr id="18" name="직사각형 17">
             <a:extLst>
               <a:ext uri="{FF2B5EF4-FFF2-40B4-BE49-F238E27FC236}">
-                <a16:creationId xmlns:a16="http://schemas.microsoft.com/office/drawing/2014/main" xmlns="" id="{FFF506F9-840A-0508-4CAF-3AC711D8D5CE}"/>
+                <a16:creationId xmlns:a16="http://schemas.microsoft.com/office/drawing/2014/main" id="{FFF506F9-840A-0508-4CAF-3AC711D8D5CE}"/>
               </a:ext>
             </a:extLst>
           </p:cNvPr>
@@ -12986,7 +13013,7 @@
           <p:cNvPr id="19" name="직선 화살표 연결선 18">
             <a:extLst>
               <a:ext uri="{FF2B5EF4-FFF2-40B4-BE49-F238E27FC236}">
-                <a16:creationId xmlns="" xmlns:a16="http://schemas.microsoft.com/office/drawing/2014/main" id="{299DF5EC-9DF4-5255-06AC-0A7CE4FF58C3}"/>
+                <a16:creationId xmlns:a16="http://schemas.microsoft.com/office/drawing/2014/main" id="{299DF5EC-9DF4-5255-06AC-0A7CE4FF58C3}"/>
               </a:ext>
             </a:extLst>
           </p:cNvPr>
@@ -13027,7 +13054,7 @@
           <p:cNvPr id="20" name="TextBox 19">
             <a:extLst>
               <a:ext uri="{FF2B5EF4-FFF2-40B4-BE49-F238E27FC236}">
-                <a16:creationId xmlns="" xmlns:a16="http://schemas.microsoft.com/office/drawing/2014/main" id="{C6D113C6-EA5C-788F-0C77-E7CE6EBB865F}"/>
+                <a16:creationId xmlns:a16="http://schemas.microsoft.com/office/drawing/2014/main" id="{C6D113C6-EA5C-788F-0C77-E7CE6EBB865F}"/>
               </a:ext>
             </a:extLst>
           </p:cNvPr>
@@ -13142,7 +13169,7 @@
           <p:cNvPr id="4" name="TextBox 3">
             <a:extLst>
               <a:ext uri="{FF2B5EF4-FFF2-40B4-BE49-F238E27FC236}">
-                <a16:creationId xmlns="" xmlns:a16="http://schemas.microsoft.com/office/drawing/2014/main" id="{5ADC00B6-990A-40DC-3CEA-505258F5E8DA}"/>
+                <a16:creationId xmlns:a16="http://schemas.microsoft.com/office/drawing/2014/main" id="{5ADC00B6-990A-40DC-3CEA-505258F5E8DA}"/>
               </a:ext>
             </a:extLst>
           </p:cNvPr>
@@ -13200,7 +13227,7 @@
           <p:cNvPr id="9" name="TextBox 8">
             <a:extLst>
               <a:ext uri="{FF2B5EF4-FFF2-40B4-BE49-F238E27FC236}">
-                <a16:creationId xmlns="" xmlns:a16="http://schemas.microsoft.com/office/drawing/2014/main" id="{4EDAA912-8FA0-0F11-119B-EA9F8B36A489}"/>
+                <a16:creationId xmlns:a16="http://schemas.microsoft.com/office/drawing/2014/main" id="{4EDAA912-8FA0-0F11-119B-EA9F8B36A489}"/>
               </a:ext>
             </a:extLst>
           </p:cNvPr>
@@ -13210,7 +13237,7 @@
         <p:spPr>
           <a:xfrm>
             <a:off x="914400" y="1028700"/>
-            <a:ext cx="14706600" cy="1200329"/>
+            <a:ext cx="15849600" cy="1200329"/>
           </a:xfrm>
           <a:prstGeom prst="rect">
             <a:avLst/>
@@ -13796,7 +13823,7 @@
           <p:cNvPr id="2" name="TextBox 1">
             <a:extLst>
               <a:ext uri="{FF2B5EF4-FFF2-40B4-BE49-F238E27FC236}">
-                <a16:creationId xmlns:a16="http://schemas.microsoft.com/office/drawing/2014/main" xmlns="" id="{8D19D88B-9541-32D7-90F1-0C45C993E21C}"/>
+                <a16:creationId xmlns:a16="http://schemas.microsoft.com/office/drawing/2014/main" id="{8D19D88B-9541-32D7-90F1-0C45C993E21C}"/>
               </a:ext>
             </a:extLst>
           </p:cNvPr>
@@ -13876,7 +13903,7 @@
           <p:cNvPr id="4" name="TextBox 3">
             <a:extLst>
               <a:ext uri="{FF2B5EF4-FFF2-40B4-BE49-F238E27FC236}">
-                <a16:creationId xmlns="" xmlns:a16="http://schemas.microsoft.com/office/drawing/2014/main" id="{4EDAA912-8FA0-0F11-119B-EA9F8B36A489}"/>
+                <a16:creationId xmlns:a16="http://schemas.microsoft.com/office/drawing/2014/main" id="{4EDAA912-8FA0-0F11-119B-EA9F8B36A489}"/>
               </a:ext>
             </a:extLst>
           </p:cNvPr>
@@ -13886,7 +13913,7 @@
         <p:spPr>
           <a:xfrm>
             <a:off x="1676400" y="800100"/>
-            <a:ext cx="14664592" cy="1754326"/>
+            <a:ext cx="16687800" cy="1754326"/>
           </a:xfrm>
           <a:prstGeom prst="rect">
             <a:avLst/>
@@ -13894,7 +13921,7 @@
           <a:noFill/>
         </p:spPr>
         <p:txBody>
-          <a:bodyPr wrap="none" rtlCol="0">
+          <a:bodyPr wrap="square" rtlCol="0">
             <a:spAutoFit/>
           </a:bodyPr>
           <a:lstStyle/>
@@ -14331,7 +14358,7 @@
           <p:cNvPr id="4" name="TextBox 3">
             <a:extLst>
               <a:ext uri="{FF2B5EF4-FFF2-40B4-BE49-F238E27FC236}">
-                <a16:creationId xmlns="" xmlns:a16="http://schemas.microsoft.com/office/drawing/2014/main" id="{4EDAA912-8FA0-0F11-119B-EA9F8B36A489}"/>
+                <a16:creationId xmlns:a16="http://schemas.microsoft.com/office/drawing/2014/main" id="{4EDAA912-8FA0-0F11-119B-EA9F8B36A489}"/>
               </a:ext>
             </a:extLst>
           </p:cNvPr>
@@ -14341,7 +14368,7 @@
         <p:spPr>
           <a:xfrm>
             <a:off x="1295400" y="499479"/>
-            <a:ext cx="13182600" cy="2862322"/>
+            <a:ext cx="16992600" cy="2862322"/>
           </a:xfrm>
           <a:prstGeom prst="rect">
             <a:avLst/>
@@ -14859,7 +14886,7 @@
           <p:cNvPr id="5" name="TextBox 4">
             <a:extLst>
               <a:ext uri="{FF2B5EF4-FFF2-40B4-BE49-F238E27FC236}">
-                <a16:creationId xmlns:a16="http://schemas.microsoft.com/office/drawing/2014/main" xmlns="" id="{4EDAA912-8FA0-0F11-119B-EA9F8B36A489}"/>
+                <a16:creationId xmlns:a16="http://schemas.microsoft.com/office/drawing/2014/main" id="{4EDAA912-8FA0-0F11-119B-EA9F8B36A489}"/>
               </a:ext>
             </a:extLst>
           </p:cNvPr>
@@ -14869,7 +14896,7 @@
         <p:spPr>
           <a:xfrm>
             <a:off x="1447800" y="266700"/>
-            <a:ext cx="15925800" cy="1692771"/>
+            <a:ext cx="16446200" cy="1692771"/>
           </a:xfrm>
           <a:prstGeom prst="rect">
             <a:avLst/>
@@ -14992,15 +15019,6 @@
               </a:rPr>
               <a:t>.</a:t>
             </a:r>
-            <a:endParaRPr lang="en-US" altLang="ko-KR" sz="3200" smtClean="0">
-              <a:solidFill>
-                <a:schemeClr val="bg1">
-                  <a:lumMod val="50000"/>
-                </a:schemeClr>
-              </a:solidFill>
-              <a:latin typeface="G마켓 산스 Medium" panose="02000000000000000000" pitchFamily="50" charset="-127"/>
-              <a:ea typeface="G마켓 산스 Medium" panose="02000000000000000000" pitchFamily="50" charset="-127"/>
-            </a:endParaRPr>
           </a:p>
         </p:txBody>
       </p:sp>
@@ -15209,7 +15227,7 @@
           <p:cNvPr id="5" name="TextBox 4">
             <a:extLst>
               <a:ext uri="{FF2B5EF4-FFF2-40B4-BE49-F238E27FC236}">
-                <a16:creationId xmlns="" xmlns:a16="http://schemas.microsoft.com/office/drawing/2014/main" id="{4EDAA912-8FA0-0F11-119B-EA9F8B36A489}"/>
+                <a16:creationId xmlns:a16="http://schemas.microsoft.com/office/drawing/2014/main" id="{4EDAA912-8FA0-0F11-119B-EA9F8B36A489}"/>
               </a:ext>
             </a:extLst>
           </p:cNvPr>
@@ -15308,17 +15326,7 @@
                 <a:latin typeface="G마켓 산스 Medium" panose="02000000000000000000" pitchFamily="50" charset="-127"/>
                 <a:ea typeface="G마켓 산스 Medium" panose="02000000000000000000" pitchFamily="50" charset="-127"/>
               </a:rPr>
-              <a:t>계산하는 프로그램을 </a:t>
-            </a:r>
-            <a:r>
-              <a:rPr lang="ko-KR" altLang="en-US" sz="3600" smtClean="0">
-                <a:solidFill>
-                  <a:srgbClr val="4C50BC"/>
-                </a:solidFill>
-                <a:latin typeface="G마켓 산스 Medium" panose="02000000000000000000" pitchFamily="50" charset="-127"/>
-                <a:ea typeface="G마켓 산스 Medium" panose="02000000000000000000" pitchFamily="50" charset="-127"/>
-              </a:rPr>
-              <a:t>만드시오</a:t>
+              <a:t>계산하는 프로그램을 만드시오</a:t>
             </a:r>
             <a:endParaRPr lang="en-US" altLang="ko-KR" sz="3600" smtClean="0">
               <a:solidFill>
@@ -15552,7 +15560,7 @@
           <p:cNvPr id="4" name="Object 1">
             <a:extLst>
               <a:ext uri="{FF2B5EF4-FFF2-40B4-BE49-F238E27FC236}">
-                <a16:creationId xmlns:a16="http://schemas.microsoft.com/office/drawing/2014/main" xmlns="" id="{B0329035-BE76-33A8-0F2E-44624FCC1DED}"/>
+                <a16:creationId xmlns:a16="http://schemas.microsoft.com/office/drawing/2014/main" id="{B0329035-BE76-33A8-0F2E-44624FCC1DED}"/>
               </a:ext>
             </a:extLst>
           </p:cNvPr>
@@ -15582,7 +15590,7 @@
           <p:cNvPr id="7" name="그룹 1001">
             <a:extLst>
               <a:ext uri="{FF2B5EF4-FFF2-40B4-BE49-F238E27FC236}">
-                <a16:creationId xmlns:a16="http://schemas.microsoft.com/office/drawing/2014/main" xmlns="" id="{CD24CE9D-AC18-B6CD-F397-7E8E03D6FE26}"/>
+                <a16:creationId xmlns:a16="http://schemas.microsoft.com/office/drawing/2014/main" id="{CD24CE9D-AC18-B6CD-F397-7E8E03D6FE26}"/>
               </a:ext>
             </a:extLst>
           </p:cNvPr>
@@ -15602,7 +15610,7 @@
             <p:cNvPr id="8" name="Object 5">
               <a:extLst>
                 <a:ext uri="{FF2B5EF4-FFF2-40B4-BE49-F238E27FC236}">
-                  <a16:creationId xmlns:a16="http://schemas.microsoft.com/office/drawing/2014/main" xmlns="" id="{0EEF25E8-3BA8-EBAA-6DC2-66D70C3F9F4D}"/>
+                  <a16:creationId xmlns:a16="http://schemas.microsoft.com/office/drawing/2014/main" id="{0EEF25E8-3BA8-EBAA-6DC2-66D70C3F9F4D}"/>
                 </a:ext>
               </a:extLst>
             </p:cNvPr>
@@ -15633,7 +15641,7 @@
           <p:cNvPr id="9" name="그룹 1002">
             <a:extLst>
               <a:ext uri="{FF2B5EF4-FFF2-40B4-BE49-F238E27FC236}">
-                <a16:creationId xmlns:a16="http://schemas.microsoft.com/office/drawing/2014/main" xmlns="" id="{0F281BC9-DE1F-D1FE-E64C-C4640398F00C}"/>
+                <a16:creationId xmlns:a16="http://schemas.microsoft.com/office/drawing/2014/main" id="{0F281BC9-DE1F-D1FE-E64C-C4640398F00C}"/>
               </a:ext>
             </a:extLst>
           </p:cNvPr>
@@ -15653,7 +15661,7 @@
             <p:cNvPr id="10" name="Object 8">
               <a:extLst>
                 <a:ext uri="{FF2B5EF4-FFF2-40B4-BE49-F238E27FC236}">
-                  <a16:creationId xmlns:a16="http://schemas.microsoft.com/office/drawing/2014/main" xmlns="" id="{F669DCEF-04BB-7046-3F7F-5B513213556E}"/>
+                  <a16:creationId xmlns:a16="http://schemas.microsoft.com/office/drawing/2014/main" id="{F669DCEF-04BB-7046-3F7F-5B513213556E}"/>
                 </a:ext>
               </a:extLst>
             </p:cNvPr>
@@ -15684,7 +15692,7 @@
           <p:cNvPr id="11" name="그룹 1003">
             <a:extLst>
               <a:ext uri="{FF2B5EF4-FFF2-40B4-BE49-F238E27FC236}">
-                <a16:creationId xmlns:a16="http://schemas.microsoft.com/office/drawing/2014/main" xmlns="" id="{1F91EEF9-13EA-BB7F-B056-D35E7DB989AC}"/>
+                <a16:creationId xmlns:a16="http://schemas.microsoft.com/office/drawing/2014/main" id="{1F91EEF9-13EA-BB7F-B056-D35E7DB989AC}"/>
               </a:ext>
             </a:extLst>
           </p:cNvPr>
@@ -15704,7 +15712,7 @@
             <p:cNvPr id="12" name="Object 11">
               <a:extLst>
                 <a:ext uri="{FF2B5EF4-FFF2-40B4-BE49-F238E27FC236}">
-                  <a16:creationId xmlns:a16="http://schemas.microsoft.com/office/drawing/2014/main" xmlns="" id="{2CFFB217-AEFB-2C9E-5F86-6EE19510FFC6}"/>
+                  <a16:creationId xmlns:a16="http://schemas.microsoft.com/office/drawing/2014/main" id="{2CFFB217-AEFB-2C9E-5F86-6EE19510FFC6}"/>
                 </a:ext>
               </a:extLst>
             </p:cNvPr>
@@ -15735,7 +15743,7 @@
           <p:cNvPr id="13" name="그룹 1004">
             <a:extLst>
               <a:ext uri="{FF2B5EF4-FFF2-40B4-BE49-F238E27FC236}">
-                <a16:creationId xmlns:a16="http://schemas.microsoft.com/office/drawing/2014/main" xmlns="" id="{123B9C7E-94E8-E7E1-81BE-D59EA0299187}"/>
+                <a16:creationId xmlns:a16="http://schemas.microsoft.com/office/drawing/2014/main" id="{123B9C7E-94E8-E7E1-81BE-D59EA0299187}"/>
               </a:ext>
             </a:extLst>
           </p:cNvPr>
@@ -15755,7 +15763,7 @@
             <p:cNvPr id="14" name="Object 14">
               <a:extLst>
                 <a:ext uri="{FF2B5EF4-FFF2-40B4-BE49-F238E27FC236}">
-                  <a16:creationId xmlns:a16="http://schemas.microsoft.com/office/drawing/2014/main" xmlns="" id="{B6291552-2D89-A79F-7ACD-EA0EF9A4C389}"/>
+                  <a16:creationId xmlns:a16="http://schemas.microsoft.com/office/drawing/2014/main" id="{B6291552-2D89-A79F-7ACD-EA0EF9A4C389}"/>
                 </a:ext>
               </a:extLst>
             </p:cNvPr>
@@ -15786,7 +15794,7 @@
           <p:cNvPr id="15" name="TextBox 14">
             <a:extLst>
               <a:ext uri="{FF2B5EF4-FFF2-40B4-BE49-F238E27FC236}">
-                <a16:creationId xmlns:a16="http://schemas.microsoft.com/office/drawing/2014/main" xmlns="" id="{7D99763A-FC24-23F5-5BA9-D7B042E0F323}"/>
+                <a16:creationId xmlns:a16="http://schemas.microsoft.com/office/drawing/2014/main" id="{7D99763A-FC24-23F5-5BA9-D7B042E0F323}"/>
               </a:ext>
             </a:extLst>
           </p:cNvPr>
@@ -15871,7 +15879,7 @@
           <p:cNvPr id="4" name="TextBox 3">
             <a:extLst>
               <a:ext uri="{FF2B5EF4-FFF2-40B4-BE49-F238E27FC236}">
-                <a16:creationId xmlns="" xmlns:a16="http://schemas.microsoft.com/office/drawing/2014/main" id="{5ADC00B6-990A-40DC-3CEA-505258F5E8DA}"/>
+                <a16:creationId xmlns:a16="http://schemas.microsoft.com/office/drawing/2014/main" id="{5ADC00B6-990A-40DC-3CEA-505258F5E8DA}"/>
               </a:ext>
             </a:extLst>
           </p:cNvPr>
@@ -15881,7 +15889,7 @@
         <p:spPr>
           <a:xfrm>
             <a:off x="2895600" y="1409700"/>
-            <a:ext cx="13487400" cy="7478970"/>
+            <a:ext cx="15240000" cy="7478970"/>
           </a:xfrm>
           <a:prstGeom prst="rect">
             <a:avLst/>
@@ -15943,27 +15951,7 @@
                 <a:latin typeface="G마켓 산스 Medium" panose="02000000000000000000" pitchFamily="50" charset="-127"/>
                 <a:ea typeface="G마켓 산스 Medium" panose="02000000000000000000" pitchFamily="50" charset="-127"/>
               </a:rPr>
-              <a:t>: X+3 </a:t>
-            </a:r>
-            <a:r>
-              <a:rPr lang="en-US" altLang="ko-KR" sz="6000" smtClean="0">
-                <a:solidFill>
-                  <a:srgbClr val="4C50BC"/>
-                </a:solidFill>
-                <a:latin typeface="G마켓 산스 Medium" panose="02000000000000000000" pitchFamily="50" charset="-127"/>
-                <a:ea typeface="G마켓 산스 Medium" panose="02000000000000000000" pitchFamily="50" charset="-127"/>
-              </a:rPr>
-              <a:t>&gt; </a:t>
-            </a:r>
-            <a:r>
-              <a:rPr lang="en-US" altLang="ko-KR" sz="6000" smtClean="0">
-                <a:solidFill>
-                  <a:srgbClr val="4C50BC"/>
-                </a:solidFill>
-                <a:latin typeface="G마켓 산스 Medium" panose="02000000000000000000" pitchFamily="50" charset="-127"/>
-                <a:ea typeface="G마켓 산스 Medium" panose="02000000000000000000" pitchFamily="50" charset="-127"/>
-              </a:rPr>
-              <a:t>y-2</a:t>
+              <a:t>: X+3 &gt; y-2</a:t>
             </a:r>
           </a:p>
           <a:p>
@@ -15994,37 +15982,7 @@
                 <a:latin typeface="G마켓 산스 Medium" panose="02000000000000000000" pitchFamily="50" charset="-127"/>
                 <a:ea typeface="G마켓 산스 Medium" panose="02000000000000000000" pitchFamily="50" charset="-127"/>
               </a:rPr>
-              <a:t>: </a:t>
-            </a:r>
-            <a:r>
-              <a:rPr lang="en-US" altLang="ko-KR" sz="6000" smtClean="0">
-                <a:solidFill>
-                  <a:srgbClr val="4C50BC"/>
-                </a:solidFill>
-                <a:latin typeface="G마켓 산스 Medium" panose="02000000000000000000" pitchFamily="50" charset="-127"/>
-                <a:ea typeface="G마켓 산스 Medium" panose="02000000000000000000" pitchFamily="50" charset="-127"/>
-              </a:rPr>
-              <a:t>X&gt;3 </a:t>
-            </a:r>
-            <a:r>
-              <a:rPr lang="en-US" altLang="ko-KR" sz="6000" smtClean="0">
-                <a:solidFill>
-                  <a:srgbClr val="4C50BC"/>
-                </a:solidFill>
-                <a:latin typeface="G마켓 산스 Medium" panose="02000000000000000000" pitchFamily="50" charset="-127"/>
-                <a:ea typeface="G마켓 산스 Medium" panose="02000000000000000000" pitchFamily="50" charset="-127"/>
-              </a:rPr>
-              <a:t>&amp;&amp; </a:t>
-            </a:r>
-            <a:r>
-              <a:rPr lang="en-US" altLang="ko-KR" sz="6000" smtClean="0">
-                <a:solidFill>
-                  <a:srgbClr val="4C50BC"/>
-                </a:solidFill>
-                <a:latin typeface="G마켓 산스 Medium" panose="02000000000000000000" pitchFamily="50" charset="-127"/>
-                <a:ea typeface="G마켓 산스 Medium" panose="02000000000000000000" pitchFamily="50" charset="-127"/>
-              </a:rPr>
-              <a:t>x&lt;5</a:t>
+              <a:t>: X&gt;3 &amp;&amp; x&lt;5</a:t>
             </a:r>
           </a:p>
           <a:p>
@@ -16055,27 +16013,7 @@
                 <a:latin typeface="G마켓 산스 Medium" panose="02000000000000000000" pitchFamily="50" charset="-127"/>
                 <a:ea typeface="G마켓 산스 Medium" panose="02000000000000000000" pitchFamily="50" charset="-127"/>
               </a:rPr>
-              <a:t>:</a:t>
-            </a:r>
-            <a:r>
-              <a:rPr lang="en-US" altLang="ko-KR" sz="6000" smtClean="0">
-                <a:solidFill>
-                  <a:srgbClr val="4C50BC"/>
-                </a:solidFill>
-                <a:latin typeface="G마켓 산스 Medium" panose="02000000000000000000" pitchFamily="50" charset="-127"/>
-                <a:ea typeface="G마켓 산스 Medium" panose="02000000000000000000" pitchFamily="50" charset="-127"/>
-              </a:rPr>
-              <a:t>true </a:t>
-            </a:r>
-            <a:r>
-              <a:rPr lang="en-US" altLang="ko-KR" sz="6000" smtClean="0">
-                <a:solidFill>
-                  <a:srgbClr val="4C50BC"/>
-                </a:solidFill>
-                <a:latin typeface="G마켓 산스 Medium" panose="02000000000000000000" pitchFamily="50" charset="-127"/>
-                <a:ea typeface="G마켓 산스 Medium" panose="02000000000000000000" pitchFamily="50" charset="-127"/>
-              </a:rPr>
-              <a:t>|| true &amp;&amp; false</a:t>
+              <a:t>:true || true &amp;&amp; false</a:t>
             </a:r>
           </a:p>
           <a:p>
@@ -16139,7 +16077,7 @@
           <p:cNvPr id="5" name="Object 2">
             <a:extLst>
               <a:ext uri="{FF2B5EF4-FFF2-40B4-BE49-F238E27FC236}">
-                <a16:creationId xmlns:a16="http://schemas.microsoft.com/office/drawing/2014/main" xmlns="" id="{EB9768FE-76B0-709F-3C4D-0ECBB41147CD}"/>
+                <a16:creationId xmlns:a16="http://schemas.microsoft.com/office/drawing/2014/main" id="{EB9768FE-76B0-709F-3C4D-0ECBB41147CD}"/>
               </a:ext>
             </a:extLst>
           </p:cNvPr>
@@ -16169,7 +16107,7 @@
           <p:cNvPr id="7" name="그룹 1001">
             <a:extLst>
               <a:ext uri="{FF2B5EF4-FFF2-40B4-BE49-F238E27FC236}">
-                <a16:creationId xmlns:a16="http://schemas.microsoft.com/office/drawing/2014/main" xmlns="" id="{0637F47C-891C-2B90-8647-32B84C264D42}"/>
+                <a16:creationId xmlns:a16="http://schemas.microsoft.com/office/drawing/2014/main" id="{0637F47C-891C-2B90-8647-32B84C264D42}"/>
               </a:ext>
             </a:extLst>
           </p:cNvPr>
@@ -16189,7 +16127,7 @@
             <p:cNvPr id="8" name="Object 5">
               <a:extLst>
                 <a:ext uri="{FF2B5EF4-FFF2-40B4-BE49-F238E27FC236}">
-                  <a16:creationId xmlns:a16="http://schemas.microsoft.com/office/drawing/2014/main" xmlns="" id="{710F969D-8259-9328-33C3-C6DB500C60D4}"/>
+                  <a16:creationId xmlns:a16="http://schemas.microsoft.com/office/drawing/2014/main" id="{710F969D-8259-9328-33C3-C6DB500C60D4}"/>
                 </a:ext>
               </a:extLst>
             </p:cNvPr>
@@ -16220,7 +16158,7 @@
           <p:cNvPr id="9" name="그룹 1002">
             <a:extLst>
               <a:ext uri="{FF2B5EF4-FFF2-40B4-BE49-F238E27FC236}">
-                <a16:creationId xmlns:a16="http://schemas.microsoft.com/office/drawing/2014/main" xmlns="" id="{A87796A8-251B-F38A-5AE9-11F8D847B25D}"/>
+                <a16:creationId xmlns:a16="http://schemas.microsoft.com/office/drawing/2014/main" id="{A87796A8-251B-F38A-5AE9-11F8D847B25D}"/>
               </a:ext>
             </a:extLst>
           </p:cNvPr>
@@ -16240,7 +16178,7 @@
             <p:cNvPr id="10" name="Object 8">
               <a:extLst>
                 <a:ext uri="{FF2B5EF4-FFF2-40B4-BE49-F238E27FC236}">
-                  <a16:creationId xmlns:a16="http://schemas.microsoft.com/office/drawing/2014/main" xmlns="" id="{9E806C19-D323-E705-F3B8-EEABB39F0993}"/>
+                  <a16:creationId xmlns:a16="http://schemas.microsoft.com/office/drawing/2014/main" id="{9E806C19-D323-E705-F3B8-EEABB39F0993}"/>
                 </a:ext>
               </a:extLst>
             </p:cNvPr>
@@ -16271,7 +16209,7 @@
           <p:cNvPr id="11" name="그룹 1003">
             <a:extLst>
               <a:ext uri="{FF2B5EF4-FFF2-40B4-BE49-F238E27FC236}">
-                <a16:creationId xmlns:a16="http://schemas.microsoft.com/office/drawing/2014/main" xmlns="" id="{701795E0-24B6-38E6-7308-FED7AD2B6900}"/>
+                <a16:creationId xmlns:a16="http://schemas.microsoft.com/office/drawing/2014/main" id="{701795E0-24B6-38E6-7308-FED7AD2B6900}"/>
               </a:ext>
             </a:extLst>
           </p:cNvPr>
@@ -16291,7 +16229,7 @@
             <p:cNvPr id="12" name="Object 11">
               <a:extLst>
                 <a:ext uri="{FF2B5EF4-FFF2-40B4-BE49-F238E27FC236}">
-                  <a16:creationId xmlns:a16="http://schemas.microsoft.com/office/drawing/2014/main" xmlns="" id="{D8C68167-7FB5-1F8E-D53C-DEA682F465F5}"/>
+                  <a16:creationId xmlns:a16="http://schemas.microsoft.com/office/drawing/2014/main" id="{D8C68167-7FB5-1F8E-D53C-DEA682F465F5}"/>
                 </a:ext>
               </a:extLst>
             </p:cNvPr>
@@ -16322,7 +16260,7 @@
           <p:cNvPr id="13" name="그룹 1004">
             <a:extLst>
               <a:ext uri="{FF2B5EF4-FFF2-40B4-BE49-F238E27FC236}">
-                <a16:creationId xmlns:a16="http://schemas.microsoft.com/office/drawing/2014/main" xmlns="" id="{03226A72-764D-99F3-A14F-47C351CB448B}"/>
+                <a16:creationId xmlns:a16="http://schemas.microsoft.com/office/drawing/2014/main" id="{03226A72-764D-99F3-A14F-47C351CB448B}"/>
               </a:ext>
             </a:extLst>
           </p:cNvPr>
@@ -16342,7 +16280,7 @@
             <p:cNvPr id="14" name="Object 14">
               <a:extLst>
                 <a:ext uri="{FF2B5EF4-FFF2-40B4-BE49-F238E27FC236}">
-                  <a16:creationId xmlns:a16="http://schemas.microsoft.com/office/drawing/2014/main" xmlns="" id="{77C5B9A8-AEBA-093B-4CD6-4F1ECF519068}"/>
+                  <a16:creationId xmlns:a16="http://schemas.microsoft.com/office/drawing/2014/main" id="{77C5B9A8-AEBA-093B-4CD6-4F1ECF519068}"/>
                 </a:ext>
               </a:extLst>
             </p:cNvPr>
@@ -16373,7 +16311,7 @@
           <p:cNvPr id="15" name="TextBox 14">
             <a:extLst>
               <a:ext uri="{FF2B5EF4-FFF2-40B4-BE49-F238E27FC236}">
-                <a16:creationId xmlns:a16="http://schemas.microsoft.com/office/drawing/2014/main" xmlns="" id="{E44AB10B-96D7-19D1-5C7A-D2761E62F16E}"/>
+                <a16:creationId xmlns:a16="http://schemas.microsoft.com/office/drawing/2014/main" id="{E44AB10B-96D7-19D1-5C7A-D2761E62F16E}"/>
               </a:ext>
             </a:extLst>
           </p:cNvPr>
@@ -16458,7 +16396,7 @@
           <p:cNvPr id="2" name="TextBox 1">
             <a:extLst>
               <a:ext uri="{FF2B5EF4-FFF2-40B4-BE49-F238E27FC236}">
-                <a16:creationId xmlns="" xmlns:a16="http://schemas.microsoft.com/office/drawing/2014/main" id="{5ADC00B6-990A-40DC-3CEA-505258F5E8DA}"/>
+                <a16:creationId xmlns:a16="http://schemas.microsoft.com/office/drawing/2014/main" id="{5ADC00B6-990A-40DC-3CEA-505258F5E8DA}"/>
               </a:ext>
             </a:extLst>
           </p:cNvPr>
@@ -16516,7 +16454,7 @@
           <p:cNvPr id="3" name="TextBox 2">
             <a:extLst>
               <a:ext uri="{FF2B5EF4-FFF2-40B4-BE49-F238E27FC236}">
-                <a16:creationId xmlns:a16="http://schemas.microsoft.com/office/drawing/2014/main" xmlns="" id="{4EDAA912-8FA0-0F11-119B-EA9F8B36A489}"/>
+                <a16:creationId xmlns:a16="http://schemas.microsoft.com/office/drawing/2014/main" id="{4EDAA912-8FA0-0F11-119B-EA9F8B36A489}"/>
               </a:ext>
             </a:extLst>
           </p:cNvPr>
@@ -16526,7 +16464,7 @@
         <p:spPr>
           <a:xfrm>
             <a:off x="1143000" y="1104900"/>
-            <a:ext cx="17145000" cy="1200329"/>
+            <a:ext cx="19583400" cy="1077218"/>
           </a:xfrm>
           <a:prstGeom prst="rect">
             <a:avLst/>
@@ -16543,7 +16481,7 @@
               <a:buAutoNum type="arabicPeriod"/>
             </a:pPr>
             <a:r>
-              <a:rPr lang="en-US" altLang="ko-KR" sz="3600" smtClean="0">
+              <a:rPr lang="en-US" altLang="ko-KR" sz="3200" smtClean="0">
                 <a:solidFill>
                   <a:srgbClr val="4C50BB"/>
                 </a:solidFill>
@@ -16553,7 +16491,7 @@
               <a:t>Int</a:t>
             </a:r>
             <a:r>
-              <a:rPr lang="ko-KR" altLang="en-US" sz="3600" smtClean="0">
+              <a:rPr lang="ko-KR" altLang="en-US" sz="3200" smtClean="0">
                 <a:solidFill>
                   <a:srgbClr val="4C50BB"/>
                 </a:solidFill>
@@ -16563,7 +16501,7 @@
               <a:t>형 변수 </a:t>
             </a:r>
             <a:r>
-              <a:rPr lang="en-US" altLang="ko-KR" sz="3600" smtClean="0">
+              <a:rPr lang="en-US" altLang="ko-KR" sz="3200" smtClean="0">
                 <a:solidFill>
                   <a:srgbClr val="4C50BB"/>
                 </a:solidFill>
@@ -16573,7 +16511,7 @@
               <a:t>num</a:t>
             </a:r>
             <a:r>
-              <a:rPr lang="ko-KR" altLang="en-US" sz="3600" smtClean="0">
+              <a:rPr lang="ko-KR" altLang="en-US" sz="3200" smtClean="0">
                 <a:solidFill>
                   <a:srgbClr val="4C50BB"/>
                 </a:solidFill>
@@ -16583,7 +16521,7 @@
               <a:t>에  </a:t>
             </a:r>
             <a:r>
-              <a:rPr lang="en-US" altLang="ko-KR" sz="3600" smtClean="0">
+              <a:rPr lang="en-US" altLang="ko-KR" sz="3200" smtClean="0">
                 <a:solidFill>
                   <a:srgbClr val="4C50BB"/>
                 </a:solidFill>
@@ -16593,36 +16531,16 @@
               <a:t>100</a:t>
             </a:r>
             <a:r>
-              <a:rPr lang="ko-KR" altLang="en-US" sz="3600" smtClean="0">
+              <a:rPr lang="ko-KR" altLang="en-US" sz="3200" smtClean="0">
                 <a:solidFill>
                   <a:srgbClr val="4C50BB"/>
                 </a:solidFill>
                 <a:latin typeface="G마켓 산스 Medium" panose="02000000000000000000" pitchFamily="50" charset="-127"/>
                 <a:ea typeface="G마켓 산스 Medium" panose="02000000000000000000" pitchFamily="50" charset="-127"/>
               </a:rPr>
-              <a:t>이상의 </a:t>
-            </a:r>
-            <a:r>
-              <a:rPr lang="ko-KR" altLang="en-US" sz="3600" smtClean="0">
-                <a:solidFill>
-                  <a:srgbClr val="4C50BB"/>
-                </a:solidFill>
-                <a:latin typeface="G마켓 산스 Medium" panose="02000000000000000000" pitchFamily="50" charset="-127"/>
-                <a:ea typeface="G마켓 산스 Medium" panose="02000000000000000000" pitchFamily="50" charset="-127"/>
-              </a:rPr>
-              <a:t>숫자를 저장후 백의자리 이하는 버리고 </a:t>
-            </a:r>
-            <a:r>
-              <a:rPr lang="ko-KR" altLang="en-US" sz="3600" smtClean="0">
-                <a:solidFill>
-                  <a:srgbClr val="4C50BB"/>
-                </a:solidFill>
-                <a:latin typeface="G마켓 산스 Medium" panose="02000000000000000000" pitchFamily="50" charset="-127"/>
-                <a:ea typeface="G마켓 산스 Medium" panose="02000000000000000000" pitchFamily="50" charset="-127"/>
-              </a:rPr>
-              <a:t>출력하시오</a:t>
-            </a:r>
-            <a:endParaRPr lang="en-US" altLang="ko-KR" sz="3600" smtClean="0">
+              <a:t>이상의 숫자를 저장후 백의자리 이하는 버리고 출력하시오</a:t>
+            </a:r>
+            <a:endParaRPr lang="en-US" altLang="ko-KR" sz="3200" smtClean="0">
               <a:solidFill>
                 <a:srgbClr val="4C50BB"/>
               </a:solidFill>
@@ -16632,7 +16550,7 @@
           </a:p>
           <a:p>
             <a:r>
-              <a:rPr lang="en-US" altLang="ko-KR" sz="3600">
+              <a:rPr lang="en-US" altLang="ko-KR" sz="3200">
                 <a:solidFill>
                   <a:srgbClr val="FF0000"/>
                 </a:solidFill>
@@ -16642,7 +16560,7 @@
               <a:t>*</a:t>
             </a:r>
             <a:r>
-              <a:rPr lang="ko-KR" altLang="en-US" sz="3600" smtClean="0">
+              <a:rPr lang="ko-KR" altLang="en-US" sz="3200" smtClean="0">
                 <a:solidFill>
                   <a:srgbClr val="FF0000"/>
                 </a:solidFill>
@@ -16652,7 +16570,7 @@
               <a:t>숫자를 </a:t>
             </a:r>
             <a:r>
-              <a:rPr lang="en-US" altLang="ko-KR" sz="3600" smtClean="0">
+              <a:rPr lang="en-US" altLang="ko-KR" sz="3200" smtClean="0">
                 <a:solidFill>
                   <a:srgbClr val="FF0000"/>
                 </a:solidFill>
@@ -16662,7 +16580,7 @@
               <a:t>100</a:t>
             </a:r>
             <a:r>
-              <a:rPr lang="ko-KR" altLang="en-US" sz="3600" smtClean="0">
+              <a:rPr lang="ko-KR" altLang="en-US" sz="3200" smtClean="0">
                 <a:solidFill>
                   <a:srgbClr val="FF0000"/>
                 </a:solidFill>
@@ -16672,7 +16590,7 @@
               <a:t>으로 나누면 </a:t>
             </a:r>
             <a:r>
-              <a:rPr lang="en-US" altLang="ko-KR" sz="3600" smtClean="0">
+              <a:rPr lang="en-US" altLang="ko-KR" sz="3200" smtClean="0">
                 <a:solidFill>
                   <a:srgbClr val="FF0000"/>
                 </a:solidFill>
@@ -16682,7 +16600,7 @@
               <a:t>1</a:t>
             </a:r>
             <a:r>
-              <a:rPr lang="ko-KR" altLang="en-US" sz="3600" smtClean="0">
+              <a:rPr lang="ko-KR" altLang="en-US" sz="3200" smtClean="0">
                 <a:solidFill>
                   <a:srgbClr val="FF0000"/>
                 </a:solidFill>
@@ -16692,7 +16610,7 @@
               <a:t>의자리와 </a:t>
             </a:r>
             <a:r>
-              <a:rPr lang="en-US" altLang="ko-KR" sz="3600" smtClean="0">
+              <a:rPr lang="en-US" altLang="ko-KR" sz="3200" smtClean="0">
                 <a:solidFill>
                   <a:srgbClr val="FF0000"/>
                 </a:solidFill>
@@ -16702,7 +16620,7 @@
               <a:t>10</a:t>
             </a:r>
             <a:r>
-              <a:rPr lang="ko-KR" altLang="en-US" sz="3600" smtClean="0">
+              <a:rPr lang="ko-KR" altLang="en-US" sz="3200" smtClean="0">
                 <a:solidFill>
                   <a:srgbClr val="FF0000"/>
                 </a:solidFill>
@@ -16712,7 +16630,7 @@
               <a:t>의 자리가 없어진다</a:t>
             </a:r>
             <a:r>
-              <a:rPr lang="en-US" altLang="ko-KR" sz="3600" smtClean="0">
+              <a:rPr lang="en-US" altLang="ko-KR" sz="3200" smtClean="0">
                 <a:solidFill>
                   <a:srgbClr val="FF0000"/>
                 </a:solidFill>
@@ -16721,13 +16639,6 @@
               </a:rPr>
               <a:t>.</a:t>
             </a:r>
-            <a:endParaRPr lang="en-US" altLang="ko-KR" sz="3600" smtClean="0">
-              <a:solidFill>
-                <a:srgbClr val="FF0000"/>
-              </a:solidFill>
-              <a:latin typeface="G마켓 산스 Medium" panose="02000000000000000000" pitchFamily="50" charset="-127"/>
-              <a:ea typeface="G마켓 산스 Medium" panose="02000000000000000000" pitchFamily="50" charset="-127"/>
-            </a:endParaRPr>
           </a:p>
         </p:txBody>
       </p:sp>
@@ -16784,7 +16695,7 @@
           <p:cNvPr id="7" name="TextBox 6">
             <a:extLst>
               <a:ext uri="{FF2B5EF4-FFF2-40B4-BE49-F238E27FC236}">
-                <a16:creationId xmlns:a16="http://schemas.microsoft.com/office/drawing/2014/main" xmlns="" id="{4EDAA912-8FA0-0F11-119B-EA9F8B36A489}"/>
+                <a16:creationId xmlns:a16="http://schemas.microsoft.com/office/drawing/2014/main" id="{4EDAA912-8FA0-0F11-119B-EA9F8B36A489}"/>
               </a:ext>
             </a:extLst>
           </p:cNvPr>
@@ -16865,17 +16776,7 @@
                 <a:latin typeface="G마켓 산스 Medium" panose="02000000000000000000" pitchFamily="50" charset="-127"/>
                 <a:ea typeface="G마켓 산스 Medium" panose="02000000000000000000" pitchFamily="50" charset="-127"/>
               </a:rPr>
-              <a:t>짝수인지 출력 </a:t>
-            </a:r>
-            <a:r>
-              <a:rPr lang="ko-KR" altLang="en-US" sz="3600" smtClean="0">
-                <a:solidFill>
-                  <a:srgbClr val="4C50BB"/>
-                </a:solidFill>
-                <a:latin typeface="G마켓 산스 Medium" panose="02000000000000000000" pitchFamily="50" charset="-127"/>
-                <a:ea typeface="G마켓 산스 Medium" panose="02000000000000000000" pitchFamily="50" charset="-127"/>
-              </a:rPr>
-              <a:t>하시오</a:t>
+              <a:t>짝수인지 출력 하시오</a:t>
             </a:r>
             <a:endParaRPr lang="en-US" altLang="ko-KR" sz="3600" smtClean="0">
               <a:solidFill>
@@ -16944,15 +16845,6 @@
               </a:rPr>
               <a:t>: 1, 3, 5, 7, 9 …</a:t>
             </a:r>
-            <a:endParaRPr lang="en-US" altLang="ko-KR" sz="3200" smtClean="0">
-              <a:solidFill>
-                <a:schemeClr val="bg1">
-                  <a:lumMod val="50000"/>
-                </a:schemeClr>
-              </a:solidFill>
-              <a:latin typeface="G마켓 산스 Medium" panose="02000000000000000000" pitchFamily="50" charset="-127"/>
-              <a:ea typeface="G마켓 산스 Medium" panose="02000000000000000000" pitchFamily="50" charset="-127"/>
-            </a:endParaRPr>
           </a:p>
         </p:txBody>
       </p:sp>
@@ -17159,7 +17051,7 @@
           <p:cNvPr id="4" name="TextBox 3">
             <a:extLst>
               <a:ext uri="{FF2B5EF4-FFF2-40B4-BE49-F238E27FC236}">
-                <a16:creationId xmlns:a16="http://schemas.microsoft.com/office/drawing/2014/main" xmlns="" id="{4EDAA912-8FA0-0F11-119B-EA9F8B36A489}"/>
+                <a16:creationId xmlns:a16="http://schemas.microsoft.com/office/drawing/2014/main" id="{4EDAA912-8FA0-0F11-119B-EA9F8B36A489}"/>
               </a:ext>
             </a:extLst>
           </p:cNvPr>
@@ -17169,7 +17061,7 @@
         <p:spPr>
           <a:xfrm>
             <a:off x="838200" y="419100"/>
-            <a:ext cx="16383000" cy="1200329"/>
+            <a:ext cx="18059400" cy="1200329"/>
           </a:xfrm>
           <a:prstGeom prst="rect">
             <a:avLst/>
@@ -17281,15 +17173,6 @@
               </a:rPr>
               <a:t>.)</a:t>
             </a:r>
-            <a:endParaRPr lang="en-US" altLang="ko-KR" sz="3600" smtClean="0">
-              <a:solidFill>
-                <a:schemeClr val="bg1">
-                  <a:lumMod val="50000"/>
-                </a:schemeClr>
-              </a:solidFill>
-              <a:latin typeface="G마켓 산스 Medium" panose="02000000000000000000" pitchFamily="50" charset="-127"/>
-              <a:ea typeface="G마켓 산스 Medium" panose="02000000000000000000" pitchFamily="50" charset="-127"/>
-            </a:endParaRPr>
           </a:p>
         </p:txBody>
       </p:sp>
@@ -17346,7 +17229,7 @@
           <p:cNvPr id="6" name="TextBox 5">
             <a:extLst>
               <a:ext uri="{FF2B5EF4-FFF2-40B4-BE49-F238E27FC236}">
-                <a16:creationId xmlns:a16="http://schemas.microsoft.com/office/drawing/2014/main" xmlns="" id="{4EDAA912-8FA0-0F11-119B-EA9F8B36A489}"/>
+                <a16:creationId xmlns:a16="http://schemas.microsoft.com/office/drawing/2014/main" id="{4EDAA912-8FA0-0F11-119B-EA9F8B36A489}"/>
               </a:ext>
             </a:extLst>
           </p:cNvPr>
@@ -17356,7 +17239,7 @@
         <p:spPr>
           <a:xfrm>
             <a:off x="858128" y="4991100"/>
-            <a:ext cx="16744071" cy="1200329"/>
+            <a:ext cx="19030072" cy="1200329"/>
           </a:xfrm>
           <a:prstGeom prst="rect">
             <a:avLst/>
@@ -18093,7 +17976,7 @@
           <p:cNvPr id="2" name="TextBox 1">
             <a:extLst>
               <a:ext uri="{FF2B5EF4-FFF2-40B4-BE49-F238E27FC236}">
-                <a16:creationId xmlns:a16="http://schemas.microsoft.com/office/drawing/2014/main" xmlns="" id="{715D88A2-BD52-978B-A00A-540446126E3D}"/>
+                <a16:creationId xmlns:a16="http://schemas.microsoft.com/office/drawing/2014/main" id="{715D88A2-BD52-978B-A00A-540446126E3D}"/>
               </a:ext>
             </a:extLst>
           </p:cNvPr>
@@ -18173,7 +18056,7 @@
           <p:cNvPr id="4" name="TextBox 3">
             <a:extLst>
               <a:ext uri="{FF2B5EF4-FFF2-40B4-BE49-F238E27FC236}">
-                <a16:creationId xmlns:a16="http://schemas.microsoft.com/office/drawing/2014/main" xmlns="" id="{7229BEA6-121E-9056-D07F-2B3BB1795F76}"/>
+                <a16:creationId xmlns:a16="http://schemas.microsoft.com/office/drawing/2014/main" id="{7229BEA6-121E-9056-D07F-2B3BB1795F76}"/>
               </a:ext>
             </a:extLst>
           </p:cNvPr>
@@ -18221,7 +18104,7 @@
           <p:cNvPr id="6" name="직선 화살표 연결선 5">
             <a:extLst>
               <a:ext uri="{FF2B5EF4-FFF2-40B4-BE49-F238E27FC236}">
-                <a16:creationId xmlns="" xmlns:a16="http://schemas.microsoft.com/office/drawing/2014/main" id="{299DF5EC-9DF4-5255-06AC-0A7CE4FF58C3}"/>
+                <a16:creationId xmlns:a16="http://schemas.microsoft.com/office/drawing/2014/main" id="{299DF5EC-9DF4-5255-06AC-0A7CE4FF58C3}"/>
               </a:ext>
             </a:extLst>
           </p:cNvPr>
@@ -18262,7 +18145,7 @@
           <p:cNvPr id="9" name="TextBox 8">
             <a:extLst>
               <a:ext uri="{FF2B5EF4-FFF2-40B4-BE49-F238E27FC236}">
-                <a16:creationId xmlns="" xmlns:a16="http://schemas.microsoft.com/office/drawing/2014/main" id="{5ADC00B6-990A-40DC-3CEA-505258F5E8DA}"/>
+                <a16:creationId xmlns:a16="http://schemas.microsoft.com/office/drawing/2014/main" id="{5ADC00B6-990A-40DC-3CEA-505258F5E8DA}"/>
               </a:ext>
             </a:extLst>
           </p:cNvPr>
@@ -18310,7 +18193,7 @@
           <p:cNvPr id="10" name="TextBox 9">
             <a:extLst>
               <a:ext uri="{FF2B5EF4-FFF2-40B4-BE49-F238E27FC236}">
-                <a16:creationId xmlns="" xmlns:a16="http://schemas.microsoft.com/office/drawing/2014/main" id="{5ADC00B6-990A-40DC-3CEA-505258F5E8DA}"/>
+                <a16:creationId xmlns:a16="http://schemas.microsoft.com/office/drawing/2014/main" id="{5ADC00B6-990A-40DC-3CEA-505258F5E8DA}"/>
               </a:ext>
             </a:extLst>
           </p:cNvPr>
@@ -18358,7 +18241,7 @@
           <p:cNvPr id="12" name="직선 화살표 연결선 11">
             <a:extLst>
               <a:ext uri="{FF2B5EF4-FFF2-40B4-BE49-F238E27FC236}">
-                <a16:creationId xmlns="" xmlns:a16="http://schemas.microsoft.com/office/drawing/2014/main" id="{299DF5EC-9DF4-5255-06AC-0A7CE4FF58C3}"/>
+                <a16:creationId xmlns:a16="http://schemas.microsoft.com/office/drawing/2014/main" id="{299DF5EC-9DF4-5255-06AC-0A7CE4FF58C3}"/>
               </a:ext>
             </a:extLst>
           </p:cNvPr>
@@ -18399,7 +18282,7 @@
           <p:cNvPr id="14" name="직선 화살표 연결선 13">
             <a:extLst>
               <a:ext uri="{FF2B5EF4-FFF2-40B4-BE49-F238E27FC236}">
-                <a16:creationId xmlns="" xmlns:a16="http://schemas.microsoft.com/office/drawing/2014/main" id="{299DF5EC-9DF4-5255-06AC-0A7CE4FF58C3}"/>
+                <a16:creationId xmlns:a16="http://schemas.microsoft.com/office/drawing/2014/main" id="{299DF5EC-9DF4-5255-06AC-0A7CE4FF58C3}"/>
               </a:ext>
             </a:extLst>
           </p:cNvPr>
@@ -18440,7 +18323,7 @@
           <p:cNvPr id="16" name="TextBox 15">
             <a:extLst>
               <a:ext uri="{FF2B5EF4-FFF2-40B4-BE49-F238E27FC236}">
-                <a16:creationId xmlns="" xmlns:a16="http://schemas.microsoft.com/office/drawing/2014/main" id="{5ADC00B6-990A-40DC-3CEA-505258F5E8DA}"/>
+                <a16:creationId xmlns:a16="http://schemas.microsoft.com/office/drawing/2014/main" id="{5ADC00B6-990A-40DC-3CEA-505258F5E8DA}"/>
               </a:ext>
             </a:extLst>
           </p:cNvPr>
@@ -18488,7 +18371,7 @@
           <p:cNvPr id="17" name="직선 화살표 연결선 16">
             <a:extLst>
               <a:ext uri="{FF2B5EF4-FFF2-40B4-BE49-F238E27FC236}">
-                <a16:creationId xmlns="" xmlns:a16="http://schemas.microsoft.com/office/drawing/2014/main" id="{299DF5EC-9DF4-5255-06AC-0A7CE4FF58C3}"/>
+                <a16:creationId xmlns:a16="http://schemas.microsoft.com/office/drawing/2014/main" id="{299DF5EC-9DF4-5255-06AC-0A7CE4FF58C3}"/>
               </a:ext>
             </a:extLst>
           </p:cNvPr>
@@ -18529,7 +18412,7 @@
           <p:cNvPr id="19" name="TextBox 18">
             <a:extLst>
               <a:ext uri="{FF2B5EF4-FFF2-40B4-BE49-F238E27FC236}">
-                <a16:creationId xmlns="" xmlns:a16="http://schemas.microsoft.com/office/drawing/2014/main" id="{5ADC00B6-990A-40DC-3CEA-505258F5E8DA}"/>
+                <a16:creationId xmlns:a16="http://schemas.microsoft.com/office/drawing/2014/main" id="{5ADC00B6-990A-40DC-3CEA-505258F5E8DA}"/>
               </a:ext>
             </a:extLst>
           </p:cNvPr>
@@ -18577,7 +18460,7 @@
           <p:cNvPr id="20" name="직선 화살표 연결선 19">
             <a:extLst>
               <a:ext uri="{FF2B5EF4-FFF2-40B4-BE49-F238E27FC236}">
-                <a16:creationId xmlns="" xmlns:a16="http://schemas.microsoft.com/office/drawing/2014/main" id="{299DF5EC-9DF4-5255-06AC-0A7CE4FF58C3}"/>
+                <a16:creationId xmlns:a16="http://schemas.microsoft.com/office/drawing/2014/main" id="{299DF5EC-9DF4-5255-06AC-0A7CE4FF58C3}"/>
               </a:ext>
             </a:extLst>
           </p:cNvPr>
@@ -18618,7 +18501,7 @@
           <p:cNvPr id="22" name="TextBox 21">
             <a:extLst>
               <a:ext uri="{FF2B5EF4-FFF2-40B4-BE49-F238E27FC236}">
-                <a16:creationId xmlns="" xmlns:a16="http://schemas.microsoft.com/office/drawing/2014/main" id="{5ADC00B6-990A-40DC-3CEA-505258F5E8DA}"/>
+                <a16:creationId xmlns:a16="http://schemas.microsoft.com/office/drawing/2014/main" id="{5ADC00B6-990A-40DC-3CEA-505258F5E8DA}"/>
               </a:ext>
             </a:extLst>
           </p:cNvPr>
@@ -18891,7 +18774,7 @@
           <p:cNvPr id="2" name="TextBox 1">
             <a:extLst>
               <a:ext uri="{FF2B5EF4-FFF2-40B4-BE49-F238E27FC236}">
-                <a16:creationId xmlns:a16="http://schemas.microsoft.com/office/drawing/2014/main" xmlns="" id="{76F36AE5-79B5-0B9F-E510-1C27AAC4B649}"/>
+                <a16:creationId xmlns:a16="http://schemas.microsoft.com/office/drawing/2014/main" id="{76F36AE5-79B5-0B9F-E510-1C27AAC4B649}"/>
               </a:ext>
             </a:extLst>
           </p:cNvPr>
@@ -19054,7 +18937,7 @@
           <p:cNvPr id="27" name="TextBox 26">
             <a:extLst>
               <a:ext uri="{FF2B5EF4-FFF2-40B4-BE49-F238E27FC236}">
-                <a16:creationId xmlns:a16="http://schemas.microsoft.com/office/drawing/2014/main" xmlns="" id="{7229BEA6-121E-9056-D07F-2B3BB1795F76}"/>
+                <a16:creationId xmlns:a16="http://schemas.microsoft.com/office/drawing/2014/main" id="{7229BEA6-121E-9056-D07F-2B3BB1795F76}"/>
               </a:ext>
             </a:extLst>
           </p:cNvPr>
@@ -19122,9 +19005,27 @@
                 <a:tableStyleId>{5C22544A-7EE6-4342-B048-85BDC9FD1C3A}</a:tableStyleId>
               </a:tblPr>
               <a:tblGrid>
-                <a:gridCol w="1981200"/>
-                <a:gridCol w="2895164"/>
-                <a:gridCol w="3131044"/>
+                <a:gridCol w="1981200">
+                  <a:extLst>
+                    <a:ext uri="{9D8B030D-6E8A-4147-A177-3AD203B41FA5}">
+                      <a16:colId xmlns:a16="http://schemas.microsoft.com/office/drawing/2014/main" val="20000"/>
+                    </a:ext>
+                  </a:extLst>
+                </a:gridCol>
+                <a:gridCol w="2895164">
+                  <a:extLst>
+                    <a:ext uri="{9D8B030D-6E8A-4147-A177-3AD203B41FA5}">
+                      <a16:colId xmlns:a16="http://schemas.microsoft.com/office/drawing/2014/main" val="20001"/>
+                    </a:ext>
+                  </a:extLst>
+                </a:gridCol>
+                <a:gridCol w="3131044">
+                  <a:extLst>
+                    <a:ext uri="{9D8B030D-6E8A-4147-A177-3AD203B41FA5}">
+                      <a16:colId xmlns:a16="http://schemas.microsoft.com/office/drawing/2014/main" val="20002"/>
+                    </a:ext>
+                  </a:extLst>
+                </a:gridCol>
               </a:tblGrid>
               <a:tr h="694690">
                 <a:tc>
@@ -19316,6 +19217,11 @@
                     </a:solidFill>
                   </a:tcPr>
                 </a:tc>
+                <a:extLst>
+                  <a:ext uri="{0D108BD9-81ED-4DB2-BD59-A6C34878D82A}">
+                    <a16:rowId xmlns:a16="http://schemas.microsoft.com/office/drawing/2014/main" val="10000"/>
+                  </a:ext>
+                </a:extLst>
               </a:tr>
               <a:tr h="694690">
                 <a:tc>
@@ -19563,6 +19469,11 @@
                     <a:noFill/>
                   </a:tcPr>
                 </a:tc>
+                <a:extLst>
+                  <a:ext uri="{0D108BD9-81ED-4DB2-BD59-A6C34878D82A}">
+                    <a16:rowId xmlns:a16="http://schemas.microsoft.com/office/drawing/2014/main" val="10001"/>
+                  </a:ext>
+                </a:extLst>
               </a:tr>
               <a:tr h="694690">
                 <a:tc>
@@ -19843,6 +19754,11 @@
                     <a:noFill/>
                   </a:tcPr>
                 </a:tc>
+                <a:extLst>
+                  <a:ext uri="{0D108BD9-81ED-4DB2-BD59-A6C34878D82A}">
+                    <a16:rowId xmlns:a16="http://schemas.microsoft.com/office/drawing/2014/main" val="10002"/>
+                  </a:ext>
+                </a:extLst>
               </a:tr>
               <a:tr h="694690">
                 <a:tc>
@@ -20046,6 +19962,11 @@
                     <a:noFill/>
                   </a:tcPr>
                 </a:tc>
+                <a:extLst>
+                  <a:ext uri="{0D108BD9-81ED-4DB2-BD59-A6C34878D82A}">
+                    <a16:rowId xmlns:a16="http://schemas.microsoft.com/office/drawing/2014/main" val="10003"/>
+                  </a:ext>
+                </a:extLst>
               </a:tr>
               <a:tr h="694690">
                 <a:tc>
@@ -20249,6 +20170,11 @@
                     <a:noFill/>
                   </a:tcPr>
                 </a:tc>
+                <a:extLst>
+                  <a:ext uri="{0D108BD9-81ED-4DB2-BD59-A6C34878D82A}">
+                    <a16:rowId xmlns:a16="http://schemas.microsoft.com/office/drawing/2014/main" val="10004"/>
+                  </a:ext>
+                </a:extLst>
               </a:tr>
               <a:tr h="694690">
                 <a:tc>
@@ -20452,6 +20378,11 @@
                     <a:noFill/>
                   </a:tcPr>
                 </a:tc>
+                <a:extLst>
+                  <a:ext uri="{0D108BD9-81ED-4DB2-BD59-A6C34878D82A}">
+                    <a16:rowId xmlns:a16="http://schemas.microsoft.com/office/drawing/2014/main" val="10005"/>
+                  </a:ext>
+                </a:extLst>
               </a:tr>
               <a:tr h="694690">
                 <a:tc>
@@ -20655,6 +20586,11 @@
                     <a:noFill/>
                   </a:tcPr>
                 </a:tc>
+                <a:extLst>
+                  <a:ext uri="{0D108BD9-81ED-4DB2-BD59-A6C34878D82A}">
+                    <a16:rowId xmlns:a16="http://schemas.microsoft.com/office/drawing/2014/main" val="10006"/>
+                  </a:ext>
+                </a:extLst>
               </a:tr>
               <a:tr h="694690">
                 <a:tc>
@@ -20858,6 +20794,11 @@
                     <a:noFill/>
                   </a:tcPr>
                 </a:tc>
+                <a:extLst>
+                  <a:ext uri="{0D108BD9-81ED-4DB2-BD59-A6C34878D82A}">
+                    <a16:rowId xmlns:a16="http://schemas.microsoft.com/office/drawing/2014/main" val="10007"/>
+                  </a:ext>
+                </a:extLst>
               </a:tr>
             </a:tbl>
           </a:graphicData>
@@ -20905,7 +20846,7 @@
           <p:cNvPr id="4" name="TextBox 3">
             <a:extLst>
               <a:ext uri="{FF2B5EF4-FFF2-40B4-BE49-F238E27FC236}">
-                <a16:creationId xmlns:a16="http://schemas.microsoft.com/office/drawing/2014/main" xmlns="" id="{7229BEA6-121E-9056-D07F-2B3BB1795F76}"/>
+                <a16:creationId xmlns:a16="http://schemas.microsoft.com/office/drawing/2014/main" id="{7229BEA6-121E-9056-D07F-2B3BB1795F76}"/>
               </a:ext>
             </a:extLst>
           </p:cNvPr>
@@ -20953,7 +20894,7 @@
           <p:cNvPr id="5" name="TextBox 4">
             <a:extLst>
               <a:ext uri="{FF2B5EF4-FFF2-40B4-BE49-F238E27FC236}">
-                <a16:creationId xmlns:a16="http://schemas.microsoft.com/office/drawing/2014/main" xmlns="" id="{7229BEA6-121E-9056-D07F-2B3BB1795F76}"/>
+                <a16:creationId xmlns:a16="http://schemas.microsoft.com/office/drawing/2014/main" id="{7229BEA6-121E-9056-D07F-2B3BB1795F76}"/>
               </a:ext>
             </a:extLst>
           </p:cNvPr>
@@ -21011,7 +20952,7 @@
           <p:cNvPr id="6" name="TextBox 5">
             <a:extLst>
               <a:ext uri="{FF2B5EF4-FFF2-40B4-BE49-F238E27FC236}">
-                <a16:creationId xmlns:a16="http://schemas.microsoft.com/office/drawing/2014/main" xmlns="" id="{7229BEA6-121E-9056-D07F-2B3BB1795F76}"/>
+                <a16:creationId xmlns:a16="http://schemas.microsoft.com/office/drawing/2014/main" id="{7229BEA6-121E-9056-D07F-2B3BB1795F76}"/>
               </a:ext>
             </a:extLst>
           </p:cNvPr>
@@ -21059,7 +21000,7 @@
           <p:cNvPr id="7" name="TextBox 6">
             <a:extLst>
               <a:ext uri="{FF2B5EF4-FFF2-40B4-BE49-F238E27FC236}">
-                <a16:creationId xmlns="" xmlns:a16="http://schemas.microsoft.com/office/drawing/2014/main" id="{5ADC00B6-990A-40DC-3CEA-505258F5E8DA}"/>
+                <a16:creationId xmlns:a16="http://schemas.microsoft.com/office/drawing/2014/main" id="{5ADC00B6-990A-40DC-3CEA-505258F5E8DA}"/>
               </a:ext>
             </a:extLst>
           </p:cNvPr>
@@ -21069,7 +21010,7 @@
         <p:spPr>
           <a:xfrm>
             <a:off x="7924800" y="1579720"/>
-            <a:ext cx="3276600" cy="830997"/>
+            <a:ext cx="6248400" cy="830997"/>
           </a:xfrm>
           <a:prstGeom prst="rect">
             <a:avLst/>
@@ -21107,7 +21048,7 @@
           <p:cNvPr id="8" name="TextBox 7">
             <a:extLst>
               <a:ext uri="{FF2B5EF4-FFF2-40B4-BE49-F238E27FC236}">
-                <a16:creationId xmlns="" xmlns:a16="http://schemas.microsoft.com/office/drawing/2014/main" id="{5ADC00B6-990A-40DC-3CEA-505258F5E8DA}"/>
+                <a16:creationId xmlns:a16="http://schemas.microsoft.com/office/drawing/2014/main" id="{5ADC00B6-990A-40DC-3CEA-505258F5E8DA}"/>
               </a:ext>
             </a:extLst>
           </p:cNvPr>
@@ -21155,7 +21096,7 @@
           <p:cNvPr id="9" name="직사각형 8">
             <a:extLst>
               <a:ext uri="{FF2B5EF4-FFF2-40B4-BE49-F238E27FC236}">
-                <a16:creationId xmlns="" xmlns:a16="http://schemas.microsoft.com/office/drawing/2014/main" id="{FFF506F9-840A-0508-4CAF-3AC711D8D5CE}"/>
+                <a16:creationId xmlns:a16="http://schemas.microsoft.com/office/drawing/2014/main" id="{FFF506F9-840A-0508-4CAF-3AC711D8D5CE}"/>
               </a:ext>
             </a:extLst>
           </p:cNvPr>
@@ -21207,7 +21148,7 @@
           <p:cNvPr id="10" name="직사각형 9">
             <a:extLst>
               <a:ext uri="{FF2B5EF4-FFF2-40B4-BE49-F238E27FC236}">
-                <a16:creationId xmlns="" xmlns:a16="http://schemas.microsoft.com/office/drawing/2014/main" id="{FFF506F9-840A-0508-4CAF-3AC711D8D5CE}"/>
+                <a16:creationId xmlns:a16="http://schemas.microsoft.com/office/drawing/2014/main" id="{FFF506F9-840A-0508-4CAF-3AC711D8D5CE}"/>
               </a:ext>
             </a:extLst>
           </p:cNvPr>
@@ -21259,7 +21200,7 @@
           <p:cNvPr id="11" name="직사각형 10">
             <a:extLst>
               <a:ext uri="{FF2B5EF4-FFF2-40B4-BE49-F238E27FC236}">
-                <a16:creationId xmlns="" xmlns:a16="http://schemas.microsoft.com/office/drawing/2014/main" id="{FFF506F9-840A-0508-4CAF-3AC711D8D5CE}"/>
+                <a16:creationId xmlns:a16="http://schemas.microsoft.com/office/drawing/2014/main" id="{FFF506F9-840A-0508-4CAF-3AC711D8D5CE}"/>
               </a:ext>
             </a:extLst>
           </p:cNvPr>
@@ -21335,7 +21276,7 @@
           <p:cNvPr id="14" name="직사각형 13">
             <a:extLst>
               <a:ext uri="{FF2B5EF4-FFF2-40B4-BE49-F238E27FC236}">
-                <a16:creationId xmlns="" xmlns:a16="http://schemas.microsoft.com/office/drawing/2014/main" id="{FFF506F9-840A-0508-4CAF-3AC711D8D5CE}"/>
+                <a16:creationId xmlns:a16="http://schemas.microsoft.com/office/drawing/2014/main" id="{FFF506F9-840A-0508-4CAF-3AC711D8D5CE}"/>
               </a:ext>
             </a:extLst>
           </p:cNvPr>
@@ -21387,7 +21328,7 @@
           <p:cNvPr id="15" name="직사각형 14">
             <a:extLst>
               <a:ext uri="{FF2B5EF4-FFF2-40B4-BE49-F238E27FC236}">
-                <a16:creationId xmlns="" xmlns:a16="http://schemas.microsoft.com/office/drawing/2014/main" id="{FFF506F9-840A-0508-4CAF-3AC711D8D5CE}"/>
+                <a16:creationId xmlns:a16="http://schemas.microsoft.com/office/drawing/2014/main" id="{FFF506F9-840A-0508-4CAF-3AC711D8D5CE}"/>
               </a:ext>
             </a:extLst>
           </p:cNvPr>
@@ -21439,7 +21380,7 @@
           <p:cNvPr id="16" name="직사각형 15">
             <a:extLst>
               <a:ext uri="{FF2B5EF4-FFF2-40B4-BE49-F238E27FC236}">
-                <a16:creationId xmlns="" xmlns:a16="http://schemas.microsoft.com/office/drawing/2014/main" id="{FFF506F9-840A-0508-4CAF-3AC711D8D5CE}"/>
+                <a16:creationId xmlns:a16="http://schemas.microsoft.com/office/drawing/2014/main" id="{FFF506F9-840A-0508-4CAF-3AC711D8D5CE}"/>
               </a:ext>
             </a:extLst>
           </p:cNvPr>
@@ -21822,7 +21763,7 @@
           <p:cNvPr id="4" name="TextBox 3">
             <a:extLst>
               <a:ext uri="{FF2B5EF4-FFF2-40B4-BE49-F238E27FC236}">
-                <a16:creationId xmlns:a16="http://schemas.microsoft.com/office/drawing/2014/main" xmlns="" id="{7229BEA6-121E-9056-D07F-2B3BB1795F76}"/>
+                <a16:creationId xmlns:a16="http://schemas.microsoft.com/office/drawing/2014/main" id="{7229BEA6-121E-9056-D07F-2B3BB1795F76}"/>
               </a:ext>
             </a:extLst>
           </p:cNvPr>
@@ -21870,7 +21811,7 @@
           <p:cNvPr id="5" name="TextBox 4">
             <a:extLst>
               <a:ext uri="{FF2B5EF4-FFF2-40B4-BE49-F238E27FC236}">
-                <a16:creationId xmlns="" xmlns:a16="http://schemas.microsoft.com/office/drawing/2014/main" id="{5ADC00B6-990A-40DC-3CEA-505258F5E8DA}"/>
+                <a16:creationId xmlns:a16="http://schemas.microsoft.com/office/drawing/2014/main" id="{5ADC00B6-990A-40DC-3CEA-505258F5E8DA}"/>
               </a:ext>
             </a:extLst>
           </p:cNvPr>
@@ -21989,7 +21930,7 @@
           <p:cNvPr id="4" name="TextBox 3">
             <a:extLst>
               <a:ext uri="{FF2B5EF4-FFF2-40B4-BE49-F238E27FC236}">
-                <a16:creationId xmlns="" xmlns:a16="http://schemas.microsoft.com/office/drawing/2014/main" id="{5ADC00B6-990A-40DC-3CEA-505258F5E8DA}"/>
+                <a16:creationId xmlns:a16="http://schemas.microsoft.com/office/drawing/2014/main" id="{5ADC00B6-990A-40DC-3CEA-505258F5E8DA}"/>
               </a:ext>
             </a:extLst>
           </p:cNvPr>
@@ -22071,7 +22012,7 @@
           <p:cNvPr id="6" name="TextBox 5">
             <a:extLst>
               <a:ext uri="{FF2B5EF4-FFF2-40B4-BE49-F238E27FC236}">
-                <a16:creationId xmlns="" xmlns:a16="http://schemas.microsoft.com/office/drawing/2014/main" id="{5ADC00B6-990A-40DC-3CEA-505258F5E8DA}"/>
+                <a16:creationId xmlns:a16="http://schemas.microsoft.com/office/drawing/2014/main" id="{5ADC00B6-990A-40DC-3CEA-505258F5E8DA}"/>
               </a:ext>
             </a:extLst>
           </p:cNvPr>
